--- a/UVB-exposure-on-melanoma-mortality.pptx
+++ b/UVB-exposure-on-melanoma-mortality.pptx
@@ -220,7 +220,7 @@
           <a:p>
             <a:fld id="{64772BF1-E5F6-7A49-B9EA-C03B53BF8D93}" type="datetimeFigureOut">
               <a:rPr lang="it-IT" smtClean="0"/>
-              <a:t>19/06/24</a:t>
+              <a:t>30/06/24</a:t>
             </a:fld>
             <a:endParaRPr lang="it-IT"/>
           </a:p>
@@ -1182,6 +1182,14 @@
             </a:r>
             <a:r>
               <a:rPr lang="it-IT" dirty="0"/>
+              <a:t> </a:t>
+            </a:r>
+            <a:r>
+              <a:rPr lang="it-IT" dirty="0" err="1"/>
+              <a:t>almost</a:t>
+            </a:r>
+            <a:r>
+              <a:rPr lang="it-IT" dirty="0"/>
               <a:t> the </a:t>
             </a:r>
             <a:r>
@@ -1199,6 +1207,15 @@
             <a:r>
               <a:rPr lang="it-IT" dirty="0"/>
               <a:t> the one for model M1</a:t>
+            </a:r>
+          </a:p>
+          <a:p>
+            <a:endParaRPr lang="it-IT" dirty="0"/>
+          </a:p>
+          <a:p>
+            <a:r>
+              <a:rPr lang="it-IT" dirty="0"/>
+              <a:t>SISTEMA E CONTROLLA</a:t>
             </a:r>
           </a:p>
         </p:txBody>
@@ -3483,7 +3500,7 @@
           <a:p>
             <a:fld id="{4EA50560-6CC8-914C-9AB5-2FD017C5E165}" type="datetimeFigureOut">
               <a:rPr lang="it-IT" smtClean="0"/>
-              <a:t>19/06/24</a:t>
+              <a:t>30/06/24</a:t>
             </a:fld>
             <a:endParaRPr lang="it-IT"/>
           </a:p>
@@ -3681,7 +3698,7 @@
           <a:p>
             <a:fld id="{4EA50560-6CC8-914C-9AB5-2FD017C5E165}" type="datetimeFigureOut">
               <a:rPr lang="it-IT" smtClean="0"/>
-              <a:t>19/06/24</a:t>
+              <a:t>30/06/24</a:t>
             </a:fld>
             <a:endParaRPr lang="it-IT"/>
           </a:p>
@@ -3889,7 +3906,7 @@
           <a:p>
             <a:fld id="{4EA50560-6CC8-914C-9AB5-2FD017C5E165}" type="datetimeFigureOut">
               <a:rPr lang="it-IT" smtClean="0"/>
-              <a:t>19/06/24</a:t>
+              <a:t>30/06/24</a:t>
             </a:fld>
             <a:endParaRPr lang="it-IT"/>
           </a:p>
@@ -4087,7 +4104,7 @@
           <a:p>
             <a:fld id="{4EA50560-6CC8-914C-9AB5-2FD017C5E165}" type="datetimeFigureOut">
               <a:rPr lang="it-IT" smtClean="0"/>
-              <a:t>19/06/24</a:t>
+              <a:t>30/06/24</a:t>
             </a:fld>
             <a:endParaRPr lang="it-IT"/>
           </a:p>
@@ -4362,7 +4379,7 @@
           <a:p>
             <a:fld id="{4EA50560-6CC8-914C-9AB5-2FD017C5E165}" type="datetimeFigureOut">
               <a:rPr lang="it-IT" smtClean="0"/>
-              <a:t>19/06/24</a:t>
+              <a:t>30/06/24</a:t>
             </a:fld>
             <a:endParaRPr lang="it-IT"/>
           </a:p>
@@ -4627,7 +4644,7 @@
           <a:p>
             <a:fld id="{4EA50560-6CC8-914C-9AB5-2FD017C5E165}" type="datetimeFigureOut">
               <a:rPr lang="it-IT" smtClean="0"/>
-              <a:t>19/06/24</a:t>
+              <a:t>30/06/24</a:t>
             </a:fld>
             <a:endParaRPr lang="it-IT"/>
           </a:p>
@@ -5039,7 +5056,7 @@
           <a:p>
             <a:fld id="{4EA50560-6CC8-914C-9AB5-2FD017C5E165}" type="datetimeFigureOut">
               <a:rPr lang="it-IT" smtClean="0"/>
-              <a:t>19/06/24</a:t>
+              <a:t>30/06/24</a:t>
             </a:fld>
             <a:endParaRPr lang="it-IT"/>
           </a:p>
@@ -5180,7 +5197,7 @@
           <a:p>
             <a:fld id="{4EA50560-6CC8-914C-9AB5-2FD017C5E165}" type="datetimeFigureOut">
               <a:rPr lang="it-IT" smtClean="0"/>
-              <a:t>19/06/24</a:t>
+              <a:t>30/06/24</a:t>
             </a:fld>
             <a:endParaRPr lang="it-IT"/>
           </a:p>
@@ -5293,7 +5310,7 @@
           <a:p>
             <a:fld id="{4EA50560-6CC8-914C-9AB5-2FD017C5E165}" type="datetimeFigureOut">
               <a:rPr lang="it-IT" smtClean="0"/>
-              <a:t>19/06/24</a:t>
+              <a:t>30/06/24</a:t>
             </a:fld>
             <a:endParaRPr lang="it-IT"/>
           </a:p>
@@ -5604,7 +5621,7 @@
           <a:p>
             <a:fld id="{4EA50560-6CC8-914C-9AB5-2FD017C5E165}" type="datetimeFigureOut">
               <a:rPr lang="it-IT" smtClean="0"/>
-              <a:t>19/06/24</a:t>
+              <a:t>30/06/24</a:t>
             </a:fld>
             <a:endParaRPr lang="it-IT"/>
           </a:p>
@@ -5892,7 +5909,7 @@
           <a:p>
             <a:fld id="{4EA50560-6CC8-914C-9AB5-2FD017C5E165}" type="datetimeFigureOut">
               <a:rPr lang="it-IT" smtClean="0"/>
-              <a:t>19/06/24</a:t>
+              <a:t>30/06/24</a:t>
             </a:fld>
             <a:endParaRPr lang="it-IT"/>
           </a:p>
@@ -6133,7 +6150,7 @@
           <a:p>
             <a:fld id="{4EA50560-6CC8-914C-9AB5-2FD017C5E165}" type="datetimeFigureOut">
               <a:rPr lang="it-IT" smtClean="0"/>
-              <a:t>19/06/24</a:t>
+              <a:t>30/06/24</a:t>
             </a:fld>
             <a:endParaRPr lang="it-IT"/>
           </a:p>
@@ -8155,11 +8172,66 @@
             </a:r>
             <a:r>
               <a:rPr lang="it-IT" sz="2500" dirty="0">
+                <a:latin typeface="Andale Mono" panose="020B0509000000000004" pitchFamily="49" charset="0"/>
+                <a:cs typeface="Arial" panose="020B0604020202020204" pitchFamily="34" charset="0"/>
+              </a:rPr>
+              <a:t>)</a:t>
+            </a:r>
+            <a:r>
+              <a:rPr lang="it-IT" sz="2500" dirty="0">
                 <a:effectLst/>
                 <a:latin typeface="Andale Mono" panose="020B0509000000000004" pitchFamily="49" charset="0"/>
                 <a:cs typeface="Arial" panose="020B0604020202020204" pitchFamily="34" charset="0"/>
               </a:rPr>
-              <a:t>), </a:t>
+              <a:t> +</a:t>
+            </a:r>
+          </a:p>
+          <a:p>
+            <a:pPr marL="0" indent="0">
+              <a:buNone/>
+            </a:pPr>
+            <a:r>
+              <a:rPr lang="it-IT" sz="2500" dirty="0">
+                <a:latin typeface="Andale Mono" panose="020B0509000000000004" pitchFamily="49" charset="0"/>
+                <a:cs typeface="Arial" panose="020B0604020202020204" pitchFamily="34" charset="0"/>
+              </a:rPr>
+              <a:t>					+ </a:t>
+            </a:r>
+            <a:r>
+              <a:rPr lang="it-IT" sz="2500" dirty="0">
+                <a:effectLst/>
+                <a:latin typeface="Andale Mono" panose="020B0509000000000004" pitchFamily="49" charset="0"/>
+                <a:cs typeface="Arial" panose="020B0604020202020204" pitchFamily="34" charset="0"/>
+              </a:rPr>
+              <a:t>(1 | </a:t>
+            </a:r>
+            <a:r>
+              <a:rPr lang="it-IT" sz="2500" dirty="0" err="1">
+                <a:effectLst/>
+                <a:latin typeface="Andale Mono" panose="020B0509000000000004" pitchFamily="49" charset="0"/>
+                <a:cs typeface="Arial" panose="020B0604020202020204" pitchFamily="34" charset="0"/>
+              </a:rPr>
+              <a:t>nation</a:t>
+            </a:r>
+            <a:r>
+              <a:rPr lang="it-IT" sz="2500" dirty="0">
+                <a:effectLst/>
+                <a:latin typeface="Andale Mono" panose="020B0509000000000004" pitchFamily="49" charset="0"/>
+                <a:cs typeface="Arial" panose="020B0604020202020204" pitchFamily="34" charset="0"/>
+              </a:rPr>
+              <a:t>),</a:t>
+            </a:r>
+          </a:p>
+          <a:p>
+            <a:pPr marL="0" indent="0">
+              <a:buNone/>
+            </a:pPr>
+            <a:r>
+              <a:rPr lang="it-IT" sz="2500" dirty="0">
+                <a:latin typeface="Andale Mono" panose="020B0509000000000004" pitchFamily="49" charset="0"/>
+                <a:cs typeface="Arial" panose="020B0604020202020204" pitchFamily="34" charset="0"/>
+              </a:rPr>
+              <a:t>			</a:t>
             </a:r>
             <a:r>
               <a:rPr lang="it-IT" sz="2500" dirty="0" err="1">
@@ -9581,7 +9653,35 @@
                 <a:latin typeface="Andale Mono" panose="020B0509000000000004" pitchFamily="49" charset="0"/>
                 <a:cs typeface="Arial" panose="020B0604020202020204" pitchFamily="34" charset="0"/>
               </a:rPr>
-              <a:t>), </a:t>
+              <a:t>) + (1 | </a:t>
+            </a:r>
+            <a:r>
+              <a:rPr lang="it-IT" sz="2500" dirty="0" err="1">
+                <a:effectLst/>
+                <a:latin typeface="Andale Mono" panose="020B0509000000000004" pitchFamily="49" charset="0"/>
+                <a:cs typeface="Arial" panose="020B0604020202020204" pitchFamily="34" charset="0"/>
+              </a:rPr>
+              <a:t>nation</a:t>
+            </a:r>
+            <a:r>
+              <a:rPr lang="it-IT" sz="2500" dirty="0">
+                <a:effectLst/>
+                <a:latin typeface="Andale Mono" panose="020B0509000000000004" pitchFamily="49" charset="0"/>
+                <a:cs typeface="Arial" panose="020B0604020202020204" pitchFamily="34" charset="0"/>
+              </a:rPr>
+              <a:t>),</a:t>
+            </a:r>
+          </a:p>
+          <a:p>
+            <a:pPr marL="0" indent="0">
+              <a:buNone/>
+            </a:pPr>
+            <a:r>
+              <a:rPr lang="it-IT" sz="2500" dirty="0">
+                <a:latin typeface="Andale Mono" panose="020B0509000000000004" pitchFamily="49" charset="0"/>
+                <a:cs typeface="Arial" panose="020B0604020202020204" pitchFamily="34" charset="0"/>
+              </a:rPr>
+              <a:t>				</a:t>
             </a:r>
             <a:r>
               <a:rPr lang="it-IT" sz="2500" dirty="0" err="1">
@@ -10164,95 +10264,6 @@
           <a:xfrm>
             <a:off x="179714" y="2903126"/>
             <a:ext cx="5626615" cy="1088019"/>
-          </a:xfrm>
-          <a:prstGeom prst="rect">
-            <a:avLst/>
-          </a:prstGeom>
-        </p:spPr>
-      </p:pic>
-      <p:pic>
-        <p:nvPicPr>
-          <p:cNvPr id="12" name="Immagine 11" descr="Immagine che contiene testo, Carattere, schermata, bianco&#10;&#10;Descrizione generata automaticamente">
-            <a:extLst>
-              <a:ext uri="{FF2B5EF4-FFF2-40B4-BE49-F238E27FC236}">
-                <a16:creationId xmlns:a16="http://schemas.microsoft.com/office/drawing/2014/main" id="{B96086C2-0CAF-9EE7-D1E0-DE723D62EE85}"/>
-              </a:ext>
-            </a:extLst>
-          </p:cNvPr>
-          <p:cNvPicPr>
-            <a:picLocks noChangeAspect="1"/>
-          </p:cNvPicPr>
-          <p:nvPr/>
-        </p:nvPicPr>
-        <p:blipFill>
-          <a:blip r:embed="rId5"/>
-          <a:stretch>
-            <a:fillRect/>
-          </a:stretch>
-        </p:blipFill>
-        <p:spPr>
-          <a:xfrm>
-            <a:off x="179714" y="4413052"/>
-            <a:ext cx="6961146" cy="1315042"/>
-          </a:xfrm>
-          <a:prstGeom prst="rect">
-            <a:avLst/>
-          </a:prstGeom>
-        </p:spPr>
-      </p:pic>
-      <p:pic>
-        <p:nvPicPr>
-          <p:cNvPr id="14" name="Immagine 13">
-            <a:extLst>
-              <a:ext uri="{FF2B5EF4-FFF2-40B4-BE49-F238E27FC236}">
-                <a16:creationId xmlns:a16="http://schemas.microsoft.com/office/drawing/2014/main" id="{FF6C32FF-6807-0CFE-FF60-7FD02EDDE6E1}"/>
-              </a:ext>
-            </a:extLst>
-          </p:cNvPr>
-          <p:cNvPicPr>
-            <a:picLocks noChangeAspect="1"/>
-          </p:cNvPicPr>
-          <p:nvPr/>
-        </p:nvPicPr>
-        <p:blipFill>
-          <a:blip r:embed="rId6"/>
-          <a:stretch>
-            <a:fillRect/>
-          </a:stretch>
-        </p:blipFill>
-        <p:spPr>
-          <a:xfrm>
-            <a:off x="200992" y="5728094"/>
-            <a:ext cx="6871854" cy="670077"/>
-          </a:xfrm>
-          <a:prstGeom prst="rect">
-            <a:avLst/>
-          </a:prstGeom>
-        </p:spPr>
-      </p:pic>
-      <p:pic>
-        <p:nvPicPr>
-          <p:cNvPr id="15" name="Immagine 14" descr="Immagine che contiene testo, Carattere, bianco, schermata&#10;&#10;Descrizione generata automaticamente">
-            <a:extLst>
-              <a:ext uri="{FF2B5EF4-FFF2-40B4-BE49-F238E27FC236}">
-                <a16:creationId xmlns:a16="http://schemas.microsoft.com/office/drawing/2014/main" id="{45AE992F-3E74-2560-96A5-2DCCBE1A5069}"/>
-              </a:ext>
-            </a:extLst>
-          </p:cNvPr>
-          <p:cNvPicPr>
-            <a:picLocks noChangeAspect="1"/>
-          </p:cNvPicPr>
-          <p:nvPr/>
-        </p:nvPicPr>
-        <p:blipFill rotWithShape="1">
-          <a:blip r:embed="rId3"/>
-          <a:srcRect l="62536"/>
-          <a:stretch/>
-        </p:blipFill>
-        <p:spPr>
-          <a:xfrm>
-            <a:off x="2455920" y="1026063"/>
-            <a:ext cx="2965607" cy="1337227"/>
           </a:xfrm>
           <a:prstGeom prst="rect">
             <a:avLst/>
@@ -10820,6 +10831,95 @@
           </a:p>
         </p:txBody>
       </p:sp>
+      <p:pic>
+        <p:nvPicPr>
+          <p:cNvPr id="5" name="Immagine 4" descr="Immagine che contiene testo, Carattere, bianco, schermata&#10;&#10;Descrizione generata automaticamente">
+            <a:extLst>
+              <a:ext uri="{FF2B5EF4-FFF2-40B4-BE49-F238E27FC236}">
+                <a16:creationId xmlns:a16="http://schemas.microsoft.com/office/drawing/2014/main" id="{23E34B91-2AEE-09BD-FEFE-844851D0E28F}"/>
+              </a:ext>
+            </a:extLst>
+          </p:cNvPr>
+          <p:cNvPicPr>
+            <a:picLocks noChangeAspect="1"/>
+          </p:cNvPicPr>
+          <p:nvPr/>
+        </p:nvPicPr>
+        <p:blipFill>
+          <a:blip r:embed="rId5"/>
+          <a:stretch>
+            <a:fillRect/>
+          </a:stretch>
+        </p:blipFill>
+        <p:spPr>
+          <a:xfrm>
+            <a:off x="179714" y="4455527"/>
+            <a:ext cx="6871854" cy="1272566"/>
+          </a:xfrm>
+          <a:prstGeom prst="rect">
+            <a:avLst/>
+          </a:prstGeom>
+        </p:spPr>
+      </p:pic>
+      <p:pic>
+        <p:nvPicPr>
+          <p:cNvPr id="8" name="Immagine 7">
+            <a:extLst>
+              <a:ext uri="{FF2B5EF4-FFF2-40B4-BE49-F238E27FC236}">
+                <a16:creationId xmlns:a16="http://schemas.microsoft.com/office/drawing/2014/main" id="{D780BE4F-3FCD-F5AC-6CA6-B0F1E73CA9D9}"/>
+              </a:ext>
+            </a:extLst>
+          </p:cNvPr>
+          <p:cNvPicPr>
+            <a:picLocks noChangeAspect="1"/>
+          </p:cNvPicPr>
+          <p:nvPr/>
+        </p:nvPicPr>
+        <p:blipFill>
+          <a:blip r:embed="rId6"/>
+          <a:stretch>
+            <a:fillRect/>
+          </a:stretch>
+        </p:blipFill>
+        <p:spPr>
+          <a:xfrm>
+            <a:off x="179715" y="5728093"/>
+            <a:ext cx="6871854" cy="651763"/>
+          </a:xfrm>
+          <a:prstGeom prst="rect">
+            <a:avLst/>
+          </a:prstGeom>
+        </p:spPr>
+      </p:pic>
+      <p:pic>
+        <p:nvPicPr>
+          <p:cNvPr id="13" name="Immagine 12" descr="Immagine che contiene testo, Carattere, bianco, schermata&#10;&#10;Descrizione generata automaticamente">
+            <a:extLst>
+              <a:ext uri="{FF2B5EF4-FFF2-40B4-BE49-F238E27FC236}">
+                <a16:creationId xmlns:a16="http://schemas.microsoft.com/office/drawing/2014/main" id="{E304B690-D863-81E8-1F2C-3FC55AD334CE}"/>
+              </a:ext>
+            </a:extLst>
+          </p:cNvPr>
+          <p:cNvPicPr>
+            <a:picLocks noChangeAspect="1"/>
+          </p:cNvPicPr>
+          <p:nvPr/>
+        </p:nvPicPr>
+        <p:blipFill rotWithShape="1">
+          <a:blip r:embed="rId7"/>
+          <a:srcRect l="67259"/>
+          <a:stretch/>
+        </p:blipFill>
+        <p:spPr>
+          <a:xfrm>
+            <a:off x="2814649" y="1011939"/>
+            <a:ext cx="2581130" cy="1337227"/>
+          </a:xfrm>
+          <a:prstGeom prst="rect">
+            <a:avLst/>
+          </a:prstGeom>
+        </p:spPr>
+      </p:pic>
     </p:spTree>
     <p:extLst>
       <p:ext uri="{BB962C8B-B14F-4D97-AF65-F5344CB8AC3E}">
@@ -10866,7 +10966,7 @@
             <p:ph idx="1"/>
             <p:extLst>
               <p:ext uri="{D42A27DB-BD31-4B8C-83A1-F6EECF244321}">
-                <p14:modId xmlns:p14="http://schemas.microsoft.com/office/powerpoint/2010/main" val="4268776161"/>
+                <p14:modId xmlns:p14="http://schemas.microsoft.com/office/powerpoint/2010/main" val="3655284740"/>
               </p:ext>
             </p:extLst>
           </p:nvPr>
@@ -11110,7 +11210,7 @@
                       <a:pPr algn="ctr"/>
                       <a:r>
                         <a:rPr lang="it-IT" dirty="0"/>
-                        <a:t>8165925</a:t>
+                        <a:t>2313.8</a:t>
                       </a:r>
                     </a:p>
                   </a:txBody>
@@ -11128,7 +11228,7 @@
                       <a:pPr algn="ctr"/>
                       <a:r>
                         <a:rPr lang="it-IT" dirty="0"/>
-                        <a:t>8166235</a:t>
+                        <a:t>2658.2</a:t>
                       </a:r>
                     </a:p>
                   </a:txBody>
@@ -11146,7 +11246,7 @@
                       <a:pPr algn="ctr"/>
                       <a:r>
                         <a:rPr lang="it-IT" dirty="0"/>
-                        <a:t>-4082883</a:t>
+                        <a:t>/</a:t>
                       </a:r>
                     </a:p>
                   </a:txBody>
@@ -11224,8 +11324,8 @@
         </p:nvSpPr>
         <p:spPr>
           <a:xfrm>
-            <a:off x="1627420" y="5649550"/>
-            <a:ext cx="8937154" cy="1208450"/>
+            <a:off x="2239738" y="5610447"/>
+            <a:ext cx="7712523" cy="613776"/>
           </a:xfrm>
           <a:prstGeom prst="rect">
             <a:avLst/>
@@ -11437,42 +11537,28 @@
                 <a:latin typeface="Arial" panose="020B0604020202020204" pitchFamily="34" charset="0"/>
                 <a:cs typeface="Arial" panose="020B0604020202020204" pitchFamily="34" charset="0"/>
               </a:rPr>
-              <a:t>does</a:t>
-            </a:r>
-            <a:r>
-              <a:rPr lang="it-IT" sz="2500" dirty="0">
-                <a:latin typeface="Arial" panose="020B0604020202020204" pitchFamily="34" charset="0"/>
-                <a:cs typeface="Arial" panose="020B0604020202020204" pitchFamily="34" charset="0"/>
-              </a:rPr>
-              <a:t> </a:t>
+              <a:t>could</a:t>
+            </a:r>
+            <a:r>
+              <a:rPr lang="it-IT" sz="2500" dirty="0">
+                <a:latin typeface="Arial" panose="020B0604020202020204" pitchFamily="34" charset="0"/>
+                <a:cs typeface="Arial" panose="020B0604020202020204" pitchFamily="34" charset="0"/>
+              </a:rPr>
+              <a:t> be </a:t>
             </a:r>
             <a:r>
               <a:rPr lang="it-IT" sz="2500" dirty="0" err="1">
                 <a:latin typeface="Arial" panose="020B0604020202020204" pitchFamily="34" charset="0"/>
                 <a:cs typeface="Arial" panose="020B0604020202020204" pitchFamily="34" charset="0"/>
               </a:rPr>
-              <a:t>not</a:t>
-            </a:r>
-            <a:r>
-              <a:rPr lang="it-IT" sz="2500" dirty="0">
-                <a:latin typeface="Arial" panose="020B0604020202020204" pitchFamily="34" charset="0"/>
-                <a:cs typeface="Arial" panose="020B0604020202020204" pitchFamily="34" charset="0"/>
-              </a:rPr>
-              <a:t> </a:t>
-            </a:r>
-            <a:r>
-              <a:rPr lang="it-IT" sz="2500" dirty="0" err="1">
-                <a:latin typeface="Arial" panose="020B0604020202020204" pitchFamily="34" charset="0"/>
-                <a:cs typeface="Arial" panose="020B0604020202020204" pitchFamily="34" charset="0"/>
-              </a:rPr>
-              <a:t>seem</a:t>
-            </a:r>
-            <a:r>
-              <a:rPr lang="it-IT" sz="2500" dirty="0">
-                <a:latin typeface="Arial" panose="020B0604020202020204" pitchFamily="34" charset="0"/>
-                <a:cs typeface="Arial" panose="020B0604020202020204" pitchFamily="34" charset="0"/>
-              </a:rPr>
-              <a:t> so good…</a:t>
+              <a:t>better</a:t>
+            </a:r>
+            <a:r>
+              <a:rPr lang="it-IT" sz="2500" dirty="0">
+                <a:latin typeface="Arial" panose="020B0604020202020204" pitchFamily="34" charset="0"/>
+                <a:cs typeface="Arial" panose="020B0604020202020204" pitchFamily="34" charset="0"/>
+              </a:rPr>
+              <a:t>…</a:t>
             </a:r>
           </a:p>
           <a:p>
@@ -12030,36 +12116,6 @@
           </a:p>
         </p:txBody>
       </p:sp>
-      <p:pic>
-        <p:nvPicPr>
-          <p:cNvPr id="5" name="Immagine 4">
-            <a:extLst>
-              <a:ext uri="{FF2B5EF4-FFF2-40B4-BE49-F238E27FC236}">
-                <a16:creationId xmlns:a16="http://schemas.microsoft.com/office/drawing/2014/main" id="{EB59E78C-B9DE-609E-EE36-E75E9F2803E9}"/>
-              </a:ext>
-            </a:extLst>
-          </p:cNvPr>
-          <p:cNvPicPr>
-            <a:picLocks noChangeAspect="1"/>
-          </p:cNvPicPr>
-          <p:nvPr/>
-        </p:nvPicPr>
-        <p:blipFill>
-          <a:blip r:embed="rId2"/>
-          <a:stretch>
-            <a:fillRect/>
-          </a:stretch>
-        </p:blipFill>
-        <p:spPr>
-          <a:xfrm>
-            <a:off x="316057" y="510528"/>
-            <a:ext cx="5779943" cy="6357938"/>
-          </a:xfrm>
-          <a:prstGeom prst="rect">
-            <a:avLst/>
-          </a:prstGeom>
-        </p:spPr>
-      </p:pic>
       <p:sp>
         <p:nvSpPr>
           <p:cNvPr id="6" name="Freccia giù 5">
@@ -12106,6 +12162,36 @@
           </a:p>
         </p:txBody>
       </p:sp>
+      <p:pic>
+        <p:nvPicPr>
+          <p:cNvPr id="7" name="Immagine 6">
+            <a:extLst>
+              <a:ext uri="{FF2B5EF4-FFF2-40B4-BE49-F238E27FC236}">
+                <a16:creationId xmlns:a16="http://schemas.microsoft.com/office/drawing/2014/main" id="{38217AF2-8B65-D134-7917-2E8AD874428F}"/>
+              </a:ext>
+            </a:extLst>
+          </p:cNvPr>
+          <p:cNvPicPr>
+            <a:picLocks noChangeAspect="1"/>
+          </p:cNvPicPr>
+          <p:nvPr/>
+        </p:nvPicPr>
+        <p:blipFill>
+          <a:blip r:embed="rId2"/>
+          <a:stretch>
+            <a:fillRect/>
+          </a:stretch>
+        </p:blipFill>
+        <p:spPr>
+          <a:xfrm>
+            <a:off x="1" y="581014"/>
+            <a:ext cx="5734494" cy="6307944"/>
+          </a:xfrm>
+          <a:prstGeom prst="rect">
+            <a:avLst/>
+          </a:prstGeom>
+        </p:spPr>
+      </p:pic>
     </p:spTree>
     <p:extLst>
       <p:ext uri="{BB962C8B-B14F-4D97-AF65-F5344CB8AC3E}">
@@ -12297,8 +12383,8 @@
             </p:nvSpPr>
             <p:spPr>
               <a:xfrm>
-                <a:off x="7102549" y="1551042"/>
-                <a:ext cx="4805917" cy="5592725"/>
+                <a:off x="7102549" y="742968"/>
+                <a:ext cx="4805917" cy="6400799"/>
               </a:xfrm>
             </p:spPr>
             <p:txBody>
@@ -12306,6 +12392,53 @@
                 <a:normAutofit/>
               </a:bodyPr>
               <a:lstStyle/>
+              <a:p>
+                <a:pPr marL="0" indent="0" algn="just">
+                  <a:buFont typeface="Arial" panose="020B0604020202020204" pitchFamily="34" charset="0"/>
+                  <a:buNone/>
+                </a:pPr>
+                <a:r>
+                  <a:rPr lang="it-IT" sz="2500" dirty="0" err="1">
+                    <a:latin typeface="Arial" panose="020B0604020202020204" pitchFamily="34" charset="0"/>
+                    <a:cs typeface="Arial" panose="020B0604020202020204" pitchFamily="34" charset="0"/>
+                  </a:rPr>
+                  <a:t>Posterior</a:t>
+                </a:r>
+                <a:r>
+                  <a:rPr lang="it-IT" sz="2500" dirty="0">
+                    <a:latin typeface="Arial" panose="020B0604020202020204" pitchFamily="34" charset="0"/>
+                    <a:cs typeface="Arial" panose="020B0604020202020204" pitchFamily="34" charset="0"/>
+                  </a:rPr>
+                  <a:t> estimate of </a:t>
+                </a:r>
+                <a:r>
+                  <a:rPr lang="it-IT" sz="2500" dirty="0" err="1">
+                    <a:latin typeface="Arial" panose="020B0604020202020204" pitchFamily="34" charset="0"/>
+                    <a:cs typeface="Arial" panose="020B0604020202020204" pitchFamily="34" charset="0"/>
+                  </a:rPr>
+                  <a:t>uvb</a:t>
+                </a:r>
+                <a:r>
+                  <a:rPr lang="it-IT" sz="2500" dirty="0">
+                    <a:latin typeface="Arial" panose="020B0604020202020204" pitchFamily="34" charset="0"/>
+                    <a:cs typeface="Arial" panose="020B0604020202020204" pitchFamily="34" charset="0"/>
+                  </a:rPr>
+                  <a:t> for M1:</a:t>
+                </a:r>
+              </a:p>
+              <a:p>
+                <a:pPr marL="0" indent="0" algn="just">
+                  <a:buFont typeface="Arial" panose="020B0604020202020204" pitchFamily="34" charset="0"/>
+                  <a:buNone/>
+                </a:pPr>
+                <a:r>
+                  <a:rPr lang="it-IT" sz="2500" dirty="0">
+                    <a:latin typeface="Arial" panose="020B0604020202020204" pitchFamily="34" charset="0"/>
+                    <a:cs typeface="Arial" panose="020B0604020202020204" pitchFamily="34" charset="0"/>
+                  </a:rPr>
+                  <a:t>		-0.03443</a:t>
+                </a:r>
+              </a:p>
               <a:p>
                 <a:pPr marL="0" indent="0" algn="just">
                   <a:buNone/>
@@ -12642,13 +12775,13 @@
             </p:nvSpPr>
             <p:spPr>
               <a:xfrm>
-                <a:off x="7102549" y="1551042"/>
-                <a:ext cx="4805917" cy="5592725"/>
+                <a:off x="7102549" y="742968"/>
+                <a:ext cx="4805917" cy="6400799"/>
               </a:xfrm>
               <a:blipFill>
                 <a:blip r:embed="rId3"/>
                 <a:stretch>
-                  <a:fillRect l="-2111" t="-1357" r="-2111"/>
+                  <a:fillRect l="-2111" t="-1386" r="-2111"/>
                 </a:stretch>
               </a:blipFill>
             </p:spPr>
@@ -12669,10 +12802,10 @@
       </mc:AlternateContent>
       <p:pic>
         <p:nvPicPr>
-          <p:cNvPr id="6" name="Immagine 5">
+          <p:cNvPr id="5" name="Immagine 4">
             <a:extLst>
               <a:ext uri="{FF2B5EF4-FFF2-40B4-BE49-F238E27FC236}">
-                <a16:creationId xmlns:a16="http://schemas.microsoft.com/office/drawing/2014/main" id="{8FEDF3A1-644F-42B2-59B9-E629946694E1}"/>
+                <a16:creationId xmlns:a16="http://schemas.microsoft.com/office/drawing/2014/main" id="{C7D011CA-58C2-87CA-EFC3-899ABF907785}"/>
               </a:ext>
             </a:extLst>
           </p:cNvPr>
@@ -12697,239 +12830,6 @@
           </a:prstGeom>
         </p:spPr>
       </p:pic>
-      <p:sp>
-        <p:nvSpPr>
-          <p:cNvPr id="7" name="Segnaposto contenuto 2">
-            <a:extLst>
-              <a:ext uri="{FF2B5EF4-FFF2-40B4-BE49-F238E27FC236}">
-                <a16:creationId xmlns:a16="http://schemas.microsoft.com/office/drawing/2014/main" id="{BC7E9650-4BA6-021B-72E9-0FDFAC7BA510}"/>
-              </a:ext>
-            </a:extLst>
-          </p:cNvPr>
-          <p:cNvSpPr txBox="1">
-            <a:spLocks/>
-          </p:cNvSpPr>
-          <p:nvPr/>
-        </p:nvSpPr>
-        <p:spPr>
-          <a:xfrm>
-            <a:off x="838200" y="904099"/>
-            <a:ext cx="4805917" cy="1399549"/>
-          </a:xfrm>
-          <a:prstGeom prst="rect">
-            <a:avLst/>
-          </a:prstGeom>
-        </p:spPr>
-        <p:txBody>
-          <a:bodyPr vert="horz" lIns="91440" tIns="45720" rIns="91440" bIns="45720" rtlCol="0">
-            <a:normAutofit/>
-          </a:bodyPr>
-          <a:lstStyle>
-            <a:lvl1pPr marL="228600" indent="-228600" algn="l" defTabSz="914400" rtl="0" eaLnBrk="1" latinLnBrk="0" hangingPunct="1">
-              <a:lnSpc>
-                <a:spcPct val="90000"/>
-              </a:lnSpc>
-              <a:spcBef>
-                <a:spcPts val="1000"/>
-              </a:spcBef>
-              <a:buFont typeface="Arial" panose="020B0604020202020204" pitchFamily="34" charset="0"/>
-              <a:buChar char="•"/>
-              <a:defRPr sz="2800" kern="1200">
-                <a:solidFill>
-                  <a:schemeClr val="tx1"/>
-                </a:solidFill>
-                <a:latin typeface="+mn-lt"/>
-                <a:ea typeface="+mn-ea"/>
-                <a:cs typeface="+mn-cs"/>
-              </a:defRPr>
-            </a:lvl1pPr>
-            <a:lvl2pPr marL="685800" indent="-228600" algn="l" defTabSz="914400" rtl="0" eaLnBrk="1" latinLnBrk="0" hangingPunct="1">
-              <a:lnSpc>
-                <a:spcPct val="90000"/>
-              </a:lnSpc>
-              <a:spcBef>
-                <a:spcPts val="500"/>
-              </a:spcBef>
-              <a:buFont typeface="Arial" panose="020B0604020202020204" pitchFamily="34" charset="0"/>
-              <a:buChar char="•"/>
-              <a:defRPr sz="2400" kern="1200">
-                <a:solidFill>
-                  <a:schemeClr val="tx1"/>
-                </a:solidFill>
-                <a:latin typeface="+mn-lt"/>
-                <a:ea typeface="+mn-ea"/>
-                <a:cs typeface="+mn-cs"/>
-              </a:defRPr>
-            </a:lvl2pPr>
-            <a:lvl3pPr marL="1143000" indent="-228600" algn="l" defTabSz="914400" rtl="0" eaLnBrk="1" latinLnBrk="0" hangingPunct="1">
-              <a:lnSpc>
-                <a:spcPct val="90000"/>
-              </a:lnSpc>
-              <a:spcBef>
-                <a:spcPts val="500"/>
-              </a:spcBef>
-              <a:buFont typeface="Arial" panose="020B0604020202020204" pitchFamily="34" charset="0"/>
-              <a:buChar char="•"/>
-              <a:defRPr sz="2000" kern="1200">
-                <a:solidFill>
-                  <a:schemeClr val="tx1"/>
-                </a:solidFill>
-                <a:latin typeface="+mn-lt"/>
-                <a:ea typeface="+mn-ea"/>
-                <a:cs typeface="+mn-cs"/>
-              </a:defRPr>
-            </a:lvl3pPr>
-            <a:lvl4pPr marL="1600200" indent="-228600" algn="l" defTabSz="914400" rtl="0" eaLnBrk="1" latinLnBrk="0" hangingPunct="1">
-              <a:lnSpc>
-                <a:spcPct val="90000"/>
-              </a:lnSpc>
-              <a:spcBef>
-                <a:spcPts val="500"/>
-              </a:spcBef>
-              <a:buFont typeface="Arial" panose="020B0604020202020204" pitchFamily="34" charset="0"/>
-              <a:buChar char="•"/>
-              <a:defRPr sz="1800" kern="1200">
-                <a:solidFill>
-                  <a:schemeClr val="tx1"/>
-                </a:solidFill>
-                <a:latin typeface="+mn-lt"/>
-                <a:ea typeface="+mn-ea"/>
-                <a:cs typeface="+mn-cs"/>
-              </a:defRPr>
-            </a:lvl4pPr>
-            <a:lvl5pPr marL="2057400" indent="-228600" algn="l" defTabSz="914400" rtl="0" eaLnBrk="1" latinLnBrk="0" hangingPunct="1">
-              <a:lnSpc>
-                <a:spcPct val="90000"/>
-              </a:lnSpc>
-              <a:spcBef>
-                <a:spcPts val="500"/>
-              </a:spcBef>
-              <a:buFont typeface="Arial" panose="020B0604020202020204" pitchFamily="34" charset="0"/>
-              <a:buChar char="•"/>
-              <a:defRPr sz="1800" kern="1200">
-                <a:solidFill>
-                  <a:schemeClr val="tx1"/>
-                </a:solidFill>
-                <a:latin typeface="+mn-lt"/>
-                <a:ea typeface="+mn-ea"/>
-                <a:cs typeface="+mn-cs"/>
-              </a:defRPr>
-            </a:lvl5pPr>
-            <a:lvl6pPr marL="2514600" indent="-228600" algn="l" defTabSz="914400" rtl="0" eaLnBrk="1" latinLnBrk="0" hangingPunct="1">
-              <a:lnSpc>
-                <a:spcPct val="90000"/>
-              </a:lnSpc>
-              <a:spcBef>
-                <a:spcPts val="500"/>
-              </a:spcBef>
-              <a:buFont typeface="Arial" panose="020B0604020202020204" pitchFamily="34" charset="0"/>
-              <a:buChar char="•"/>
-              <a:defRPr sz="1800" kern="1200">
-                <a:solidFill>
-                  <a:schemeClr val="tx1"/>
-                </a:solidFill>
-                <a:latin typeface="+mn-lt"/>
-                <a:ea typeface="+mn-ea"/>
-                <a:cs typeface="+mn-cs"/>
-              </a:defRPr>
-            </a:lvl6pPr>
-            <a:lvl7pPr marL="2971800" indent="-228600" algn="l" defTabSz="914400" rtl="0" eaLnBrk="1" latinLnBrk="0" hangingPunct="1">
-              <a:lnSpc>
-                <a:spcPct val="90000"/>
-              </a:lnSpc>
-              <a:spcBef>
-                <a:spcPts val="500"/>
-              </a:spcBef>
-              <a:buFont typeface="Arial" panose="020B0604020202020204" pitchFamily="34" charset="0"/>
-              <a:buChar char="•"/>
-              <a:defRPr sz="1800" kern="1200">
-                <a:solidFill>
-                  <a:schemeClr val="tx1"/>
-                </a:solidFill>
-                <a:latin typeface="+mn-lt"/>
-                <a:ea typeface="+mn-ea"/>
-                <a:cs typeface="+mn-cs"/>
-              </a:defRPr>
-            </a:lvl7pPr>
-            <a:lvl8pPr marL="3429000" indent="-228600" algn="l" defTabSz="914400" rtl="0" eaLnBrk="1" latinLnBrk="0" hangingPunct="1">
-              <a:lnSpc>
-                <a:spcPct val="90000"/>
-              </a:lnSpc>
-              <a:spcBef>
-                <a:spcPts val="500"/>
-              </a:spcBef>
-              <a:buFont typeface="Arial" panose="020B0604020202020204" pitchFamily="34" charset="0"/>
-              <a:buChar char="•"/>
-              <a:defRPr sz="1800" kern="1200">
-                <a:solidFill>
-                  <a:schemeClr val="tx1"/>
-                </a:solidFill>
-                <a:latin typeface="+mn-lt"/>
-                <a:ea typeface="+mn-ea"/>
-                <a:cs typeface="+mn-cs"/>
-              </a:defRPr>
-            </a:lvl8pPr>
-            <a:lvl9pPr marL="3886200" indent="-228600" algn="l" defTabSz="914400" rtl="0" eaLnBrk="1" latinLnBrk="0" hangingPunct="1">
-              <a:lnSpc>
-                <a:spcPct val="90000"/>
-              </a:lnSpc>
-              <a:spcBef>
-                <a:spcPts val="500"/>
-              </a:spcBef>
-              <a:buFont typeface="Arial" panose="020B0604020202020204" pitchFamily="34" charset="0"/>
-              <a:buChar char="•"/>
-              <a:defRPr sz="1800" kern="1200">
-                <a:solidFill>
-                  <a:schemeClr val="tx1"/>
-                </a:solidFill>
-                <a:latin typeface="+mn-lt"/>
-                <a:ea typeface="+mn-ea"/>
-                <a:cs typeface="+mn-cs"/>
-              </a:defRPr>
-            </a:lvl9pPr>
-          </a:lstStyle>
-          <a:p>
-            <a:pPr marL="0" indent="0" algn="just">
-              <a:buFont typeface="Arial" panose="020B0604020202020204" pitchFamily="34" charset="0"/>
-              <a:buNone/>
-            </a:pPr>
-            <a:r>
-              <a:rPr lang="it-IT" sz="2500" dirty="0">
-                <a:latin typeface="Arial" panose="020B0604020202020204" pitchFamily="34" charset="0"/>
-                <a:cs typeface="Arial" panose="020B0604020202020204" pitchFamily="34" charset="0"/>
-              </a:rPr>
-              <a:t>Posterior estimate of </a:t>
-            </a:r>
-            <a:r>
-              <a:rPr lang="it-IT" sz="2500" dirty="0" err="1">
-                <a:latin typeface="Arial" panose="020B0604020202020204" pitchFamily="34" charset="0"/>
-                <a:cs typeface="Arial" panose="020B0604020202020204" pitchFamily="34" charset="0"/>
-              </a:rPr>
-              <a:t>uvb</a:t>
-            </a:r>
-            <a:r>
-              <a:rPr lang="it-IT" sz="2500" dirty="0">
-                <a:latin typeface="Arial" panose="020B0604020202020204" pitchFamily="34" charset="0"/>
-                <a:cs typeface="Arial" panose="020B0604020202020204" pitchFamily="34" charset="0"/>
-              </a:rPr>
-              <a:t> for M1:</a:t>
-            </a:r>
-          </a:p>
-          <a:p>
-            <a:pPr marL="0" indent="0" algn="just">
-              <a:buFont typeface="Arial" panose="020B0604020202020204" pitchFamily="34" charset="0"/>
-              <a:buNone/>
-            </a:pPr>
-            <a:r>
-              <a:rPr lang="it-IT" sz="2500" dirty="0">
-                <a:latin typeface="Arial" panose="020B0604020202020204" pitchFamily="34" charset="0"/>
-                <a:cs typeface="Arial" panose="020B0604020202020204" pitchFamily="34" charset="0"/>
-              </a:rPr>
-              <a:t>		-0.03443</a:t>
-            </a:r>
-          </a:p>
-        </p:txBody>
-      </p:sp>
     </p:spTree>
     <p:extLst>
       <p:ext uri="{BB962C8B-B14F-4D97-AF65-F5344CB8AC3E}">
@@ -13101,8 +13001,8 @@
           </a:p>
         </p:txBody>
       </p:sp>
-      <mc:AlternateContent xmlns:mc="http://schemas.openxmlformats.org/markup-compatibility/2006">
-        <mc:Choice xmlns:a14="http://schemas.microsoft.com/office/drawing/2010/main" Requires="a14">
+      <mc:AlternateContent xmlns:mc="http://schemas.openxmlformats.org/markup-compatibility/2006" xmlns:a14="http://schemas.microsoft.com/office/drawing/2010/main">
+        <mc:Choice Requires="a14">
           <p:sp>
             <p:nvSpPr>
               <p:cNvPr id="10" name="Segnaposto contenuto 2">
@@ -13278,7 +13178,7 @@
             </p:txBody>
           </p:sp>
         </mc:Choice>
-        <mc:Fallback>
+        <mc:Fallback xmlns="">
           <p:sp>
             <p:nvSpPr>
               <p:cNvPr id="10" name="Segnaposto contenuto 2">
@@ -13324,10 +13224,10 @@
       </mc:AlternateContent>
       <p:pic>
         <p:nvPicPr>
-          <p:cNvPr id="9" name="Immagine 8">
+          <p:cNvPr id="5" name="Immagine 4">
             <a:extLst>
               <a:ext uri="{FF2B5EF4-FFF2-40B4-BE49-F238E27FC236}">
-                <a16:creationId xmlns:a16="http://schemas.microsoft.com/office/drawing/2014/main" id="{8277A7B7-036A-E8CA-FE57-77D462DBEC43}"/>
+                <a16:creationId xmlns:a16="http://schemas.microsoft.com/office/drawing/2014/main" id="{41FB24EA-2F15-28CB-B54B-E7D57FB34293}"/>
               </a:ext>
             </a:extLst>
           </p:cNvPr>
@@ -13344,8 +13244,8 @@
         </p:blipFill>
         <p:spPr>
           <a:xfrm>
-            <a:off x="2209800" y="1757756"/>
-            <a:ext cx="7772400" cy="4946072"/>
+            <a:off x="2054688" y="1714513"/>
+            <a:ext cx="8082624" cy="5143487"/>
           </a:xfrm>
           <a:prstGeom prst="rect">
             <a:avLst/>
@@ -13531,8 +13431,8 @@
           <a:chExt cx="0" cy="0"/>
         </a:xfrm>
       </p:grpSpPr>
-      <mc:AlternateContent xmlns:mc="http://schemas.openxmlformats.org/markup-compatibility/2006">
-        <mc:Choice xmlns:a14="http://schemas.microsoft.com/office/drawing/2010/main" Requires="a14">
+      <mc:AlternateContent xmlns:mc="http://schemas.openxmlformats.org/markup-compatibility/2006" xmlns:a14="http://schemas.microsoft.com/office/drawing/2010/main">
+        <mc:Choice Requires="a14">
           <p:sp>
             <p:nvSpPr>
               <p:cNvPr id="10" name="Segnaposto contenuto 2">
@@ -14330,7 +14230,7 @@
             </p:txBody>
           </p:sp>
         </mc:Choice>
-        <mc:Fallback>
+        <mc:Fallback xmlns="">
           <p:sp>
             <p:nvSpPr>
               <p:cNvPr id="10" name="Segnaposto contenuto 2">
@@ -14523,8 +14423,8 @@
           </a:p>
         </p:txBody>
       </p:sp>
-      <mc:AlternateContent xmlns:mc="http://schemas.openxmlformats.org/markup-compatibility/2006">
-        <mc:Choice xmlns:a14="http://schemas.microsoft.com/office/drawing/2010/main" Requires="a14">
+      <mc:AlternateContent xmlns:mc="http://schemas.openxmlformats.org/markup-compatibility/2006" xmlns:a14="http://schemas.microsoft.com/office/drawing/2010/main">
+        <mc:Choice Requires="a14">
           <p:sp>
             <p:nvSpPr>
               <p:cNvPr id="11" name="Segnaposto contenuto 2">
@@ -15095,7 +14995,7 @@
             </p:txBody>
           </p:sp>
         </mc:Choice>
-        <mc:Fallback>
+        <mc:Fallback xmlns="">
           <p:sp>
             <p:nvSpPr>
               <p:cNvPr id="11" name="Segnaposto contenuto 2">
@@ -15540,202 +15440,245 @@
               <a:buNone/>
             </a:pPr>
             <a:r>
-              <a:rPr lang="it-IT" sz="2500" dirty="0">
-                <a:latin typeface="Arial" panose="020B0604020202020204" pitchFamily="34" charset="0"/>
-                <a:cs typeface="Arial" panose="020B0604020202020204" pitchFamily="34" charset="0"/>
-              </a:rPr>
-              <a:t>Model A of the paper </a:t>
-            </a:r>
-            <a:r>
               <a:rPr lang="it-IT" sz="2500" dirty="0" err="1">
                 <a:latin typeface="Arial" panose="020B0604020202020204" pitchFamily="34" charset="0"/>
                 <a:cs typeface="Arial" panose="020B0604020202020204" pitchFamily="34" charset="0"/>
               </a:rPr>
-              <a:t>is</a:t>
-            </a:r>
-            <a:r>
-              <a:rPr lang="it-IT" sz="2500" dirty="0">
-                <a:latin typeface="Arial" panose="020B0604020202020204" pitchFamily="34" charset="0"/>
-                <a:cs typeface="Arial" panose="020B0604020202020204" pitchFamily="34" charset="0"/>
-              </a:rPr>
-              <a:t> a </a:t>
+              <a:t>aic_A</a:t>
+            </a:r>
+            <a:r>
+              <a:rPr lang="it-IT" sz="2500" dirty="0">
+                <a:latin typeface="Arial" panose="020B0604020202020204" pitchFamily="34" charset="0"/>
+                <a:cs typeface="Arial" panose="020B0604020202020204" pitchFamily="34" charset="0"/>
+              </a:rPr>
+              <a:t> &lt;- - 2 * </a:t>
             </a:r>
             <a:r>
               <a:rPr lang="it-IT" sz="2500" dirty="0" err="1">
                 <a:latin typeface="Arial" panose="020B0604020202020204" pitchFamily="34" charset="0"/>
                 <a:cs typeface="Arial" panose="020B0604020202020204" pitchFamily="34" charset="0"/>
               </a:rPr>
-              <a:t>v</a:t>
+              <a:t>elpd_loo_A</a:t>
+            </a:r>
+            <a:r>
+              <a:rPr lang="it-IT" sz="2500" dirty="0">
+                <a:latin typeface="Arial" panose="020B0604020202020204" pitchFamily="34" charset="0"/>
+                <a:cs typeface="Arial" panose="020B0604020202020204" pitchFamily="34" charset="0"/>
+              </a:rPr>
+              <a:t> + 2 * </a:t>
             </a:r>
             <a:r>
               <a:rPr lang="it-IT" sz="2500" dirty="0" err="1">
-                <a:effectLst/>
-                <a:latin typeface="Arial" panose="020B0604020202020204" pitchFamily="34" charset="0"/>
-                <a:cs typeface="Arial" panose="020B0604020202020204" pitchFamily="34" charset="0"/>
-              </a:rPr>
-              <a:t>ariance</a:t>
-            </a:r>
-            <a:r>
-              <a:rPr lang="it-IT" sz="2500" dirty="0">
-                <a:effectLst/>
-                <a:latin typeface="Arial" panose="020B0604020202020204" pitchFamily="34" charset="0"/>
-                <a:cs typeface="Arial" panose="020B0604020202020204" pitchFamily="34" charset="0"/>
-              </a:rPr>
-              <a:t> </a:t>
+                <a:latin typeface="Arial" panose="020B0604020202020204" pitchFamily="34" charset="0"/>
+                <a:cs typeface="Arial" panose="020B0604020202020204" pitchFamily="34" charset="0"/>
+              </a:rPr>
+              <a:t>p</a:t>
+            </a:r>
+            <a:endParaRPr lang="it-IT" sz="2500" dirty="0">
+              <a:latin typeface="Arial" panose="020B0604020202020204" pitchFamily="34" charset="0"/>
+              <a:cs typeface="Arial" panose="020B0604020202020204" pitchFamily="34" charset="0"/>
+            </a:endParaRPr>
+          </a:p>
+          <a:p>
+            <a:pPr marL="0" indent="0" algn="just">
+              <a:buNone/>
+            </a:pPr>
+            <a:r>
+              <a:rPr lang="it-IT" sz="2500" dirty="0">
+                <a:latin typeface="Arial" panose="020B0604020202020204" pitchFamily="34" charset="0"/>
+                <a:cs typeface="Arial" panose="020B0604020202020204" pitchFamily="34" charset="0"/>
+              </a:rPr>
+              <a:t>&gt; </a:t>
             </a:r>
             <a:r>
               <a:rPr lang="it-IT" sz="2500" dirty="0" err="1">
-                <a:effectLst/>
-                <a:latin typeface="Arial" panose="020B0604020202020204" pitchFamily="34" charset="0"/>
-                <a:cs typeface="Arial" panose="020B0604020202020204" pitchFamily="34" charset="0"/>
-              </a:rPr>
-              <a:t>components</a:t>
-            </a:r>
-            <a:r>
-              <a:rPr lang="it-IT" sz="2500" dirty="0">
-                <a:effectLst/>
-                <a:latin typeface="Arial" panose="020B0604020202020204" pitchFamily="34" charset="0"/>
-                <a:cs typeface="Arial" panose="020B0604020202020204" pitchFamily="34" charset="0"/>
-              </a:rPr>
-              <a:t> model with UVBI in the </a:t>
+                <a:latin typeface="Arial" panose="020B0604020202020204" pitchFamily="34" charset="0"/>
+                <a:cs typeface="Arial" panose="020B0604020202020204" pitchFamily="34" charset="0"/>
+              </a:rPr>
+              <a:t>print</a:t>
+            </a:r>
+            <a:r>
+              <a:rPr lang="it-IT" sz="2500" dirty="0">
+                <a:latin typeface="Arial" panose="020B0604020202020204" pitchFamily="34" charset="0"/>
+                <a:cs typeface="Arial" panose="020B0604020202020204" pitchFamily="34" charset="0"/>
+              </a:rPr>
+              <a:t>(</a:t>
             </a:r>
             <a:r>
               <a:rPr lang="it-IT" sz="2500" dirty="0" err="1">
-                <a:effectLst/>
-                <a:latin typeface="Arial" panose="020B0604020202020204" pitchFamily="34" charset="0"/>
-                <a:cs typeface="Arial" panose="020B0604020202020204" pitchFamily="34" charset="0"/>
-              </a:rPr>
-              <a:t>fixed</a:t>
-            </a:r>
-            <a:r>
-              <a:rPr lang="it-IT" sz="2500" dirty="0">
-                <a:effectLst/>
-                <a:latin typeface="Arial" panose="020B0604020202020204" pitchFamily="34" charset="0"/>
-                <a:cs typeface="Arial" panose="020B0604020202020204" pitchFamily="34" charset="0"/>
-              </a:rPr>
-              <a:t> part of the model so </a:t>
+                <a:latin typeface="Arial" panose="020B0604020202020204" pitchFamily="34" charset="0"/>
+                <a:cs typeface="Arial" panose="020B0604020202020204" pitchFamily="34" charset="0"/>
+              </a:rPr>
+              <a:t>aic_A</a:t>
+            </a:r>
+            <a:r>
+              <a:rPr lang="it-IT" sz="2500" dirty="0">
+                <a:latin typeface="Arial" panose="020B0604020202020204" pitchFamily="34" charset="0"/>
+                <a:cs typeface="Arial" panose="020B0604020202020204" pitchFamily="34" charset="0"/>
+              </a:rPr>
+              <a:t>)</a:t>
+            </a:r>
+          </a:p>
+          <a:p>
+            <a:pPr marL="0" indent="0" algn="just">
+              <a:buNone/>
+            </a:pPr>
+            <a:r>
+              <a:rPr lang="it-IT" sz="2500" dirty="0">
+                <a:latin typeface="Arial" panose="020B0604020202020204" pitchFamily="34" charset="0"/>
+                <a:cs typeface="Arial" panose="020B0604020202020204" pitchFamily="34" charset="0"/>
+              </a:rPr>
+              <a:t>[1] 2994.942</a:t>
+            </a:r>
+          </a:p>
+          <a:p>
+            <a:pPr marL="0" indent="0" algn="just">
+              <a:buNone/>
+            </a:pPr>
+            <a:r>
+              <a:rPr lang="it-IT" sz="2500" dirty="0">
+                <a:latin typeface="Arial" panose="020B0604020202020204" pitchFamily="34" charset="0"/>
+                <a:cs typeface="Arial" panose="020B0604020202020204" pitchFamily="34" charset="0"/>
+              </a:rPr>
+              <a:t>&gt; </a:t>
             </a:r>
             <a:r>
               <a:rPr lang="it-IT" sz="2500" dirty="0" err="1">
-                <a:effectLst/>
-                <a:latin typeface="Arial" panose="020B0604020202020204" pitchFamily="34" charset="0"/>
-                <a:cs typeface="Arial" panose="020B0604020202020204" pitchFamily="34" charset="0"/>
-              </a:rPr>
-              <a:t>that</a:t>
-            </a:r>
-            <a:r>
-              <a:rPr lang="it-IT" sz="2500" dirty="0">
-                <a:effectLst/>
-                <a:latin typeface="Arial" panose="020B0604020202020204" pitchFamily="34" charset="0"/>
-                <a:cs typeface="Arial" panose="020B0604020202020204" pitchFamily="34" charset="0"/>
-              </a:rPr>
-              <a:t>, for the </a:t>
-            </a:r>
-            <a:r>
-              <a:rPr lang="it-IT" sz="2500" i="1" dirty="0" err="1">
-                <a:latin typeface="Arial" panose="020B0604020202020204" pitchFamily="34" charset="0"/>
-                <a:cs typeface="Arial" panose="020B0604020202020204" pitchFamily="34" charset="0"/>
-              </a:rPr>
-              <a:t>i</a:t>
+                <a:latin typeface="Arial" panose="020B0604020202020204" pitchFamily="34" charset="0"/>
+                <a:cs typeface="Arial" panose="020B0604020202020204" pitchFamily="34" charset="0"/>
+              </a:rPr>
+              <a:t>bic_A</a:t>
+            </a:r>
+            <a:r>
+              <a:rPr lang="it-IT" sz="2500" dirty="0">
+                <a:latin typeface="Arial" panose="020B0604020202020204" pitchFamily="34" charset="0"/>
+                <a:cs typeface="Arial" panose="020B0604020202020204" pitchFamily="34" charset="0"/>
+              </a:rPr>
+              <a:t> &lt;- - 2 * </a:t>
             </a:r>
             <a:r>
               <a:rPr lang="it-IT" sz="2500" dirty="0" err="1">
                 <a:latin typeface="Arial" panose="020B0604020202020204" pitchFamily="34" charset="0"/>
                 <a:cs typeface="Arial" panose="020B0604020202020204" pitchFamily="34" charset="0"/>
               </a:rPr>
-              <a:t>th</a:t>
-            </a:r>
-            <a:r>
-              <a:rPr lang="it-IT" sz="2500" dirty="0">
-                <a:latin typeface="Arial" panose="020B0604020202020204" pitchFamily="34" charset="0"/>
-                <a:cs typeface="Arial" panose="020B0604020202020204" pitchFamily="34" charset="0"/>
-              </a:rPr>
-              <a:t> </a:t>
+              <a:t>elpd_loo_A</a:t>
+            </a:r>
+            <a:r>
+              <a:rPr lang="it-IT" sz="2500" dirty="0">
+                <a:latin typeface="Arial" panose="020B0604020202020204" pitchFamily="34" charset="0"/>
+                <a:cs typeface="Arial" panose="020B0604020202020204" pitchFamily="34" charset="0"/>
+              </a:rPr>
+              <a:t> + log(</a:t>
             </a:r>
             <a:r>
               <a:rPr lang="it-IT" sz="2500" dirty="0" err="1">
                 <a:latin typeface="Arial" panose="020B0604020202020204" pitchFamily="34" charset="0"/>
                 <a:cs typeface="Arial" panose="020B0604020202020204" pitchFamily="34" charset="0"/>
               </a:rPr>
-              <a:t>county</a:t>
-            </a:r>
-            <a:r>
-              <a:rPr lang="it-IT" sz="2500" dirty="0">
-                <a:latin typeface="Arial" panose="020B0604020202020204" pitchFamily="34" charset="0"/>
-                <a:cs typeface="Arial" panose="020B0604020202020204" pitchFamily="34" charset="0"/>
-              </a:rPr>
-              <a:t> in the </a:t>
-            </a:r>
-            <a:r>
-              <a:rPr lang="it-IT" sz="2500" i="1" dirty="0" err="1">
-                <a:latin typeface="Arial" panose="020B0604020202020204" pitchFamily="34" charset="0"/>
-                <a:cs typeface="Arial" panose="020B0604020202020204" pitchFamily="34" charset="0"/>
-              </a:rPr>
-              <a:t>j</a:t>
+              <a:t>n</a:t>
+            </a:r>
+            <a:r>
+              <a:rPr lang="it-IT" sz="2500" dirty="0">
+                <a:latin typeface="Arial" panose="020B0604020202020204" pitchFamily="34" charset="0"/>
+                <a:cs typeface="Arial" panose="020B0604020202020204" pitchFamily="34" charset="0"/>
+              </a:rPr>
+              <a:t>) * </a:t>
             </a:r>
             <a:r>
               <a:rPr lang="it-IT" sz="2500" dirty="0" err="1">
                 <a:latin typeface="Arial" panose="020B0604020202020204" pitchFamily="34" charset="0"/>
                 <a:cs typeface="Arial" panose="020B0604020202020204" pitchFamily="34" charset="0"/>
               </a:rPr>
-              <a:t>th</a:t>
-            </a:r>
-            <a:r>
-              <a:rPr lang="it-IT" sz="2500" dirty="0">
-                <a:latin typeface="Arial" panose="020B0604020202020204" pitchFamily="34" charset="0"/>
-                <a:cs typeface="Arial" panose="020B0604020202020204" pitchFamily="34" charset="0"/>
-              </a:rPr>
-              <a:t> </a:t>
+              <a:t>p</a:t>
+            </a:r>
+            <a:endParaRPr lang="it-IT" sz="2500" dirty="0">
+              <a:latin typeface="Arial" panose="020B0604020202020204" pitchFamily="34" charset="0"/>
+              <a:cs typeface="Arial" panose="020B0604020202020204" pitchFamily="34" charset="0"/>
+            </a:endParaRPr>
+          </a:p>
+          <a:p>
+            <a:pPr marL="0" indent="0" algn="just">
+              <a:buNone/>
+            </a:pPr>
+            <a:r>
+              <a:rPr lang="it-IT" sz="2500" dirty="0">
+                <a:latin typeface="Arial" panose="020B0604020202020204" pitchFamily="34" charset="0"/>
+                <a:cs typeface="Arial" panose="020B0604020202020204" pitchFamily="34" charset="0"/>
+              </a:rPr>
+              <a:t>&gt; </a:t>
             </a:r>
             <a:r>
               <a:rPr lang="it-IT" sz="2500" dirty="0" err="1">
                 <a:latin typeface="Arial" panose="020B0604020202020204" pitchFamily="34" charset="0"/>
                 <a:cs typeface="Arial" panose="020B0604020202020204" pitchFamily="34" charset="0"/>
               </a:rPr>
-              <a:t>region</a:t>
-            </a:r>
-            <a:r>
-              <a:rPr lang="it-IT" sz="2500" dirty="0">
-                <a:latin typeface="Arial" panose="020B0604020202020204" pitchFamily="34" charset="0"/>
-                <a:cs typeface="Arial" panose="020B0604020202020204" pitchFamily="34" charset="0"/>
-              </a:rPr>
-              <a:t> in the </a:t>
-            </a:r>
-            <a:r>
-              <a:rPr lang="it-IT" sz="2500" i="1" dirty="0" err="1">
-                <a:latin typeface="Arial" panose="020B0604020202020204" pitchFamily="34" charset="0"/>
-                <a:cs typeface="Arial" panose="020B0604020202020204" pitchFamily="34" charset="0"/>
-              </a:rPr>
-              <a:t>k</a:t>
+              <a:t>print</a:t>
+            </a:r>
+            <a:r>
+              <a:rPr lang="it-IT" sz="2500" dirty="0">
+                <a:latin typeface="Arial" panose="020B0604020202020204" pitchFamily="34" charset="0"/>
+                <a:cs typeface="Arial" panose="020B0604020202020204" pitchFamily="34" charset="0"/>
+              </a:rPr>
+              <a:t>(</a:t>
             </a:r>
             <a:r>
               <a:rPr lang="it-IT" sz="2500" dirty="0" err="1">
                 <a:latin typeface="Arial" panose="020B0604020202020204" pitchFamily="34" charset="0"/>
                 <a:cs typeface="Arial" panose="020B0604020202020204" pitchFamily="34" charset="0"/>
               </a:rPr>
-              <a:t>th</a:t>
-            </a:r>
-            <a:r>
-              <a:rPr lang="it-IT" sz="2500" dirty="0">
-                <a:latin typeface="Arial" panose="020B0604020202020204" pitchFamily="34" charset="0"/>
-                <a:cs typeface="Arial" panose="020B0604020202020204" pitchFamily="34" charset="0"/>
-              </a:rPr>
-              <a:t> </a:t>
-            </a:r>
+              <a:t>bic_A</a:t>
+            </a:r>
+            <a:r>
+              <a:rPr lang="it-IT" sz="2500" dirty="0">
+                <a:latin typeface="Arial" panose="020B0604020202020204" pitchFamily="34" charset="0"/>
+                <a:cs typeface="Arial" panose="020B0604020202020204" pitchFamily="34" charset="0"/>
+              </a:rPr>
+              <a:t>)</a:t>
+            </a:r>
+          </a:p>
+          <a:p>
+            <a:pPr marL="0" indent="0" algn="just">
+              <a:buNone/>
+            </a:pPr>
+            <a:r>
+              <a:rPr lang="it-IT" sz="2500" dirty="0">
+                <a:latin typeface="Arial" panose="020B0604020202020204" pitchFamily="34" charset="0"/>
+                <a:cs typeface="Arial" panose="020B0604020202020204" pitchFamily="34" charset="0"/>
+              </a:rPr>
+              <a:t>[1] 4720.648</a:t>
+            </a:r>
+          </a:p>
+          <a:p>
+            <a:pPr marL="0" indent="0" algn="just">
+              <a:buNone/>
+            </a:pPr>
+            <a:endParaRPr lang="it-IT" sz="2500" dirty="0">
+              <a:latin typeface="Arial" panose="020B0604020202020204" pitchFamily="34" charset="0"/>
+              <a:cs typeface="Arial" panose="020B0604020202020204" pitchFamily="34" charset="0"/>
+            </a:endParaRPr>
+          </a:p>
+          <a:p>
+            <a:pPr marL="0" indent="0" algn="just">
+              <a:buNone/>
+            </a:pPr>
             <a:r>
               <a:rPr lang="it-IT" sz="2500" dirty="0" err="1">
                 <a:latin typeface="Arial" panose="020B0604020202020204" pitchFamily="34" charset="0"/>
                 <a:cs typeface="Arial" panose="020B0604020202020204" pitchFamily="34" charset="0"/>
               </a:rPr>
-              <a:t>nation</a:t>
-            </a:r>
-            <a:r>
-              <a:rPr lang="it-IT" sz="2500" dirty="0">
-                <a:latin typeface="Arial" panose="020B0604020202020204" pitchFamily="34" charset="0"/>
-                <a:cs typeface="Arial" panose="020B0604020202020204" pitchFamily="34" charset="0"/>
-              </a:rPr>
-              <a:t>:</a:t>
-            </a:r>
+              <a:t>Èe</a:t>
+            </a:r>
+            <a:r>
+              <a:rPr lang="it-IT" sz="2500">
+                <a:latin typeface="Arial" panose="020B0604020202020204" pitchFamily="34" charset="0"/>
+                <a:cs typeface="Arial" panose="020B0604020202020204" pitchFamily="34" charset="0"/>
+              </a:rPr>
+              <a:t> peggiorato</a:t>
+            </a:r>
+            <a:endParaRPr lang="it-IT" sz="2500" dirty="0">
+              <a:latin typeface="Arial" panose="020B0604020202020204" pitchFamily="34" charset="0"/>
+              <a:cs typeface="Arial" panose="020B0604020202020204" pitchFamily="34" charset="0"/>
+            </a:endParaRPr>
           </a:p>
         </p:txBody>
       </p:sp>
@@ -18021,8 +17964,8 @@
           <a:chExt cx="0" cy="0"/>
         </a:xfrm>
       </p:grpSpPr>
-      <mc:AlternateContent xmlns:mc="http://schemas.openxmlformats.org/markup-compatibility/2006">
-        <mc:Choice xmlns:a14="http://schemas.microsoft.com/office/drawing/2010/main" Requires="a14">
+      <mc:AlternateContent xmlns:mc="http://schemas.openxmlformats.org/markup-compatibility/2006" xmlns:a14="http://schemas.microsoft.com/office/drawing/2010/main">
+        <mc:Choice Requires="a14">
           <p:sp>
             <p:nvSpPr>
               <p:cNvPr id="10" name="Segnaposto contenuto 2">
@@ -18892,7 +18835,7 @@
             </p:txBody>
           </p:sp>
         </mc:Choice>
-        <mc:Fallback>
+        <mc:Fallback xmlns="">
           <p:sp>
             <p:nvSpPr>
               <p:cNvPr id="10" name="Segnaposto contenuto 2">

--- a/UVB-exposure-on-melanoma-mortality.pptx
+++ b/UVB-exposure-on-melanoma-mortality.pptx
@@ -220,7 +220,7 @@
           <a:p>
             <a:fld id="{64772BF1-E5F6-7A49-B9EA-C03B53BF8D93}" type="datetimeFigureOut">
               <a:rPr lang="it-IT" smtClean="0"/>
-              <a:t>30/06/24</a:t>
+              <a:t>03/07/24</a:t>
             </a:fld>
             <a:endParaRPr lang="it-IT"/>
           </a:p>
@@ -3500,7 +3500,7 @@
           <a:p>
             <a:fld id="{4EA50560-6CC8-914C-9AB5-2FD017C5E165}" type="datetimeFigureOut">
               <a:rPr lang="it-IT" smtClean="0"/>
-              <a:t>30/06/24</a:t>
+              <a:t>03/07/24</a:t>
             </a:fld>
             <a:endParaRPr lang="it-IT"/>
           </a:p>
@@ -3698,7 +3698,7 @@
           <a:p>
             <a:fld id="{4EA50560-6CC8-914C-9AB5-2FD017C5E165}" type="datetimeFigureOut">
               <a:rPr lang="it-IT" smtClean="0"/>
-              <a:t>30/06/24</a:t>
+              <a:t>03/07/24</a:t>
             </a:fld>
             <a:endParaRPr lang="it-IT"/>
           </a:p>
@@ -3906,7 +3906,7 @@
           <a:p>
             <a:fld id="{4EA50560-6CC8-914C-9AB5-2FD017C5E165}" type="datetimeFigureOut">
               <a:rPr lang="it-IT" smtClean="0"/>
-              <a:t>30/06/24</a:t>
+              <a:t>03/07/24</a:t>
             </a:fld>
             <a:endParaRPr lang="it-IT"/>
           </a:p>
@@ -4104,7 +4104,7 @@
           <a:p>
             <a:fld id="{4EA50560-6CC8-914C-9AB5-2FD017C5E165}" type="datetimeFigureOut">
               <a:rPr lang="it-IT" smtClean="0"/>
-              <a:t>30/06/24</a:t>
+              <a:t>03/07/24</a:t>
             </a:fld>
             <a:endParaRPr lang="it-IT"/>
           </a:p>
@@ -4379,7 +4379,7 @@
           <a:p>
             <a:fld id="{4EA50560-6CC8-914C-9AB5-2FD017C5E165}" type="datetimeFigureOut">
               <a:rPr lang="it-IT" smtClean="0"/>
-              <a:t>30/06/24</a:t>
+              <a:t>03/07/24</a:t>
             </a:fld>
             <a:endParaRPr lang="it-IT"/>
           </a:p>
@@ -4644,7 +4644,7 @@
           <a:p>
             <a:fld id="{4EA50560-6CC8-914C-9AB5-2FD017C5E165}" type="datetimeFigureOut">
               <a:rPr lang="it-IT" smtClean="0"/>
-              <a:t>30/06/24</a:t>
+              <a:t>03/07/24</a:t>
             </a:fld>
             <a:endParaRPr lang="it-IT"/>
           </a:p>
@@ -5056,7 +5056,7 @@
           <a:p>
             <a:fld id="{4EA50560-6CC8-914C-9AB5-2FD017C5E165}" type="datetimeFigureOut">
               <a:rPr lang="it-IT" smtClean="0"/>
-              <a:t>30/06/24</a:t>
+              <a:t>03/07/24</a:t>
             </a:fld>
             <a:endParaRPr lang="it-IT"/>
           </a:p>
@@ -5197,7 +5197,7 @@
           <a:p>
             <a:fld id="{4EA50560-6CC8-914C-9AB5-2FD017C5E165}" type="datetimeFigureOut">
               <a:rPr lang="it-IT" smtClean="0"/>
-              <a:t>30/06/24</a:t>
+              <a:t>03/07/24</a:t>
             </a:fld>
             <a:endParaRPr lang="it-IT"/>
           </a:p>
@@ -5310,7 +5310,7 @@
           <a:p>
             <a:fld id="{4EA50560-6CC8-914C-9AB5-2FD017C5E165}" type="datetimeFigureOut">
               <a:rPr lang="it-IT" smtClean="0"/>
-              <a:t>30/06/24</a:t>
+              <a:t>03/07/24</a:t>
             </a:fld>
             <a:endParaRPr lang="it-IT"/>
           </a:p>
@@ -5621,7 +5621,7 @@
           <a:p>
             <a:fld id="{4EA50560-6CC8-914C-9AB5-2FD017C5E165}" type="datetimeFigureOut">
               <a:rPr lang="it-IT" smtClean="0"/>
-              <a:t>30/06/24</a:t>
+              <a:t>03/07/24</a:t>
             </a:fld>
             <a:endParaRPr lang="it-IT"/>
           </a:p>
@@ -5909,7 +5909,7 @@
           <a:p>
             <a:fld id="{4EA50560-6CC8-914C-9AB5-2FD017C5E165}" type="datetimeFigureOut">
               <a:rPr lang="it-IT" smtClean="0"/>
-              <a:t>30/06/24</a:t>
+              <a:t>03/07/24</a:t>
             </a:fld>
             <a:endParaRPr lang="it-IT"/>
           </a:p>
@@ -6150,7 +6150,7 @@
           <a:p>
             <a:fld id="{4EA50560-6CC8-914C-9AB5-2FD017C5E165}" type="datetimeFigureOut">
               <a:rPr lang="it-IT" smtClean="0"/>
-              <a:t>30/06/24</a:t>
+              <a:t>03/07/24</a:t>
             </a:fld>
             <a:endParaRPr lang="it-IT"/>
           </a:p>
@@ -10966,7 +10966,7 @@
             <p:ph idx="1"/>
             <p:extLst>
               <p:ext uri="{D42A27DB-BD31-4B8C-83A1-F6EECF244321}">
-                <p14:modId xmlns:p14="http://schemas.microsoft.com/office/powerpoint/2010/main" val="3655284740"/>
+                <p14:modId xmlns:p14="http://schemas.microsoft.com/office/powerpoint/2010/main" val="2937628328"/>
               </p:ext>
             </p:extLst>
           </p:nvPr>
@@ -11210,7 +11210,7 @@
                       <a:pPr algn="ctr"/>
                       <a:r>
                         <a:rPr lang="it-IT" dirty="0"/>
-                        <a:t>2313.8</a:t>
+                        <a:t>2312.2</a:t>
                       </a:r>
                     </a:p>
                   </a:txBody>
@@ -11228,7 +11228,7 @@
                       <a:pPr algn="ctr"/>
                       <a:r>
                         <a:rPr lang="it-IT" dirty="0"/>
-                        <a:t>2658.2</a:t>
+                        <a:t>2656.6</a:t>
                       </a:r>
                     </a:p>
                   </a:txBody>
@@ -12363,8 +12363,8 @@
           </a:p>
         </p:txBody>
       </p:sp>
-      <mc:AlternateContent xmlns:mc="http://schemas.openxmlformats.org/markup-compatibility/2006">
-        <mc:Choice xmlns:a14="http://schemas.microsoft.com/office/drawing/2010/main" Requires="a14">
+      <mc:AlternateContent xmlns:mc="http://schemas.openxmlformats.org/markup-compatibility/2006" xmlns:a14="http://schemas.microsoft.com/office/drawing/2010/main">
+        <mc:Choice Requires="a14">
           <p:sp>
             <p:nvSpPr>
               <p:cNvPr id="10" name="Segnaposto contenuto 2">
@@ -12756,7 +12756,7 @@
             </p:txBody>
           </p:sp>
         </mc:Choice>
-        <mc:Fallback>
+        <mc:Fallback xmlns="">
           <p:sp>
             <p:nvSpPr>
               <p:cNvPr id="10" name="Segnaposto contenuto 2">
@@ -15440,83 +15440,30 @@
               <a:buNone/>
             </a:pPr>
             <a:r>
-              <a:rPr lang="it-IT" sz="2500" dirty="0" err="1">
-                <a:latin typeface="Arial" panose="020B0604020202020204" pitchFamily="34" charset="0"/>
-                <a:cs typeface="Arial" panose="020B0604020202020204" pitchFamily="34" charset="0"/>
-              </a:rPr>
-              <a:t>aic_A</a:t>
-            </a:r>
-            <a:r>
-              <a:rPr lang="it-IT" sz="2500" dirty="0">
-                <a:latin typeface="Arial" panose="020B0604020202020204" pitchFamily="34" charset="0"/>
-                <a:cs typeface="Arial" panose="020B0604020202020204" pitchFamily="34" charset="0"/>
-              </a:rPr>
-              <a:t> &lt;- - 2 * </a:t>
-            </a:r>
-            <a:r>
-              <a:rPr lang="it-IT" sz="2500" dirty="0" err="1">
-                <a:latin typeface="Arial" panose="020B0604020202020204" pitchFamily="34" charset="0"/>
-                <a:cs typeface="Arial" panose="020B0604020202020204" pitchFamily="34" charset="0"/>
-              </a:rPr>
-              <a:t>elpd_loo_A</a:t>
-            </a:r>
-            <a:r>
-              <a:rPr lang="it-IT" sz="2500" dirty="0">
-                <a:latin typeface="Arial" panose="020B0604020202020204" pitchFamily="34" charset="0"/>
-                <a:cs typeface="Arial" panose="020B0604020202020204" pitchFamily="34" charset="0"/>
-              </a:rPr>
-              <a:t> + 2 * </a:t>
-            </a:r>
-            <a:r>
-              <a:rPr lang="it-IT" sz="2500" dirty="0" err="1">
-                <a:latin typeface="Arial" panose="020B0604020202020204" pitchFamily="34" charset="0"/>
-                <a:cs typeface="Arial" panose="020B0604020202020204" pitchFamily="34" charset="0"/>
-              </a:rPr>
-              <a:t>p</a:t>
-            </a:r>
-            <a:endParaRPr lang="it-IT" sz="2500" dirty="0">
-              <a:latin typeface="Arial" panose="020B0604020202020204" pitchFamily="34" charset="0"/>
-              <a:cs typeface="Arial" panose="020B0604020202020204" pitchFamily="34" charset="0"/>
-            </a:endParaRPr>
+              <a:rPr lang="it-IT" sz="2500" dirty="0">
+                <a:latin typeface="Arial" panose="020B0604020202020204" pitchFamily="34" charset="0"/>
+                <a:cs typeface="Arial" panose="020B0604020202020204" pitchFamily="34" charset="0"/>
+              </a:rPr>
+              <a:t> Estimate   SE</a:t>
+            </a:r>
           </a:p>
           <a:p>
             <a:pPr marL="0" indent="0" algn="just">
               <a:buNone/>
             </a:pPr>
             <a:r>
-              <a:rPr lang="it-IT" sz="2500" dirty="0">
-                <a:latin typeface="Arial" panose="020B0604020202020204" pitchFamily="34" charset="0"/>
-                <a:cs typeface="Arial" panose="020B0604020202020204" pitchFamily="34" charset="0"/>
-              </a:rPr>
-              <a:t>&gt; </a:t>
-            </a:r>
-            <a:r>
               <a:rPr lang="it-IT" sz="2500" dirty="0" err="1">
                 <a:latin typeface="Arial" panose="020B0604020202020204" pitchFamily="34" charset="0"/>
                 <a:cs typeface="Arial" panose="020B0604020202020204" pitchFamily="34" charset="0"/>
               </a:rPr>
-              <a:t>print</a:t>
-            </a:r>
-            <a:r>
-              <a:rPr lang="it-IT" sz="2500" dirty="0">
-                <a:latin typeface="Arial" panose="020B0604020202020204" pitchFamily="34" charset="0"/>
-                <a:cs typeface="Arial" panose="020B0604020202020204" pitchFamily="34" charset="0"/>
-              </a:rPr>
-              <a:t>(</a:t>
-            </a:r>
-            <a:r>
-              <a:rPr lang="it-IT" sz="2500" dirty="0" err="1">
-                <a:latin typeface="Arial" panose="020B0604020202020204" pitchFamily="34" charset="0"/>
-                <a:cs typeface="Arial" panose="020B0604020202020204" pitchFamily="34" charset="0"/>
-              </a:rPr>
-              <a:t>aic_A</a:t>
-            </a:r>
-            <a:r>
-              <a:rPr lang="it-IT" sz="2500" dirty="0">
-                <a:latin typeface="Arial" panose="020B0604020202020204" pitchFamily="34" charset="0"/>
-                <a:cs typeface="Arial" panose="020B0604020202020204" pitchFamily="34" charset="0"/>
-              </a:rPr>
-              <a:t>)</a:t>
+              <a:t>elpd_loo</a:t>
+            </a:r>
+            <a:r>
+              <a:rPr lang="it-IT" sz="2500" dirty="0">
+                <a:latin typeface="Arial" panose="020B0604020202020204" pitchFamily="34" charset="0"/>
+                <a:cs typeface="Arial" panose="020B0604020202020204" pitchFamily="34" charset="0"/>
+              </a:rPr>
+              <a:t>  -1053.1 20.7</a:t>
             </a:r>
           </a:p>
           <a:p>
@@ -15524,11 +15471,18 @@
               <a:buNone/>
             </a:pPr>
             <a:r>
-              <a:rPr lang="it-IT" sz="2500" dirty="0">
-                <a:latin typeface="Arial" panose="020B0604020202020204" pitchFamily="34" charset="0"/>
-                <a:cs typeface="Arial" panose="020B0604020202020204" pitchFamily="34" charset="0"/>
-              </a:rPr>
-              <a:t>[1] 2994.942</a:t>
+              <a:rPr lang="it-IT" sz="2500" dirty="0" err="1">
+                <a:latin typeface="Arial" panose="020B0604020202020204" pitchFamily="34" charset="0"/>
+                <a:cs typeface="Arial" panose="020B0604020202020204" pitchFamily="34" charset="0"/>
+              </a:rPr>
+              <a:t>p_loo</a:t>
+            </a:r>
+            <a:r>
+              <a:rPr lang="it-IT" sz="2500" dirty="0">
+                <a:latin typeface="Arial" panose="020B0604020202020204" pitchFamily="34" charset="0"/>
+                <a:cs typeface="Arial" panose="020B0604020202020204" pitchFamily="34" charset="0"/>
+              </a:rPr>
+              <a:t>       112.5  8.8</a:t>
             </a:r>
           </a:p>
           <a:p>
@@ -15536,116 +15490,18 @@
               <a:buNone/>
             </a:pPr>
             <a:r>
-              <a:rPr lang="it-IT" sz="2500" dirty="0">
-                <a:latin typeface="Arial" panose="020B0604020202020204" pitchFamily="34" charset="0"/>
-                <a:cs typeface="Arial" panose="020B0604020202020204" pitchFamily="34" charset="0"/>
-              </a:rPr>
-              <a:t>&gt; </a:t>
-            </a:r>
-            <a:r>
               <a:rPr lang="it-IT" sz="2500" dirty="0" err="1">
                 <a:latin typeface="Arial" panose="020B0604020202020204" pitchFamily="34" charset="0"/>
                 <a:cs typeface="Arial" panose="020B0604020202020204" pitchFamily="34" charset="0"/>
               </a:rPr>
-              <a:t>bic_A</a:t>
-            </a:r>
-            <a:r>
-              <a:rPr lang="it-IT" sz="2500" dirty="0">
-                <a:latin typeface="Arial" panose="020B0604020202020204" pitchFamily="34" charset="0"/>
-                <a:cs typeface="Arial" panose="020B0604020202020204" pitchFamily="34" charset="0"/>
-              </a:rPr>
-              <a:t> &lt;- - 2 * </a:t>
-            </a:r>
-            <a:r>
-              <a:rPr lang="it-IT" sz="2500" dirty="0" err="1">
-                <a:latin typeface="Arial" panose="020B0604020202020204" pitchFamily="34" charset="0"/>
-                <a:cs typeface="Arial" panose="020B0604020202020204" pitchFamily="34" charset="0"/>
-              </a:rPr>
-              <a:t>elpd_loo_A</a:t>
-            </a:r>
-            <a:r>
-              <a:rPr lang="it-IT" sz="2500" dirty="0">
-                <a:latin typeface="Arial" panose="020B0604020202020204" pitchFamily="34" charset="0"/>
-                <a:cs typeface="Arial" panose="020B0604020202020204" pitchFamily="34" charset="0"/>
-              </a:rPr>
-              <a:t> + log(</a:t>
-            </a:r>
-            <a:r>
-              <a:rPr lang="it-IT" sz="2500" dirty="0" err="1">
-                <a:latin typeface="Arial" panose="020B0604020202020204" pitchFamily="34" charset="0"/>
-                <a:cs typeface="Arial" panose="020B0604020202020204" pitchFamily="34" charset="0"/>
-              </a:rPr>
-              <a:t>n</a:t>
-            </a:r>
-            <a:r>
-              <a:rPr lang="it-IT" sz="2500" dirty="0">
-                <a:latin typeface="Arial" panose="020B0604020202020204" pitchFamily="34" charset="0"/>
-                <a:cs typeface="Arial" panose="020B0604020202020204" pitchFamily="34" charset="0"/>
-              </a:rPr>
-              <a:t>) * </a:t>
-            </a:r>
-            <a:r>
-              <a:rPr lang="it-IT" sz="2500" dirty="0" err="1">
-                <a:latin typeface="Arial" panose="020B0604020202020204" pitchFamily="34" charset="0"/>
-                <a:cs typeface="Arial" panose="020B0604020202020204" pitchFamily="34" charset="0"/>
-              </a:rPr>
-              <a:t>p</a:t>
-            </a:r>
-            <a:endParaRPr lang="it-IT" sz="2500" dirty="0">
-              <a:latin typeface="Arial" panose="020B0604020202020204" pitchFamily="34" charset="0"/>
-              <a:cs typeface="Arial" panose="020B0604020202020204" pitchFamily="34" charset="0"/>
-            </a:endParaRPr>
-          </a:p>
-          <a:p>
-            <a:pPr marL="0" indent="0" algn="just">
-              <a:buNone/>
-            </a:pPr>
-            <a:r>
-              <a:rPr lang="it-IT" sz="2500" dirty="0">
-                <a:latin typeface="Arial" panose="020B0604020202020204" pitchFamily="34" charset="0"/>
-                <a:cs typeface="Arial" panose="020B0604020202020204" pitchFamily="34" charset="0"/>
-              </a:rPr>
-              <a:t>&gt; </a:t>
-            </a:r>
-            <a:r>
-              <a:rPr lang="it-IT" sz="2500" dirty="0" err="1">
-                <a:latin typeface="Arial" panose="020B0604020202020204" pitchFamily="34" charset="0"/>
-                <a:cs typeface="Arial" panose="020B0604020202020204" pitchFamily="34" charset="0"/>
-              </a:rPr>
-              <a:t>print</a:t>
-            </a:r>
-            <a:r>
-              <a:rPr lang="it-IT" sz="2500" dirty="0">
-                <a:latin typeface="Arial" panose="020B0604020202020204" pitchFamily="34" charset="0"/>
-                <a:cs typeface="Arial" panose="020B0604020202020204" pitchFamily="34" charset="0"/>
-              </a:rPr>
-              <a:t>(</a:t>
-            </a:r>
-            <a:r>
-              <a:rPr lang="it-IT" sz="2500" dirty="0" err="1">
-                <a:latin typeface="Arial" panose="020B0604020202020204" pitchFamily="34" charset="0"/>
-                <a:cs typeface="Arial" panose="020B0604020202020204" pitchFamily="34" charset="0"/>
-              </a:rPr>
-              <a:t>bic_A</a:t>
-            </a:r>
-            <a:r>
-              <a:rPr lang="it-IT" sz="2500" dirty="0">
-                <a:latin typeface="Arial" panose="020B0604020202020204" pitchFamily="34" charset="0"/>
-                <a:cs typeface="Arial" panose="020B0604020202020204" pitchFamily="34" charset="0"/>
-              </a:rPr>
-              <a:t>)</a:t>
-            </a:r>
-          </a:p>
-          <a:p>
-            <a:pPr marL="0" indent="0" algn="just">
-              <a:buNone/>
-            </a:pPr>
-            <a:r>
-              <a:rPr lang="it-IT" sz="2500" dirty="0">
-                <a:latin typeface="Arial" panose="020B0604020202020204" pitchFamily="34" charset="0"/>
-                <a:cs typeface="Arial" panose="020B0604020202020204" pitchFamily="34" charset="0"/>
-              </a:rPr>
-              <a:t>[1] 4720.648</a:t>
+              <a:t>looic</a:t>
+            </a:r>
+            <a:r>
+              <a:rPr lang="it-IT" sz="2500" dirty="0">
+                <a:latin typeface="Arial" panose="020B0604020202020204" pitchFamily="34" charset="0"/>
+                <a:cs typeface="Arial" panose="020B0604020202020204" pitchFamily="34" charset="0"/>
+              </a:rPr>
+              <a:t>      2106.1 41.4</a:t>
             </a:r>
           </a:p>
           <a:p>
@@ -15666,14 +15522,35 @@
                 <a:latin typeface="Arial" panose="020B0604020202020204" pitchFamily="34" charset="0"/>
                 <a:cs typeface="Arial" panose="020B0604020202020204" pitchFamily="34" charset="0"/>
               </a:rPr>
-              <a:t>Èe</a:t>
+              <a:t>P_loo</a:t>
+            </a:r>
+            <a:r>
+              <a:rPr lang="it-IT" sz="2500" dirty="0">
+                <a:latin typeface="Arial" panose="020B0604020202020204" pitchFamily="34" charset="0"/>
+                <a:cs typeface="Arial" panose="020B0604020202020204" pitchFamily="34" charset="0"/>
+              </a:rPr>
+              <a:t> &lt; </a:t>
+            </a:r>
+            <a:r>
+              <a:rPr lang="it-IT" sz="2500" dirty="0" err="1">
+                <a:latin typeface="Arial" panose="020B0604020202020204" pitchFamily="34" charset="0"/>
+                <a:cs typeface="Arial" panose="020B0604020202020204" pitchFamily="34" charset="0"/>
+              </a:rPr>
+              <a:t>p</a:t>
+            </a:r>
+            <a:r>
+              <a:rPr lang="it-IT" sz="2500" dirty="0">
+                <a:latin typeface="Arial" panose="020B0604020202020204" pitchFamily="34" charset="0"/>
+                <a:cs typeface="Arial" panose="020B0604020202020204" pitchFamily="34" charset="0"/>
+              </a:rPr>
+              <a:t> = 5+nation+regions+obs=</a:t>
             </a:r>
             <a:r>
               <a:rPr lang="it-IT" sz="2500">
                 <a:latin typeface="Arial" panose="020B0604020202020204" pitchFamily="34" charset="0"/>
                 <a:cs typeface="Arial" panose="020B0604020202020204" pitchFamily="34" charset="0"/>
               </a:rPr>
-              <a:t> peggiorato</a:t>
+              <a:t>446 GOOD</a:t>
             </a:r>
             <a:endParaRPr lang="it-IT" sz="2500" dirty="0">
               <a:latin typeface="Arial" panose="020B0604020202020204" pitchFamily="34" charset="0"/>

--- a/UVB-exposure-on-melanoma-mortality.pptx
+++ b/UVB-exposure-on-melanoma-mortality.pptx
@@ -221,7 +221,7 @@
           <a:p>
             <a:fld id="{64772BF1-E5F6-7A49-B9EA-C03B53BF8D93}" type="datetimeFigureOut">
               <a:rPr lang="it-IT" smtClean="0"/>
-              <a:t>12/06/25</a:t>
+              <a:t>14/06/25</a:t>
             </a:fld>
             <a:endParaRPr lang="it-IT"/>
           </a:p>
@@ -1373,6 +1373,76 @@
                 <a:latin typeface="Arial" panose="020B0604020202020204" pitchFamily="34" charset="0"/>
                 <a:cs typeface="Arial" panose="020B0604020202020204" pitchFamily="34" charset="0"/>
               </a:rPr>
+              <a:t> </a:t>
+            </a:r>
+            <a:r>
+              <a:rPr lang="it-IT" sz="1200" dirty="0" err="1">
+                <a:latin typeface="Arial" panose="020B0604020202020204" pitchFamily="34" charset="0"/>
+                <a:cs typeface="Arial" panose="020B0604020202020204" pitchFamily="34" charset="0"/>
+              </a:rPr>
+              <a:t>w.r.t</a:t>
+            </a:r>
+            <a:r>
+              <a:rPr lang="it-IT" sz="1200" dirty="0">
+                <a:latin typeface="Arial" panose="020B0604020202020204" pitchFamily="34" charset="0"/>
+                <a:cs typeface="Arial" panose="020B0604020202020204" pitchFamily="34" charset="0"/>
+              </a:rPr>
+              <a:t>. the global </a:t>
+            </a:r>
+            <a:r>
+              <a:rPr lang="it-IT" sz="1200" dirty="0" err="1">
+                <a:latin typeface="Arial" panose="020B0604020202020204" pitchFamily="34" charset="0"/>
+                <a:cs typeface="Arial" panose="020B0604020202020204" pitchFamily="34" charset="0"/>
+              </a:rPr>
+              <a:t>mean</a:t>
+            </a:r>
+            <a:r>
+              <a:rPr lang="it-IT" sz="1200" dirty="0">
+                <a:latin typeface="Arial" panose="020B0604020202020204" pitchFamily="34" charset="0"/>
+                <a:cs typeface="Arial" panose="020B0604020202020204" pitchFamily="34" charset="0"/>
+              </a:rPr>
+              <a:t> -&gt; more </a:t>
+            </a:r>
+            <a:r>
+              <a:rPr lang="it-IT" sz="1200" dirty="0" err="1">
+                <a:latin typeface="Arial" panose="020B0604020202020204" pitchFamily="34" charset="0"/>
+                <a:cs typeface="Arial" panose="020B0604020202020204" pitchFamily="34" charset="0"/>
+              </a:rPr>
+              <a:t>deaths</a:t>
+            </a:r>
+            <a:r>
+              <a:rPr lang="it-IT" sz="1200" dirty="0">
+                <a:latin typeface="Arial" panose="020B0604020202020204" pitchFamily="34" charset="0"/>
+                <a:cs typeface="Arial" panose="020B0604020202020204" pitchFamily="34" charset="0"/>
+              </a:rPr>
+              <a:t> </a:t>
+            </a:r>
+            <a:r>
+              <a:rPr lang="it-IT" sz="1200" dirty="0" err="1">
+                <a:latin typeface="Arial" panose="020B0604020202020204" pitchFamily="34" charset="0"/>
+                <a:cs typeface="Arial" panose="020B0604020202020204" pitchFamily="34" charset="0"/>
+              </a:rPr>
+              <a:t>than</a:t>
+            </a:r>
+            <a:r>
+              <a:rPr lang="it-IT" sz="1200" dirty="0">
+                <a:latin typeface="Arial" panose="020B0604020202020204" pitchFamily="34" charset="0"/>
+                <a:cs typeface="Arial" panose="020B0604020202020204" pitchFamily="34" charset="0"/>
+              </a:rPr>
+              <a:t> </a:t>
+            </a:r>
+            <a:r>
+              <a:rPr lang="it-IT" sz="1200" dirty="0" err="1">
+                <a:latin typeface="Arial" panose="020B0604020202020204" pitchFamily="34" charset="0"/>
+                <a:cs typeface="Arial" panose="020B0604020202020204" pitchFamily="34" charset="0"/>
+              </a:rPr>
+              <a:t>expected</a:t>
+            </a:r>
+            <a:r>
+              <a:rPr lang="it-IT" sz="1200" dirty="0">
+                <a:latin typeface="Arial" panose="020B0604020202020204" pitchFamily="34" charset="0"/>
+                <a:cs typeface="Arial" panose="020B0604020202020204" pitchFamily="34" charset="0"/>
+              </a:rPr>
               <a:t>.</a:t>
             </a:r>
           </a:p>
@@ -1422,7 +1492,80 @@
               </a:rPr>
               <a:t>intercepts</a:t>
             </a:r>
-            <a:endParaRPr lang="it-IT" dirty="0"/>
+            <a:r>
+              <a:rPr lang="it-IT" sz="1200" dirty="0">
+                <a:latin typeface="Arial" panose="020B0604020202020204" pitchFamily="34" charset="0"/>
+                <a:cs typeface="Arial" panose="020B0604020202020204" pitchFamily="34" charset="0"/>
+              </a:rPr>
+              <a:t> (</a:t>
+            </a:r>
+            <a:r>
+              <a:rPr lang="it-IT" sz="1200" dirty="0" err="1">
+                <a:latin typeface="Arial" panose="020B0604020202020204" pitchFamily="34" charset="0"/>
+                <a:cs typeface="Arial" panose="020B0604020202020204" pitchFamily="34" charset="0"/>
+              </a:rPr>
+              <a:t>uncertainty</a:t>
+            </a:r>
+            <a:r>
+              <a:rPr lang="it-IT" sz="1200" dirty="0">
+                <a:latin typeface="Arial" panose="020B0604020202020204" pitchFamily="34" charset="0"/>
+                <a:cs typeface="Arial" panose="020B0604020202020204" pitchFamily="34" charset="0"/>
+              </a:rPr>
+              <a:t>) -&gt; the </a:t>
+            </a:r>
+            <a:r>
+              <a:rPr lang="it-IT" sz="1200" dirty="0" err="1">
+                <a:latin typeface="Arial" panose="020B0604020202020204" pitchFamily="34" charset="0"/>
+                <a:cs typeface="Arial" panose="020B0604020202020204" pitchFamily="34" charset="0"/>
+              </a:rPr>
+              <a:t>longer</a:t>
+            </a:r>
+            <a:r>
+              <a:rPr lang="it-IT" sz="1200" dirty="0">
+                <a:latin typeface="Arial" panose="020B0604020202020204" pitchFamily="34" charset="0"/>
+                <a:cs typeface="Arial" panose="020B0604020202020204" pitchFamily="34" charset="0"/>
+              </a:rPr>
+              <a:t>, the </a:t>
+            </a:r>
+            <a:r>
+              <a:rPr lang="it-IT" sz="1200" dirty="0" err="1">
+                <a:latin typeface="Arial" panose="020B0604020202020204" pitchFamily="34" charset="0"/>
+                <a:cs typeface="Arial" panose="020B0604020202020204" pitchFamily="34" charset="0"/>
+              </a:rPr>
+              <a:t>less</a:t>
+            </a:r>
+            <a:r>
+              <a:rPr lang="it-IT" sz="1200" dirty="0">
+                <a:latin typeface="Arial" panose="020B0604020202020204" pitchFamily="34" charset="0"/>
+                <a:cs typeface="Arial" panose="020B0604020202020204" pitchFamily="34" charset="0"/>
+              </a:rPr>
+              <a:t> info or data for </a:t>
+            </a:r>
+            <a:r>
+              <a:rPr lang="it-IT" sz="1200" dirty="0" err="1">
+                <a:latin typeface="Arial" panose="020B0604020202020204" pitchFamily="34" charset="0"/>
+                <a:cs typeface="Arial" panose="020B0604020202020204" pitchFamily="34" charset="0"/>
+              </a:rPr>
+              <a:t>that</a:t>
+            </a:r>
+            <a:r>
+              <a:rPr lang="it-IT" sz="1200" dirty="0">
+                <a:latin typeface="Arial" panose="020B0604020202020204" pitchFamily="34" charset="0"/>
+                <a:cs typeface="Arial" panose="020B0604020202020204" pitchFamily="34" charset="0"/>
+              </a:rPr>
+              <a:t> </a:t>
+            </a:r>
+            <a:r>
+              <a:rPr lang="it-IT" sz="1200" dirty="0" err="1">
+                <a:latin typeface="Arial" panose="020B0604020202020204" pitchFamily="34" charset="0"/>
+                <a:cs typeface="Arial" panose="020B0604020202020204" pitchFamily="34" charset="0"/>
+              </a:rPr>
+              <a:t>region</a:t>
+            </a:r>
+            <a:endParaRPr lang="it-IT" sz="1200" dirty="0">
+              <a:latin typeface="Arial" panose="020B0604020202020204" pitchFamily="34" charset="0"/>
+              <a:cs typeface="Arial" panose="020B0604020202020204" pitchFamily="34" charset="0"/>
+            </a:endParaRPr>
           </a:p>
         </p:txBody>
       </p:sp>
@@ -1760,6 +1903,341 @@
         <p:txBody>
           <a:bodyPr/>
           <a:lstStyle/>
+          <a:p>
+            <a:pPr>
+              <a:buNone/>
+            </a:pPr>
+            <a:r>
+              <a:rPr lang="it-IT" dirty="0">
+                <a:solidFill>
+                  <a:srgbClr val="1B2A2D"/>
+                </a:solidFill>
+                <a:effectLst/>
+                <a:latin typeface="Helvetica" pitchFamily="2" charset="0"/>
+              </a:rPr>
+              <a:t>In </a:t>
+            </a:r>
+            <a:r>
+              <a:rPr lang="it-IT" dirty="0" err="1">
+                <a:solidFill>
+                  <a:srgbClr val="1B2A2D"/>
+                </a:solidFill>
+                <a:effectLst/>
+                <a:latin typeface="Helvetica" pitchFamily="2" charset="0"/>
+              </a:rPr>
+              <a:t>comparing</a:t>
+            </a:r>
+            <a:r>
+              <a:rPr lang="it-IT" dirty="0">
+                <a:solidFill>
+                  <a:srgbClr val="1B2A2D"/>
+                </a:solidFill>
+                <a:effectLst/>
+                <a:latin typeface="Helvetica" pitchFamily="2" charset="0"/>
+              </a:rPr>
+              <a:t> </a:t>
+            </a:r>
+            <a:r>
+              <a:rPr lang="it-IT" dirty="0" err="1">
+                <a:solidFill>
+                  <a:srgbClr val="C23525"/>
+                </a:solidFill>
+                <a:effectLst/>
+                <a:latin typeface="Helvetica" pitchFamily="2" charset="0"/>
+              </a:rPr>
+              <a:t>nested</a:t>
+            </a:r>
+            <a:r>
+              <a:rPr lang="it-IT" dirty="0">
+                <a:solidFill>
+                  <a:srgbClr val="C23525"/>
+                </a:solidFill>
+                <a:effectLst/>
+                <a:latin typeface="Helvetica" pitchFamily="2" charset="0"/>
+              </a:rPr>
+              <a:t> </a:t>
+            </a:r>
+            <a:r>
+              <a:rPr lang="it-IT" dirty="0">
+                <a:solidFill>
+                  <a:srgbClr val="1B2A2D"/>
+                </a:solidFill>
+                <a:effectLst/>
+                <a:latin typeface="Helvetica" pitchFamily="2" charset="0"/>
+              </a:rPr>
+              <a:t>models, the key </a:t>
+            </a:r>
+            <a:r>
+              <a:rPr lang="it-IT" dirty="0" err="1">
+                <a:solidFill>
+                  <a:srgbClr val="1B2A2D"/>
+                </a:solidFill>
+                <a:effectLst/>
+                <a:latin typeface="Helvetica" pitchFamily="2" charset="0"/>
+              </a:rPr>
+              <a:t>questions</a:t>
+            </a:r>
+            <a:r>
+              <a:rPr lang="it-IT" dirty="0">
+                <a:solidFill>
+                  <a:srgbClr val="1B2A2D"/>
+                </a:solidFill>
+                <a:effectLst/>
+                <a:latin typeface="Helvetica" pitchFamily="2" charset="0"/>
+              </a:rPr>
+              <a:t> of model </a:t>
+            </a:r>
+            <a:r>
+              <a:rPr lang="it-IT" dirty="0" err="1">
+                <a:solidFill>
+                  <a:srgbClr val="1B2A2D"/>
+                </a:solidFill>
+                <a:effectLst/>
+                <a:latin typeface="Helvetica" pitchFamily="2" charset="0"/>
+              </a:rPr>
+              <a:t>comparison</a:t>
+            </a:r>
+            <a:r>
+              <a:rPr lang="it-IT">
+                <a:solidFill>
+                  <a:srgbClr val="1B2A2D"/>
+                </a:solidFill>
+                <a:effectLst/>
+                <a:latin typeface="Helvetica" pitchFamily="2" charset="0"/>
+              </a:rPr>
+              <a:t> are typically</a:t>
+            </a:r>
+            <a:r>
+              <a:rPr lang="it-IT" dirty="0">
+                <a:solidFill>
+                  <a:srgbClr val="1B2A2D"/>
+                </a:solidFill>
+                <a:effectLst/>
+                <a:latin typeface="Helvetica" pitchFamily="2" charset="0"/>
+              </a:rPr>
+              <a:t>: (1) </a:t>
+            </a:r>
+            <a:r>
+              <a:rPr lang="it-IT" dirty="0" err="1">
+                <a:solidFill>
+                  <a:srgbClr val="1B2A2D"/>
+                </a:solidFill>
+                <a:effectLst/>
+                <a:latin typeface="Helvetica" pitchFamily="2" charset="0"/>
+              </a:rPr>
+              <a:t>is</a:t>
+            </a:r>
+            <a:r>
+              <a:rPr lang="it-IT" dirty="0">
+                <a:solidFill>
+                  <a:srgbClr val="1B2A2D"/>
+                </a:solidFill>
+                <a:effectLst/>
+                <a:latin typeface="Helvetica" pitchFamily="2" charset="0"/>
+              </a:rPr>
+              <a:t> the </a:t>
+            </a:r>
+            <a:r>
+              <a:rPr lang="it-IT" dirty="0" err="1">
+                <a:solidFill>
+                  <a:srgbClr val="1B2A2D"/>
+                </a:solidFill>
+                <a:effectLst/>
+                <a:latin typeface="Helvetica" pitchFamily="2" charset="0"/>
+              </a:rPr>
+              <a:t>improvement</a:t>
+            </a:r>
+            <a:r>
+              <a:rPr lang="it-IT" dirty="0">
+                <a:solidFill>
+                  <a:srgbClr val="1B2A2D"/>
+                </a:solidFill>
+                <a:effectLst/>
+                <a:latin typeface="Helvetica" pitchFamily="2" charset="0"/>
+              </a:rPr>
+              <a:t> in fit large </a:t>
+            </a:r>
+            <a:r>
+              <a:rPr lang="it-IT" dirty="0" err="1">
+                <a:solidFill>
+                  <a:srgbClr val="1B2A2D"/>
+                </a:solidFill>
+                <a:effectLst/>
+                <a:latin typeface="Helvetica" pitchFamily="2" charset="0"/>
+              </a:rPr>
+              <a:t>enough</a:t>
+            </a:r>
+            <a:r>
+              <a:rPr lang="it-IT" dirty="0">
+                <a:solidFill>
+                  <a:srgbClr val="1B2A2D"/>
+                </a:solidFill>
+                <a:effectLst/>
+                <a:latin typeface="Helvetica" pitchFamily="2" charset="0"/>
+              </a:rPr>
+              <a:t> to </a:t>
+            </a:r>
+            <a:r>
+              <a:rPr lang="it-IT" dirty="0" err="1">
+                <a:solidFill>
+                  <a:srgbClr val="1B2A2D"/>
+                </a:solidFill>
+                <a:effectLst/>
+                <a:latin typeface="Helvetica" pitchFamily="2" charset="0"/>
+              </a:rPr>
+              <a:t>justify</a:t>
+            </a:r>
+            <a:r>
+              <a:rPr lang="it-IT" dirty="0">
+                <a:solidFill>
+                  <a:srgbClr val="1B2A2D"/>
+                </a:solidFill>
+                <a:effectLst/>
+                <a:latin typeface="Helvetica" pitchFamily="2" charset="0"/>
+              </a:rPr>
+              <a:t> the </a:t>
+            </a:r>
+            <a:r>
+              <a:rPr lang="it-IT" dirty="0" err="1">
+                <a:solidFill>
+                  <a:srgbClr val="1B2A2D"/>
+                </a:solidFill>
+                <a:effectLst/>
+                <a:latin typeface="Helvetica" pitchFamily="2" charset="0"/>
+              </a:rPr>
+              <a:t>additional</a:t>
+            </a:r>
+            <a:r>
+              <a:rPr lang="it-IT" dirty="0">
+                <a:solidFill>
+                  <a:srgbClr val="1B2A2D"/>
+                </a:solidFill>
+                <a:effectLst/>
+                <a:latin typeface="Helvetica" pitchFamily="2" charset="0"/>
+              </a:rPr>
+              <a:t> </a:t>
+            </a:r>
+            <a:r>
+              <a:rPr lang="it-IT" dirty="0" err="1">
+                <a:solidFill>
+                  <a:srgbClr val="1B2A2D"/>
+                </a:solidFill>
+                <a:effectLst/>
+                <a:latin typeface="Helvetica" pitchFamily="2" charset="0"/>
+              </a:rPr>
+              <a:t>diﬃculty</a:t>
+            </a:r>
+            <a:r>
+              <a:rPr lang="it-IT" dirty="0">
+                <a:solidFill>
+                  <a:srgbClr val="1B2A2D"/>
+                </a:solidFill>
+                <a:effectLst/>
+                <a:latin typeface="Helvetica" pitchFamily="2" charset="0"/>
+              </a:rPr>
+              <a:t> in fitting, and (2) </a:t>
+            </a:r>
+            <a:r>
+              <a:rPr lang="it-IT" dirty="0" err="1">
+                <a:solidFill>
+                  <a:srgbClr val="1B2A2D"/>
+                </a:solidFill>
+                <a:effectLst/>
+                <a:latin typeface="Helvetica" pitchFamily="2" charset="0"/>
+              </a:rPr>
+              <a:t>is</a:t>
+            </a:r>
+            <a:r>
+              <a:rPr lang="it-IT" dirty="0">
+                <a:solidFill>
+                  <a:srgbClr val="1B2A2D"/>
+                </a:solidFill>
+                <a:effectLst/>
+                <a:latin typeface="Helvetica" pitchFamily="2" charset="0"/>
+              </a:rPr>
+              <a:t> the </a:t>
+            </a:r>
+            <a:r>
+              <a:rPr lang="it-IT" dirty="0" err="1">
+                <a:solidFill>
+                  <a:srgbClr val="1B2A2D"/>
+                </a:solidFill>
+                <a:effectLst/>
+                <a:latin typeface="Helvetica" pitchFamily="2" charset="0"/>
+              </a:rPr>
+              <a:t>prior</a:t>
+            </a:r>
+            <a:r>
+              <a:rPr lang="it-IT" dirty="0">
+                <a:solidFill>
+                  <a:srgbClr val="1B2A2D"/>
+                </a:solidFill>
+                <a:effectLst/>
+                <a:latin typeface="Helvetica" pitchFamily="2" charset="0"/>
+              </a:rPr>
+              <a:t> </a:t>
+            </a:r>
+            <a:r>
+              <a:rPr lang="it-IT" dirty="0" err="1">
+                <a:solidFill>
+                  <a:srgbClr val="1B2A2D"/>
+                </a:solidFill>
+                <a:effectLst/>
+                <a:latin typeface="Helvetica" pitchFamily="2" charset="0"/>
+              </a:rPr>
+              <a:t>distribution</a:t>
+            </a:r>
+            <a:r>
+              <a:rPr lang="it-IT" dirty="0">
+                <a:solidFill>
+                  <a:srgbClr val="1B2A2D"/>
+                </a:solidFill>
+                <a:effectLst/>
+                <a:latin typeface="Helvetica" pitchFamily="2" charset="0"/>
+              </a:rPr>
+              <a:t> on the </a:t>
+            </a:r>
+            <a:r>
+              <a:rPr lang="it-IT" dirty="0" err="1">
+                <a:solidFill>
+                  <a:srgbClr val="1B2A2D"/>
+                </a:solidFill>
+                <a:effectLst/>
+                <a:latin typeface="Helvetica" pitchFamily="2" charset="0"/>
+              </a:rPr>
+              <a:t>additional</a:t>
+            </a:r>
+            <a:r>
+              <a:rPr lang="it-IT" dirty="0">
+                <a:solidFill>
+                  <a:srgbClr val="1B2A2D"/>
+                </a:solidFill>
+                <a:effectLst/>
+                <a:latin typeface="Helvetica" pitchFamily="2" charset="0"/>
+              </a:rPr>
+              <a:t> parameters </a:t>
+            </a:r>
+            <a:r>
+              <a:rPr lang="it-IT" dirty="0" err="1">
+                <a:solidFill>
+                  <a:srgbClr val="1B2A2D"/>
+                </a:solidFill>
+                <a:effectLst/>
+                <a:latin typeface="Helvetica" pitchFamily="2" charset="0"/>
+              </a:rPr>
+              <a:t>reasonable</a:t>
+            </a:r>
+            <a:r>
+              <a:rPr lang="it-IT" dirty="0">
+                <a:solidFill>
+                  <a:srgbClr val="1B2A2D"/>
+                </a:solidFill>
+                <a:effectLst/>
+                <a:latin typeface="Helvetica" pitchFamily="2" charset="0"/>
+              </a:rPr>
+              <a:t>?</a:t>
+            </a:r>
+          </a:p>
           <a:p>
             <a:endParaRPr lang="it-IT" dirty="0"/>
           </a:p>
@@ -2406,10 +2884,9 @@
               <a:t>nations</a:t>
             </a:r>
             <a:r>
-              <a:rPr lang="it-IT"/>
+              <a:rPr lang="it-IT" dirty="0"/>
               <a:t>.</a:t>
             </a:r>
-            <a:endParaRPr lang="it-IT" dirty="0"/>
           </a:p>
         </p:txBody>
       </p:sp>
@@ -3680,7 +4157,7 @@
             </a:r>
             <a:r>
               <a:rPr lang="it-IT" dirty="0" err="1"/>
-              <a:t>freedon</a:t>
+              <a:t>freedom</a:t>
             </a:r>
             <a:r>
               <a:rPr lang="it-IT" dirty="0"/>
@@ -3996,7 +4473,7 @@
           <a:p>
             <a:fld id="{4EA50560-6CC8-914C-9AB5-2FD017C5E165}" type="datetimeFigureOut">
               <a:rPr lang="it-IT" smtClean="0"/>
-              <a:t>12/06/25</a:t>
+              <a:t>14/06/25</a:t>
             </a:fld>
             <a:endParaRPr lang="it-IT"/>
           </a:p>
@@ -4194,7 +4671,7 @@
           <a:p>
             <a:fld id="{4EA50560-6CC8-914C-9AB5-2FD017C5E165}" type="datetimeFigureOut">
               <a:rPr lang="it-IT" smtClean="0"/>
-              <a:t>12/06/25</a:t>
+              <a:t>14/06/25</a:t>
             </a:fld>
             <a:endParaRPr lang="it-IT"/>
           </a:p>
@@ -4402,7 +4879,7 @@
           <a:p>
             <a:fld id="{4EA50560-6CC8-914C-9AB5-2FD017C5E165}" type="datetimeFigureOut">
               <a:rPr lang="it-IT" smtClean="0"/>
-              <a:t>12/06/25</a:t>
+              <a:t>14/06/25</a:t>
             </a:fld>
             <a:endParaRPr lang="it-IT"/>
           </a:p>
@@ -4600,7 +5077,7 @@
           <a:p>
             <a:fld id="{4EA50560-6CC8-914C-9AB5-2FD017C5E165}" type="datetimeFigureOut">
               <a:rPr lang="it-IT" smtClean="0"/>
-              <a:t>12/06/25</a:t>
+              <a:t>14/06/25</a:t>
             </a:fld>
             <a:endParaRPr lang="it-IT"/>
           </a:p>
@@ -4875,7 +5352,7 @@
           <a:p>
             <a:fld id="{4EA50560-6CC8-914C-9AB5-2FD017C5E165}" type="datetimeFigureOut">
               <a:rPr lang="it-IT" smtClean="0"/>
-              <a:t>12/06/25</a:t>
+              <a:t>14/06/25</a:t>
             </a:fld>
             <a:endParaRPr lang="it-IT"/>
           </a:p>
@@ -5140,7 +5617,7 @@
           <a:p>
             <a:fld id="{4EA50560-6CC8-914C-9AB5-2FD017C5E165}" type="datetimeFigureOut">
               <a:rPr lang="it-IT" smtClean="0"/>
-              <a:t>12/06/25</a:t>
+              <a:t>14/06/25</a:t>
             </a:fld>
             <a:endParaRPr lang="it-IT"/>
           </a:p>
@@ -5552,7 +6029,7 @@
           <a:p>
             <a:fld id="{4EA50560-6CC8-914C-9AB5-2FD017C5E165}" type="datetimeFigureOut">
               <a:rPr lang="it-IT" smtClean="0"/>
-              <a:t>12/06/25</a:t>
+              <a:t>14/06/25</a:t>
             </a:fld>
             <a:endParaRPr lang="it-IT"/>
           </a:p>
@@ -5693,7 +6170,7 @@
           <a:p>
             <a:fld id="{4EA50560-6CC8-914C-9AB5-2FD017C5E165}" type="datetimeFigureOut">
               <a:rPr lang="it-IT" smtClean="0"/>
-              <a:t>12/06/25</a:t>
+              <a:t>14/06/25</a:t>
             </a:fld>
             <a:endParaRPr lang="it-IT"/>
           </a:p>
@@ -5806,7 +6283,7 @@
           <a:p>
             <a:fld id="{4EA50560-6CC8-914C-9AB5-2FD017C5E165}" type="datetimeFigureOut">
               <a:rPr lang="it-IT" smtClean="0"/>
-              <a:t>12/06/25</a:t>
+              <a:t>14/06/25</a:t>
             </a:fld>
             <a:endParaRPr lang="it-IT"/>
           </a:p>
@@ -6117,7 +6594,7 @@
           <a:p>
             <a:fld id="{4EA50560-6CC8-914C-9AB5-2FD017C5E165}" type="datetimeFigureOut">
               <a:rPr lang="it-IT" smtClean="0"/>
-              <a:t>12/06/25</a:t>
+              <a:t>14/06/25</a:t>
             </a:fld>
             <a:endParaRPr lang="it-IT"/>
           </a:p>
@@ -6405,7 +6882,7 @@
           <a:p>
             <a:fld id="{4EA50560-6CC8-914C-9AB5-2FD017C5E165}" type="datetimeFigureOut">
               <a:rPr lang="it-IT" smtClean="0"/>
-              <a:t>12/06/25</a:t>
+              <a:t>14/06/25</a:t>
             </a:fld>
             <a:endParaRPr lang="it-IT"/>
           </a:p>
@@ -6646,7 +7123,7 @@
           <a:p>
             <a:fld id="{4EA50560-6CC8-914C-9AB5-2FD017C5E165}" type="datetimeFigureOut">
               <a:rPr lang="it-IT" smtClean="0"/>
-              <a:t>12/06/25</a:t>
+              <a:t>14/06/25</a:t>
             </a:fld>
             <a:endParaRPr lang="it-IT"/>
           </a:p>
@@ -15803,10 +16280,10 @@
       </mc:AlternateContent>
       <p:pic>
         <p:nvPicPr>
-          <p:cNvPr id="5" name="Immagine 4">
+          <p:cNvPr id="8" name="Immagine 7">
             <a:extLst>
               <a:ext uri="{FF2B5EF4-FFF2-40B4-BE49-F238E27FC236}">
-                <a16:creationId xmlns:a16="http://schemas.microsoft.com/office/drawing/2014/main" id="{41FB24EA-2F15-28CB-B54B-E7D57FB34293}"/>
+                <a16:creationId xmlns:a16="http://schemas.microsoft.com/office/drawing/2014/main" id="{C17745DA-7915-9AD1-6B64-6D0E3FD38BEC}"/>
               </a:ext>
             </a:extLst>
           </p:cNvPr>
@@ -15817,14 +16294,13 @@
         </p:nvPicPr>
         <p:blipFill>
           <a:blip r:embed="rId4"/>
-          <a:stretch>
-            <a:fillRect/>
-          </a:stretch>
+          <a:srcRect t="4911" b="1980"/>
+          <a:stretch/>
         </p:blipFill>
         <p:spPr>
           <a:xfrm>
-            <a:off x="2054688" y="1714513"/>
-            <a:ext cx="8082624" cy="5143487"/>
+            <a:off x="573427" y="1716067"/>
+            <a:ext cx="11045145" cy="5141933"/>
           </a:xfrm>
           <a:prstGeom prst="rect">
             <a:avLst/>

--- a/UVB-exposure-on-melanoma-mortality.pptx
+++ b/UVB-exposure-on-melanoma-mortality.pptx
@@ -13,13 +13,13 @@
     <p:sldId id="259" r:id="rId4"/>
     <p:sldId id="260" r:id="rId5"/>
     <p:sldId id="261" r:id="rId6"/>
-    <p:sldId id="262" r:id="rId7"/>
-    <p:sldId id="265" r:id="rId8"/>
-    <p:sldId id="264" r:id="rId9"/>
-    <p:sldId id="287" r:id="rId10"/>
-    <p:sldId id="273" r:id="rId11"/>
-    <p:sldId id="286" r:id="rId12"/>
-    <p:sldId id="267" r:id="rId13"/>
+    <p:sldId id="265" r:id="rId7"/>
+    <p:sldId id="264" r:id="rId8"/>
+    <p:sldId id="287" r:id="rId9"/>
+    <p:sldId id="273" r:id="rId10"/>
+    <p:sldId id="286" r:id="rId11"/>
+    <p:sldId id="267" r:id="rId12"/>
+    <p:sldId id="262" r:id="rId13"/>
     <p:sldId id="274" r:id="rId14"/>
     <p:sldId id="275" r:id="rId15"/>
     <p:sldId id="276" r:id="rId16"/>
@@ -534,108 +534,18 @@
           <a:p>
             <a:r>
               <a:rPr lang="it-IT" dirty="0"/>
-              <a:t>I </a:t>
+              <a:t>Non </a:t>
             </a:r>
             <a:r>
               <a:rPr lang="it-IT" dirty="0" err="1"/>
-              <a:t>separately</a:t>
+              <a:t>binomial</a:t>
             </a:r>
             <a:r>
               <a:rPr lang="it-IT" dirty="0"/>
-              <a:t> </a:t>
-            </a:r>
-            <a:r>
-              <a:rPr lang="it-IT" dirty="0" err="1"/>
-              <a:t>plotted</a:t>
-            </a:r>
-            <a:r>
-              <a:rPr lang="it-IT" dirty="0"/>
-              <a:t> the </a:t>
-            </a:r>
-            <a:r>
-              <a:rPr lang="it-IT" dirty="0" err="1"/>
-              <a:t>distribution</a:t>
-            </a:r>
-            <a:r>
-              <a:rPr lang="it-IT" dirty="0"/>
-              <a:t> of </a:t>
-            </a:r>
-            <a:r>
-              <a:rPr lang="it-IT" dirty="0" err="1"/>
-              <a:t>deaths</a:t>
-            </a:r>
-            <a:r>
-              <a:rPr lang="it-IT" dirty="0"/>
-              <a:t> and </a:t>
-            </a:r>
-            <a:r>
-              <a:rPr lang="it-IT" dirty="0" err="1"/>
-              <a:t>expected</a:t>
-            </a:r>
-            <a:r>
-              <a:rPr lang="it-IT" dirty="0"/>
-              <a:t> </a:t>
-            </a:r>
-            <a:r>
-              <a:rPr lang="it-IT" dirty="0" err="1"/>
-              <a:t>deaths</a:t>
-            </a:r>
-            <a:r>
-              <a:rPr lang="it-IT" dirty="0"/>
-              <a:t> per </a:t>
-            </a:r>
-            <a:r>
-              <a:rPr lang="it-IT" dirty="0" err="1"/>
-              <a:t>county</a:t>
-            </a:r>
-            <a:r>
-              <a:rPr lang="it-IT" dirty="0"/>
-              <a:t> and </a:t>
-            </a:r>
-            <a:r>
-              <a:rPr lang="it-IT" dirty="0" err="1"/>
-              <a:t>then</a:t>
-            </a:r>
-            <a:r>
-              <a:rPr lang="it-IT" dirty="0"/>
-              <a:t> I </a:t>
-            </a:r>
-            <a:r>
-              <a:rPr lang="it-IT" dirty="0" err="1"/>
-              <a:t>gathered</a:t>
-            </a:r>
-            <a:r>
-              <a:rPr lang="it-IT" dirty="0"/>
-              <a:t> </a:t>
-            </a:r>
-            <a:r>
-              <a:rPr lang="it-IT" dirty="0" err="1"/>
-              <a:t>them</a:t>
-            </a:r>
-            <a:r>
-              <a:rPr lang="it-IT" dirty="0"/>
-              <a:t> in </a:t>
-            </a:r>
-            <a:r>
-              <a:rPr lang="it-IT" dirty="0" err="1"/>
-              <a:t>this</a:t>
-            </a:r>
-            <a:r>
-              <a:rPr lang="it-IT" dirty="0"/>
-              <a:t> single </a:t>
-            </a:r>
-            <a:r>
-              <a:rPr lang="it-IT" dirty="0" err="1"/>
-              <a:t>histogram</a:t>
-            </a:r>
-            <a:r>
-              <a:rPr lang="it-IT" dirty="0"/>
-              <a:t> with </a:t>
-            </a:r>
-            <a:r>
-              <a:rPr lang="it-IT" dirty="0" err="1"/>
-              <a:t>transparency</a:t>
-            </a:r>
+              <a:t> perché il paper ha detto che per maschi non occorreva, per femmine sì</a:t>
+            </a:r>
+          </a:p>
+          <a:p>
             <a:endParaRPr lang="it-IT" dirty="0"/>
           </a:p>
         </p:txBody>
@@ -657,7 +567,7 @@
           <a:p>
             <a:fld id="{F4A80210-7480-3B46-8A0B-E82B1838FDAC}" type="slidenum">
               <a:rPr lang="it-IT" smtClean="0"/>
-              <a:t>7</a:t>
+              <a:t>2</a:t>
             </a:fld>
             <a:endParaRPr lang="it-IT"/>
           </a:p>
@@ -666,7 +576,7 @@
     </p:spTree>
     <p:extLst>
       <p:ext uri="{BB962C8B-B14F-4D97-AF65-F5344CB8AC3E}">
-        <p14:creationId xmlns:p14="http://schemas.microsoft.com/office/powerpoint/2010/main" val="1017894329"/>
+        <p14:creationId xmlns:p14="http://schemas.microsoft.com/office/powerpoint/2010/main" val="3883156017"/>
       </p:ext>
     </p:extLst>
   </p:cSld>
@@ -677,6 +587,390 @@
 </file>
 
 <file path=ppt/notesSlides/notesSlide10.xml><?xml version="1.0" encoding="utf-8"?>
+<p:notes xmlns:a="http://schemas.openxmlformats.org/drawingml/2006/main" xmlns:r="http://schemas.openxmlformats.org/officeDocument/2006/relationships" xmlns:p="http://schemas.openxmlformats.org/presentationml/2006/main">
+  <p:cSld>
+    <p:spTree>
+      <p:nvGrpSpPr>
+        <p:cNvPr id="1" name=""/>
+        <p:cNvGrpSpPr/>
+        <p:nvPr/>
+      </p:nvGrpSpPr>
+      <p:grpSpPr>
+        <a:xfrm>
+          <a:off x="0" y="0"/>
+          <a:ext cx="0" cy="0"/>
+          <a:chOff x="0" y="0"/>
+          <a:chExt cx="0" cy="0"/>
+        </a:xfrm>
+      </p:grpSpPr>
+      <p:sp>
+        <p:nvSpPr>
+          <p:cNvPr id="2" name="Segnaposto immagine diapositiva 1"/>
+          <p:cNvSpPr>
+            <a:spLocks noGrp="1" noRot="1" noChangeAspect="1"/>
+          </p:cNvSpPr>
+          <p:nvPr>
+            <p:ph type="sldImg"/>
+          </p:nvPr>
+        </p:nvSpPr>
+        <p:spPr/>
+      </p:sp>
+      <p:sp>
+        <p:nvSpPr>
+          <p:cNvPr id="3" name="Segnaposto note 2"/>
+          <p:cNvSpPr>
+            <a:spLocks noGrp="1"/>
+          </p:cNvSpPr>
+          <p:nvPr>
+            <p:ph type="body" idx="1"/>
+          </p:nvPr>
+        </p:nvSpPr>
+        <p:spPr/>
+        <p:txBody>
+          <a:bodyPr/>
+          <a:lstStyle/>
+          <a:p>
+            <a:r>
+              <a:rPr lang="it-IT" dirty="0" err="1"/>
+              <a:t>As</a:t>
+            </a:r>
+            <a:r>
+              <a:rPr lang="it-IT" dirty="0"/>
+              <a:t> </a:t>
+            </a:r>
+            <a:r>
+              <a:rPr lang="it-IT" dirty="0" err="1"/>
+              <a:t>seen</a:t>
+            </a:r>
+            <a:r>
+              <a:rPr lang="it-IT" dirty="0"/>
+              <a:t> from the plot </a:t>
+            </a:r>
+            <a:r>
+              <a:rPr lang="it-IT" dirty="0" err="1"/>
+              <a:t>before</a:t>
+            </a:r>
+            <a:r>
+              <a:rPr lang="it-IT" dirty="0"/>
+              <a:t> the </a:t>
+            </a:r>
+            <a:r>
+              <a:rPr lang="it-IT" dirty="0" err="1"/>
+              <a:t>boxplot</a:t>
+            </a:r>
+            <a:r>
+              <a:rPr lang="it-IT" dirty="0"/>
+              <a:t>, </a:t>
+            </a:r>
+            <a:r>
+              <a:rPr lang="it-IT" dirty="0" err="1"/>
+              <a:t>there</a:t>
+            </a:r>
+            <a:r>
+              <a:rPr lang="it-IT" dirty="0"/>
+              <a:t> </a:t>
+            </a:r>
+            <a:r>
+              <a:rPr lang="it-IT" dirty="0" err="1"/>
+              <a:t>is</a:t>
+            </a:r>
+            <a:r>
+              <a:rPr lang="it-IT" dirty="0"/>
+              <a:t> a </a:t>
+            </a:r>
+            <a:r>
+              <a:rPr lang="it-IT" dirty="0" err="1"/>
+              <a:t>slightly</a:t>
+            </a:r>
+            <a:r>
+              <a:rPr lang="it-IT" dirty="0"/>
+              <a:t> negative </a:t>
+            </a:r>
+            <a:r>
+              <a:rPr lang="it-IT" dirty="0" err="1"/>
+              <a:t>relationship</a:t>
+            </a:r>
+            <a:r>
+              <a:rPr lang="it-IT" dirty="0"/>
+              <a:t> </a:t>
+            </a:r>
+            <a:r>
+              <a:rPr lang="it-IT" dirty="0" err="1"/>
+              <a:t>between</a:t>
+            </a:r>
+            <a:r>
+              <a:rPr lang="it-IT" dirty="0"/>
+              <a:t> UVB </a:t>
+            </a:r>
+            <a:r>
+              <a:rPr lang="it-IT" dirty="0" err="1"/>
+              <a:t>exposure</a:t>
+            </a:r>
+            <a:r>
+              <a:rPr lang="it-IT" dirty="0"/>
+              <a:t> and </a:t>
+            </a:r>
+            <a:r>
+              <a:rPr lang="it-IT" dirty="0" err="1"/>
+              <a:t>deaths</a:t>
+            </a:r>
+            <a:r>
+              <a:rPr lang="it-IT" dirty="0"/>
+              <a:t>.</a:t>
+            </a:r>
+          </a:p>
+          <a:p>
+            <a:endParaRPr lang="it-IT" dirty="0"/>
+          </a:p>
+          <a:p>
+            <a:r>
+              <a:rPr lang="it-IT" dirty="0"/>
+              <a:t>A </a:t>
+            </a:r>
+            <a:r>
+              <a:rPr lang="it-IT" dirty="0" err="1"/>
+              <a:t>better</a:t>
+            </a:r>
+            <a:r>
+              <a:rPr lang="it-IT" dirty="0"/>
+              <a:t> model </a:t>
+            </a:r>
+            <a:r>
+              <a:rPr lang="it-IT" dirty="0" err="1"/>
+              <a:t>has</a:t>
+            </a:r>
+            <a:r>
+              <a:rPr lang="it-IT" dirty="0"/>
+              <a:t> AIC, BIC and </a:t>
+            </a:r>
+            <a:r>
+              <a:rPr lang="it-IT" dirty="0" err="1"/>
+              <a:t>deviance</a:t>
+            </a:r>
+            <a:r>
+              <a:rPr lang="it-IT" dirty="0"/>
+              <a:t> </a:t>
+            </a:r>
+            <a:r>
+              <a:rPr lang="it-IT" dirty="0" err="1"/>
+              <a:t>lower</a:t>
+            </a:r>
+            <a:r>
+              <a:rPr lang="it-IT" dirty="0"/>
+              <a:t>, log-</a:t>
+            </a:r>
+            <a:r>
+              <a:rPr lang="it-IT" dirty="0" err="1"/>
+              <a:t>likelihood</a:t>
+            </a:r>
+            <a:r>
+              <a:rPr lang="it-IT" dirty="0"/>
+              <a:t> </a:t>
+            </a:r>
+            <a:r>
+              <a:rPr lang="it-IT" dirty="0" err="1"/>
+              <a:t>higher</a:t>
+            </a:r>
+            <a:r>
+              <a:rPr lang="it-IT" dirty="0"/>
+              <a:t> so </a:t>
+            </a:r>
+            <a:r>
+              <a:rPr lang="it-IT" dirty="0" err="1"/>
+              <a:t>less</a:t>
+            </a:r>
+            <a:r>
+              <a:rPr lang="it-IT" dirty="0"/>
+              <a:t> negative, a </a:t>
+            </a:r>
+            <a:r>
+              <a:rPr lang="it-IT" dirty="0" err="1"/>
+              <a:t>higher</a:t>
+            </a:r>
+            <a:r>
+              <a:rPr lang="it-IT" dirty="0"/>
+              <a:t> </a:t>
+            </a:r>
+            <a:r>
+              <a:rPr lang="it-IT" dirty="0" err="1"/>
+              <a:t>number</a:t>
+            </a:r>
+            <a:r>
+              <a:rPr lang="it-IT" dirty="0"/>
+              <a:t> of degrees of </a:t>
+            </a:r>
+            <a:r>
+              <a:rPr lang="it-IT" dirty="0" err="1"/>
+              <a:t>freedom</a:t>
+            </a:r>
+            <a:r>
+              <a:rPr lang="it-IT" dirty="0"/>
+              <a:t> </a:t>
+            </a:r>
+            <a:r>
+              <a:rPr lang="it-IT" dirty="0" err="1"/>
+              <a:t>indicates</a:t>
+            </a:r>
+            <a:r>
+              <a:rPr lang="it-IT" dirty="0"/>
+              <a:t> </a:t>
+            </a:r>
+            <a:r>
+              <a:rPr lang="it-IT" dirty="0" err="1"/>
+              <a:t>that</a:t>
+            </a:r>
+            <a:r>
+              <a:rPr lang="it-IT" dirty="0"/>
+              <a:t> the model </a:t>
+            </a:r>
+            <a:r>
+              <a:rPr lang="it-IT" dirty="0" err="1"/>
+              <a:t>does</a:t>
+            </a:r>
+            <a:r>
+              <a:rPr lang="it-IT" dirty="0"/>
+              <a:t> </a:t>
+            </a:r>
+            <a:r>
+              <a:rPr lang="it-IT" dirty="0" err="1"/>
+              <a:t>not</a:t>
+            </a:r>
+            <a:r>
+              <a:rPr lang="it-IT" dirty="0"/>
+              <a:t> </a:t>
+            </a:r>
+            <a:r>
+              <a:rPr lang="it-IT" dirty="0" err="1"/>
+              <a:t>overfit</a:t>
+            </a:r>
+            <a:r>
+              <a:rPr lang="it-IT" dirty="0"/>
+              <a:t> the data.</a:t>
+            </a:r>
+          </a:p>
+        </p:txBody>
+      </p:sp>
+      <p:sp>
+        <p:nvSpPr>
+          <p:cNvPr id="4" name="Segnaposto numero diapositiva 3"/>
+          <p:cNvSpPr>
+            <a:spLocks noGrp="1"/>
+          </p:cNvSpPr>
+          <p:nvPr>
+            <p:ph type="sldNum" sz="quarter" idx="5"/>
+          </p:nvPr>
+        </p:nvSpPr>
+        <p:spPr/>
+        <p:txBody>
+          <a:bodyPr/>
+          <a:lstStyle/>
+          <a:p>
+            <a:fld id="{F4A80210-7480-3B46-8A0B-E82B1838FDAC}" type="slidenum">
+              <a:rPr lang="it-IT" smtClean="0"/>
+              <a:t>14</a:t>
+            </a:fld>
+            <a:endParaRPr lang="it-IT"/>
+          </a:p>
+        </p:txBody>
+      </p:sp>
+    </p:spTree>
+    <p:extLst>
+      <p:ext uri="{BB962C8B-B14F-4D97-AF65-F5344CB8AC3E}">
+        <p14:creationId xmlns:p14="http://schemas.microsoft.com/office/powerpoint/2010/main" val="2107567238"/>
+      </p:ext>
+    </p:extLst>
+  </p:cSld>
+  <p:clrMapOvr>
+    <a:masterClrMapping/>
+  </p:clrMapOvr>
+</p:notes>
+</file>
+
+<file path=ppt/notesSlides/notesSlide11.xml><?xml version="1.0" encoding="utf-8"?>
+<p:notes xmlns:a="http://schemas.openxmlformats.org/drawingml/2006/main" xmlns:r="http://schemas.openxmlformats.org/officeDocument/2006/relationships" xmlns:p="http://schemas.openxmlformats.org/presentationml/2006/main">
+  <p:cSld>
+    <p:spTree>
+      <p:nvGrpSpPr>
+        <p:cNvPr id="1" name=""/>
+        <p:cNvGrpSpPr/>
+        <p:nvPr/>
+      </p:nvGrpSpPr>
+      <p:grpSpPr>
+        <a:xfrm>
+          <a:off x="0" y="0"/>
+          <a:ext cx="0" cy="0"/>
+          <a:chOff x="0" y="0"/>
+          <a:chExt cx="0" cy="0"/>
+        </a:xfrm>
+      </p:grpSpPr>
+      <p:sp>
+        <p:nvSpPr>
+          <p:cNvPr id="2" name="Segnaposto immagine diapositiva 1"/>
+          <p:cNvSpPr>
+            <a:spLocks noGrp="1" noRot="1" noChangeAspect="1"/>
+          </p:cNvSpPr>
+          <p:nvPr>
+            <p:ph type="sldImg"/>
+          </p:nvPr>
+        </p:nvSpPr>
+        <p:spPr/>
+      </p:sp>
+      <p:sp>
+        <p:nvSpPr>
+          <p:cNvPr id="3" name="Segnaposto note 2"/>
+          <p:cNvSpPr>
+            <a:spLocks noGrp="1"/>
+          </p:cNvSpPr>
+          <p:nvPr>
+            <p:ph type="body" idx="1"/>
+          </p:nvPr>
+        </p:nvSpPr>
+        <p:spPr/>
+        <p:txBody>
+          <a:bodyPr/>
+          <a:lstStyle/>
+          <a:p>
+            <a:endParaRPr lang="it-IT" dirty="0"/>
+          </a:p>
+        </p:txBody>
+      </p:sp>
+      <p:sp>
+        <p:nvSpPr>
+          <p:cNvPr id="4" name="Segnaposto numero diapositiva 3"/>
+          <p:cNvSpPr>
+            <a:spLocks noGrp="1"/>
+          </p:cNvSpPr>
+          <p:nvPr>
+            <p:ph type="sldNum" sz="quarter" idx="5"/>
+          </p:nvPr>
+        </p:nvSpPr>
+        <p:spPr/>
+        <p:txBody>
+          <a:bodyPr/>
+          <a:lstStyle/>
+          <a:p>
+            <a:fld id="{F4A80210-7480-3B46-8A0B-E82B1838FDAC}" type="slidenum">
+              <a:rPr lang="it-IT" smtClean="0"/>
+              <a:t>15</a:t>
+            </a:fld>
+            <a:endParaRPr lang="it-IT"/>
+          </a:p>
+        </p:txBody>
+      </p:sp>
+    </p:spTree>
+    <p:extLst>
+      <p:ext uri="{BB962C8B-B14F-4D97-AF65-F5344CB8AC3E}">
+        <p14:creationId xmlns:p14="http://schemas.microsoft.com/office/powerpoint/2010/main" val="2977270921"/>
+      </p:ext>
+    </p:extLst>
+  </p:cSld>
+  <p:clrMapOvr>
+    <a:masterClrMapping/>
+  </p:clrMapOvr>
+</p:notes>
+</file>
+
+<file path=ppt/notesSlides/notesSlide12.xml><?xml version="1.0" encoding="utf-8"?>
 <p:notes xmlns:a="http://schemas.openxmlformats.org/drawingml/2006/main" xmlns:r="http://schemas.openxmlformats.org/officeDocument/2006/relationships" xmlns:p="http://schemas.openxmlformats.org/presentationml/2006/main">
   <p:cSld>
     <p:spTree>
@@ -784,375 +1078,6 @@
 </p:notes>
 </file>
 
-<file path=ppt/notesSlides/notesSlide11.xml><?xml version="1.0" encoding="utf-8"?>
-<p:notes xmlns:a="http://schemas.openxmlformats.org/drawingml/2006/main" xmlns:r="http://schemas.openxmlformats.org/officeDocument/2006/relationships" xmlns:p="http://schemas.openxmlformats.org/presentationml/2006/main">
-  <p:cSld>
-    <p:spTree>
-      <p:nvGrpSpPr>
-        <p:cNvPr id="1" name=""/>
-        <p:cNvGrpSpPr/>
-        <p:nvPr/>
-      </p:nvGrpSpPr>
-      <p:grpSpPr>
-        <a:xfrm>
-          <a:off x="0" y="0"/>
-          <a:ext cx="0" cy="0"/>
-          <a:chOff x="0" y="0"/>
-          <a:chExt cx="0" cy="0"/>
-        </a:xfrm>
-      </p:grpSpPr>
-      <p:sp>
-        <p:nvSpPr>
-          <p:cNvPr id="2" name="Segnaposto immagine diapositiva 1"/>
-          <p:cNvSpPr>
-            <a:spLocks noGrp="1" noRot="1" noChangeAspect="1"/>
-          </p:cNvSpPr>
-          <p:nvPr>
-            <p:ph type="sldImg"/>
-          </p:nvPr>
-        </p:nvSpPr>
-        <p:spPr/>
-      </p:sp>
-      <p:sp>
-        <p:nvSpPr>
-          <p:cNvPr id="3" name="Segnaposto note 2"/>
-          <p:cNvSpPr>
-            <a:spLocks noGrp="1"/>
-          </p:cNvSpPr>
-          <p:nvPr>
-            <p:ph type="body" idx="1"/>
-          </p:nvPr>
-        </p:nvSpPr>
-        <p:spPr/>
-        <p:txBody>
-          <a:bodyPr/>
-          <a:lstStyle/>
-          <a:p>
-            <a:endParaRPr lang="it-IT" dirty="0"/>
-          </a:p>
-        </p:txBody>
-      </p:sp>
-      <p:sp>
-        <p:nvSpPr>
-          <p:cNvPr id="4" name="Segnaposto numero diapositiva 3"/>
-          <p:cNvSpPr>
-            <a:spLocks noGrp="1"/>
-          </p:cNvSpPr>
-          <p:nvPr>
-            <p:ph type="sldNum" sz="quarter" idx="5"/>
-          </p:nvPr>
-        </p:nvSpPr>
-        <p:spPr/>
-        <p:txBody>
-          <a:bodyPr/>
-          <a:lstStyle/>
-          <a:p>
-            <a:fld id="{F4A80210-7480-3B46-8A0B-E82B1838FDAC}" type="slidenum">
-              <a:rPr lang="it-IT" smtClean="0"/>
-              <a:t>17</a:t>
-            </a:fld>
-            <a:endParaRPr lang="it-IT"/>
-          </a:p>
-        </p:txBody>
-      </p:sp>
-    </p:spTree>
-    <p:extLst>
-      <p:ext uri="{BB962C8B-B14F-4D97-AF65-F5344CB8AC3E}">
-        <p14:creationId xmlns:p14="http://schemas.microsoft.com/office/powerpoint/2010/main" val="280678057"/>
-      </p:ext>
-    </p:extLst>
-  </p:cSld>
-  <p:clrMapOvr>
-    <a:masterClrMapping/>
-  </p:clrMapOvr>
-</p:notes>
-</file>
-
-<file path=ppt/notesSlides/notesSlide12.xml><?xml version="1.0" encoding="utf-8"?>
-<p:notes xmlns:a="http://schemas.openxmlformats.org/drawingml/2006/main" xmlns:r="http://schemas.openxmlformats.org/officeDocument/2006/relationships" xmlns:p="http://schemas.openxmlformats.org/presentationml/2006/main">
-  <p:cSld>
-    <p:spTree>
-      <p:nvGrpSpPr>
-        <p:cNvPr id="1" name=""/>
-        <p:cNvGrpSpPr/>
-        <p:nvPr/>
-      </p:nvGrpSpPr>
-      <p:grpSpPr>
-        <a:xfrm>
-          <a:off x="0" y="0"/>
-          <a:ext cx="0" cy="0"/>
-          <a:chOff x="0" y="0"/>
-          <a:chExt cx="0" cy="0"/>
-        </a:xfrm>
-      </p:grpSpPr>
-      <p:sp>
-        <p:nvSpPr>
-          <p:cNvPr id="2" name="Segnaposto immagine diapositiva 1"/>
-          <p:cNvSpPr>
-            <a:spLocks noGrp="1" noRot="1" noChangeAspect="1"/>
-          </p:cNvSpPr>
-          <p:nvPr>
-            <p:ph type="sldImg"/>
-          </p:nvPr>
-        </p:nvSpPr>
-        <p:spPr/>
-      </p:sp>
-      <p:sp>
-        <p:nvSpPr>
-          <p:cNvPr id="3" name="Segnaposto note 2"/>
-          <p:cNvSpPr>
-            <a:spLocks noGrp="1"/>
-          </p:cNvSpPr>
-          <p:nvPr>
-            <p:ph type="body" idx="1"/>
-          </p:nvPr>
-        </p:nvSpPr>
-        <p:spPr/>
-        <p:txBody>
-          <a:bodyPr/>
-          <a:lstStyle/>
-          <a:p>
-            <a:pPr marL="0" marR="0" lvl="0" indent="0" algn="l" defTabSz="914400" rtl="0" eaLnBrk="1" fontAlgn="auto" latinLnBrk="0" hangingPunct="1">
-              <a:lnSpc>
-                <a:spcPct val="100000"/>
-              </a:lnSpc>
-              <a:spcBef>
-                <a:spcPts val="0"/>
-              </a:spcBef>
-              <a:spcAft>
-                <a:spcPts val="0"/>
-              </a:spcAft>
-              <a:buClrTx/>
-              <a:buSzTx/>
-              <a:buFontTx/>
-              <a:buNone/>
-              <a:tabLst/>
-              <a:defRPr/>
-            </a:pPr>
-            <a:r>
-              <a:rPr lang="it-IT" sz="1200" dirty="0">
-                <a:latin typeface="Arial" panose="020B0604020202020204" pitchFamily="34" charset="0"/>
-                <a:cs typeface="Arial" panose="020B0604020202020204" pitchFamily="34" charset="0"/>
-              </a:rPr>
-              <a:t>Plot the </a:t>
-            </a:r>
-            <a:r>
-              <a:rPr lang="it-IT" sz="1200" dirty="0" err="1">
-                <a:latin typeface="Arial" panose="020B0604020202020204" pitchFamily="34" charset="0"/>
-                <a:cs typeface="Arial" panose="020B0604020202020204" pitchFamily="34" charset="0"/>
-              </a:rPr>
-              <a:t>posterior</a:t>
-            </a:r>
-            <a:r>
-              <a:rPr lang="it-IT" sz="1200" dirty="0">
-                <a:latin typeface="Arial" panose="020B0604020202020204" pitchFamily="34" charset="0"/>
-                <a:cs typeface="Arial" panose="020B0604020202020204" pitchFamily="34" charset="0"/>
-              </a:rPr>
-              <a:t> </a:t>
-            </a:r>
-            <a:r>
-              <a:rPr lang="it-IT" sz="1200" dirty="0" err="1">
-                <a:latin typeface="Arial" panose="020B0604020202020204" pitchFamily="34" charset="0"/>
-                <a:cs typeface="Arial" panose="020B0604020202020204" pitchFamily="34" charset="0"/>
-              </a:rPr>
-              <a:t>marginal</a:t>
-            </a:r>
-            <a:r>
-              <a:rPr lang="it-IT" sz="1200" dirty="0">
-                <a:latin typeface="Arial" panose="020B0604020202020204" pitchFamily="34" charset="0"/>
-                <a:cs typeface="Arial" panose="020B0604020202020204" pitchFamily="34" charset="0"/>
-              </a:rPr>
-              <a:t> </a:t>
-            </a:r>
-            <a:r>
-              <a:rPr lang="it-IT" sz="1200" dirty="0" err="1">
-                <a:latin typeface="Arial" panose="020B0604020202020204" pitchFamily="34" charset="0"/>
-                <a:cs typeface="Arial" panose="020B0604020202020204" pitchFamily="34" charset="0"/>
-              </a:rPr>
-              <a:t>densities</a:t>
-            </a:r>
-            <a:r>
-              <a:rPr lang="it-IT" sz="1200" dirty="0">
-                <a:latin typeface="Arial" panose="020B0604020202020204" pitchFamily="34" charset="0"/>
-                <a:cs typeface="Arial" panose="020B0604020202020204" pitchFamily="34" charset="0"/>
-              </a:rPr>
-              <a:t> </a:t>
-            </a:r>
-            <a:r>
-              <a:rPr lang="it-IT" sz="1200" dirty="0" err="1">
-                <a:latin typeface="Arial" panose="020B0604020202020204" pitchFamily="34" charset="0"/>
-                <a:cs typeface="Arial" panose="020B0604020202020204" pitchFamily="34" charset="0"/>
-              </a:rPr>
-              <a:t>along</a:t>
-            </a:r>
-            <a:r>
-              <a:rPr lang="it-IT" sz="1200" dirty="0">
-                <a:latin typeface="Arial" panose="020B0604020202020204" pitchFamily="34" charset="0"/>
-                <a:cs typeface="Arial" panose="020B0604020202020204" pitchFamily="34" charset="0"/>
-              </a:rPr>
-              <a:t> with 50% </a:t>
-            </a:r>
-            <a:r>
-              <a:rPr lang="it-IT" sz="1200" dirty="0" err="1">
-                <a:latin typeface="Arial" panose="020B0604020202020204" pitchFamily="34" charset="0"/>
-                <a:cs typeface="Arial" panose="020B0604020202020204" pitchFamily="34" charset="0"/>
-              </a:rPr>
-              <a:t>intervals</a:t>
-            </a:r>
-            <a:r>
-              <a:rPr lang="it-IT" sz="1200" dirty="0">
-                <a:latin typeface="Arial" panose="020B0604020202020204" pitchFamily="34" charset="0"/>
-                <a:cs typeface="Arial" panose="020B0604020202020204" pitchFamily="34" charset="0"/>
-              </a:rPr>
-              <a:t> for the ‘</a:t>
-            </a:r>
-            <a:r>
-              <a:rPr lang="it-IT" sz="1200" dirty="0" err="1">
-                <a:latin typeface="Arial" panose="020B0604020202020204" pitchFamily="34" charset="0"/>
-                <a:cs typeface="Arial" panose="020B0604020202020204" pitchFamily="34" charset="0"/>
-              </a:rPr>
-              <a:t>fixed-effects</a:t>
-            </a:r>
-            <a:r>
-              <a:rPr lang="it-IT" sz="1200" dirty="0">
-                <a:latin typeface="Arial" panose="020B0604020202020204" pitchFamily="34" charset="0"/>
-                <a:cs typeface="Arial" panose="020B0604020202020204" pitchFamily="34" charset="0"/>
-              </a:rPr>
-              <a:t>’ </a:t>
-            </a:r>
-            <a:r>
-              <a:rPr lang="it-IT" sz="1200" dirty="0" err="1">
-                <a:latin typeface="Arial" panose="020B0604020202020204" pitchFamily="34" charset="0"/>
-                <a:cs typeface="Arial" panose="020B0604020202020204" pitchFamily="34" charset="0"/>
-              </a:rPr>
-              <a:t>uvb</a:t>
-            </a:r>
-            <a:endParaRPr lang="it-IT" sz="1200" dirty="0">
-              <a:latin typeface="Arial" panose="020B0604020202020204" pitchFamily="34" charset="0"/>
-              <a:cs typeface="Arial" panose="020B0604020202020204" pitchFamily="34" charset="0"/>
-            </a:endParaRPr>
-          </a:p>
-          <a:p>
-            <a:r>
-              <a:rPr lang="it-IT" dirty="0" err="1"/>
-              <a:t>We</a:t>
-            </a:r>
-            <a:r>
-              <a:rPr lang="it-IT" dirty="0"/>
-              <a:t> </a:t>
-            </a:r>
-            <a:r>
-              <a:rPr lang="it-IT" dirty="0" err="1"/>
-              <a:t>see</a:t>
-            </a:r>
-            <a:r>
-              <a:rPr lang="it-IT" dirty="0"/>
-              <a:t> </a:t>
-            </a:r>
-            <a:r>
-              <a:rPr lang="it-IT" dirty="0" err="1"/>
-              <a:t>that</a:t>
-            </a:r>
-            <a:r>
-              <a:rPr lang="it-IT" dirty="0"/>
-              <a:t> the </a:t>
-            </a:r>
-            <a:r>
-              <a:rPr lang="it-IT" dirty="0" err="1"/>
-              <a:t>posterior</a:t>
-            </a:r>
-            <a:r>
-              <a:rPr lang="it-IT" dirty="0"/>
-              <a:t> estimate of </a:t>
-            </a:r>
-            <a:r>
-              <a:rPr lang="it-IT" dirty="0" err="1"/>
-              <a:t>uvb</a:t>
-            </a:r>
-            <a:r>
-              <a:rPr lang="it-IT" dirty="0"/>
-              <a:t> </a:t>
-            </a:r>
-            <a:r>
-              <a:rPr lang="it-IT" dirty="0" err="1"/>
-              <a:t>is</a:t>
-            </a:r>
-            <a:r>
-              <a:rPr lang="it-IT" dirty="0"/>
-              <a:t> </a:t>
-            </a:r>
-            <a:r>
-              <a:rPr lang="it-IT" dirty="0" err="1"/>
-              <a:t>almost</a:t>
-            </a:r>
-            <a:r>
-              <a:rPr lang="it-IT" dirty="0"/>
-              <a:t> the </a:t>
-            </a:r>
-            <a:r>
-              <a:rPr lang="it-IT" dirty="0" err="1"/>
-              <a:t>same</a:t>
-            </a:r>
-            <a:r>
-              <a:rPr lang="it-IT" dirty="0"/>
-              <a:t> </a:t>
-            </a:r>
-            <a:r>
-              <a:rPr lang="it-IT" dirty="0" err="1"/>
-              <a:t>as</a:t>
-            </a:r>
-            <a:r>
-              <a:rPr lang="it-IT" dirty="0"/>
-              <a:t> the one for model M1</a:t>
-            </a:r>
-          </a:p>
-          <a:p>
-            <a:endParaRPr lang="it-IT" dirty="0"/>
-          </a:p>
-          <a:p>
-            <a:r>
-              <a:rPr lang="it-IT" dirty="0"/>
-              <a:t>SISTEMA E CONTROLLA</a:t>
-            </a:r>
-          </a:p>
-        </p:txBody>
-      </p:sp>
-      <p:sp>
-        <p:nvSpPr>
-          <p:cNvPr id="4" name="Segnaposto numero diapositiva 3"/>
-          <p:cNvSpPr>
-            <a:spLocks noGrp="1"/>
-          </p:cNvSpPr>
-          <p:nvPr>
-            <p:ph type="sldNum" sz="quarter" idx="5"/>
-          </p:nvPr>
-        </p:nvSpPr>
-        <p:spPr/>
-        <p:txBody>
-          <a:bodyPr/>
-          <a:lstStyle/>
-          <a:p>
-            <a:fld id="{F4A80210-7480-3B46-8A0B-E82B1838FDAC}" type="slidenum">
-              <a:rPr lang="it-IT" smtClean="0"/>
-              <a:t>19</a:t>
-            </a:fld>
-            <a:endParaRPr lang="it-IT"/>
-          </a:p>
-        </p:txBody>
-      </p:sp>
-    </p:spTree>
-    <p:extLst>
-      <p:ext uri="{BB962C8B-B14F-4D97-AF65-F5344CB8AC3E}">
-        <p14:creationId xmlns:p14="http://schemas.microsoft.com/office/powerpoint/2010/main" val="3102100425"/>
-      </p:ext>
-    </p:extLst>
-  </p:cSld>
-  <p:clrMapOvr>
-    <a:masterClrMapping/>
-  </p:clrMapOvr>
-</p:notes>
-</file>
-
 <file path=ppt/notesSlides/notesSlide13.xml><?xml version="1.0" encoding="utf-8"?>
 <p:notes xmlns:a="http://schemas.openxmlformats.org/drawingml/2006/main" xmlns:r="http://schemas.openxmlformats.org/officeDocument/2006/relationships" xmlns:p="http://schemas.openxmlformats.org/presentationml/2006/main">
   <p:cSld>
@@ -1197,375 +1122,7 @@
           <a:bodyPr/>
           <a:lstStyle/>
           <a:p>
-            <a:pPr marL="0" marR="0" lvl="0" indent="0" algn="l" defTabSz="914400" rtl="0" eaLnBrk="1" fontAlgn="auto" latinLnBrk="0" hangingPunct="1">
-              <a:lnSpc>
-                <a:spcPct val="100000"/>
-              </a:lnSpc>
-              <a:spcBef>
-                <a:spcPts val="0"/>
-              </a:spcBef>
-              <a:spcAft>
-                <a:spcPts val="0"/>
-              </a:spcAft>
-              <a:buClrTx/>
-              <a:buSzTx/>
-              <a:buFontTx/>
-              <a:buNone/>
-              <a:tabLst/>
-              <a:defRPr/>
-            </a:pPr>
-            <a:r>
-              <a:rPr lang="it-IT" sz="1200" dirty="0">
-                <a:latin typeface="Arial" panose="020B0604020202020204" pitchFamily="34" charset="0"/>
-                <a:cs typeface="Arial" panose="020B0604020202020204" pitchFamily="34" charset="0"/>
-              </a:rPr>
-              <a:t>Positive </a:t>
-            </a:r>
-            <a:r>
-              <a:rPr lang="it-IT" sz="1200" dirty="0" err="1">
-                <a:latin typeface="Arial" panose="020B0604020202020204" pitchFamily="34" charset="0"/>
-                <a:cs typeface="Arial" panose="020B0604020202020204" pitchFamily="34" charset="0"/>
-              </a:rPr>
-              <a:t>values</a:t>
-            </a:r>
-            <a:r>
-              <a:rPr lang="it-IT" sz="1200" dirty="0">
-                <a:latin typeface="Arial" panose="020B0604020202020204" pitchFamily="34" charset="0"/>
-                <a:cs typeface="Arial" panose="020B0604020202020204" pitchFamily="34" charset="0"/>
-              </a:rPr>
-              <a:t> indicate </a:t>
-            </a:r>
-            <a:r>
-              <a:rPr lang="it-IT" sz="1200" dirty="0" err="1">
-                <a:latin typeface="Arial" panose="020B0604020202020204" pitchFamily="34" charset="0"/>
-                <a:cs typeface="Arial" panose="020B0604020202020204" pitchFamily="34" charset="0"/>
-              </a:rPr>
-              <a:t>that</a:t>
-            </a:r>
-            <a:r>
-              <a:rPr lang="it-IT" sz="1200" dirty="0">
-                <a:latin typeface="Arial" panose="020B0604020202020204" pitchFamily="34" charset="0"/>
-                <a:cs typeface="Arial" panose="020B0604020202020204" pitchFamily="34" charset="0"/>
-              </a:rPr>
-              <a:t>, </a:t>
-            </a:r>
-            <a:r>
-              <a:rPr lang="it-IT" sz="1200" dirty="0" err="1">
-                <a:latin typeface="Arial" panose="020B0604020202020204" pitchFamily="34" charset="0"/>
-                <a:cs typeface="Arial" panose="020B0604020202020204" pitchFamily="34" charset="0"/>
-              </a:rPr>
-              <a:t>w.r.t</a:t>
-            </a:r>
-            <a:r>
-              <a:rPr lang="it-IT" sz="1200" dirty="0">
-                <a:latin typeface="Arial" panose="020B0604020202020204" pitchFamily="34" charset="0"/>
-                <a:cs typeface="Arial" panose="020B0604020202020204" pitchFamily="34" charset="0"/>
-              </a:rPr>
-              <a:t>. the </a:t>
-            </a:r>
-            <a:r>
-              <a:rPr lang="it-IT" sz="1200" dirty="0" err="1">
-                <a:latin typeface="Arial" panose="020B0604020202020204" pitchFamily="34" charset="0"/>
-                <a:cs typeface="Arial" panose="020B0604020202020204" pitchFamily="34" charset="0"/>
-              </a:rPr>
-              <a:t>mean</a:t>
-            </a:r>
-            <a:r>
-              <a:rPr lang="it-IT" sz="1200" dirty="0">
-                <a:latin typeface="Arial" panose="020B0604020202020204" pitchFamily="34" charset="0"/>
-                <a:cs typeface="Arial" panose="020B0604020202020204" pitchFamily="34" charset="0"/>
-              </a:rPr>
-              <a:t>, the </a:t>
-            </a:r>
-            <a:r>
-              <a:rPr lang="it-IT" sz="1200" dirty="0" err="1">
-                <a:latin typeface="Arial" panose="020B0604020202020204" pitchFamily="34" charset="0"/>
-                <a:cs typeface="Arial" panose="020B0604020202020204" pitchFamily="34" charset="0"/>
-              </a:rPr>
-              <a:t>posterior</a:t>
-            </a:r>
-            <a:r>
-              <a:rPr lang="it-IT" sz="1200" dirty="0">
-                <a:latin typeface="Arial" panose="020B0604020202020204" pitchFamily="34" charset="0"/>
-                <a:cs typeface="Arial" panose="020B0604020202020204" pitchFamily="34" charset="0"/>
-              </a:rPr>
-              <a:t> </a:t>
-            </a:r>
-            <a:r>
-              <a:rPr lang="it-IT" sz="1200" dirty="0" err="1">
-                <a:latin typeface="Arial" panose="020B0604020202020204" pitchFamily="34" charset="0"/>
-                <a:cs typeface="Arial" panose="020B0604020202020204" pitchFamily="34" charset="0"/>
-              </a:rPr>
-              <a:t>mean</a:t>
-            </a:r>
-            <a:r>
-              <a:rPr lang="it-IT" sz="1200" dirty="0">
-                <a:latin typeface="Arial" panose="020B0604020202020204" pitchFamily="34" charset="0"/>
-                <a:cs typeface="Arial" panose="020B0604020202020204" pitchFamily="34" charset="0"/>
-              </a:rPr>
-              <a:t> of </a:t>
-            </a:r>
-            <a:r>
-              <a:rPr lang="it-IT" sz="1200" dirty="0" err="1">
-                <a:latin typeface="Arial" panose="020B0604020202020204" pitchFamily="34" charset="0"/>
-                <a:cs typeface="Arial" panose="020B0604020202020204" pitchFamily="34" charset="0"/>
-              </a:rPr>
-              <a:t>that</a:t>
-            </a:r>
-            <a:r>
-              <a:rPr lang="it-IT" sz="1200" dirty="0">
-                <a:latin typeface="Arial" panose="020B0604020202020204" pitchFamily="34" charset="0"/>
-                <a:cs typeface="Arial" panose="020B0604020202020204" pitchFamily="34" charset="0"/>
-              </a:rPr>
-              <a:t> </a:t>
-            </a:r>
-            <a:r>
-              <a:rPr lang="it-IT" sz="1200" dirty="0" err="1">
-                <a:latin typeface="Arial" panose="020B0604020202020204" pitchFamily="34" charset="0"/>
-                <a:cs typeface="Arial" panose="020B0604020202020204" pitchFamily="34" charset="0"/>
-              </a:rPr>
-              <a:t>region</a:t>
-            </a:r>
-            <a:r>
-              <a:rPr lang="it-IT" sz="1200" dirty="0">
-                <a:latin typeface="Arial" panose="020B0604020202020204" pitchFamily="34" charset="0"/>
-                <a:cs typeface="Arial" panose="020B0604020202020204" pitchFamily="34" charset="0"/>
-              </a:rPr>
-              <a:t> </a:t>
-            </a:r>
-            <a:r>
-              <a:rPr lang="it-IT" sz="1200" dirty="0" err="1">
-                <a:latin typeface="Arial" panose="020B0604020202020204" pitchFamily="34" charset="0"/>
-                <a:cs typeface="Arial" panose="020B0604020202020204" pitchFamily="34" charset="0"/>
-              </a:rPr>
-              <a:t>intercept</a:t>
-            </a:r>
-            <a:r>
-              <a:rPr lang="it-IT" sz="1200" dirty="0">
-                <a:latin typeface="Arial" panose="020B0604020202020204" pitchFamily="34" charset="0"/>
-                <a:cs typeface="Arial" panose="020B0604020202020204" pitchFamily="34" charset="0"/>
-              </a:rPr>
-              <a:t> </a:t>
-            </a:r>
-            <a:r>
-              <a:rPr lang="it-IT" sz="1200" dirty="0" err="1">
-                <a:latin typeface="Arial" panose="020B0604020202020204" pitchFamily="34" charset="0"/>
-                <a:cs typeface="Arial" panose="020B0604020202020204" pitchFamily="34" charset="0"/>
-              </a:rPr>
-              <a:t>is</a:t>
-            </a:r>
-            <a:r>
-              <a:rPr lang="it-IT" sz="1200" dirty="0">
-                <a:latin typeface="Arial" panose="020B0604020202020204" pitchFamily="34" charset="0"/>
-                <a:cs typeface="Arial" panose="020B0604020202020204" pitchFamily="34" charset="0"/>
-              </a:rPr>
-              <a:t> </a:t>
-            </a:r>
-            <a:r>
-              <a:rPr lang="it-IT" sz="1200" dirty="0" err="1">
-                <a:latin typeface="Arial" panose="020B0604020202020204" pitchFamily="34" charset="0"/>
-                <a:cs typeface="Arial" panose="020B0604020202020204" pitchFamily="34" charset="0"/>
-              </a:rPr>
-              <a:t>higher</a:t>
-            </a:r>
-            <a:r>
-              <a:rPr lang="it-IT" sz="1200" dirty="0">
-                <a:latin typeface="Arial" panose="020B0604020202020204" pitchFamily="34" charset="0"/>
-                <a:cs typeface="Arial" panose="020B0604020202020204" pitchFamily="34" charset="0"/>
-              </a:rPr>
-              <a:t> </a:t>
-            </a:r>
-            <a:r>
-              <a:rPr lang="it-IT" sz="1200" dirty="0" err="1">
-                <a:latin typeface="Arial" panose="020B0604020202020204" pitchFamily="34" charset="0"/>
-                <a:cs typeface="Arial" panose="020B0604020202020204" pitchFamily="34" charset="0"/>
-              </a:rPr>
-              <a:t>w.r.t</a:t>
-            </a:r>
-            <a:r>
-              <a:rPr lang="it-IT" sz="1200" dirty="0">
-                <a:latin typeface="Arial" panose="020B0604020202020204" pitchFamily="34" charset="0"/>
-                <a:cs typeface="Arial" panose="020B0604020202020204" pitchFamily="34" charset="0"/>
-              </a:rPr>
-              <a:t>. the global </a:t>
-            </a:r>
-            <a:r>
-              <a:rPr lang="it-IT" sz="1200" dirty="0" err="1">
-                <a:latin typeface="Arial" panose="020B0604020202020204" pitchFamily="34" charset="0"/>
-                <a:cs typeface="Arial" panose="020B0604020202020204" pitchFamily="34" charset="0"/>
-              </a:rPr>
-              <a:t>mean</a:t>
-            </a:r>
-            <a:r>
-              <a:rPr lang="it-IT" sz="1200" dirty="0">
-                <a:latin typeface="Arial" panose="020B0604020202020204" pitchFamily="34" charset="0"/>
-                <a:cs typeface="Arial" panose="020B0604020202020204" pitchFamily="34" charset="0"/>
-              </a:rPr>
-              <a:t> -&gt; more </a:t>
-            </a:r>
-            <a:r>
-              <a:rPr lang="it-IT" sz="1200" dirty="0" err="1">
-                <a:latin typeface="Arial" panose="020B0604020202020204" pitchFamily="34" charset="0"/>
-                <a:cs typeface="Arial" panose="020B0604020202020204" pitchFamily="34" charset="0"/>
-              </a:rPr>
-              <a:t>deaths</a:t>
-            </a:r>
-            <a:r>
-              <a:rPr lang="it-IT" sz="1200" dirty="0">
-                <a:latin typeface="Arial" panose="020B0604020202020204" pitchFamily="34" charset="0"/>
-                <a:cs typeface="Arial" panose="020B0604020202020204" pitchFamily="34" charset="0"/>
-              </a:rPr>
-              <a:t> </a:t>
-            </a:r>
-            <a:r>
-              <a:rPr lang="it-IT" sz="1200" dirty="0" err="1">
-                <a:latin typeface="Arial" panose="020B0604020202020204" pitchFamily="34" charset="0"/>
-                <a:cs typeface="Arial" panose="020B0604020202020204" pitchFamily="34" charset="0"/>
-              </a:rPr>
-              <a:t>than</a:t>
-            </a:r>
-            <a:r>
-              <a:rPr lang="it-IT" sz="1200" dirty="0">
-                <a:latin typeface="Arial" panose="020B0604020202020204" pitchFamily="34" charset="0"/>
-                <a:cs typeface="Arial" panose="020B0604020202020204" pitchFamily="34" charset="0"/>
-              </a:rPr>
-              <a:t> </a:t>
-            </a:r>
-            <a:r>
-              <a:rPr lang="it-IT" sz="1200" dirty="0" err="1">
-                <a:latin typeface="Arial" panose="020B0604020202020204" pitchFamily="34" charset="0"/>
-                <a:cs typeface="Arial" panose="020B0604020202020204" pitchFamily="34" charset="0"/>
-              </a:rPr>
-              <a:t>expected</a:t>
-            </a:r>
-            <a:r>
-              <a:rPr lang="it-IT" sz="1200" dirty="0">
-                <a:latin typeface="Arial" panose="020B0604020202020204" pitchFamily="34" charset="0"/>
-                <a:cs typeface="Arial" panose="020B0604020202020204" pitchFamily="34" charset="0"/>
-              </a:rPr>
-              <a:t>.</a:t>
-            </a:r>
-          </a:p>
-          <a:p>
-            <a:pPr marL="0" marR="0" lvl="0" indent="0" algn="l" defTabSz="914400" rtl="0" eaLnBrk="1" fontAlgn="auto" latinLnBrk="0" hangingPunct="1">
-              <a:lnSpc>
-                <a:spcPct val="100000"/>
-              </a:lnSpc>
-              <a:spcBef>
-                <a:spcPts val="0"/>
-              </a:spcBef>
-              <a:spcAft>
-                <a:spcPts val="0"/>
-              </a:spcAft>
-              <a:buClrTx/>
-              <a:buSzTx/>
-              <a:buFontTx/>
-              <a:buNone/>
-              <a:tabLst/>
-              <a:defRPr/>
-            </a:pPr>
-            <a:r>
-              <a:rPr lang="it-IT" sz="1200" dirty="0">
-                <a:latin typeface="Arial" panose="020B0604020202020204" pitchFamily="34" charset="0"/>
-                <a:cs typeface="Arial" panose="020B0604020202020204" pitchFamily="34" charset="0"/>
-              </a:rPr>
-              <a:t>Red lines indicate the standard </a:t>
-            </a:r>
-            <a:r>
-              <a:rPr lang="it-IT" sz="1200" dirty="0" err="1">
-                <a:latin typeface="Arial" panose="020B0604020202020204" pitchFamily="34" charset="0"/>
-                <a:cs typeface="Arial" panose="020B0604020202020204" pitchFamily="34" charset="0"/>
-              </a:rPr>
-              <a:t>deviation</a:t>
-            </a:r>
-            <a:r>
-              <a:rPr lang="it-IT" sz="1200" dirty="0">
-                <a:latin typeface="Arial" panose="020B0604020202020204" pitchFamily="34" charset="0"/>
-                <a:cs typeface="Arial" panose="020B0604020202020204" pitchFamily="34" charset="0"/>
-              </a:rPr>
-              <a:t> of </a:t>
-            </a:r>
-            <a:r>
-              <a:rPr lang="it-IT" sz="1200" dirty="0" err="1">
-                <a:latin typeface="Arial" panose="020B0604020202020204" pitchFamily="34" charset="0"/>
-                <a:cs typeface="Arial" panose="020B0604020202020204" pitchFamily="34" charset="0"/>
-              </a:rPr>
-              <a:t>intercepts</a:t>
-            </a:r>
-            <a:r>
-              <a:rPr lang="it-IT" sz="1200" dirty="0">
-                <a:latin typeface="Arial" panose="020B0604020202020204" pitchFamily="34" charset="0"/>
-                <a:cs typeface="Arial" panose="020B0604020202020204" pitchFamily="34" charset="0"/>
-              </a:rPr>
-              <a:t> (</a:t>
-            </a:r>
-            <a:r>
-              <a:rPr lang="it-IT" sz="1200" dirty="0" err="1">
-                <a:latin typeface="Arial" panose="020B0604020202020204" pitchFamily="34" charset="0"/>
-                <a:cs typeface="Arial" panose="020B0604020202020204" pitchFamily="34" charset="0"/>
-              </a:rPr>
-              <a:t>uncertainty</a:t>
-            </a:r>
-            <a:r>
-              <a:rPr lang="it-IT" sz="1200" dirty="0">
-                <a:latin typeface="Arial" panose="020B0604020202020204" pitchFamily="34" charset="0"/>
-                <a:cs typeface="Arial" panose="020B0604020202020204" pitchFamily="34" charset="0"/>
-              </a:rPr>
-              <a:t>) -&gt; the </a:t>
-            </a:r>
-            <a:r>
-              <a:rPr lang="it-IT" sz="1200" dirty="0" err="1">
-                <a:latin typeface="Arial" panose="020B0604020202020204" pitchFamily="34" charset="0"/>
-                <a:cs typeface="Arial" panose="020B0604020202020204" pitchFamily="34" charset="0"/>
-              </a:rPr>
-              <a:t>longer</a:t>
-            </a:r>
-            <a:r>
-              <a:rPr lang="it-IT" sz="1200" dirty="0">
-                <a:latin typeface="Arial" panose="020B0604020202020204" pitchFamily="34" charset="0"/>
-                <a:cs typeface="Arial" panose="020B0604020202020204" pitchFamily="34" charset="0"/>
-              </a:rPr>
-              <a:t>, the </a:t>
-            </a:r>
-            <a:r>
-              <a:rPr lang="it-IT" sz="1200" dirty="0" err="1">
-                <a:latin typeface="Arial" panose="020B0604020202020204" pitchFamily="34" charset="0"/>
-                <a:cs typeface="Arial" panose="020B0604020202020204" pitchFamily="34" charset="0"/>
-              </a:rPr>
-              <a:t>less</a:t>
-            </a:r>
-            <a:r>
-              <a:rPr lang="it-IT" sz="1200" dirty="0">
-                <a:latin typeface="Arial" panose="020B0604020202020204" pitchFamily="34" charset="0"/>
-                <a:cs typeface="Arial" panose="020B0604020202020204" pitchFamily="34" charset="0"/>
-              </a:rPr>
-              <a:t> info or data for </a:t>
-            </a:r>
-            <a:r>
-              <a:rPr lang="it-IT" sz="1200" dirty="0" err="1">
-                <a:latin typeface="Arial" panose="020B0604020202020204" pitchFamily="34" charset="0"/>
-                <a:cs typeface="Arial" panose="020B0604020202020204" pitchFamily="34" charset="0"/>
-              </a:rPr>
-              <a:t>that</a:t>
-            </a:r>
-            <a:r>
-              <a:rPr lang="it-IT" sz="1200" dirty="0">
-                <a:latin typeface="Arial" panose="020B0604020202020204" pitchFamily="34" charset="0"/>
-                <a:cs typeface="Arial" panose="020B0604020202020204" pitchFamily="34" charset="0"/>
-              </a:rPr>
-              <a:t> </a:t>
-            </a:r>
-            <a:r>
-              <a:rPr lang="it-IT" sz="1200" dirty="0" err="1">
-                <a:latin typeface="Arial" panose="020B0604020202020204" pitchFamily="34" charset="0"/>
-                <a:cs typeface="Arial" panose="020B0604020202020204" pitchFamily="34" charset="0"/>
-              </a:rPr>
-              <a:t>region</a:t>
-            </a:r>
-            <a:endParaRPr lang="it-IT" sz="1200" dirty="0">
-              <a:latin typeface="Arial" panose="020B0604020202020204" pitchFamily="34" charset="0"/>
-              <a:cs typeface="Arial" panose="020B0604020202020204" pitchFamily="34" charset="0"/>
-            </a:endParaRPr>
+            <a:endParaRPr lang="it-IT" dirty="0"/>
           </a:p>
         </p:txBody>
       </p:sp>
@@ -1586,7 +1143,7 @@
           <a:p>
             <a:fld id="{F4A80210-7480-3B46-8A0B-E82B1838FDAC}" type="slidenum">
               <a:rPr lang="it-IT" smtClean="0"/>
-              <a:t>20</a:t>
+              <a:t>17</a:t>
             </a:fld>
             <a:endParaRPr lang="it-IT"/>
           </a:p>
@@ -1595,7 +1152,7 @@
     </p:spTree>
     <p:extLst>
       <p:ext uri="{BB962C8B-B14F-4D97-AF65-F5344CB8AC3E}">
-        <p14:creationId xmlns:p14="http://schemas.microsoft.com/office/powerpoint/2010/main" val="1288329251"/>
+        <p14:creationId xmlns:p14="http://schemas.microsoft.com/office/powerpoint/2010/main" val="280678057"/>
       </p:ext>
     </p:extLst>
   </p:cSld>
@@ -1649,29 +1206,130 @@
           <a:bodyPr/>
           <a:lstStyle/>
           <a:p>
-            <a:r>
-              <a:rPr lang="it-IT" dirty="0"/>
-              <a:t>… I </a:t>
-            </a:r>
+            <a:pPr marL="0" marR="0" lvl="0" indent="0" algn="l" defTabSz="914400" rtl="0" eaLnBrk="1" fontAlgn="auto" latinLnBrk="0" hangingPunct="1">
+              <a:lnSpc>
+                <a:spcPct val="100000"/>
+              </a:lnSpc>
+              <a:spcBef>
+                <a:spcPts val="0"/>
+              </a:spcBef>
+              <a:spcAft>
+                <a:spcPts val="0"/>
+              </a:spcAft>
+              <a:buClrTx/>
+              <a:buSzTx/>
+              <a:buFontTx/>
+              <a:buNone/>
+              <a:tabLst/>
+              <a:defRPr/>
+            </a:pPr>
+            <a:r>
+              <a:rPr lang="it-IT" sz="1200" dirty="0">
+                <a:latin typeface="Arial" panose="020B0604020202020204" pitchFamily="34" charset="0"/>
+                <a:cs typeface="Arial" panose="020B0604020202020204" pitchFamily="34" charset="0"/>
+              </a:rPr>
+              <a:t>Plot the </a:t>
+            </a:r>
+            <a:r>
+              <a:rPr lang="it-IT" sz="1200" dirty="0" err="1">
+                <a:latin typeface="Arial" panose="020B0604020202020204" pitchFamily="34" charset="0"/>
+                <a:cs typeface="Arial" panose="020B0604020202020204" pitchFamily="34" charset="0"/>
+              </a:rPr>
+              <a:t>posterior</a:t>
+            </a:r>
+            <a:r>
+              <a:rPr lang="it-IT" sz="1200" dirty="0">
+                <a:latin typeface="Arial" panose="020B0604020202020204" pitchFamily="34" charset="0"/>
+                <a:cs typeface="Arial" panose="020B0604020202020204" pitchFamily="34" charset="0"/>
+              </a:rPr>
+              <a:t> </a:t>
+            </a:r>
+            <a:r>
+              <a:rPr lang="it-IT" sz="1200" dirty="0" err="1">
+                <a:latin typeface="Arial" panose="020B0604020202020204" pitchFamily="34" charset="0"/>
+                <a:cs typeface="Arial" panose="020B0604020202020204" pitchFamily="34" charset="0"/>
+              </a:rPr>
+              <a:t>marginal</a:t>
+            </a:r>
+            <a:r>
+              <a:rPr lang="it-IT" sz="1200" dirty="0">
+                <a:latin typeface="Arial" panose="020B0604020202020204" pitchFamily="34" charset="0"/>
+                <a:cs typeface="Arial" panose="020B0604020202020204" pitchFamily="34" charset="0"/>
+              </a:rPr>
+              <a:t> </a:t>
+            </a:r>
+            <a:r>
+              <a:rPr lang="it-IT" sz="1200" dirty="0" err="1">
+                <a:latin typeface="Arial" panose="020B0604020202020204" pitchFamily="34" charset="0"/>
+                <a:cs typeface="Arial" panose="020B0604020202020204" pitchFamily="34" charset="0"/>
+              </a:rPr>
+              <a:t>densities</a:t>
+            </a:r>
+            <a:r>
+              <a:rPr lang="it-IT" sz="1200" dirty="0">
+                <a:latin typeface="Arial" panose="020B0604020202020204" pitchFamily="34" charset="0"/>
+                <a:cs typeface="Arial" panose="020B0604020202020204" pitchFamily="34" charset="0"/>
+              </a:rPr>
+              <a:t> </a:t>
+            </a:r>
+            <a:r>
+              <a:rPr lang="it-IT" sz="1200" dirty="0" err="1">
+                <a:latin typeface="Arial" panose="020B0604020202020204" pitchFamily="34" charset="0"/>
+                <a:cs typeface="Arial" panose="020B0604020202020204" pitchFamily="34" charset="0"/>
+              </a:rPr>
+              <a:t>along</a:t>
+            </a:r>
+            <a:r>
+              <a:rPr lang="it-IT" sz="1200" dirty="0">
+                <a:latin typeface="Arial" panose="020B0604020202020204" pitchFamily="34" charset="0"/>
+                <a:cs typeface="Arial" panose="020B0604020202020204" pitchFamily="34" charset="0"/>
+              </a:rPr>
+              <a:t> with 50% </a:t>
+            </a:r>
+            <a:r>
+              <a:rPr lang="it-IT" sz="1200" dirty="0" err="1">
+                <a:latin typeface="Arial" panose="020B0604020202020204" pitchFamily="34" charset="0"/>
+                <a:cs typeface="Arial" panose="020B0604020202020204" pitchFamily="34" charset="0"/>
+              </a:rPr>
+              <a:t>intervals</a:t>
+            </a:r>
+            <a:r>
+              <a:rPr lang="it-IT" sz="1200" dirty="0">
+                <a:latin typeface="Arial" panose="020B0604020202020204" pitchFamily="34" charset="0"/>
+                <a:cs typeface="Arial" panose="020B0604020202020204" pitchFamily="34" charset="0"/>
+              </a:rPr>
+              <a:t> for the ‘</a:t>
+            </a:r>
+            <a:r>
+              <a:rPr lang="it-IT" sz="1200" dirty="0" err="1">
+                <a:latin typeface="Arial" panose="020B0604020202020204" pitchFamily="34" charset="0"/>
+                <a:cs typeface="Arial" panose="020B0604020202020204" pitchFamily="34" charset="0"/>
+              </a:rPr>
+              <a:t>fixed-effects</a:t>
+            </a:r>
+            <a:r>
+              <a:rPr lang="it-IT" sz="1200" dirty="0">
+                <a:latin typeface="Arial" panose="020B0604020202020204" pitchFamily="34" charset="0"/>
+                <a:cs typeface="Arial" panose="020B0604020202020204" pitchFamily="34" charset="0"/>
+              </a:rPr>
+              <a:t>’ </a:t>
+            </a:r>
+            <a:r>
+              <a:rPr lang="it-IT" sz="1200" dirty="0" err="1">
+                <a:latin typeface="Arial" panose="020B0604020202020204" pitchFamily="34" charset="0"/>
+                <a:cs typeface="Arial" panose="020B0604020202020204" pitchFamily="34" charset="0"/>
+              </a:rPr>
+              <a:t>uvb</a:t>
+            </a:r>
+            <a:endParaRPr lang="it-IT" sz="1200" dirty="0">
+              <a:latin typeface="Arial" panose="020B0604020202020204" pitchFamily="34" charset="0"/>
+              <a:cs typeface="Arial" panose="020B0604020202020204" pitchFamily="34" charset="0"/>
+            </a:endParaRPr>
+          </a:p>
+          <a:p>
             <a:r>
               <a:rPr lang="it-IT" dirty="0" err="1"/>
-              <a:t>constructed</a:t>
-            </a:r>
-            <a:r>
-              <a:rPr lang="it-IT" dirty="0"/>
-              <a:t> UVBI with the </a:t>
-            </a:r>
-            <a:r>
-              <a:rPr lang="it-IT" dirty="0" err="1"/>
-              <a:t>values</a:t>
-            </a:r>
-            <a:r>
-              <a:rPr lang="it-IT" dirty="0"/>
-              <a:t> of </a:t>
-            </a:r>
-            <a:r>
-              <a:rPr lang="it-IT" dirty="0" err="1"/>
-              <a:t>this</a:t>
+              <a:t>We</a:t>
             </a:r>
             <a:r>
               <a:rPr lang="it-IT" dirty="0"/>
@@ -1679,15 +1337,7 @@
             </a:r>
             <a:r>
               <a:rPr lang="it-IT" dirty="0" err="1"/>
-              <a:t>table</a:t>
-            </a:r>
-            <a:r>
-              <a:rPr lang="it-IT" dirty="0"/>
-              <a:t> and </a:t>
-            </a:r>
-            <a:r>
-              <a:rPr lang="it-IT" dirty="0" err="1"/>
-              <a:t>add</a:t>
+              <a:t>see</a:t>
             </a:r>
             <a:r>
               <a:rPr lang="it-IT" dirty="0"/>
@@ -1695,15 +1345,23 @@
             </a:r>
             <a:r>
               <a:rPr lang="it-IT" dirty="0" err="1"/>
-              <a:t>it</a:t>
+              <a:t>that</a:t>
             </a:r>
             <a:r>
               <a:rPr lang="it-IT" dirty="0"/>
-              <a:t> to the </a:t>
+              <a:t> the </a:t>
             </a:r>
             <a:r>
               <a:rPr lang="it-IT" dirty="0" err="1"/>
-              <a:t>Mmmec</a:t>
+              <a:t>posterior</a:t>
+            </a:r>
+            <a:r>
+              <a:rPr lang="it-IT" dirty="0"/>
+              <a:t> estimate of </a:t>
+            </a:r>
+            <a:r>
+              <a:rPr lang="it-IT" dirty="0" err="1"/>
+              <a:t>uvb</a:t>
             </a:r>
             <a:r>
               <a:rPr lang="it-IT" dirty="0"/>
@@ -1711,23 +1369,7 @@
             </a:r>
             <a:r>
               <a:rPr lang="it-IT" dirty="0" err="1"/>
-              <a:t>dataframe</a:t>
-            </a:r>
-            <a:r>
-              <a:rPr lang="it-IT" dirty="0"/>
-              <a:t>. </a:t>
-            </a:r>
-            <a:r>
-              <a:rPr lang="it-IT" dirty="0" err="1"/>
-              <a:t>Then</a:t>
-            </a:r>
-            <a:r>
-              <a:rPr lang="it-IT" dirty="0"/>
-              <a:t> for </a:t>
-            </a:r>
-            <a:r>
-              <a:rPr lang="it-IT" dirty="0" err="1"/>
-              <a:t>each</a:t>
+              <a:t>is</a:t>
             </a:r>
             <a:r>
               <a:rPr lang="it-IT" dirty="0"/>
@@ -1735,23 +1377,15 @@
             </a:r>
             <a:r>
               <a:rPr lang="it-IT" dirty="0" err="1"/>
-              <a:t>county</a:t>
+              <a:t>almost</a:t>
             </a:r>
             <a:r>
               <a:rPr lang="it-IT" dirty="0"/>
-              <a:t> I </a:t>
+              <a:t> the </a:t>
             </a:r>
             <a:r>
               <a:rPr lang="it-IT" dirty="0" err="1"/>
-              <a:t>generated</a:t>
-            </a:r>
-            <a:r>
-              <a:rPr lang="it-IT" dirty="0"/>
-              <a:t> a UVBI </a:t>
-            </a:r>
-            <a:r>
-              <a:rPr lang="it-IT" dirty="0" err="1"/>
-              <a:t>value</a:t>
+              <a:t>same</a:t>
             </a:r>
             <a:r>
               <a:rPr lang="it-IT" dirty="0"/>
@@ -1759,67 +1393,11 @@
             </a:r>
             <a:r>
               <a:rPr lang="it-IT" dirty="0" err="1"/>
-              <a:t>using</a:t>
+              <a:t>as</a:t>
             </a:r>
             <a:r>
               <a:rPr lang="it-IT" dirty="0"/>
-              <a:t> a </a:t>
-            </a:r>
-            <a:r>
-              <a:rPr lang="it-IT" dirty="0" err="1"/>
-              <a:t>truncated</a:t>
-            </a:r>
-            <a:r>
-              <a:rPr lang="it-IT" dirty="0"/>
-              <a:t> </a:t>
-            </a:r>
-            <a:r>
-              <a:rPr lang="it-IT" dirty="0" err="1"/>
-              <a:t>norm</a:t>
-            </a:r>
-            <a:r>
-              <a:rPr lang="it-IT" dirty="0"/>
-              <a:t> </a:t>
-            </a:r>
-            <a:r>
-              <a:rPr lang="it-IT" dirty="0" err="1"/>
-              <a:t>that</a:t>
-            </a:r>
-            <a:r>
-              <a:rPr lang="it-IT" dirty="0"/>
-              <a:t> </a:t>
-            </a:r>
-            <a:r>
-              <a:rPr lang="it-IT" dirty="0" err="1"/>
-              <a:t>allowed</a:t>
-            </a:r>
-            <a:r>
-              <a:rPr lang="it-IT" dirty="0"/>
-              <a:t> me to take </a:t>
-            </a:r>
-            <a:r>
-              <a:rPr lang="it-IT" dirty="0" err="1"/>
-              <a:t>into</a:t>
-            </a:r>
-            <a:r>
-              <a:rPr lang="it-IT" dirty="0"/>
-              <a:t> </a:t>
-            </a:r>
-            <a:r>
-              <a:rPr lang="it-IT" dirty="0" err="1"/>
-              <a:t>consideration</a:t>
-            </a:r>
-            <a:r>
-              <a:rPr lang="it-IT" dirty="0"/>
-              <a:t> the minimum and maximum </a:t>
-            </a:r>
-            <a:r>
-              <a:rPr lang="it-IT" dirty="0" err="1"/>
-              <a:t>values</a:t>
-            </a:r>
-            <a:r>
-              <a:rPr lang="it-IT" dirty="0"/>
-              <a:t>.</a:t>
+              <a:t> the one for model M1</a:t>
             </a:r>
           </a:p>
         </p:txBody>
@@ -1841,7 +1419,7 @@
           <a:p>
             <a:fld id="{F4A80210-7480-3B46-8A0B-E82B1838FDAC}" type="slidenum">
               <a:rPr lang="it-IT" smtClean="0"/>
-              <a:t>21</a:t>
+              <a:t>19</a:t>
             </a:fld>
             <a:endParaRPr lang="it-IT"/>
           </a:p>
@@ -1850,7 +1428,7 @@
     </p:spTree>
     <p:extLst>
       <p:ext uri="{BB962C8B-B14F-4D97-AF65-F5344CB8AC3E}">
-        <p14:creationId xmlns:p14="http://schemas.microsoft.com/office/powerpoint/2010/main" val="3229255238"/>
+        <p14:creationId xmlns:p14="http://schemas.microsoft.com/office/powerpoint/2010/main" val="3102100425"/>
       </p:ext>
     </p:extLst>
   </p:cSld>
@@ -1904,342 +1482,375 @@
           <a:bodyPr/>
           <a:lstStyle/>
           <a:p>
-            <a:pPr>
+            <a:pPr marL="0" marR="0" lvl="0" indent="0" algn="l" defTabSz="914400" rtl="0" eaLnBrk="1" fontAlgn="auto" latinLnBrk="0" hangingPunct="1">
+              <a:lnSpc>
+                <a:spcPct val="100000"/>
+              </a:lnSpc>
+              <a:spcBef>
+                <a:spcPts val="0"/>
+              </a:spcBef>
+              <a:spcAft>
+                <a:spcPts val="0"/>
+              </a:spcAft>
+              <a:buClrTx/>
+              <a:buSzTx/>
+              <a:buFontTx/>
               <a:buNone/>
+              <a:tabLst/>
+              <a:defRPr/>
             </a:pPr>
             <a:r>
-              <a:rPr lang="it-IT" dirty="0">
-                <a:solidFill>
-                  <a:srgbClr val="1B2A2D"/>
-                </a:solidFill>
-                <a:effectLst/>
-                <a:latin typeface="Helvetica" pitchFamily="2" charset="0"/>
-              </a:rPr>
-              <a:t>In </a:t>
-            </a:r>
-            <a:r>
-              <a:rPr lang="it-IT" dirty="0" err="1">
-                <a:solidFill>
-                  <a:srgbClr val="1B2A2D"/>
-                </a:solidFill>
-                <a:effectLst/>
-                <a:latin typeface="Helvetica" pitchFamily="2" charset="0"/>
-              </a:rPr>
-              <a:t>comparing</a:t>
-            </a:r>
-            <a:r>
-              <a:rPr lang="it-IT" dirty="0">
-                <a:solidFill>
-                  <a:srgbClr val="1B2A2D"/>
-                </a:solidFill>
-                <a:effectLst/>
-                <a:latin typeface="Helvetica" pitchFamily="2" charset="0"/>
+              <a:rPr lang="it-IT" sz="1200" dirty="0">
+                <a:latin typeface="Arial" panose="020B0604020202020204" pitchFamily="34" charset="0"/>
+                <a:cs typeface="Arial" panose="020B0604020202020204" pitchFamily="34" charset="0"/>
+              </a:rPr>
+              <a:t>Positive </a:t>
+            </a:r>
+            <a:r>
+              <a:rPr lang="it-IT" sz="1200" dirty="0" err="1">
+                <a:latin typeface="Arial" panose="020B0604020202020204" pitchFamily="34" charset="0"/>
+                <a:cs typeface="Arial" panose="020B0604020202020204" pitchFamily="34" charset="0"/>
+              </a:rPr>
+              <a:t>values</a:t>
+            </a:r>
+            <a:r>
+              <a:rPr lang="it-IT" sz="1200" dirty="0">
+                <a:latin typeface="Arial" panose="020B0604020202020204" pitchFamily="34" charset="0"/>
+                <a:cs typeface="Arial" panose="020B0604020202020204" pitchFamily="34" charset="0"/>
+              </a:rPr>
+              <a:t> indicate </a:t>
+            </a:r>
+            <a:r>
+              <a:rPr lang="it-IT" sz="1200" dirty="0" err="1">
+                <a:latin typeface="Arial" panose="020B0604020202020204" pitchFamily="34" charset="0"/>
+                <a:cs typeface="Arial" panose="020B0604020202020204" pitchFamily="34" charset="0"/>
+              </a:rPr>
+              <a:t>that</a:t>
+            </a:r>
+            <a:r>
+              <a:rPr lang="it-IT" sz="1200" dirty="0">
+                <a:latin typeface="Arial" panose="020B0604020202020204" pitchFamily="34" charset="0"/>
+                <a:cs typeface="Arial" panose="020B0604020202020204" pitchFamily="34" charset="0"/>
+              </a:rPr>
+              <a:t>, </a:t>
+            </a:r>
+            <a:r>
+              <a:rPr lang="it-IT" sz="1200" dirty="0" err="1">
+                <a:latin typeface="Arial" panose="020B0604020202020204" pitchFamily="34" charset="0"/>
+                <a:cs typeface="Arial" panose="020B0604020202020204" pitchFamily="34" charset="0"/>
+              </a:rPr>
+              <a:t>w.r.t</a:t>
+            </a:r>
+            <a:r>
+              <a:rPr lang="it-IT" sz="1200" dirty="0">
+                <a:latin typeface="Arial" panose="020B0604020202020204" pitchFamily="34" charset="0"/>
+                <a:cs typeface="Arial" panose="020B0604020202020204" pitchFamily="34" charset="0"/>
+              </a:rPr>
+              <a:t>. the </a:t>
+            </a:r>
+            <a:r>
+              <a:rPr lang="it-IT" sz="1200" dirty="0" err="1">
+                <a:latin typeface="Arial" panose="020B0604020202020204" pitchFamily="34" charset="0"/>
+                <a:cs typeface="Arial" panose="020B0604020202020204" pitchFamily="34" charset="0"/>
+              </a:rPr>
+              <a:t>mean</a:t>
+            </a:r>
+            <a:r>
+              <a:rPr lang="it-IT" sz="1200" dirty="0">
+                <a:latin typeface="Arial" panose="020B0604020202020204" pitchFamily="34" charset="0"/>
+                <a:cs typeface="Arial" panose="020B0604020202020204" pitchFamily="34" charset="0"/>
+              </a:rPr>
+              <a:t>, the </a:t>
+            </a:r>
+            <a:r>
+              <a:rPr lang="it-IT" sz="1200" dirty="0" err="1">
+                <a:latin typeface="Arial" panose="020B0604020202020204" pitchFamily="34" charset="0"/>
+                <a:cs typeface="Arial" panose="020B0604020202020204" pitchFamily="34" charset="0"/>
+              </a:rPr>
+              <a:t>posterior</a:t>
+            </a:r>
+            <a:r>
+              <a:rPr lang="it-IT" sz="1200" dirty="0">
+                <a:latin typeface="Arial" panose="020B0604020202020204" pitchFamily="34" charset="0"/>
+                <a:cs typeface="Arial" panose="020B0604020202020204" pitchFamily="34" charset="0"/>
               </a:rPr>
               <a:t> </a:t>
             </a:r>
             <a:r>
-              <a:rPr lang="it-IT" dirty="0" err="1">
-                <a:solidFill>
-                  <a:srgbClr val="C23525"/>
-                </a:solidFill>
-                <a:effectLst/>
-                <a:latin typeface="Helvetica" pitchFamily="2" charset="0"/>
-              </a:rPr>
-              <a:t>nested</a:t>
-            </a:r>
-            <a:r>
-              <a:rPr lang="it-IT" dirty="0">
-                <a:solidFill>
-                  <a:srgbClr val="C23525"/>
-                </a:solidFill>
-                <a:effectLst/>
-                <a:latin typeface="Helvetica" pitchFamily="2" charset="0"/>
+              <a:rPr lang="it-IT" sz="1200" dirty="0" err="1">
+                <a:latin typeface="Arial" panose="020B0604020202020204" pitchFamily="34" charset="0"/>
+                <a:cs typeface="Arial" panose="020B0604020202020204" pitchFamily="34" charset="0"/>
+              </a:rPr>
+              <a:t>mean</a:t>
+            </a:r>
+            <a:r>
+              <a:rPr lang="it-IT" sz="1200" dirty="0">
+                <a:latin typeface="Arial" panose="020B0604020202020204" pitchFamily="34" charset="0"/>
+                <a:cs typeface="Arial" panose="020B0604020202020204" pitchFamily="34" charset="0"/>
+              </a:rPr>
+              <a:t> of </a:t>
+            </a:r>
+            <a:r>
+              <a:rPr lang="it-IT" sz="1200" dirty="0" err="1">
+                <a:latin typeface="Arial" panose="020B0604020202020204" pitchFamily="34" charset="0"/>
+                <a:cs typeface="Arial" panose="020B0604020202020204" pitchFamily="34" charset="0"/>
+              </a:rPr>
+              <a:t>that</a:t>
+            </a:r>
+            <a:r>
+              <a:rPr lang="it-IT" sz="1200" dirty="0">
+                <a:latin typeface="Arial" panose="020B0604020202020204" pitchFamily="34" charset="0"/>
+                <a:cs typeface="Arial" panose="020B0604020202020204" pitchFamily="34" charset="0"/>
               </a:rPr>
               <a:t> </a:t>
             </a:r>
             <a:r>
-              <a:rPr lang="it-IT" dirty="0">
-                <a:solidFill>
-                  <a:srgbClr val="1B2A2D"/>
-                </a:solidFill>
-                <a:effectLst/>
-                <a:latin typeface="Helvetica" pitchFamily="2" charset="0"/>
-              </a:rPr>
-              <a:t>models, the key </a:t>
-            </a:r>
-            <a:r>
-              <a:rPr lang="it-IT" dirty="0" err="1">
-                <a:solidFill>
-                  <a:srgbClr val="1B2A2D"/>
-                </a:solidFill>
-                <a:effectLst/>
-                <a:latin typeface="Helvetica" pitchFamily="2" charset="0"/>
-              </a:rPr>
-              <a:t>questions</a:t>
-            </a:r>
-            <a:r>
-              <a:rPr lang="it-IT" dirty="0">
-                <a:solidFill>
-                  <a:srgbClr val="1B2A2D"/>
-                </a:solidFill>
-                <a:effectLst/>
-                <a:latin typeface="Helvetica" pitchFamily="2" charset="0"/>
-              </a:rPr>
-              <a:t> of model </a:t>
-            </a:r>
-            <a:r>
-              <a:rPr lang="it-IT" dirty="0" err="1">
-                <a:solidFill>
-                  <a:srgbClr val="1B2A2D"/>
-                </a:solidFill>
-                <a:effectLst/>
-                <a:latin typeface="Helvetica" pitchFamily="2" charset="0"/>
-              </a:rPr>
-              <a:t>comparison</a:t>
-            </a:r>
-            <a:r>
-              <a:rPr lang="it-IT">
-                <a:solidFill>
-                  <a:srgbClr val="1B2A2D"/>
-                </a:solidFill>
-                <a:effectLst/>
-                <a:latin typeface="Helvetica" pitchFamily="2" charset="0"/>
-              </a:rPr>
-              <a:t> are typically</a:t>
-            </a:r>
-            <a:r>
-              <a:rPr lang="it-IT" dirty="0">
-                <a:solidFill>
-                  <a:srgbClr val="1B2A2D"/>
-                </a:solidFill>
-                <a:effectLst/>
-                <a:latin typeface="Helvetica" pitchFamily="2" charset="0"/>
-              </a:rPr>
-              <a:t>: (1) </a:t>
-            </a:r>
-            <a:r>
-              <a:rPr lang="it-IT" dirty="0" err="1">
-                <a:solidFill>
-                  <a:srgbClr val="1B2A2D"/>
-                </a:solidFill>
-                <a:effectLst/>
-                <a:latin typeface="Helvetica" pitchFamily="2" charset="0"/>
+              <a:rPr lang="it-IT" sz="1200" dirty="0" err="1">
+                <a:latin typeface="Arial" panose="020B0604020202020204" pitchFamily="34" charset="0"/>
+                <a:cs typeface="Arial" panose="020B0604020202020204" pitchFamily="34" charset="0"/>
+              </a:rPr>
+              <a:t>region</a:t>
+            </a:r>
+            <a:r>
+              <a:rPr lang="it-IT" sz="1200" dirty="0">
+                <a:latin typeface="Arial" panose="020B0604020202020204" pitchFamily="34" charset="0"/>
+                <a:cs typeface="Arial" panose="020B0604020202020204" pitchFamily="34" charset="0"/>
+              </a:rPr>
+              <a:t> </a:t>
+            </a:r>
+            <a:r>
+              <a:rPr lang="it-IT" sz="1200" dirty="0" err="1">
+                <a:latin typeface="Arial" panose="020B0604020202020204" pitchFamily="34" charset="0"/>
+                <a:cs typeface="Arial" panose="020B0604020202020204" pitchFamily="34" charset="0"/>
+              </a:rPr>
+              <a:t>intercept</a:t>
+            </a:r>
+            <a:r>
+              <a:rPr lang="it-IT" sz="1200" dirty="0">
+                <a:latin typeface="Arial" panose="020B0604020202020204" pitchFamily="34" charset="0"/>
+                <a:cs typeface="Arial" panose="020B0604020202020204" pitchFamily="34" charset="0"/>
+              </a:rPr>
+              <a:t> </a:t>
+            </a:r>
+            <a:r>
+              <a:rPr lang="it-IT" sz="1200" dirty="0" err="1">
+                <a:latin typeface="Arial" panose="020B0604020202020204" pitchFamily="34" charset="0"/>
+                <a:cs typeface="Arial" panose="020B0604020202020204" pitchFamily="34" charset="0"/>
               </a:rPr>
               <a:t>is</a:t>
             </a:r>
             <a:r>
-              <a:rPr lang="it-IT" dirty="0">
-                <a:solidFill>
-                  <a:srgbClr val="1B2A2D"/>
-                </a:solidFill>
-                <a:effectLst/>
-                <a:latin typeface="Helvetica" pitchFamily="2" charset="0"/>
-              </a:rPr>
-              <a:t> the </a:t>
-            </a:r>
-            <a:r>
-              <a:rPr lang="it-IT" dirty="0" err="1">
-                <a:solidFill>
-                  <a:srgbClr val="1B2A2D"/>
-                </a:solidFill>
-                <a:effectLst/>
-                <a:latin typeface="Helvetica" pitchFamily="2" charset="0"/>
-              </a:rPr>
-              <a:t>improvement</a:t>
-            </a:r>
-            <a:r>
-              <a:rPr lang="it-IT" dirty="0">
-                <a:solidFill>
-                  <a:srgbClr val="1B2A2D"/>
-                </a:solidFill>
-                <a:effectLst/>
-                <a:latin typeface="Helvetica" pitchFamily="2" charset="0"/>
-              </a:rPr>
-              <a:t> in fit large </a:t>
-            </a:r>
-            <a:r>
-              <a:rPr lang="it-IT" dirty="0" err="1">
-                <a:solidFill>
-                  <a:srgbClr val="1B2A2D"/>
-                </a:solidFill>
-                <a:effectLst/>
-                <a:latin typeface="Helvetica" pitchFamily="2" charset="0"/>
-              </a:rPr>
-              <a:t>enough</a:t>
-            </a:r>
-            <a:r>
-              <a:rPr lang="it-IT" dirty="0">
-                <a:solidFill>
-                  <a:srgbClr val="1B2A2D"/>
-                </a:solidFill>
-                <a:effectLst/>
-                <a:latin typeface="Helvetica" pitchFamily="2" charset="0"/>
-              </a:rPr>
-              <a:t> to </a:t>
-            </a:r>
-            <a:r>
-              <a:rPr lang="it-IT" dirty="0" err="1">
-                <a:solidFill>
-                  <a:srgbClr val="1B2A2D"/>
-                </a:solidFill>
-                <a:effectLst/>
-                <a:latin typeface="Helvetica" pitchFamily="2" charset="0"/>
-              </a:rPr>
-              <a:t>justify</a:t>
-            </a:r>
-            <a:r>
-              <a:rPr lang="it-IT" dirty="0">
-                <a:solidFill>
-                  <a:srgbClr val="1B2A2D"/>
-                </a:solidFill>
-                <a:effectLst/>
-                <a:latin typeface="Helvetica" pitchFamily="2" charset="0"/>
-              </a:rPr>
-              <a:t> the </a:t>
-            </a:r>
-            <a:r>
-              <a:rPr lang="it-IT" dirty="0" err="1">
-                <a:solidFill>
-                  <a:srgbClr val="1B2A2D"/>
-                </a:solidFill>
-                <a:effectLst/>
-                <a:latin typeface="Helvetica" pitchFamily="2" charset="0"/>
-              </a:rPr>
-              <a:t>additional</a:t>
-            </a:r>
-            <a:r>
-              <a:rPr lang="it-IT" dirty="0">
-                <a:solidFill>
-                  <a:srgbClr val="1B2A2D"/>
-                </a:solidFill>
-                <a:effectLst/>
-                <a:latin typeface="Helvetica" pitchFamily="2" charset="0"/>
+              <a:rPr lang="it-IT" sz="1200" dirty="0">
+                <a:latin typeface="Arial" panose="020B0604020202020204" pitchFamily="34" charset="0"/>
+                <a:cs typeface="Arial" panose="020B0604020202020204" pitchFamily="34" charset="0"/>
               </a:rPr>
               <a:t> </a:t>
             </a:r>
             <a:r>
-              <a:rPr lang="it-IT" dirty="0" err="1">
-                <a:solidFill>
-                  <a:srgbClr val="1B2A2D"/>
-                </a:solidFill>
-                <a:effectLst/>
-                <a:latin typeface="Helvetica" pitchFamily="2" charset="0"/>
-              </a:rPr>
-              <a:t>diﬃculty</a:t>
-            </a:r>
-            <a:r>
-              <a:rPr lang="it-IT" dirty="0">
-                <a:solidFill>
-                  <a:srgbClr val="1B2A2D"/>
-                </a:solidFill>
-                <a:effectLst/>
-                <a:latin typeface="Helvetica" pitchFamily="2" charset="0"/>
-              </a:rPr>
-              <a:t> in fitting, and (2) </a:t>
-            </a:r>
-            <a:r>
-              <a:rPr lang="it-IT" dirty="0" err="1">
-                <a:solidFill>
-                  <a:srgbClr val="1B2A2D"/>
-                </a:solidFill>
-                <a:effectLst/>
-                <a:latin typeface="Helvetica" pitchFamily="2" charset="0"/>
-              </a:rPr>
-              <a:t>is</a:t>
-            </a:r>
-            <a:r>
-              <a:rPr lang="it-IT" dirty="0">
-                <a:solidFill>
-                  <a:srgbClr val="1B2A2D"/>
-                </a:solidFill>
-                <a:effectLst/>
-                <a:latin typeface="Helvetica" pitchFamily="2" charset="0"/>
-              </a:rPr>
-              <a:t> the </a:t>
-            </a:r>
-            <a:r>
-              <a:rPr lang="it-IT" dirty="0" err="1">
-                <a:solidFill>
-                  <a:srgbClr val="1B2A2D"/>
-                </a:solidFill>
-                <a:effectLst/>
-                <a:latin typeface="Helvetica" pitchFamily="2" charset="0"/>
-              </a:rPr>
-              <a:t>prior</a:t>
-            </a:r>
-            <a:r>
-              <a:rPr lang="it-IT" dirty="0">
-                <a:solidFill>
-                  <a:srgbClr val="1B2A2D"/>
-                </a:solidFill>
-                <a:effectLst/>
-                <a:latin typeface="Helvetica" pitchFamily="2" charset="0"/>
+              <a:rPr lang="it-IT" sz="1200" dirty="0" err="1">
+                <a:latin typeface="Arial" panose="020B0604020202020204" pitchFamily="34" charset="0"/>
+                <a:cs typeface="Arial" panose="020B0604020202020204" pitchFamily="34" charset="0"/>
+              </a:rPr>
+              <a:t>higher</a:t>
+            </a:r>
+            <a:r>
+              <a:rPr lang="it-IT" sz="1200" dirty="0">
+                <a:latin typeface="Arial" panose="020B0604020202020204" pitchFamily="34" charset="0"/>
+                <a:cs typeface="Arial" panose="020B0604020202020204" pitchFamily="34" charset="0"/>
               </a:rPr>
               <a:t> </a:t>
             </a:r>
             <a:r>
-              <a:rPr lang="it-IT" dirty="0" err="1">
-                <a:solidFill>
-                  <a:srgbClr val="1B2A2D"/>
-                </a:solidFill>
-                <a:effectLst/>
-                <a:latin typeface="Helvetica" pitchFamily="2" charset="0"/>
-              </a:rPr>
-              <a:t>distribution</a:t>
-            </a:r>
-            <a:r>
-              <a:rPr lang="it-IT" dirty="0">
-                <a:solidFill>
-                  <a:srgbClr val="1B2A2D"/>
-                </a:solidFill>
-                <a:effectLst/>
-                <a:latin typeface="Helvetica" pitchFamily="2" charset="0"/>
-              </a:rPr>
-              <a:t> on the </a:t>
-            </a:r>
-            <a:r>
-              <a:rPr lang="it-IT" dirty="0" err="1">
-                <a:solidFill>
-                  <a:srgbClr val="1B2A2D"/>
-                </a:solidFill>
-                <a:effectLst/>
-                <a:latin typeface="Helvetica" pitchFamily="2" charset="0"/>
-              </a:rPr>
-              <a:t>additional</a:t>
-            </a:r>
-            <a:r>
-              <a:rPr lang="it-IT" dirty="0">
-                <a:solidFill>
-                  <a:srgbClr val="1B2A2D"/>
-                </a:solidFill>
-                <a:effectLst/>
-                <a:latin typeface="Helvetica" pitchFamily="2" charset="0"/>
-              </a:rPr>
-              <a:t> parameters </a:t>
-            </a:r>
-            <a:r>
-              <a:rPr lang="it-IT" dirty="0" err="1">
-                <a:solidFill>
-                  <a:srgbClr val="1B2A2D"/>
-                </a:solidFill>
-                <a:effectLst/>
-                <a:latin typeface="Helvetica" pitchFamily="2" charset="0"/>
-              </a:rPr>
-              <a:t>reasonable</a:t>
-            </a:r>
-            <a:r>
-              <a:rPr lang="it-IT" dirty="0">
-                <a:solidFill>
-                  <a:srgbClr val="1B2A2D"/>
-                </a:solidFill>
-                <a:effectLst/>
-                <a:latin typeface="Helvetica" pitchFamily="2" charset="0"/>
-              </a:rPr>
-              <a:t>?</a:t>
-            </a:r>
-          </a:p>
-          <a:p>
-            <a:endParaRPr lang="it-IT" dirty="0"/>
+              <a:rPr lang="it-IT" sz="1200" dirty="0" err="1">
+                <a:latin typeface="Arial" panose="020B0604020202020204" pitchFamily="34" charset="0"/>
+                <a:cs typeface="Arial" panose="020B0604020202020204" pitchFamily="34" charset="0"/>
+              </a:rPr>
+              <a:t>w.r.t</a:t>
+            </a:r>
+            <a:r>
+              <a:rPr lang="it-IT" sz="1200" dirty="0">
+                <a:latin typeface="Arial" panose="020B0604020202020204" pitchFamily="34" charset="0"/>
+                <a:cs typeface="Arial" panose="020B0604020202020204" pitchFamily="34" charset="0"/>
+              </a:rPr>
+              <a:t>. the global </a:t>
+            </a:r>
+            <a:r>
+              <a:rPr lang="it-IT" sz="1200" dirty="0" err="1">
+                <a:latin typeface="Arial" panose="020B0604020202020204" pitchFamily="34" charset="0"/>
+                <a:cs typeface="Arial" panose="020B0604020202020204" pitchFamily="34" charset="0"/>
+              </a:rPr>
+              <a:t>mean</a:t>
+            </a:r>
+            <a:r>
+              <a:rPr lang="it-IT" sz="1200" dirty="0">
+                <a:latin typeface="Arial" panose="020B0604020202020204" pitchFamily="34" charset="0"/>
+                <a:cs typeface="Arial" panose="020B0604020202020204" pitchFamily="34" charset="0"/>
+              </a:rPr>
+              <a:t> -&gt; more </a:t>
+            </a:r>
+            <a:r>
+              <a:rPr lang="it-IT" sz="1200" dirty="0" err="1">
+                <a:latin typeface="Arial" panose="020B0604020202020204" pitchFamily="34" charset="0"/>
+                <a:cs typeface="Arial" panose="020B0604020202020204" pitchFamily="34" charset="0"/>
+              </a:rPr>
+              <a:t>deaths</a:t>
+            </a:r>
+            <a:r>
+              <a:rPr lang="it-IT" sz="1200" dirty="0">
+                <a:latin typeface="Arial" panose="020B0604020202020204" pitchFamily="34" charset="0"/>
+                <a:cs typeface="Arial" panose="020B0604020202020204" pitchFamily="34" charset="0"/>
+              </a:rPr>
+              <a:t> </a:t>
+            </a:r>
+            <a:r>
+              <a:rPr lang="it-IT" sz="1200" dirty="0" err="1">
+                <a:latin typeface="Arial" panose="020B0604020202020204" pitchFamily="34" charset="0"/>
+                <a:cs typeface="Arial" panose="020B0604020202020204" pitchFamily="34" charset="0"/>
+              </a:rPr>
+              <a:t>than</a:t>
+            </a:r>
+            <a:r>
+              <a:rPr lang="it-IT" sz="1200" dirty="0">
+                <a:latin typeface="Arial" panose="020B0604020202020204" pitchFamily="34" charset="0"/>
+                <a:cs typeface="Arial" panose="020B0604020202020204" pitchFamily="34" charset="0"/>
+              </a:rPr>
+              <a:t> </a:t>
+            </a:r>
+            <a:r>
+              <a:rPr lang="it-IT" sz="1200" dirty="0" err="1">
+                <a:latin typeface="Arial" panose="020B0604020202020204" pitchFamily="34" charset="0"/>
+                <a:cs typeface="Arial" panose="020B0604020202020204" pitchFamily="34" charset="0"/>
+              </a:rPr>
+              <a:t>expected</a:t>
+            </a:r>
+            <a:r>
+              <a:rPr lang="it-IT" sz="1200" dirty="0">
+                <a:latin typeface="Arial" panose="020B0604020202020204" pitchFamily="34" charset="0"/>
+                <a:cs typeface="Arial" panose="020B0604020202020204" pitchFamily="34" charset="0"/>
+              </a:rPr>
+              <a:t>.</a:t>
+            </a:r>
+          </a:p>
+          <a:p>
+            <a:pPr marL="0" marR="0" lvl="0" indent="0" algn="l" defTabSz="914400" rtl="0" eaLnBrk="1" fontAlgn="auto" latinLnBrk="0" hangingPunct="1">
+              <a:lnSpc>
+                <a:spcPct val="100000"/>
+              </a:lnSpc>
+              <a:spcBef>
+                <a:spcPts val="0"/>
+              </a:spcBef>
+              <a:spcAft>
+                <a:spcPts val="0"/>
+              </a:spcAft>
+              <a:buClrTx/>
+              <a:buSzTx/>
+              <a:buFontTx/>
+              <a:buNone/>
+              <a:tabLst/>
+              <a:defRPr/>
+            </a:pPr>
+            <a:r>
+              <a:rPr lang="it-IT" sz="1200" dirty="0">
+                <a:latin typeface="Arial" panose="020B0604020202020204" pitchFamily="34" charset="0"/>
+                <a:cs typeface="Arial" panose="020B0604020202020204" pitchFamily="34" charset="0"/>
+              </a:rPr>
+              <a:t>Red lines indicate the standard </a:t>
+            </a:r>
+            <a:r>
+              <a:rPr lang="it-IT" sz="1200" dirty="0" err="1">
+                <a:latin typeface="Arial" panose="020B0604020202020204" pitchFamily="34" charset="0"/>
+                <a:cs typeface="Arial" panose="020B0604020202020204" pitchFamily="34" charset="0"/>
+              </a:rPr>
+              <a:t>deviation</a:t>
+            </a:r>
+            <a:r>
+              <a:rPr lang="it-IT" sz="1200" dirty="0">
+                <a:latin typeface="Arial" panose="020B0604020202020204" pitchFamily="34" charset="0"/>
+                <a:cs typeface="Arial" panose="020B0604020202020204" pitchFamily="34" charset="0"/>
+              </a:rPr>
+              <a:t> of </a:t>
+            </a:r>
+            <a:r>
+              <a:rPr lang="it-IT" sz="1200" dirty="0" err="1">
+                <a:latin typeface="Arial" panose="020B0604020202020204" pitchFamily="34" charset="0"/>
+                <a:cs typeface="Arial" panose="020B0604020202020204" pitchFamily="34" charset="0"/>
+              </a:rPr>
+              <a:t>intercepts</a:t>
+            </a:r>
+            <a:r>
+              <a:rPr lang="it-IT" sz="1200" dirty="0">
+                <a:latin typeface="Arial" panose="020B0604020202020204" pitchFamily="34" charset="0"/>
+                <a:cs typeface="Arial" panose="020B0604020202020204" pitchFamily="34" charset="0"/>
+              </a:rPr>
+              <a:t> (</a:t>
+            </a:r>
+            <a:r>
+              <a:rPr lang="it-IT" sz="1200" dirty="0" err="1">
+                <a:latin typeface="Arial" panose="020B0604020202020204" pitchFamily="34" charset="0"/>
+                <a:cs typeface="Arial" panose="020B0604020202020204" pitchFamily="34" charset="0"/>
+              </a:rPr>
+              <a:t>uncertainty</a:t>
+            </a:r>
+            <a:r>
+              <a:rPr lang="it-IT" sz="1200" dirty="0">
+                <a:latin typeface="Arial" panose="020B0604020202020204" pitchFamily="34" charset="0"/>
+                <a:cs typeface="Arial" panose="020B0604020202020204" pitchFamily="34" charset="0"/>
+              </a:rPr>
+              <a:t>) -&gt; the </a:t>
+            </a:r>
+            <a:r>
+              <a:rPr lang="it-IT" sz="1200" dirty="0" err="1">
+                <a:latin typeface="Arial" panose="020B0604020202020204" pitchFamily="34" charset="0"/>
+                <a:cs typeface="Arial" panose="020B0604020202020204" pitchFamily="34" charset="0"/>
+              </a:rPr>
+              <a:t>longer</a:t>
+            </a:r>
+            <a:r>
+              <a:rPr lang="it-IT" sz="1200" dirty="0">
+                <a:latin typeface="Arial" panose="020B0604020202020204" pitchFamily="34" charset="0"/>
+                <a:cs typeface="Arial" panose="020B0604020202020204" pitchFamily="34" charset="0"/>
+              </a:rPr>
+              <a:t>, the </a:t>
+            </a:r>
+            <a:r>
+              <a:rPr lang="it-IT" sz="1200" dirty="0" err="1">
+                <a:latin typeface="Arial" panose="020B0604020202020204" pitchFamily="34" charset="0"/>
+                <a:cs typeface="Arial" panose="020B0604020202020204" pitchFamily="34" charset="0"/>
+              </a:rPr>
+              <a:t>less</a:t>
+            </a:r>
+            <a:r>
+              <a:rPr lang="it-IT" sz="1200" dirty="0">
+                <a:latin typeface="Arial" panose="020B0604020202020204" pitchFamily="34" charset="0"/>
+                <a:cs typeface="Arial" panose="020B0604020202020204" pitchFamily="34" charset="0"/>
+              </a:rPr>
+              <a:t> info or data for </a:t>
+            </a:r>
+            <a:r>
+              <a:rPr lang="it-IT" sz="1200" dirty="0" err="1">
+                <a:latin typeface="Arial" panose="020B0604020202020204" pitchFamily="34" charset="0"/>
+                <a:cs typeface="Arial" panose="020B0604020202020204" pitchFamily="34" charset="0"/>
+              </a:rPr>
+              <a:t>that</a:t>
+            </a:r>
+            <a:r>
+              <a:rPr lang="it-IT" sz="1200" dirty="0">
+                <a:latin typeface="Arial" panose="020B0604020202020204" pitchFamily="34" charset="0"/>
+                <a:cs typeface="Arial" panose="020B0604020202020204" pitchFamily="34" charset="0"/>
+              </a:rPr>
+              <a:t> </a:t>
+            </a:r>
+            <a:r>
+              <a:rPr lang="it-IT" sz="1200" dirty="0" err="1">
+                <a:latin typeface="Arial" panose="020B0604020202020204" pitchFamily="34" charset="0"/>
+                <a:cs typeface="Arial" panose="020B0604020202020204" pitchFamily="34" charset="0"/>
+              </a:rPr>
+              <a:t>region</a:t>
+            </a:r>
+            <a:endParaRPr lang="it-IT" sz="1200" dirty="0">
+              <a:latin typeface="Arial" panose="020B0604020202020204" pitchFamily="34" charset="0"/>
+              <a:cs typeface="Arial" panose="020B0604020202020204" pitchFamily="34" charset="0"/>
+            </a:endParaRPr>
           </a:p>
         </p:txBody>
       </p:sp>
@@ -2260,6 +1871,680 @@
           <a:p>
             <a:fld id="{F4A80210-7480-3B46-8A0B-E82B1838FDAC}" type="slidenum">
               <a:rPr lang="it-IT" smtClean="0"/>
+              <a:t>20</a:t>
+            </a:fld>
+            <a:endParaRPr lang="it-IT"/>
+          </a:p>
+        </p:txBody>
+      </p:sp>
+    </p:spTree>
+    <p:extLst>
+      <p:ext uri="{BB962C8B-B14F-4D97-AF65-F5344CB8AC3E}">
+        <p14:creationId xmlns:p14="http://schemas.microsoft.com/office/powerpoint/2010/main" val="1288329251"/>
+      </p:ext>
+    </p:extLst>
+  </p:cSld>
+  <p:clrMapOvr>
+    <a:masterClrMapping/>
+  </p:clrMapOvr>
+</p:notes>
+</file>
+
+<file path=ppt/notesSlides/notesSlide16.xml><?xml version="1.0" encoding="utf-8"?>
+<p:notes xmlns:a="http://schemas.openxmlformats.org/drawingml/2006/main" xmlns:r="http://schemas.openxmlformats.org/officeDocument/2006/relationships" xmlns:p="http://schemas.openxmlformats.org/presentationml/2006/main">
+  <p:cSld>
+    <p:spTree>
+      <p:nvGrpSpPr>
+        <p:cNvPr id="1" name=""/>
+        <p:cNvGrpSpPr/>
+        <p:nvPr/>
+      </p:nvGrpSpPr>
+      <p:grpSpPr>
+        <a:xfrm>
+          <a:off x="0" y="0"/>
+          <a:ext cx="0" cy="0"/>
+          <a:chOff x="0" y="0"/>
+          <a:chExt cx="0" cy="0"/>
+        </a:xfrm>
+      </p:grpSpPr>
+      <p:sp>
+        <p:nvSpPr>
+          <p:cNvPr id="2" name="Segnaposto immagine diapositiva 1"/>
+          <p:cNvSpPr>
+            <a:spLocks noGrp="1" noRot="1" noChangeAspect="1"/>
+          </p:cNvSpPr>
+          <p:nvPr>
+            <p:ph type="sldImg"/>
+          </p:nvPr>
+        </p:nvSpPr>
+        <p:spPr/>
+      </p:sp>
+      <p:sp>
+        <p:nvSpPr>
+          <p:cNvPr id="3" name="Segnaposto note 2"/>
+          <p:cNvSpPr>
+            <a:spLocks noGrp="1"/>
+          </p:cNvSpPr>
+          <p:nvPr>
+            <p:ph type="body" idx="1"/>
+          </p:nvPr>
+        </p:nvSpPr>
+        <p:spPr/>
+        <p:txBody>
+          <a:bodyPr/>
+          <a:lstStyle/>
+          <a:p>
+            <a:r>
+              <a:rPr lang="it-IT" dirty="0"/>
+              <a:t>… I </a:t>
+            </a:r>
+            <a:r>
+              <a:rPr lang="it-IT" dirty="0" err="1"/>
+              <a:t>constructed</a:t>
+            </a:r>
+            <a:r>
+              <a:rPr lang="it-IT" dirty="0"/>
+              <a:t> UVBI with the </a:t>
+            </a:r>
+            <a:r>
+              <a:rPr lang="it-IT" dirty="0" err="1"/>
+              <a:t>values</a:t>
+            </a:r>
+            <a:r>
+              <a:rPr lang="it-IT" dirty="0"/>
+              <a:t> of </a:t>
+            </a:r>
+            <a:r>
+              <a:rPr lang="it-IT" dirty="0" err="1"/>
+              <a:t>this</a:t>
+            </a:r>
+            <a:r>
+              <a:rPr lang="it-IT" dirty="0"/>
+              <a:t> </a:t>
+            </a:r>
+            <a:r>
+              <a:rPr lang="it-IT" dirty="0" err="1"/>
+              <a:t>table</a:t>
+            </a:r>
+            <a:r>
+              <a:rPr lang="it-IT" dirty="0"/>
+              <a:t> and </a:t>
+            </a:r>
+            <a:r>
+              <a:rPr lang="it-IT" dirty="0" err="1"/>
+              <a:t>add</a:t>
+            </a:r>
+            <a:r>
+              <a:rPr lang="it-IT" dirty="0"/>
+              <a:t> </a:t>
+            </a:r>
+            <a:r>
+              <a:rPr lang="it-IT" dirty="0" err="1"/>
+              <a:t>it</a:t>
+            </a:r>
+            <a:r>
+              <a:rPr lang="it-IT" dirty="0"/>
+              <a:t> to the </a:t>
+            </a:r>
+            <a:r>
+              <a:rPr lang="it-IT" dirty="0" err="1"/>
+              <a:t>Mmmec</a:t>
+            </a:r>
+            <a:r>
+              <a:rPr lang="it-IT" dirty="0"/>
+              <a:t> </a:t>
+            </a:r>
+            <a:r>
+              <a:rPr lang="it-IT" dirty="0" err="1"/>
+              <a:t>dataframe</a:t>
+            </a:r>
+            <a:r>
+              <a:rPr lang="it-IT" dirty="0"/>
+              <a:t>. </a:t>
+            </a:r>
+            <a:r>
+              <a:rPr lang="it-IT" dirty="0" err="1"/>
+              <a:t>Then</a:t>
+            </a:r>
+            <a:r>
+              <a:rPr lang="it-IT" dirty="0"/>
+              <a:t> for </a:t>
+            </a:r>
+            <a:r>
+              <a:rPr lang="it-IT" dirty="0" err="1"/>
+              <a:t>each</a:t>
+            </a:r>
+            <a:r>
+              <a:rPr lang="it-IT" dirty="0"/>
+              <a:t> </a:t>
+            </a:r>
+            <a:r>
+              <a:rPr lang="it-IT" dirty="0" err="1"/>
+              <a:t>county</a:t>
+            </a:r>
+            <a:r>
+              <a:rPr lang="it-IT" dirty="0"/>
+              <a:t> I </a:t>
+            </a:r>
+            <a:r>
+              <a:rPr lang="it-IT" dirty="0" err="1"/>
+              <a:t>generated</a:t>
+            </a:r>
+            <a:r>
+              <a:rPr lang="it-IT" dirty="0"/>
+              <a:t> a UVBI </a:t>
+            </a:r>
+            <a:r>
+              <a:rPr lang="it-IT" dirty="0" err="1"/>
+              <a:t>value</a:t>
+            </a:r>
+            <a:r>
+              <a:rPr lang="it-IT" dirty="0"/>
+              <a:t> </a:t>
+            </a:r>
+            <a:r>
+              <a:rPr lang="it-IT" dirty="0" err="1"/>
+              <a:t>using</a:t>
+            </a:r>
+            <a:r>
+              <a:rPr lang="it-IT" dirty="0"/>
+              <a:t> a </a:t>
+            </a:r>
+            <a:r>
+              <a:rPr lang="it-IT" dirty="0" err="1"/>
+              <a:t>truncated</a:t>
+            </a:r>
+            <a:r>
+              <a:rPr lang="it-IT" dirty="0"/>
+              <a:t> </a:t>
+            </a:r>
+            <a:r>
+              <a:rPr lang="it-IT" dirty="0" err="1"/>
+              <a:t>norm</a:t>
+            </a:r>
+            <a:r>
+              <a:rPr lang="it-IT" dirty="0"/>
+              <a:t> </a:t>
+            </a:r>
+            <a:r>
+              <a:rPr lang="it-IT" dirty="0" err="1"/>
+              <a:t>that</a:t>
+            </a:r>
+            <a:r>
+              <a:rPr lang="it-IT" dirty="0"/>
+              <a:t> </a:t>
+            </a:r>
+            <a:r>
+              <a:rPr lang="it-IT" dirty="0" err="1"/>
+              <a:t>allowed</a:t>
+            </a:r>
+            <a:r>
+              <a:rPr lang="it-IT" dirty="0"/>
+              <a:t> me to take </a:t>
+            </a:r>
+            <a:r>
+              <a:rPr lang="it-IT" dirty="0" err="1"/>
+              <a:t>into</a:t>
+            </a:r>
+            <a:r>
+              <a:rPr lang="it-IT" dirty="0"/>
+              <a:t> </a:t>
+            </a:r>
+            <a:r>
+              <a:rPr lang="it-IT" dirty="0" err="1"/>
+              <a:t>consideration</a:t>
+            </a:r>
+            <a:r>
+              <a:rPr lang="it-IT" dirty="0"/>
+              <a:t> the minimum and maximum </a:t>
+            </a:r>
+            <a:r>
+              <a:rPr lang="it-IT" dirty="0" err="1"/>
+              <a:t>values</a:t>
+            </a:r>
+            <a:r>
+              <a:rPr lang="it-IT" dirty="0"/>
+              <a:t>.</a:t>
+            </a:r>
+          </a:p>
+        </p:txBody>
+      </p:sp>
+      <p:sp>
+        <p:nvSpPr>
+          <p:cNvPr id="4" name="Segnaposto numero diapositiva 3"/>
+          <p:cNvSpPr>
+            <a:spLocks noGrp="1"/>
+          </p:cNvSpPr>
+          <p:nvPr>
+            <p:ph type="sldNum" sz="quarter" idx="5"/>
+          </p:nvPr>
+        </p:nvSpPr>
+        <p:spPr/>
+        <p:txBody>
+          <a:bodyPr/>
+          <a:lstStyle/>
+          <a:p>
+            <a:fld id="{F4A80210-7480-3B46-8A0B-E82B1838FDAC}" type="slidenum">
+              <a:rPr lang="it-IT" smtClean="0"/>
+              <a:t>21</a:t>
+            </a:fld>
+            <a:endParaRPr lang="it-IT"/>
+          </a:p>
+        </p:txBody>
+      </p:sp>
+    </p:spTree>
+    <p:extLst>
+      <p:ext uri="{BB962C8B-B14F-4D97-AF65-F5344CB8AC3E}">
+        <p14:creationId xmlns:p14="http://schemas.microsoft.com/office/powerpoint/2010/main" val="3229255238"/>
+      </p:ext>
+    </p:extLst>
+  </p:cSld>
+  <p:clrMapOvr>
+    <a:masterClrMapping/>
+  </p:clrMapOvr>
+</p:notes>
+</file>
+
+<file path=ppt/notesSlides/notesSlide17.xml><?xml version="1.0" encoding="utf-8"?>
+<p:notes xmlns:a="http://schemas.openxmlformats.org/drawingml/2006/main" xmlns:r="http://schemas.openxmlformats.org/officeDocument/2006/relationships" xmlns:p="http://schemas.openxmlformats.org/presentationml/2006/main">
+  <p:cSld>
+    <p:spTree>
+      <p:nvGrpSpPr>
+        <p:cNvPr id="1" name=""/>
+        <p:cNvGrpSpPr/>
+        <p:nvPr/>
+      </p:nvGrpSpPr>
+      <p:grpSpPr>
+        <a:xfrm>
+          <a:off x="0" y="0"/>
+          <a:ext cx="0" cy="0"/>
+          <a:chOff x="0" y="0"/>
+          <a:chExt cx="0" cy="0"/>
+        </a:xfrm>
+      </p:grpSpPr>
+      <p:sp>
+        <p:nvSpPr>
+          <p:cNvPr id="2" name="Segnaposto immagine diapositiva 1"/>
+          <p:cNvSpPr>
+            <a:spLocks noGrp="1" noRot="1" noChangeAspect="1"/>
+          </p:cNvSpPr>
+          <p:nvPr>
+            <p:ph type="sldImg"/>
+          </p:nvPr>
+        </p:nvSpPr>
+        <p:spPr/>
+      </p:sp>
+      <p:sp>
+        <p:nvSpPr>
+          <p:cNvPr id="3" name="Segnaposto note 2"/>
+          <p:cNvSpPr>
+            <a:spLocks noGrp="1"/>
+          </p:cNvSpPr>
+          <p:nvPr>
+            <p:ph type="body" idx="1"/>
+          </p:nvPr>
+        </p:nvSpPr>
+        <p:spPr/>
+        <p:txBody>
+          <a:bodyPr/>
+          <a:lstStyle/>
+          <a:p>
+            <a:pPr>
+              <a:buNone/>
+            </a:pPr>
+            <a:r>
+              <a:rPr lang="it-IT" dirty="0">
+                <a:solidFill>
+                  <a:srgbClr val="1B2A2D"/>
+                </a:solidFill>
+                <a:effectLst/>
+                <a:latin typeface="Helvetica" pitchFamily="2" charset="0"/>
+              </a:rPr>
+              <a:t>In </a:t>
+            </a:r>
+            <a:r>
+              <a:rPr lang="it-IT" dirty="0" err="1">
+                <a:solidFill>
+                  <a:srgbClr val="1B2A2D"/>
+                </a:solidFill>
+                <a:effectLst/>
+                <a:latin typeface="Helvetica" pitchFamily="2" charset="0"/>
+              </a:rPr>
+              <a:t>comparing</a:t>
+            </a:r>
+            <a:r>
+              <a:rPr lang="it-IT" dirty="0">
+                <a:solidFill>
+                  <a:srgbClr val="1B2A2D"/>
+                </a:solidFill>
+                <a:effectLst/>
+                <a:latin typeface="Helvetica" pitchFamily="2" charset="0"/>
+              </a:rPr>
+              <a:t> </a:t>
+            </a:r>
+            <a:r>
+              <a:rPr lang="it-IT" dirty="0" err="1">
+                <a:solidFill>
+                  <a:srgbClr val="C23525"/>
+                </a:solidFill>
+                <a:effectLst/>
+                <a:latin typeface="Helvetica" pitchFamily="2" charset="0"/>
+              </a:rPr>
+              <a:t>nested</a:t>
+            </a:r>
+            <a:r>
+              <a:rPr lang="it-IT" dirty="0">
+                <a:solidFill>
+                  <a:srgbClr val="C23525"/>
+                </a:solidFill>
+                <a:effectLst/>
+                <a:latin typeface="Helvetica" pitchFamily="2" charset="0"/>
+              </a:rPr>
+              <a:t> </a:t>
+            </a:r>
+            <a:r>
+              <a:rPr lang="it-IT" dirty="0">
+                <a:solidFill>
+                  <a:srgbClr val="1B2A2D"/>
+                </a:solidFill>
+                <a:effectLst/>
+                <a:latin typeface="Helvetica" pitchFamily="2" charset="0"/>
+              </a:rPr>
+              <a:t>models, the key </a:t>
+            </a:r>
+            <a:r>
+              <a:rPr lang="it-IT" dirty="0" err="1">
+                <a:solidFill>
+                  <a:srgbClr val="1B2A2D"/>
+                </a:solidFill>
+                <a:effectLst/>
+                <a:latin typeface="Helvetica" pitchFamily="2" charset="0"/>
+              </a:rPr>
+              <a:t>questions</a:t>
+            </a:r>
+            <a:r>
+              <a:rPr lang="it-IT" dirty="0">
+                <a:solidFill>
+                  <a:srgbClr val="1B2A2D"/>
+                </a:solidFill>
+                <a:effectLst/>
+                <a:latin typeface="Helvetica" pitchFamily="2" charset="0"/>
+              </a:rPr>
+              <a:t> of model </a:t>
+            </a:r>
+            <a:r>
+              <a:rPr lang="it-IT" dirty="0" err="1">
+                <a:solidFill>
+                  <a:srgbClr val="1B2A2D"/>
+                </a:solidFill>
+                <a:effectLst/>
+                <a:latin typeface="Helvetica" pitchFamily="2" charset="0"/>
+              </a:rPr>
+              <a:t>comparison</a:t>
+            </a:r>
+            <a:r>
+              <a:rPr lang="it-IT">
+                <a:solidFill>
+                  <a:srgbClr val="1B2A2D"/>
+                </a:solidFill>
+                <a:effectLst/>
+                <a:latin typeface="Helvetica" pitchFamily="2" charset="0"/>
+              </a:rPr>
+              <a:t> are typically</a:t>
+            </a:r>
+            <a:r>
+              <a:rPr lang="it-IT" dirty="0">
+                <a:solidFill>
+                  <a:srgbClr val="1B2A2D"/>
+                </a:solidFill>
+                <a:effectLst/>
+                <a:latin typeface="Helvetica" pitchFamily="2" charset="0"/>
+              </a:rPr>
+              <a:t>: (1) </a:t>
+            </a:r>
+            <a:r>
+              <a:rPr lang="it-IT" dirty="0" err="1">
+                <a:solidFill>
+                  <a:srgbClr val="1B2A2D"/>
+                </a:solidFill>
+                <a:effectLst/>
+                <a:latin typeface="Helvetica" pitchFamily="2" charset="0"/>
+              </a:rPr>
+              <a:t>is</a:t>
+            </a:r>
+            <a:r>
+              <a:rPr lang="it-IT" dirty="0">
+                <a:solidFill>
+                  <a:srgbClr val="1B2A2D"/>
+                </a:solidFill>
+                <a:effectLst/>
+                <a:latin typeface="Helvetica" pitchFamily="2" charset="0"/>
+              </a:rPr>
+              <a:t> the </a:t>
+            </a:r>
+            <a:r>
+              <a:rPr lang="it-IT" dirty="0" err="1">
+                <a:solidFill>
+                  <a:srgbClr val="1B2A2D"/>
+                </a:solidFill>
+                <a:effectLst/>
+                <a:latin typeface="Helvetica" pitchFamily="2" charset="0"/>
+              </a:rPr>
+              <a:t>improvement</a:t>
+            </a:r>
+            <a:r>
+              <a:rPr lang="it-IT" dirty="0">
+                <a:solidFill>
+                  <a:srgbClr val="1B2A2D"/>
+                </a:solidFill>
+                <a:effectLst/>
+                <a:latin typeface="Helvetica" pitchFamily="2" charset="0"/>
+              </a:rPr>
+              <a:t> in fit large </a:t>
+            </a:r>
+            <a:r>
+              <a:rPr lang="it-IT" dirty="0" err="1">
+                <a:solidFill>
+                  <a:srgbClr val="1B2A2D"/>
+                </a:solidFill>
+                <a:effectLst/>
+                <a:latin typeface="Helvetica" pitchFamily="2" charset="0"/>
+              </a:rPr>
+              <a:t>enough</a:t>
+            </a:r>
+            <a:r>
+              <a:rPr lang="it-IT" dirty="0">
+                <a:solidFill>
+                  <a:srgbClr val="1B2A2D"/>
+                </a:solidFill>
+                <a:effectLst/>
+                <a:latin typeface="Helvetica" pitchFamily="2" charset="0"/>
+              </a:rPr>
+              <a:t> to </a:t>
+            </a:r>
+            <a:r>
+              <a:rPr lang="it-IT" dirty="0" err="1">
+                <a:solidFill>
+                  <a:srgbClr val="1B2A2D"/>
+                </a:solidFill>
+                <a:effectLst/>
+                <a:latin typeface="Helvetica" pitchFamily="2" charset="0"/>
+              </a:rPr>
+              <a:t>justify</a:t>
+            </a:r>
+            <a:r>
+              <a:rPr lang="it-IT" dirty="0">
+                <a:solidFill>
+                  <a:srgbClr val="1B2A2D"/>
+                </a:solidFill>
+                <a:effectLst/>
+                <a:latin typeface="Helvetica" pitchFamily="2" charset="0"/>
+              </a:rPr>
+              <a:t> the </a:t>
+            </a:r>
+            <a:r>
+              <a:rPr lang="it-IT" dirty="0" err="1">
+                <a:solidFill>
+                  <a:srgbClr val="1B2A2D"/>
+                </a:solidFill>
+                <a:effectLst/>
+                <a:latin typeface="Helvetica" pitchFamily="2" charset="0"/>
+              </a:rPr>
+              <a:t>additional</a:t>
+            </a:r>
+            <a:r>
+              <a:rPr lang="it-IT" dirty="0">
+                <a:solidFill>
+                  <a:srgbClr val="1B2A2D"/>
+                </a:solidFill>
+                <a:effectLst/>
+                <a:latin typeface="Helvetica" pitchFamily="2" charset="0"/>
+              </a:rPr>
+              <a:t> </a:t>
+            </a:r>
+            <a:r>
+              <a:rPr lang="it-IT" dirty="0" err="1">
+                <a:solidFill>
+                  <a:srgbClr val="1B2A2D"/>
+                </a:solidFill>
+                <a:effectLst/>
+                <a:latin typeface="Helvetica" pitchFamily="2" charset="0"/>
+              </a:rPr>
+              <a:t>diﬃculty</a:t>
+            </a:r>
+            <a:r>
+              <a:rPr lang="it-IT" dirty="0">
+                <a:solidFill>
+                  <a:srgbClr val="1B2A2D"/>
+                </a:solidFill>
+                <a:effectLst/>
+                <a:latin typeface="Helvetica" pitchFamily="2" charset="0"/>
+              </a:rPr>
+              <a:t> in fitting, and (2) </a:t>
+            </a:r>
+            <a:r>
+              <a:rPr lang="it-IT" dirty="0" err="1">
+                <a:solidFill>
+                  <a:srgbClr val="1B2A2D"/>
+                </a:solidFill>
+                <a:effectLst/>
+                <a:latin typeface="Helvetica" pitchFamily="2" charset="0"/>
+              </a:rPr>
+              <a:t>is</a:t>
+            </a:r>
+            <a:r>
+              <a:rPr lang="it-IT" dirty="0">
+                <a:solidFill>
+                  <a:srgbClr val="1B2A2D"/>
+                </a:solidFill>
+                <a:effectLst/>
+                <a:latin typeface="Helvetica" pitchFamily="2" charset="0"/>
+              </a:rPr>
+              <a:t> the </a:t>
+            </a:r>
+            <a:r>
+              <a:rPr lang="it-IT" dirty="0" err="1">
+                <a:solidFill>
+                  <a:srgbClr val="1B2A2D"/>
+                </a:solidFill>
+                <a:effectLst/>
+                <a:latin typeface="Helvetica" pitchFamily="2" charset="0"/>
+              </a:rPr>
+              <a:t>prior</a:t>
+            </a:r>
+            <a:r>
+              <a:rPr lang="it-IT" dirty="0">
+                <a:solidFill>
+                  <a:srgbClr val="1B2A2D"/>
+                </a:solidFill>
+                <a:effectLst/>
+                <a:latin typeface="Helvetica" pitchFamily="2" charset="0"/>
+              </a:rPr>
+              <a:t> </a:t>
+            </a:r>
+            <a:r>
+              <a:rPr lang="it-IT" dirty="0" err="1">
+                <a:solidFill>
+                  <a:srgbClr val="1B2A2D"/>
+                </a:solidFill>
+                <a:effectLst/>
+                <a:latin typeface="Helvetica" pitchFamily="2" charset="0"/>
+              </a:rPr>
+              <a:t>distribution</a:t>
+            </a:r>
+            <a:r>
+              <a:rPr lang="it-IT" dirty="0">
+                <a:solidFill>
+                  <a:srgbClr val="1B2A2D"/>
+                </a:solidFill>
+                <a:effectLst/>
+                <a:latin typeface="Helvetica" pitchFamily="2" charset="0"/>
+              </a:rPr>
+              <a:t> on the </a:t>
+            </a:r>
+            <a:r>
+              <a:rPr lang="it-IT" dirty="0" err="1">
+                <a:solidFill>
+                  <a:srgbClr val="1B2A2D"/>
+                </a:solidFill>
+                <a:effectLst/>
+                <a:latin typeface="Helvetica" pitchFamily="2" charset="0"/>
+              </a:rPr>
+              <a:t>additional</a:t>
+            </a:r>
+            <a:r>
+              <a:rPr lang="it-IT" dirty="0">
+                <a:solidFill>
+                  <a:srgbClr val="1B2A2D"/>
+                </a:solidFill>
+                <a:effectLst/>
+                <a:latin typeface="Helvetica" pitchFamily="2" charset="0"/>
+              </a:rPr>
+              <a:t> parameters </a:t>
+            </a:r>
+            <a:r>
+              <a:rPr lang="it-IT" dirty="0" err="1">
+                <a:solidFill>
+                  <a:srgbClr val="1B2A2D"/>
+                </a:solidFill>
+                <a:effectLst/>
+                <a:latin typeface="Helvetica" pitchFamily="2" charset="0"/>
+              </a:rPr>
+              <a:t>reasonable</a:t>
+            </a:r>
+            <a:r>
+              <a:rPr lang="it-IT" dirty="0">
+                <a:solidFill>
+                  <a:srgbClr val="1B2A2D"/>
+                </a:solidFill>
+                <a:effectLst/>
+                <a:latin typeface="Helvetica" pitchFamily="2" charset="0"/>
+              </a:rPr>
+              <a:t>?</a:t>
+            </a:r>
+          </a:p>
+          <a:p>
+            <a:endParaRPr lang="it-IT" dirty="0"/>
+          </a:p>
+        </p:txBody>
+      </p:sp>
+      <p:sp>
+        <p:nvSpPr>
+          <p:cNvPr id="4" name="Segnaposto numero diapositiva 3"/>
+          <p:cNvSpPr>
+            <a:spLocks noGrp="1"/>
+          </p:cNvSpPr>
+          <p:nvPr>
+            <p:ph type="sldNum" sz="quarter" idx="5"/>
+          </p:nvPr>
+        </p:nvSpPr>
+        <p:spPr/>
+        <p:txBody>
+          <a:bodyPr/>
+          <a:lstStyle/>
+          <a:p>
+            <a:fld id="{F4A80210-7480-3B46-8A0B-E82B1838FDAC}" type="slidenum">
+              <a:rPr lang="it-IT" smtClean="0"/>
               <a:t>22</a:t>
             </a:fld>
             <a:endParaRPr lang="it-IT"/>
@@ -2270,6 +2555,344 @@
     <p:extLst>
       <p:ext uri="{BB962C8B-B14F-4D97-AF65-F5344CB8AC3E}">
         <p14:creationId xmlns:p14="http://schemas.microsoft.com/office/powerpoint/2010/main" val="534602539"/>
+      </p:ext>
+    </p:extLst>
+  </p:cSld>
+  <p:clrMapOvr>
+    <a:masterClrMapping/>
+  </p:clrMapOvr>
+</p:notes>
+</file>
+
+<file path=ppt/notesSlides/notesSlide18.xml><?xml version="1.0" encoding="utf-8"?>
+<p:notes xmlns:a="http://schemas.openxmlformats.org/drawingml/2006/main" xmlns:r="http://schemas.openxmlformats.org/officeDocument/2006/relationships" xmlns:p="http://schemas.openxmlformats.org/presentationml/2006/main">
+  <p:cSld>
+    <p:spTree>
+      <p:nvGrpSpPr>
+        <p:cNvPr id="1" name=""/>
+        <p:cNvGrpSpPr/>
+        <p:nvPr/>
+      </p:nvGrpSpPr>
+      <p:grpSpPr>
+        <a:xfrm>
+          <a:off x="0" y="0"/>
+          <a:ext cx="0" cy="0"/>
+          <a:chOff x="0" y="0"/>
+          <a:chExt cx="0" cy="0"/>
+        </a:xfrm>
+      </p:grpSpPr>
+      <p:sp>
+        <p:nvSpPr>
+          <p:cNvPr id="2" name="Segnaposto immagine diapositiva 1"/>
+          <p:cNvSpPr>
+            <a:spLocks noGrp="1" noRot="1" noChangeAspect="1"/>
+          </p:cNvSpPr>
+          <p:nvPr>
+            <p:ph type="sldImg"/>
+          </p:nvPr>
+        </p:nvSpPr>
+        <p:spPr/>
+      </p:sp>
+      <p:sp>
+        <p:nvSpPr>
+          <p:cNvPr id="3" name="Segnaposto note 2"/>
+          <p:cNvSpPr>
+            <a:spLocks noGrp="1"/>
+          </p:cNvSpPr>
+          <p:nvPr>
+            <p:ph type="body" idx="1"/>
+          </p:nvPr>
+        </p:nvSpPr>
+        <p:spPr/>
+        <p:txBody>
+          <a:bodyPr/>
+          <a:lstStyle/>
+          <a:p>
+            <a:pPr>
+              <a:buNone/>
+            </a:pPr>
+            <a:r>
+              <a:rPr lang="it-IT" dirty="0"/>
+              <a:t>Dal </a:t>
+            </a:r>
+            <a:r>
+              <a:rPr lang="it-IT" dirty="0" err="1"/>
+              <a:t>residual</a:t>
+            </a:r>
+            <a:r>
+              <a:rPr lang="it-IT" dirty="0"/>
+              <a:t> : </a:t>
+            </a:r>
+            <a:r>
+              <a:rPr lang="it-IT" dirty="0" err="1">
+                <a:solidFill>
+                  <a:srgbClr val="1B2A2D"/>
+                </a:solidFill>
+                <a:effectLst/>
+                <a:latin typeface="Helvetica" pitchFamily="2" charset="0"/>
+              </a:rPr>
+              <a:t>It</a:t>
+            </a:r>
+            <a:r>
+              <a:rPr lang="it-IT" dirty="0">
+                <a:solidFill>
+                  <a:srgbClr val="1B2A2D"/>
+                </a:solidFill>
+                <a:effectLst/>
+                <a:latin typeface="Helvetica" pitchFamily="2" charset="0"/>
+              </a:rPr>
+              <a:t> looks </a:t>
+            </a:r>
+            <a:r>
+              <a:rPr lang="it-IT" dirty="0" err="1">
+                <a:solidFill>
+                  <a:srgbClr val="1B2A2D"/>
+                </a:solidFill>
+                <a:effectLst/>
+                <a:latin typeface="Helvetica" pitchFamily="2" charset="0"/>
+              </a:rPr>
+              <a:t>as</a:t>
+            </a:r>
+            <a:r>
+              <a:rPr lang="it-IT" dirty="0">
+                <a:solidFill>
+                  <a:srgbClr val="1B2A2D"/>
+                </a:solidFill>
+                <a:effectLst/>
+                <a:latin typeface="Helvetica" pitchFamily="2" charset="0"/>
+              </a:rPr>
+              <a:t> </a:t>
+            </a:r>
+            <a:r>
+              <a:rPr lang="it-IT" dirty="0" err="1">
+                <a:solidFill>
+                  <a:srgbClr val="1B2A2D"/>
+                </a:solidFill>
+                <a:effectLst/>
+                <a:latin typeface="Helvetica" pitchFamily="2" charset="0"/>
+              </a:rPr>
+              <a:t>though</a:t>
+            </a:r>
+            <a:r>
+              <a:rPr lang="it-IT" dirty="0">
+                <a:solidFill>
+                  <a:srgbClr val="1B2A2D"/>
+                </a:solidFill>
+                <a:effectLst/>
+                <a:latin typeface="Helvetica" pitchFamily="2" charset="0"/>
+              </a:rPr>
+              <a:t> </a:t>
+            </a:r>
+            <a:r>
+              <a:rPr lang="it-IT" dirty="0" err="1">
+                <a:solidFill>
+                  <a:srgbClr val="1B2A2D"/>
+                </a:solidFill>
+                <a:effectLst/>
+                <a:latin typeface="Helvetica" pitchFamily="2" charset="0"/>
+              </a:rPr>
+              <a:t>we</a:t>
+            </a:r>
+            <a:r>
+              <a:rPr lang="it-IT" dirty="0">
+                <a:solidFill>
+                  <a:srgbClr val="1B2A2D"/>
+                </a:solidFill>
+                <a:effectLst/>
+                <a:latin typeface="Helvetica" pitchFamily="2" charset="0"/>
+              </a:rPr>
+              <a:t> </a:t>
+            </a:r>
+            <a:r>
+              <a:rPr lang="it-IT" dirty="0" err="1">
+                <a:solidFill>
+                  <a:srgbClr val="1B2A2D"/>
+                </a:solidFill>
+                <a:effectLst/>
+                <a:latin typeface="Helvetica" pitchFamily="2" charset="0"/>
+              </a:rPr>
+              <a:t>have</a:t>
+            </a:r>
+            <a:r>
+              <a:rPr lang="it-IT" dirty="0">
+                <a:solidFill>
+                  <a:srgbClr val="1B2A2D"/>
+                </a:solidFill>
+                <a:effectLst/>
+                <a:latin typeface="Helvetica" pitchFamily="2" charset="0"/>
+              </a:rPr>
+              <a:t> more positive </a:t>
+            </a:r>
+            <a:r>
+              <a:rPr lang="it-IT" dirty="0" err="1">
+                <a:solidFill>
+                  <a:srgbClr val="1B2A2D"/>
+                </a:solidFill>
+                <a:effectLst/>
+                <a:latin typeface="Helvetica" pitchFamily="2" charset="0"/>
+              </a:rPr>
+              <a:t>residuals</a:t>
+            </a:r>
+            <a:r>
+              <a:rPr lang="it-IT" dirty="0">
+                <a:solidFill>
+                  <a:srgbClr val="1B2A2D"/>
+                </a:solidFill>
+                <a:effectLst/>
+                <a:latin typeface="Helvetica" pitchFamily="2" charset="0"/>
+              </a:rPr>
+              <a:t> </a:t>
+            </a:r>
+            <a:r>
+              <a:rPr lang="it-IT" dirty="0" err="1">
+                <a:solidFill>
+                  <a:srgbClr val="1B2A2D"/>
+                </a:solidFill>
+                <a:effectLst/>
+                <a:latin typeface="Helvetica" pitchFamily="2" charset="0"/>
+              </a:rPr>
+              <a:t>than</a:t>
+            </a:r>
+            <a:r>
+              <a:rPr lang="it-IT" dirty="0">
+                <a:solidFill>
+                  <a:srgbClr val="1B2A2D"/>
+                </a:solidFill>
+                <a:effectLst/>
+                <a:latin typeface="Helvetica" pitchFamily="2" charset="0"/>
+              </a:rPr>
+              <a:t> negative ⇒</a:t>
+            </a:r>
+            <a:r>
+              <a:rPr lang="it-IT" dirty="0" err="1">
+                <a:solidFill>
+                  <a:srgbClr val="1B2A2D"/>
+                </a:solidFill>
+                <a:effectLst/>
+                <a:latin typeface="Helvetica" pitchFamily="2" charset="0"/>
+              </a:rPr>
+              <a:t>maybe</a:t>
+            </a:r>
+            <a:r>
+              <a:rPr lang="it-IT" dirty="0">
+                <a:solidFill>
+                  <a:srgbClr val="1B2A2D"/>
+                </a:solidFill>
+                <a:effectLst/>
+                <a:latin typeface="Helvetica" pitchFamily="2" charset="0"/>
+              </a:rPr>
+              <a:t> the model </a:t>
+            </a:r>
+            <a:r>
+              <a:rPr lang="it-IT" dirty="0" err="1">
+                <a:solidFill>
+                  <a:srgbClr val="1B2A2D"/>
+                </a:solidFill>
+                <a:effectLst/>
+                <a:latin typeface="Helvetica" pitchFamily="2" charset="0"/>
+              </a:rPr>
+              <a:t>tends</a:t>
+            </a:r>
+            <a:r>
+              <a:rPr lang="it-IT" dirty="0">
+                <a:solidFill>
+                  <a:srgbClr val="1B2A2D"/>
+                </a:solidFill>
+                <a:effectLst/>
+                <a:latin typeface="Helvetica" pitchFamily="2" charset="0"/>
+              </a:rPr>
+              <a:t> to </a:t>
+            </a:r>
+            <a:r>
+              <a:rPr lang="it-IT" dirty="0" err="1">
+                <a:solidFill>
+                  <a:srgbClr val="1B2A2D"/>
+                </a:solidFill>
+                <a:effectLst/>
+                <a:latin typeface="Helvetica" pitchFamily="2" charset="0"/>
+              </a:rPr>
+              <a:t>underestimate</a:t>
+            </a:r>
+            <a:r>
+              <a:rPr lang="it-IT" dirty="0">
+                <a:solidFill>
+                  <a:srgbClr val="1B2A2D"/>
+                </a:solidFill>
+                <a:effectLst/>
+                <a:latin typeface="Helvetica" pitchFamily="2" charset="0"/>
+              </a:rPr>
+              <a:t> the </a:t>
+            </a:r>
+            <a:r>
+              <a:rPr lang="it-IT" dirty="0" err="1">
+                <a:solidFill>
+                  <a:srgbClr val="1B2A2D"/>
+                </a:solidFill>
+                <a:effectLst/>
+                <a:latin typeface="Helvetica" pitchFamily="2" charset="0"/>
+              </a:rPr>
+              <a:t>number</a:t>
+            </a:r>
+            <a:r>
+              <a:rPr lang="it-IT" dirty="0">
+                <a:solidFill>
+                  <a:srgbClr val="1B2A2D"/>
+                </a:solidFill>
+                <a:effectLst/>
+                <a:latin typeface="Helvetica" pitchFamily="2" charset="0"/>
+              </a:rPr>
+              <a:t> of </a:t>
+            </a:r>
+            <a:r>
+              <a:rPr lang="it-IT">
+                <a:solidFill>
+                  <a:srgbClr val="1B2A2D"/>
+                </a:solidFill>
+                <a:effectLst/>
+                <a:latin typeface="Helvetica" pitchFamily="2" charset="0"/>
+              </a:rPr>
+              <a:t>deaths</a:t>
+            </a:r>
+            <a:endParaRPr lang="it-IT" dirty="0">
+              <a:solidFill>
+                <a:srgbClr val="1B2A2D"/>
+              </a:solidFill>
+              <a:effectLst/>
+              <a:latin typeface="Helvetica" pitchFamily="2" charset="0"/>
+            </a:endParaRPr>
+          </a:p>
+          <a:p>
+            <a:endParaRPr lang="it-IT" dirty="0"/>
+          </a:p>
+        </p:txBody>
+      </p:sp>
+      <p:sp>
+        <p:nvSpPr>
+          <p:cNvPr id="4" name="Segnaposto numero diapositiva 3"/>
+          <p:cNvSpPr>
+            <a:spLocks noGrp="1"/>
+          </p:cNvSpPr>
+          <p:nvPr>
+            <p:ph type="sldNum" sz="quarter" idx="5"/>
+          </p:nvPr>
+        </p:nvSpPr>
+        <p:spPr/>
+        <p:txBody>
+          <a:bodyPr/>
+          <a:lstStyle/>
+          <a:p>
+            <a:fld id="{F4A80210-7480-3B46-8A0B-E82B1838FDAC}" type="slidenum">
+              <a:rPr lang="it-IT" smtClean="0"/>
+              <a:t>24</a:t>
+            </a:fld>
+            <a:endParaRPr lang="it-IT"/>
+          </a:p>
+        </p:txBody>
+      </p:sp>
+    </p:spTree>
+    <p:extLst>
+      <p:ext uri="{BB962C8B-B14F-4D97-AF65-F5344CB8AC3E}">
+        <p14:creationId xmlns:p14="http://schemas.microsoft.com/office/powerpoint/2010/main" val="2770203745"/>
       </p:ext>
     </p:extLst>
   </p:cSld>
@@ -2323,6 +2946,110 @@
           <a:bodyPr/>
           <a:lstStyle/>
           <a:p>
+            <a:r>
+              <a:rPr lang="it-IT" dirty="0"/>
+              <a:t>I </a:t>
+            </a:r>
+            <a:r>
+              <a:rPr lang="it-IT" dirty="0" err="1"/>
+              <a:t>separately</a:t>
+            </a:r>
+            <a:r>
+              <a:rPr lang="it-IT" dirty="0"/>
+              <a:t> </a:t>
+            </a:r>
+            <a:r>
+              <a:rPr lang="it-IT" dirty="0" err="1"/>
+              <a:t>plotted</a:t>
+            </a:r>
+            <a:r>
+              <a:rPr lang="it-IT" dirty="0"/>
+              <a:t> the </a:t>
+            </a:r>
+            <a:r>
+              <a:rPr lang="it-IT" dirty="0" err="1"/>
+              <a:t>distribution</a:t>
+            </a:r>
+            <a:r>
+              <a:rPr lang="it-IT" dirty="0"/>
+              <a:t> of </a:t>
+            </a:r>
+            <a:r>
+              <a:rPr lang="it-IT" dirty="0" err="1"/>
+              <a:t>deaths</a:t>
+            </a:r>
+            <a:r>
+              <a:rPr lang="it-IT" dirty="0"/>
+              <a:t> and </a:t>
+            </a:r>
+            <a:r>
+              <a:rPr lang="it-IT" dirty="0" err="1"/>
+              <a:t>expected</a:t>
+            </a:r>
+            <a:r>
+              <a:rPr lang="it-IT" dirty="0"/>
+              <a:t> </a:t>
+            </a:r>
+            <a:r>
+              <a:rPr lang="it-IT" dirty="0" err="1"/>
+              <a:t>deaths</a:t>
+            </a:r>
+            <a:r>
+              <a:rPr lang="it-IT" dirty="0"/>
+              <a:t> per </a:t>
+            </a:r>
+            <a:r>
+              <a:rPr lang="it-IT" dirty="0" err="1"/>
+              <a:t>county</a:t>
+            </a:r>
+            <a:r>
+              <a:rPr lang="it-IT" dirty="0"/>
+              <a:t> and </a:t>
+            </a:r>
+            <a:r>
+              <a:rPr lang="it-IT" dirty="0" err="1"/>
+              <a:t>then</a:t>
+            </a:r>
+            <a:r>
+              <a:rPr lang="it-IT" dirty="0"/>
+              <a:t> I </a:t>
+            </a:r>
+            <a:r>
+              <a:rPr lang="it-IT" dirty="0" err="1"/>
+              <a:t>gathered</a:t>
+            </a:r>
+            <a:r>
+              <a:rPr lang="it-IT" dirty="0"/>
+              <a:t> </a:t>
+            </a:r>
+            <a:r>
+              <a:rPr lang="it-IT" dirty="0" err="1"/>
+              <a:t>them</a:t>
+            </a:r>
+            <a:r>
+              <a:rPr lang="it-IT" dirty="0"/>
+              <a:t> in </a:t>
+            </a:r>
+            <a:r>
+              <a:rPr lang="it-IT" dirty="0" err="1"/>
+              <a:t>this</a:t>
+            </a:r>
+            <a:r>
+              <a:rPr lang="it-IT" dirty="0"/>
+              <a:t> single </a:t>
+            </a:r>
+            <a:r>
+              <a:rPr lang="it-IT" dirty="0" err="1"/>
+              <a:t>histogram</a:t>
+            </a:r>
+            <a:r>
+              <a:rPr lang="it-IT" dirty="0"/>
+              <a:t> with </a:t>
+            </a:r>
+            <a:r>
+              <a:rPr lang="it-IT" dirty="0" err="1"/>
+              <a:t>transparency</a:t>
+            </a:r>
             <a:endParaRPr lang="it-IT" dirty="0"/>
           </a:p>
         </p:txBody>
@@ -2344,7 +3071,91 @@
           <a:p>
             <a:fld id="{F4A80210-7480-3B46-8A0B-E82B1838FDAC}" type="slidenum">
               <a:rPr lang="it-IT" smtClean="0"/>
-              <a:t>8</a:t>
+              <a:t>6</a:t>
+            </a:fld>
+            <a:endParaRPr lang="it-IT"/>
+          </a:p>
+        </p:txBody>
+      </p:sp>
+    </p:spTree>
+    <p:extLst>
+      <p:ext uri="{BB962C8B-B14F-4D97-AF65-F5344CB8AC3E}">
+        <p14:creationId xmlns:p14="http://schemas.microsoft.com/office/powerpoint/2010/main" val="1017894329"/>
+      </p:ext>
+    </p:extLst>
+  </p:cSld>
+  <p:clrMapOvr>
+    <a:masterClrMapping/>
+  </p:clrMapOvr>
+</p:notes>
+</file>
+
+<file path=ppt/notesSlides/notesSlide3.xml><?xml version="1.0" encoding="utf-8"?>
+<p:notes xmlns:a="http://schemas.openxmlformats.org/drawingml/2006/main" xmlns:r="http://schemas.openxmlformats.org/officeDocument/2006/relationships" xmlns:p="http://schemas.openxmlformats.org/presentationml/2006/main">
+  <p:cSld>
+    <p:spTree>
+      <p:nvGrpSpPr>
+        <p:cNvPr id="1" name=""/>
+        <p:cNvGrpSpPr/>
+        <p:nvPr/>
+      </p:nvGrpSpPr>
+      <p:grpSpPr>
+        <a:xfrm>
+          <a:off x="0" y="0"/>
+          <a:ext cx="0" cy="0"/>
+          <a:chOff x="0" y="0"/>
+          <a:chExt cx="0" cy="0"/>
+        </a:xfrm>
+      </p:grpSpPr>
+      <p:sp>
+        <p:nvSpPr>
+          <p:cNvPr id="2" name="Segnaposto immagine diapositiva 1"/>
+          <p:cNvSpPr>
+            <a:spLocks noGrp="1" noRot="1" noChangeAspect="1"/>
+          </p:cNvSpPr>
+          <p:nvPr>
+            <p:ph type="sldImg"/>
+          </p:nvPr>
+        </p:nvSpPr>
+        <p:spPr/>
+      </p:sp>
+      <p:sp>
+        <p:nvSpPr>
+          <p:cNvPr id="3" name="Segnaposto note 2"/>
+          <p:cNvSpPr>
+            <a:spLocks noGrp="1"/>
+          </p:cNvSpPr>
+          <p:nvPr>
+            <p:ph type="body" idx="1"/>
+          </p:nvPr>
+        </p:nvSpPr>
+        <p:spPr/>
+        <p:txBody>
+          <a:bodyPr/>
+          <a:lstStyle/>
+          <a:p>
+            <a:endParaRPr lang="it-IT" dirty="0"/>
+          </a:p>
+        </p:txBody>
+      </p:sp>
+      <p:sp>
+        <p:nvSpPr>
+          <p:cNvPr id="4" name="Segnaposto numero diapositiva 3"/>
+          <p:cNvSpPr>
+            <a:spLocks noGrp="1"/>
+          </p:cNvSpPr>
+          <p:nvPr>
+            <p:ph type="sldNum" sz="quarter" idx="5"/>
+          </p:nvPr>
+        </p:nvSpPr>
+        <p:spPr/>
+        <p:txBody>
+          <a:bodyPr/>
+          <a:lstStyle/>
+          <a:p>
+            <a:fld id="{F4A80210-7480-3B46-8A0B-E82B1838FDAC}" type="slidenum">
+              <a:rPr lang="it-IT" smtClean="0"/>
+              <a:t>7</a:t>
             </a:fld>
             <a:endParaRPr lang="it-IT"/>
           </a:p>
@@ -2363,7 +3174,7 @@
 </p:notes>
 </file>
 
-<file path=ppt/notesSlides/notesSlide3.xml><?xml version="1.0" encoding="utf-8"?>
+<file path=ppt/notesSlides/notesSlide4.xml><?xml version="1.0" encoding="utf-8"?>
 <p:notes xmlns:a="http://schemas.openxmlformats.org/drawingml/2006/main" xmlns:r="http://schemas.openxmlformats.org/officeDocument/2006/relationships" xmlns:p="http://schemas.openxmlformats.org/presentationml/2006/main">
   <p:cSld>
     <p:spTree>
@@ -2425,6 +3236,23 @@
           <a:bodyPr/>
           <a:lstStyle/>
           <a:p>
+            <a:pPr marL="0" marR="0" lvl="0" indent="0" algn="l" defTabSz="914400" rtl="0" eaLnBrk="1" fontAlgn="auto" latinLnBrk="0" hangingPunct="1">
+              <a:lnSpc>
+                <a:spcPct val="100000"/>
+              </a:lnSpc>
+              <a:spcBef>
+                <a:spcPts val="0"/>
+              </a:spcBef>
+              <a:spcAft>
+                <a:spcPts val="0"/>
+              </a:spcAft>
+              <a:buClrTx/>
+              <a:buSzTx/>
+              <a:buFontTx/>
+              <a:buNone/>
+              <a:tabLst/>
+              <a:defRPr/>
+            </a:pPr>
             <a:r>
               <a:rPr lang="it-IT" dirty="0"/>
               <a:t>But tracing a </a:t>
@@ -2475,11 +3303,83 @@
             </a:r>
             <a:r>
               <a:rPr lang="it-IT" dirty="0"/>
-              <a:t> some </a:t>
+              <a:t> a </a:t>
+            </a:r>
+            <a:r>
+              <a:rPr lang="it-IT" b="0" dirty="0" err="1"/>
+              <a:t>simple</a:t>
+            </a:r>
+            <a:r>
+              <a:rPr lang="it-IT" b="0" dirty="0"/>
+              <a:t> negative </a:t>
+            </a:r>
+            <a:r>
+              <a:rPr lang="it-IT" b="0" dirty="0" err="1"/>
+              <a:t>association</a:t>
+            </a:r>
+            <a:r>
+              <a:rPr lang="it-IT" b="0" dirty="0"/>
+              <a:t> </a:t>
+            </a:r>
+            <a:r>
+              <a:rPr lang="it-IT" b="0" dirty="0" err="1"/>
+              <a:t>between</a:t>
+            </a:r>
+            <a:r>
+              <a:rPr lang="it-IT" b="0" dirty="0"/>
+              <a:t> UVB and </a:t>
+            </a:r>
+            <a:r>
+              <a:rPr lang="it-IT" b="0" dirty="0" err="1"/>
+              <a:t>mortality</a:t>
+            </a:r>
+            <a:r>
+              <a:rPr lang="it-IT" b="0" dirty="0"/>
+              <a:t> </a:t>
             </a:r>
             <a:r>
               <a:rPr lang="it-IT" dirty="0" err="1"/>
-              <a:t>differ</a:t>
+              <a:t>is</a:t>
+            </a:r>
+            <a:r>
+              <a:rPr lang="it-IT" dirty="0"/>
+              <a:t> </a:t>
+            </a:r>
+            <a:r>
+              <a:rPr lang="it-IT" dirty="0" err="1"/>
+              <a:t>misleading</a:t>
+            </a:r>
+            <a:r>
+              <a:rPr lang="it-IT" dirty="0"/>
+              <a:t> </a:t>
+            </a:r>
+            <a:r>
+              <a:rPr lang="it-IT" dirty="0" err="1"/>
+              <a:t>because</a:t>
+            </a:r>
+            <a:r>
+              <a:rPr lang="it-IT" dirty="0"/>
+              <a:t> after accounting for </a:t>
+            </a:r>
+            <a:r>
+              <a:rPr lang="it-IT" dirty="0" err="1"/>
+              <a:t>hierarchy</a:t>
+            </a:r>
+            <a:r>
+              <a:rPr lang="it-IT" dirty="0"/>
+              <a:t>, the </a:t>
+            </a:r>
+            <a:r>
+              <a:rPr lang="it-IT" dirty="0" err="1"/>
+              <a:t>association</a:t>
+            </a:r>
+            <a:r>
+              <a:rPr lang="it-IT" dirty="0"/>
+              <a:t> </a:t>
+            </a:r>
+            <a:r>
+              <a:rPr lang="it-IT" dirty="0" err="1"/>
+              <a:t>disappears</a:t>
             </a:r>
             <a:r>
               <a:rPr lang="it-IT" dirty="0"/>
@@ -2913,7 +3813,7 @@
           <a:p>
             <a:fld id="{F4A80210-7480-3B46-8A0B-E82B1838FDAC}" type="slidenum">
               <a:rPr lang="it-IT" smtClean="0"/>
-              <a:t>9</a:t>
+              <a:t>8</a:t>
             </a:fld>
             <a:endParaRPr lang="it-IT"/>
           </a:p>
@@ -2932,7 +3832,7 @@
 </p:notes>
 </file>
 
-<file path=ppt/notesSlides/notesSlide4.xml><?xml version="1.0" encoding="utf-8"?>
+<file path=ppt/notesSlides/notesSlide5.xml><?xml version="1.0" encoding="utf-8"?>
 <p:notes xmlns:a="http://schemas.openxmlformats.org/drawingml/2006/main" xmlns:r="http://schemas.openxmlformats.org/officeDocument/2006/relationships" xmlns:p="http://schemas.openxmlformats.org/presentationml/2006/main">
   <p:cSld>
     <p:spTree>
@@ -2997,7 +3897,7 @@
           <a:p>
             <a:fld id="{F4A80210-7480-3B46-8A0B-E82B1838FDAC}" type="slidenum">
               <a:rPr lang="it-IT" smtClean="0"/>
-              <a:t>10</a:t>
+              <a:t>9</a:t>
             </a:fld>
             <a:endParaRPr lang="it-IT"/>
           </a:p>
@@ -3016,7 +3916,7 @@
 </p:notes>
 </file>
 
-<file path=ppt/notesSlides/notesSlide5.xml><?xml version="1.0" encoding="utf-8"?>
+<file path=ppt/notesSlides/notesSlide6.xml><?xml version="1.0" encoding="utf-8"?>
 <p:notes xmlns:a="http://schemas.openxmlformats.org/drawingml/2006/main" xmlns:r="http://schemas.openxmlformats.org/officeDocument/2006/relationships" xmlns:p="http://schemas.openxmlformats.org/presentationml/2006/main">
   <p:cSld>
     <p:spTree>
@@ -3586,7 +4486,7 @@
           <a:p>
             <a:fld id="{F4A80210-7480-3B46-8A0B-E82B1838FDAC}" type="slidenum">
               <a:rPr lang="it-IT" smtClean="0"/>
-              <a:t>11</a:t>
+              <a:t>10</a:t>
             </a:fld>
             <a:endParaRPr lang="it-IT"/>
           </a:p>
@@ -3596,259 +4496,6 @@
     <p:extLst>
       <p:ext uri="{BB962C8B-B14F-4D97-AF65-F5344CB8AC3E}">
         <p14:creationId xmlns:p14="http://schemas.microsoft.com/office/powerpoint/2010/main" val="3436838144"/>
-      </p:ext>
-    </p:extLst>
-  </p:cSld>
-  <p:clrMapOvr>
-    <a:masterClrMapping/>
-  </p:clrMapOvr>
-</p:notes>
-</file>
-
-<file path=ppt/notesSlides/notesSlide6.xml><?xml version="1.0" encoding="utf-8"?>
-<p:notes xmlns:a="http://schemas.openxmlformats.org/drawingml/2006/main" xmlns:r="http://schemas.openxmlformats.org/officeDocument/2006/relationships" xmlns:p="http://schemas.openxmlformats.org/presentationml/2006/main">
-  <p:cSld>
-    <p:spTree>
-      <p:nvGrpSpPr>
-        <p:cNvPr id="1" name=""/>
-        <p:cNvGrpSpPr/>
-        <p:nvPr/>
-      </p:nvGrpSpPr>
-      <p:grpSpPr>
-        <a:xfrm>
-          <a:off x="0" y="0"/>
-          <a:ext cx="0" cy="0"/>
-          <a:chOff x="0" y="0"/>
-          <a:chExt cx="0" cy="0"/>
-        </a:xfrm>
-      </p:grpSpPr>
-      <p:sp>
-        <p:nvSpPr>
-          <p:cNvPr id="2" name="Segnaposto immagine diapositiva 1"/>
-          <p:cNvSpPr>
-            <a:spLocks noGrp="1" noRot="1" noChangeAspect="1"/>
-          </p:cNvSpPr>
-          <p:nvPr>
-            <p:ph type="sldImg"/>
-          </p:nvPr>
-        </p:nvSpPr>
-        <p:spPr/>
-      </p:sp>
-      <p:sp>
-        <p:nvSpPr>
-          <p:cNvPr id="3" name="Segnaposto note 2"/>
-          <p:cNvSpPr>
-            <a:spLocks noGrp="1"/>
-          </p:cNvSpPr>
-          <p:nvPr>
-            <p:ph type="body" idx="1"/>
-          </p:nvPr>
-        </p:nvSpPr>
-        <p:spPr/>
-        <p:txBody>
-          <a:bodyPr/>
-          <a:lstStyle/>
-          <a:p>
-            <a:r>
-              <a:rPr lang="it-IT" dirty="0" err="1"/>
-              <a:t>Boxplots</a:t>
-            </a:r>
-            <a:r>
-              <a:rPr lang="it-IT" dirty="0"/>
-              <a:t> of </a:t>
-            </a:r>
-            <a:r>
-              <a:rPr lang="it-IT" dirty="0" err="1"/>
-              <a:t>deaths</a:t>
-            </a:r>
-            <a:r>
-              <a:rPr lang="it-IT" dirty="0"/>
-              <a:t> by </a:t>
-            </a:r>
-            <a:r>
-              <a:rPr lang="it-IT" dirty="0" err="1"/>
-              <a:t>nation</a:t>
-            </a:r>
-            <a:r>
-              <a:rPr lang="it-IT" dirty="0"/>
-              <a:t> from </a:t>
-            </a:r>
-            <a:r>
-              <a:rPr lang="it-IT" dirty="0" err="1"/>
-              <a:t>which</a:t>
-            </a:r>
-            <a:r>
-              <a:rPr lang="it-IT" dirty="0"/>
-              <a:t> </a:t>
-            </a:r>
-            <a:r>
-              <a:rPr lang="it-IT" dirty="0" err="1"/>
-              <a:t>we</a:t>
-            </a:r>
-            <a:r>
-              <a:rPr lang="it-IT" dirty="0"/>
-              <a:t> can </a:t>
-            </a:r>
-            <a:r>
-              <a:rPr lang="it-IT" dirty="0" err="1"/>
-              <a:t>analyse</a:t>
-            </a:r>
-            <a:r>
-              <a:rPr lang="it-IT" dirty="0"/>
-              <a:t> the </a:t>
-            </a:r>
-            <a:r>
-              <a:rPr lang="it-IT" dirty="0" err="1"/>
-              <a:t>variability</a:t>
-            </a:r>
-            <a:r>
-              <a:rPr lang="it-IT" dirty="0"/>
-              <a:t> of </a:t>
-            </a:r>
-            <a:r>
-              <a:rPr lang="it-IT" dirty="0" err="1"/>
-              <a:t>deaths</a:t>
-            </a:r>
-            <a:r>
-              <a:rPr lang="it-IT" dirty="0"/>
-              <a:t> </a:t>
-            </a:r>
-            <a:r>
-              <a:rPr lang="it-IT" dirty="0" err="1"/>
-              <a:t>across</a:t>
-            </a:r>
-            <a:r>
-              <a:rPr lang="it-IT" dirty="0"/>
-              <a:t> </a:t>
-            </a:r>
-            <a:r>
-              <a:rPr lang="it-IT" dirty="0" err="1"/>
-              <a:t>counties</a:t>
-            </a:r>
-            <a:r>
-              <a:rPr lang="it-IT" dirty="0"/>
-              <a:t>.</a:t>
-            </a:r>
-          </a:p>
-          <a:p>
-            <a:endParaRPr lang="it-IT" dirty="0"/>
-          </a:p>
-          <a:p>
-            <a:pPr algn="just"/>
-            <a:r>
-              <a:rPr lang="it-IT" sz="1200" dirty="0">
-                <a:latin typeface="Arial" panose="020B0604020202020204" pitchFamily="34" charset="0"/>
-                <a:cs typeface="Arial" panose="020B0604020202020204" pitchFamily="34" charset="0"/>
-              </a:rPr>
-              <a:t>Box </a:t>
-            </a:r>
-            <a:r>
-              <a:rPr lang="it-IT" sz="1200" dirty="0" err="1">
-                <a:latin typeface="Arial" panose="020B0604020202020204" pitchFamily="34" charset="0"/>
-                <a:cs typeface="Arial" panose="020B0604020202020204" pitchFamily="34" charset="0"/>
-              </a:rPr>
-              <a:t>extends</a:t>
-            </a:r>
-            <a:r>
-              <a:rPr lang="it-IT" sz="1200" dirty="0">
-                <a:latin typeface="Arial" panose="020B0604020202020204" pitchFamily="34" charset="0"/>
-                <a:cs typeface="Arial" panose="020B0604020202020204" pitchFamily="34" charset="0"/>
-              </a:rPr>
-              <a:t> from 25% to 75% of data</a:t>
-            </a:r>
-          </a:p>
-          <a:p>
-            <a:pPr algn="just"/>
-            <a:r>
-              <a:rPr lang="it-IT" sz="1200" dirty="0">
-                <a:latin typeface="Arial" panose="020B0604020202020204" pitchFamily="34" charset="0"/>
-                <a:cs typeface="Arial" panose="020B0604020202020204" pitchFamily="34" charset="0"/>
-              </a:rPr>
-              <a:t>Whiskers </a:t>
-            </a:r>
-            <a:r>
-              <a:rPr lang="it-IT" sz="1200" dirty="0" err="1">
-                <a:latin typeface="Arial" panose="020B0604020202020204" pitchFamily="34" charset="0"/>
-                <a:cs typeface="Arial" panose="020B0604020202020204" pitchFamily="34" charset="0"/>
-              </a:rPr>
-              <a:t>extend</a:t>
-            </a:r>
-            <a:r>
-              <a:rPr lang="it-IT" sz="1200" dirty="0">
-                <a:latin typeface="Arial" panose="020B0604020202020204" pitchFamily="34" charset="0"/>
-                <a:cs typeface="Arial" panose="020B0604020202020204" pitchFamily="34" charset="0"/>
-              </a:rPr>
-              <a:t> from minimum to maximum </a:t>
-            </a:r>
-            <a:r>
-              <a:rPr lang="it-IT" sz="1200" dirty="0" err="1">
-                <a:latin typeface="Arial" panose="020B0604020202020204" pitchFamily="34" charset="0"/>
-                <a:cs typeface="Arial" panose="020B0604020202020204" pitchFamily="34" charset="0"/>
-              </a:rPr>
-              <a:t>within</a:t>
-            </a:r>
-            <a:r>
-              <a:rPr lang="it-IT" sz="1200" dirty="0">
-                <a:latin typeface="Arial" panose="020B0604020202020204" pitchFamily="34" charset="0"/>
-                <a:cs typeface="Arial" panose="020B0604020202020204" pitchFamily="34" charset="0"/>
-              </a:rPr>
-              <a:t> 1.5 times the box</a:t>
-            </a:r>
-          </a:p>
-          <a:p>
-            <a:pPr algn="just"/>
-            <a:r>
-              <a:rPr lang="it-IT" sz="1200" dirty="0" err="1">
-                <a:latin typeface="Arial" panose="020B0604020202020204" pitchFamily="34" charset="0"/>
-                <a:cs typeface="Arial" panose="020B0604020202020204" pitchFamily="34" charset="0"/>
-              </a:rPr>
-              <a:t>Other</a:t>
-            </a:r>
-            <a:r>
-              <a:rPr lang="it-IT" sz="1200" dirty="0">
-                <a:latin typeface="Arial" panose="020B0604020202020204" pitchFamily="34" charset="0"/>
-                <a:cs typeface="Arial" panose="020B0604020202020204" pitchFamily="34" charset="0"/>
-              </a:rPr>
-              <a:t> points are </a:t>
-            </a:r>
-            <a:r>
-              <a:rPr lang="it-IT" sz="1200" dirty="0" err="1">
-                <a:latin typeface="Arial" panose="020B0604020202020204" pitchFamily="34" charset="0"/>
-                <a:cs typeface="Arial" panose="020B0604020202020204" pitchFamily="34" charset="0"/>
-              </a:rPr>
-              <a:t>outliers</a:t>
-            </a:r>
-            <a:endParaRPr lang="it-IT" dirty="0"/>
-          </a:p>
-        </p:txBody>
-      </p:sp>
-      <p:sp>
-        <p:nvSpPr>
-          <p:cNvPr id="4" name="Segnaposto numero diapositiva 3"/>
-          <p:cNvSpPr>
-            <a:spLocks noGrp="1"/>
-          </p:cNvSpPr>
-          <p:nvPr>
-            <p:ph type="sldNum" sz="quarter" idx="5"/>
-          </p:nvPr>
-        </p:nvSpPr>
-        <p:spPr/>
-        <p:txBody>
-          <a:bodyPr/>
-          <a:lstStyle/>
-          <a:p>
-            <a:fld id="{F4A80210-7480-3B46-8A0B-E82B1838FDAC}" type="slidenum">
-              <a:rPr lang="it-IT" smtClean="0"/>
-              <a:t>12</a:t>
-            </a:fld>
-            <a:endParaRPr lang="it-IT"/>
-          </a:p>
-        </p:txBody>
-      </p:sp>
-    </p:spTree>
-    <p:extLst>
-      <p:ext uri="{BB962C8B-B14F-4D97-AF65-F5344CB8AC3E}">
-        <p14:creationId xmlns:p14="http://schemas.microsoft.com/office/powerpoint/2010/main" val="3980130416"/>
       </p:ext>
     </p:extLst>
   </p:cSld>
@@ -3902,6 +4549,175 @@
           <a:bodyPr/>
           <a:lstStyle/>
           <a:p>
+            <a:r>
+              <a:rPr lang="it-IT" dirty="0" err="1"/>
+              <a:t>Boxplots</a:t>
+            </a:r>
+            <a:r>
+              <a:rPr lang="it-IT" dirty="0"/>
+              <a:t> of </a:t>
+            </a:r>
+            <a:r>
+              <a:rPr lang="it-IT" dirty="0" err="1"/>
+              <a:t>deaths</a:t>
+            </a:r>
+            <a:r>
+              <a:rPr lang="it-IT" dirty="0"/>
+              <a:t> by </a:t>
+            </a:r>
+            <a:r>
+              <a:rPr lang="it-IT" dirty="0" err="1"/>
+              <a:t>nation</a:t>
+            </a:r>
+            <a:r>
+              <a:rPr lang="it-IT" dirty="0"/>
+              <a:t> from </a:t>
+            </a:r>
+            <a:r>
+              <a:rPr lang="it-IT" dirty="0" err="1"/>
+              <a:t>which</a:t>
+            </a:r>
+            <a:r>
+              <a:rPr lang="it-IT" dirty="0"/>
+              <a:t> </a:t>
+            </a:r>
+            <a:r>
+              <a:rPr lang="it-IT" dirty="0" err="1"/>
+              <a:t>we</a:t>
+            </a:r>
+            <a:r>
+              <a:rPr lang="it-IT" dirty="0"/>
+              <a:t> can </a:t>
+            </a:r>
+            <a:r>
+              <a:rPr lang="it-IT" dirty="0" err="1"/>
+              <a:t>analyse</a:t>
+            </a:r>
+            <a:r>
+              <a:rPr lang="it-IT" dirty="0"/>
+              <a:t> the </a:t>
+            </a:r>
+            <a:r>
+              <a:rPr lang="it-IT" dirty="0" err="1"/>
+              <a:t>variability</a:t>
+            </a:r>
+            <a:r>
+              <a:rPr lang="it-IT" dirty="0"/>
+              <a:t> of </a:t>
+            </a:r>
+            <a:r>
+              <a:rPr lang="it-IT" dirty="0" err="1"/>
+              <a:t>deaths</a:t>
+            </a:r>
+            <a:r>
+              <a:rPr lang="it-IT" dirty="0"/>
+              <a:t> </a:t>
+            </a:r>
+            <a:r>
+              <a:rPr lang="it-IT" dirty="0" err="1"/>
+              <a:t>across</a:t>
+            </a:r>
+            <a:r>
+              <a:rPr lang="it-IT" dirty="0"/>
+              <a:t> </a:t>
+            </a:r>
+            <a:r>
+              <a:rPr lang="it-IT" dirty="0" err="1"/>
+              <a:t>counties</a:t>
+            </a:r>
+            <a:r>
+              <a:rPr lang="it-IT" dirty="0"/>
+              <a:t>.</a:t>
+            </a:r>
+          </a:p>
+          <a:p>
+            <a:endParaRPr lang="it-IT" dirty="0"/>
+          </a:p>
+          <a:p>
+            <a:pPr algn="just"/>
+            <a:r>
+              <a:rPr lang="it-IT" sz="1200" dirty="0">
+                <a:latin typeface="Arial" panose="020B0604020202020204" pitchFamily="34" charset="0"/>
+                <a:cs typeface="Arial" panose="020B0604020202020204" pitchFamily="34" charset="0"/>
+              </a:rPr>
+              <a:t>Box </a:t>
+            </a:r>
+            <a:r>
+              <a:rPr lang="it-IT" sz="1200" dirty="0" err="1">
+                <a:latin typeface="Arial" panose="020B0604020202020204" pitchFamily="34" charset="0"/>
+                <a:cs typeface="Arial" panose="020B0604020202020204" pitchFamily="34" charset="0"/>
+              </a:rPr>
+              <a:t>extends</a:t>
+            </a:r>
+            <a:r>
+              <a:rPr lang="it-IT" sz="1200" dirty="0">
+                <a:latin typeface="Arial" panose="020B0604020202020204" pitchFamily="34" charset="0"/>
+                <a:cs typeface="Arial" panose="020B0604020202020204" pitchFamily="34" charset="0"/>
+              </a:rPr>
+              <a:t> from 25% to 75% of data</a:t>
+            </a:r>
+          </a:p>
+          <a:p>
+            <a:pPr algn="just"/>
+            <a:r>
+              <a:rPr lang="it-IT" sz="1200" dirty="0">
+                <a:latin typeface="Arial" panose="020B0604020202020204" pitchFamily="34" charset="0"/>
+                <a:cs typeface="Arial" panose="020B0604020202020204" pitchFamily="34" charset="0"/>
+              </a:rPr>
+              <a:t>Whiskers </a:t>
+            </a:r>
+            <a:r>
+              <a:rPr lang="it-IT" sz="1200" dirty="0" err="1">
+                <a:latin typeface="Arial" panose="020B0604020202020204" pitchFamily="34" charset="0"/>
+                <a:cs typeface="Arial" panose="020B0604020202020204" pitchFamily="34" charset="0"/>
+              </a:rPr>
+              <a:t>extend</a:t>
+            </a:r>
+            <a:r>
+              <a:rPr lang="it-IT" sz="1200" dirty="0">
+                <a:latin typeface="Arial" panose="020B0604020202020204" pitchFamily="34" charset="0"/>
+                <a:cs typeface="Arial" panose="020B0604020202020204" pitchFamily="34" charset="0"/>
+              </a:rPr>
+              <a:t> from minimum to maximum </a:t>
+            </a:r>
+            <a:r>
+              <a:rPr lang="it-IT" sz="1200" dirty="0" err="1">
+                <a:latin typeface="Arial" panose="020B0604020202020204" pitchFamily="34" charset="0"/>
+                <a:cs typeface="Arial" panose="020B0604020202020204" pitchFamily="34" charset="0"/>
+              </a:rPr>
+              <a:t>within</a:t>
+            </a:r>
+            <a:r>
+              <a:rPr lang="it-IT" sz="1200" dirty="0">
+                <a:latin typeface="Arial" panose="020B0604020202020204" pitchFamily="34" charset="0"/>
+                <a:cs typeface="Arial" panose="020B0604020202020204" pitchFamily="34" charset="0"/>
+              </a:rPr>
+              <a:t> 1.5 times the box</a:t>
+            </a:r>
+          </a:p>
+          <a:p>
+            <a:pPr algn="just"/>
+            <a:r>
+              <a:rPr lang="it-IT" sz="1200" dirty="0" err="1">
+                <a:latin typeface="Arial" panose="020B0604020202020204" pitchFamily="34" charset="0"/>
+                <a:cs typeface="Arial" panose="020B0604020202020204" pitchFamily="34" charset="0"/>
+              </a:rPr>
+              <a:t>Other</a:t>
+            </a:r>
+            <a:r>
+              <a:rPr lang="it-IT" sz="1200" dirty="0">
+                <a:latin typeface="Arial" panose="020B0604020202020204" pitchFamily="34" charset="0"/>
+                <a:cs typeface="Arial" panose="020B0604020202020204" pitchFamily="34" charset="0"/>
+              </a:rPr>
+              <a:t> points are </a:t>
+            </a:r>
+            <a:r>
+              <a:rPr lang="it-IT" sz="1200" dirty="0" err="1">
+                <a:latin typeface="Arial" panose="020B0604020202020204" pitchFamily="34" charset="0"/>
+                <a:cs typeface="Arial" panose="020B0604020202020204" pitchFamily="34" charset="0"/>
+              </a:rPr>
+              <a:t>outliers</a:t>
+            </a:r>
             <a:endParaRPr lang="it-IT" dirty="0"/>
           </a:p>
         </p:txBody>
@@ -3923,7 +4739,7 @@
           <a:p>
             <a:fld id="{F4A80210-7480-3B46-8A0B-E82B1838FDAC}" type="slidenum">
               <a:rPr lang="it-IT" smtClean="0"/>
-              <a:t>13</a:t>
+              <a:t>11</a:t>
             </a:fld>
             <a:endParaRPr lang="it-IT"/>
           </a:p>
@@ -3932,7 +4748,7 @@
     </p:spTree>
     <p:extLst>
       <p:ext uri="{BB962C8B-B14F-4D97-AF65-F5344CB8AC3E}">
-        <p14:creationId xmlns:p14="http://schemas.microsoft.com/office/powerpoint/2010/main" val="2162519589"/>
+        <p14:creationId xmlns:p14="http://schemas.microsoft.com/office/powerpoint/2010/main" val="3980130416"/>
       </p:ext>
     </p:extLst>
   </p:cSld>
@@ -3986,222 +4802,893 @@
           <a:bodyPr/>
           <a:lstStyle/>
           <a:p>
-            <a:r>
-              <a:rPr lang="it-IT" dirty="0" err="1"/>
-              <a:t>As</a:t>
-            </a:r>
-            <a:r>
-              <a:rPr lang="it-IT" dirty="0"/>
+            <a:pPr>
+              <a:buNone/>
+            </a:pPr>
+            <a:r>
+              <a:rPr lang="it-IT" dirty="0">
+                <a:solidFill>
+                  <a:srgbClr val="000000"/>
+                </a:solidFill>
+                <a:effectLst/>
+                <a:latin typeface="Helvetica" pitchFamily="2" charset="0"/>
+              </a:rPr>
+              <a:t>Poisson </a:t>
+            </a:r>
+            <a:r>
+              <a:rPr lang="it-IT" dirty="0" err="1">
+                <a:solidFill>
+                  <a:srgbClr val="000000"/>
+                </a:solidFill>
+                <a:effectLst/>
+                <a:latin typeface="Helvetica" pitchFamily="2" charset="0"/>
+              </a:rPr>
+              <a:t>distribution</a:t>
+            </a:r>
+            <a:r>
+              <a:rPr lang="it-IT" dirty="0">
+                <a:solidFill>
+                  <a:srgbClr val="000000"/>
+                </a:solidFill>
+                <a:effectLst/>
+                <a:latin typeface="Helvetica" pitchFamily="2" charset="0"/>
+              </a:rPr>
+              <a:t> to model the </a:t>
+            </a:r>
+            <a:r>
+              <a:rPr lang="it-IT" dirty="0" err="1">
+                <a:solidFill>
+                  <a:srgbClr val="000000"/>
+                </a:solidFill>
+                <a:effectLst/>
+                <a:latin typeface="Helvetica" pitchFamily="2" charset="0"/>
+              </a:rPr>
+              <a:t>level</a:t>
+            </a:r>
+            <a:r>
+              <a:rPr lang="it-IT" dirty="0">
+                <a:solidFill>
+                  <a:srgbClr val="000000"/>
+                </a:solidFill>
+                <a:effectLst/>
+                <a:latin typeface="Helvetica" pitchFamily="2" charset="0"/>
+              </a:rPr>
+              <a:t> 1 </a:t>
+            </a:r>
+            <a:r>
+              <a:rPr lang="it-IT" dirty="0" err="1">
+                <a:solidFill>
+                  <a:srgbClr val="000000"/>
+                </a:solidFill>
+                <a:effectLst/>
+                <a:latin typeface="Helvetica" pitchFamily="2" charset="0"/>
+              </a:rPr>
+              <a:t>variance</a:t>
+            </a:r>
+            <a:r>
+              <a:rPr lang="it-IT" dirty="0">
+                <a:solidFill>
+                  <a:srgbClr val="000000"/>
+                </a:solidFill>
+                <a:effectLst/>
+                <a:latin typeface="Helvetica" pitchFamily="2" charset="0"/>
+              </a:rPr>
+              <a:t>, with a </a:t>
+            </a:r>
+            <a:r>
+              <a:rPr lang="it-IT" dirty="0" err="1">
+                <a:solidFill>
+                  <a:srgbClr val="000000"/>
+                </a:solidFill>
+                <a:effectLst/>
+                <a:latin typeface="Helvetica" pitchFamily="2" charset="0"/>
+              </a:rPr>
+              <a:t>logarithmic</a:t>
+            </a:r>
+            <a:r>
+              <a:rPr lang="it-IT" dirty="0">
+                <a:solidFill>
+                  <a:srgbClr val="000000"/>
+                </a:solidFill>
+                <a:effectLst/>
+                <a:latin typeface="Helvetica" pitchFamily="2" charset="0"/>
+              </a:rPr>
+              <a:t> link </a:t>
+            </a:r>
+            <a:r>
+              <a:rPr lang="it-IT" dirty="0" err="1">
+                <a:solidFill>
+                  <a:srgbClr val="000000"/>
+                </a:solidFill>
+                <a:effectLst/>
+                <a:latin typeface="Helvetica" pitchFamily="2" charset="0"/>
+              </a:rPr>
+              <a:t>function</a:t>
+            </a:r>
+            <a:r>
+              <a:rPr lang="it-IT" dirty="0">
+                <a:solidFill>
+                  <a:srgbClr val="000000"/>
+                </a:solidFill>
+                <a:effectLst/>
+                <a:latin typeface="Helvetica" pitchFamily="2" charset="0"/>
+              </a:rPr>
+              <a:t>, and assume random parameters </a:t>
+            </a:r>
+            <a:r>
+              <a:rPr lang="it-IT" dirty="0" err="1">
+                <a:solidFill>
+                  <a:srgbClr val="000000"/>
+                </a:solidFill>
+                <a:effectLst/>
+                <a:latin typeface="Helvetica" pitchFamily="2" charset="0"/>
+              </a:rPr>
+              <a:t>at</a:t>
+            </a:r>
+            <a:r>
+              <a:rPr lang="it-IT" dirty="0">
+                <a:solidFill>
+                  <a:srgbClr val="000000"/>
+                </a:solidFill>
+                <a:effectLst/>
+                <a:latin typeface="Helvetica" pitchFamily="2" charset="0"/>
+              </a:rPr>
               <a:t> </a:t>
             </a:r>
             <a:r>
-              <a:rPr lang="it-IT" dirty="0" err="1"/>
-              <a:t>seen</a:t>
-            </a:r>
-            <a:r>
-              <a:rPr lang="it-IT" dirty="0"/>
-              <a:t> from the plot </a:t>
-            </a:r>
-            <a:r>
-              <a:rPr lang="it-IT" dirty="0" err="1"/>
-              <a:t>before</a:t>
-            </a:r>
-            <a:r>
-              <a:rPr lang="it-IT" dirty="0"/>
+              <a:rPr lang="it-IT" dirty="0" err="1">
+                <a:solidFill>
+                  <a:srgbClr val="000000"/>
+                </a:solidFill>
+                <a:effectLst/>
+                <a:latin typeface="Helvetica" pitchFamily="2" charset="0"/>
+              </a:rPr>
+              <a:t>higher</a:t>
+            </a:r>
+            <a:r>
+              <a:rPr lang="it-IT" dirty="0">
+                <a:solidFill>
+                  <a:srgbClr val="000000"/>
+                </a:solidFill>
+                <a:effectLst/>
+                <a:latin typeface="Helvetica" pitchFamily="2" charset="0"/>
+              </a:rPr>
+              <a:t> </a:t>
+            </a:r>
+            <a:r>
+              <a:rPr lang="it-IT" dirty="0" err="1">
+                <a:solidFill>
+                  <a:srgbClr val="000000"/>
+                </a:solidFill>
+                <a:effectLst/>
+                <a:latin typeface="Helvetica" pitchFamily="2" charset="0"/>
+              </a:rPr>
+              <a:t>levels</a:t>
+            </a:r>
+            <a:r>
+              <a:rPr lang="it-IT" dirty="0">
+                <a:solidFill>
+                  <a:srgbClr val="000000"/>
+                </a:solidFill>
+                <a:effectLst/>
+                <a:latin typeface="Helvetica" pitchFamily="2" charset="0"/>
+              </a:rPr>
+              <a:t> (in </a:t>
+            </a:r>
+            <a:r>
+              <a:rPr lang="it-IT" dirty="0" err="1">
+                <a:solidFill>
+                  <a:srgbClr val="000000"/>
+                </a:solidFill>
+                <a:effectLst/>
+                <a:latin typeface="Helvetica" pitchFamily="2" charset="0"/>
+              </a:rPr>
+              <a:t>this</a:t>
+            </a:r>
+            <a:r>
+              <a:rPr lang="it-IT" dirty="0">
+                <a:solidFill>
+                  <a:srgbClr val="000000"/>
+                </a:solidFill>
+                <a:effectLst/>
+                <a:latin typeface="Helvetica" pitchFamily="2" charset="0"/>
+              </a:rPr>
+              <a:t> case </a:t>
+            </a:r>
+            <a:r>
+              <a:rPr lang="it-IT" dirty="0" err="1">
+                <a:solidFill>
+                  <a:srgbClr val="000000"/>
+                </a:solidFill>
+                <a:effectLst/>
+                <a:latin typeface="Helvetica" pitchFamily="2" charset="0"/>
+              </a:rPr>
+              <a:t>region</a:t>
+            </a:r>
+            <a:r>
+              <a:rPr lang="it-IT" dirty="0">
+                <a:solidFill>
+                  <a:srgbClr val="000000"/>
+                </a:solidFill>
+                <a:effectLst/>
+                <a:latin typeface="Helvetica" pitchFamily="2" charset="0"/>
+              </a:rPr>
+              <a:t> and </a:t>
+            </a:r>
+            <a:r>
+              <a:rPr lang="it-IT" dirty="0" err="1">
+                <a:solidFill>
+                  <a:srgbClr val="000000"/>
+                </a:solidFill>
+                <a:effectLst/>
+                <a:latin typeface="Helvetica" pitchFamily="2" charset="0"/>
+              </a:rPr>
+              <a:t>nation</a:t>
+            </a:r>
+            <a:r>
+              <a:rPr lang="it-IT" dirty="0">
+                <a:solidFill>
+                  <a:srgbClr val="000000"/>
+                </a:solidFill>
+                <a:effectLst/>
+                <a:latin typeface="Helvetica" pitchFamily="2" charset="0"/>
+              </a:rPr>
+              <a:t>) </a:t>
+            </a:r>
+            <a:r>
+              <a:rPr lang="it-IT" dirty="0" err="1">
+                <a:solidFill>
+                  <a:srgbClr val="000000"/>
+                </a:solidFill>
+                <a:effectLst/>
+                <a:latin typeface="Helvetica" pitchFamily="2" charset="0"/>
+              </a:rPr>
+              <a:t>as</a:t>
+            </a:r>
+            <a:r>
+              <a:rPr lang="it-IT" dirty="0">
+                <a:solidFill>
+                  <a:srgbClr val="000000"/>
+                </a:solidFill>
+                <a:effectLst/>
+                <a:latin typeface="Helvetica" pitchFamily="2" charset="0"/>
+              </a:rPr>
+              <a:t> </a:t>
+            </a:r>
+            <a:r>
+              <a:rPr lang="it-IT" dirty="0" err="1">
+                <a:solidFill>
+                  <a:srgbClr val="000000"/>
+                </a:solidFill>
+                <a:effectLst/>
+                <a:latin typeface="Helvetica" pitchFamily="2" charset="0"/>
+              </a:rPr>
+              <a:t>being</a:t>
+            </a:r>
+            <a:r>
+              <a:rPr lang="it-IT" dirty="0">
+                <a:solidFill>
+                  <a:srgbClr val="000000"/>
+                </a:solidFill>
+                <a:effectLst/>
+                <a:latin typeface="Helvetica" pitchFamily="2" charset="0"/>
+              </a:rPr>
+              <a:t> multivariate </a:t>
+            </a:r>
+            <a:r>
+              <a:rPr lang="it-IT" dirty="0" err="1">
+                <a:solidFill>
+                  <a:srgbClr val="000000"/>
+                </a:solidFill>
+                <a:effectLst/>
+                <a:latin typeface="Helvetica" pitchFamily="2" charset="0"/>
+              </a:rPr>
+              <a:t>normal</a:t>
+            </a:r>
+            <a:r>
+              <a:rPr lang="it-IT" dirty="0">
+                <a:solidFill>
+                  <a:srgbClr val="000000"/>
+                </a:solidFill>
+                <a:effectLst/>
+                <a:latin typeface="Helvetica" pitchFamily="2" charset="0"/>
+              </a:rPr>
+              <a:t>.</a:t>
+            </a:r>
+          </a:p>
+          <a:p>
+            <a:pPr>
+              <a:buNone/>
+            </a:pPr>
+            <a:r>
+              <a:rPr lang="it-IT" dirty="0">
+                <a:solidFill>
+                  <a:srgbClr val="000000"/>
+                </a:solidFill>
+                <a:effectLst/>
+                <a:latin typeface="Helvetica" pitchFamily="2" charset="0"/>
+              </a:rPr>
+              <a:t>The </a:t>
+            </a:r>
+            <a:r>
+              <a:rPr lang="it-IT" dirty="0" err="1">
+                <a:solidFill>
+                  <a:srgbClr val="000000"/>
+                </a:solidFill>
+                <a:effectLst/>
+                <a:latin typeface="Helvetica" pitchFamily="2" charset="0"/>
+              </a:rPr>
+              <a:t>counties</a:t>
+            </a:r>
+            <a:r>
+              <a:rPr lang="it-IT" dirty="0">
+                <a:solidFill>
+                  <a:srgbClr val="000000"/>
+                </a:solidFill>
+                <a:effectLst/>
+                <a:latin typeface="Helvetica" pitchFamily="2" charset="0"/>
+              </a:rPr>
+              <a:t> </a:t>
+            </a:r>
+            <a:r>
+              <a:rPr lang="it-IT" dirty="0" err="1">
+                <a:solidFill>
+                  <a:srgbClr val="000000"/>
+                </a:solidFill>
+                <a:effectLst/>
+                <a:latin typeface="Helvetica" pitchFamily="2" charset="0"/>
+              </a:rPr>
+              <a:t>have</a:t>
+            </a:r>
+            <a:r>
+              <a:rPr lang="it-IT" dirty="0">
+                <a:solidFill>
+                  <a:srgbClr val="000000"/>
+                </a:solidFill>
+                <a:effectLst/>
+                <a:latin typeface="Helvetica" pitchFamily="2" charset="0"/>
+              </a:rPr>
+              <a:t> </a:t>
+            </a:r>
+            <a:r>
+              <a:rPr lang="it-IT" dirty="0" err="1">
+                <a:solidFill>
+                  <a:srgbClr val="000000"/>
+                </a:solidFill>
+                <a:effectLst/>
+                <a:latin typeface="Helvetica" pitchFamily="2" charset="0"/>
+              </a:rPr>
+              <a:t>very</a:t>
+            </a:r>
+            <a:r>
+              <a:rPr lang="it-IT" dirty="0">
+                <a:solidFill>
+                  <a:srgbClr val="000000"/>
+                </a:solidFill>
+                <a:effectLst/>
+                <a:latin typeface="Helvetica" pitchFamily="2" charset="0"/>
+              </a:rPr>
+              <a:t> </a:t>
+            </a:r>
+            <a:r>
+              <a:rPr lang="it-IT" dirty="0" err="1">
+                <a:solidFill>
+                  <a:srgbClr val="000000"/>
+                </a:solidFill>
+                <a:effectLst/>
+                <a:latin typeface="Helvetica" pitchFamily="2" charset="0"/>
+              </a:rPr>
+              <a:t>heterogeneous</a:t>
+            </a:r>
+            <a:r>
+              <a:rPr lang="it-IT" dirty="0">
+                <a:solidFill>
+                  <a:srgbClr val="000000"/>
+                </a:solidFill>
+                <a:effectLst/>
+                <a:latin typeface="Helvetica" pitchFamily="2" charset="0"/>
+              </a:rPr>
+              <a:t> </a:t>
+            </a:r>
+            <a:r>
+              <a:rPr lang="it-IT" dirty="0" err="1">
+                <a:solidFill>
+                  <a:srgbClr val="000000"/>
+                </a:solidFill>
+                <a:effectLst/>
+                <a:latin typeface="Helvetica" pitchFamily="2" charset="0"/>
+              </a:rPr>
+              <a:t>populations</a:t>
+            </a:r>
+            <a:r>
+              <a:rPr lang="it-IT" dirty="0">
+                <a:solidFill>
+                  <a:srgbClr val="000000"/>
+                </a:solidFill>
+                <a:effectLst/>
+                <a:latin typeface="Helvetica" pitchFamily="2" charset="0"/>
+              </a:rPr>
+              <a:t>, </a:t>
+            </a:r>
+            <a:r>
+              <a:rPr lang="it-IT" dirty="0" err="1">
+                <a:solidFill>
+                  <a:srgbClr val="000000"/>
+                </a:solidFill>
+                <a:effectLst/>
+                <a:latin typeface="Helvetica" pitchFamily="2" charset="0"/>
+              </a:rPr>
+              <a:t>hence</a:t>
+            </a:r>
+            <a:r>
+              <a:rPr lang="it-IT" dirty="0">
+                <a:solidFill>
+                  <a:srgbClr val="000000"/>
+                </a:solidFill>
+                <a:effectLst/>
+                <a:latin typeface="Helvetica" pitchFamily="2" charset="0"/>
+              </a:rPr>
+              <a:t> </a:t>
+            </a:r>
+            <a:r>
+              <a:rPr lang="it-IT" dirty="0" err="1">
+                <a:solidFill>
+                  <a:srgbClr val="000000"/>
+                </a:solidFill>
+                <a:effectLst/>
+                <a:latin typeface="Helvetica" pitchFamily="2" charset="0"/>
+              </a:rPr>
+              <a:t>deaths</a:t>
+            </a:r>
+            <a:r>
+              <a:rPr lang="it-IT" dirty="0">
+                <a:solidFill>
+                  <a:srgbClr val="000000"/>
+                </a:solidFill>
+                <a:effectLst/>
+                <a:latin typeface="Helvetica" pitchFamily="2" charset="0"/>
+              </a:rPr>
+              <a:t> in </a:t>
+            </a:r>
+            <a:r>
+              <a:rPr lang="it-IT" dirty="0" err="1">
+                <a:solidFill>
+                  <a:srgbClr val="000000"/>
+                </a:solidFill>
+                <a:effectLst/>
+                <a:latin typeface="Helvetica" pitchFamily="2" charset="0"/>
+              </a:rPr>
+              <a:t>each</a:t>
+            </a:r>
+            <a:r>
+              <a:rPr lang="it-IT" dirty="0">
+                <a:solidFill>
+                  <a:srgbClr val="000000"/>
+                </a:solidFill>
+                <a:effectLst/>
+                <a:latin typeface="Helvetica" pitchFamily="2" charset="0"/>
+              </a:rPr>
+              <a:t> </a:t>
+            </a:r>
+            <a:r>
+              <a:rPr lang="it-IT" dirty="0" err="1">
+                <a:solidFill>
+                  <a:srgbClr val="000000"/>
+                </a:solidFill>
+                <a:effectLst/>
+                <a:latin typeface="Helvetica" pitchFamily="2" charset="0"/>
+              </a:rPr>
+              <a:t>county</a:t>
+            </a:r>
+            <a:r>
+              <a:rPr lang="it-IT" dirty="0">
+                <a:solidFill>
+                  <a:srgbClr val="000000"/>
+                </a:solidFill>
+                <a:effectLst/>
+                <a:latin typeface="Helvetica" pitchFamily="2" charset="0"/>
+              </a:rPr>
+              <a:t> are </a:t>
+            </a:r>
+            <a:r>
+              <a:rPr lang="it-IT" dirty="0" err="1">
+                <a:solidFill>
+                  <a:srgbClr val="000000"/>
+                </a:solidFill>
+                <a:effectLst/>
+                <a:latin typeface="Helvetica" pitchFamily="2" charset="0"/>
+              </a:rPr>
+              <a:t>being</a:t>
+            </a:r>
+            <a:r>
+              <a:rPr lang="it-IT" dirty="0">
+                <a:solidFill>
+                  <a:srgbClr val="000000"/>
+                </a:solidFill>
+                <a:effectLst/>
+                <a:latin typeface="Helvetica" pitchFamily="2" charset="0"/>
+              </a:rPr>
+              <a:t> </a:t>
+            </a:r>
+            <a:r>
+              <a:rPr lang="it-IT" dirty="0" err="1">
+                <a:solidFill>
+                  <a:srgbClr val="000000"/>
+                </a:solidFill>
+                <a:effectLst/>
+                <a:latin typeface="Helvetica" pitchFamily="2" charset="0"/>
+              </a:rPr>
+              <a:t>modelled</a:t>
+            </a:r>
+            <a:r>
+              <a:rPr lang="it-IT" dirty="0">
+                <a:solidFill>
+                  <a:srgbClr val="000000"/>
+                </a:solidFill>
+                <a:effectLst/>
+                <a:latin typeface="Helvetica" pitchFamily="2" charset="0"/>
+              </a:rPr>
+              <a:t> </a:t>
+            </a:r>
+            <a:r>
+              <a:rPr lang="it-IT" dirty="0" err="1">
+                <a:solidFill>
+                  <a:srgbClr val="000000"/>
+                </a:solidFill>
+                <a:effectLst/>
+                <a:latin typeface="Helvetica" pitchFamily="2" charset="0"/>
+              </a:rPr>
+              <a:t>as</a:t>
+            </a:r>
+            <a:r>
+              <a:rPr lang="it-IT" dirty="0">
+                <a:solidFill>
+                  <a:srgbClr val="000000"/>
+                </a:solidFill>
+                <a:effectLst/>
+                <a:latin typeface="Helvetica" pitchFamily="2" charset="0"/>
+              </a:rPr>
+              <a:t> Poisson </a:t>
+            </a:r>
+            <a:r>
+              <a:rPr lang="it-IT" dirty="0" err="1">
+                <a:solidFill>
+                  <a:srgbClr val="000000"/>
+                </a:solidFill>
+                <a:effectLst/>
+                <a:latin typeface="Helvetica" pitchFamily="2" charset="0"/>
+              </a:rPr>
+              <a:t>conditional</a:t>
+            </a:r>
+            <a:r>
+              <a:rPr lang="it-IT" dirty="0">
+                <a:solidFill>
+                  <a:srgbClr val="000000"/>
+                </a:solidFill>
+                <a:effectLst/>
+                <a:latin typeface="Helvetica" pitchFamily="2" charset="0"/>
+              </a:rPr>
+              <a:t> on the </a:t>
+            </a:r>
+            <a:r>
+              <a:rPr lang="it-IT" dirty="0" err="1">
+                <a:solidFill>
+                  <a:srgbClr val="000000"/>
+                </a:solidFill>
+                <a:effectLst/>
+                <a:latin typeface="Helvetica" pitchFamily="2" charset="0"/>
+              </a:rPr>
+              <a:t>distribution</a:t>
+            </a:r>
+            <a:r>
+              <a:rPr lang="it-IT" dirty="0">
+                <a:solidFill>
+                  <a:srgbClr val="000000"/>
+                </a:solidFill>
+                <a:effectLst/>
+                <a:latin typeface="Helvetica" pitchFamily="2" charset="0"/>
+              </a:rPr>
+              <a:t> of rates </a:t>
+            </a:r>
+            <a:r>
+              <a:rPr lang="it-IT" dirty="0" err="1">
+                <a:solidFill>
+                  <a:srgbClr val="000000"/>
+                </a:solidFill>
+                <a:effectLst/>
+                <a:latin typeface="Helvetica" pitchFamily="2" charset="0"/>
+              </a:rPr>
+              <a:t>between</a:t>
+            </a:r>
+            <a:r>
+              <a:rPr lang="it-IT" dirty="0">
+                <a:solidFill>
+                  <a:srgbClr val="000000"/>
+                </a:solidFill>
+                <a:effectLst/>
+                <a:latin typeface="Helvetica" pitchFamily="2" charset="0"/>
+              </a:rPr>
+              <a:t> </a:t>
+            </a:r>
+            <a:r>
+              <a:rPr lang="it-IT" dirty="0" err="1">
+                <a:solidFill>
+                  <a:srgbClr val="000000"/>
+                </a:solidFill>
+                <a:effectLst/>
+                <a:latin typeface="Helvetica" pitchFamily="2" charset="0"/>
+              </a:rPr>
+              <a:t>counties</a:t>
+            </a:r>
+            <a:r>
+              <a:rPr lang="it-IT" dirty="0">
+                <a:solidFill>
+                  <a:srgbClr val="000000"/>
+                </a:solidFill>
+                <a:effectLst/>
+                <a:latin typeface="Helvetica" pitchFamily="2" charset="0"/>
+              </a:rPr>
+              <a:t>. </a:t>
+            </a:r>
+            <a:r>
+              <a:rPr lang="it-IT" dirty="0" err="1">
+                <a:solidFill>
+                  <a:srgbClr val="000000"/>
+                </a:solidFill>
+                <a:effectLst/>
+                <a:latin typeface="Helvetica" pitchFamily="2" charset="0"/>
+              </a:rPr>
+              <a:t>These</a:t>
+            </a:r>
+            <a:r>
+              <a:rPr lang="it-IT" dirty="0">
+                <a:solidFill>
+                  <a:srgbClr val="000000"/>
+                </a:solidFill>
+                <a:effectLst/>
+                <a:latin typeface="Helvetica" pitchFamily="2" charset="0"/>
+              </a:rPr>
+              <a:t> rates </a:t>
+            </a:r>
+            <a:r>
+              <a:rPr lang="it-IT" dirty="0" err="1">
+                <a:solidFill>
+                  <a:srgbClr val="000000"/>
+                </a:solidFill>
+                <a:effectLst/>
+                <a:latin typeface="Helvetica" pitchFamily="2" charset="0"/>
+              </a:rPr>
+              <a:t>may</a:t>
+            </a:r>
+            <a:r>
+              <a:rPr lang="it-IT" dirty="0">
+                <a:solidFill>
+                  <a:srgbClr val="000000"/>
+                </a:solidFill>
+                <a:effectLst/>
+                <a:latin typeface="Helvetica" pitchFamily="2" charset="0"/>
+              </a:rPr>
+              <a:t> be </a:t>
+            </a:r>
+            <a:r>
+              <a:rPr lang="it-IT" dirty="0" err="1">
+                <a:solidFill>
+                  <a:srgbClr val="000000"/>
+                </a:solidFill>
+                <a:effectLst/>
+                <a:latin typeface="Helvetica" pitchFamily="2" charset="0"/>
+              </a:rPr>
+              <a:t>assumed</a:t>
+            </a:r>
+            <a:r>
+              <a:rPr lang="it-IT" dirty="0">
+                <a:solidFill>
+                  <a:srgbClr val="000000"/>
+                </a:solidFill>
+                <a:effectLst/>
+                <a:latin typeface="Helvetica" pitchFamily="2" charset="0"/>
+              </a:rPr>
+              <a:t> to follow a gamma </a:t>
+            </a:r>
+            <a:r>
+              <a:rPr lang="it-IT" dirty="0" err="1">
+                <a:solidFill>
+                  <a:srgbClr val="000000"/>
+                </a:solidFill>
+                <a:effectLst/>
+                <a:latin typeface="Helvetica" pitchFamily="2" charset="0"/>
+              </a:rPr>
+              <a:t>distribution</a:t>
+            </a:r>
+            <a:r>
+              <a:rPr lang="it-IT" dirty="0">
+                <a:solidFill>
+                  <a:srgbClr val="000000"/>
+                </a:solidFill>
+                <a:effectLst/>
+                <a:latin typeface="Helvetica" pitchFamily="2" charset="0"/>
+              </a:rPr>
+              <a:t>, and </a:t>
+            </a:r>
+            <a:r>
+              <a:rPr lang="it-IT" dirty="0" err="1">
+                <a:solidFill>
+                  <a:srgbClr val="000000"/>
+                </a:solidFill>
+                <a:effectLst/>
+                <a:latin typeface="Helvetica" pitchFamily="2" charset="0"/>
+              </a:rPr>
+              <a:t>hence</a:t>
+            </a:r>
+            <a:r>
+              <a:rPr lang="it-IT" dirty="0">
+                <a:solidFill>
+                  <a:srgbClr val="000000"/>
+                </a:solidFill>
+                <a:effectLst/>
+                <a:latin typeface="Helvetica" pitchFamily="2" charset="0"/>
+              </a:rPr>
               <a:t> the </a:t>
             </a:r>
             <a:r>
-              <a:rPr lang="it-IT" dirty="0" err="1"/>
-              <a:t>boxplot</a:t>
-            </a:r>
-            <a:r>
-              <a:rPr lang="it-IT" dirty="0"/>
-              <a:t>, </a:t>
-            </a:r>
-            <a:r>
-              <a:rPr lang="it-IT" dirty="0" err="1"/>
-              <a:t>there</a:t>
-            </a:r>
-            <a:r>
-              <a:rPr lang="it-IT" dirty="0"/>
+              <a:rPr lang="it-IT" dirty="0" err="1">
+                <a:solidFill>
+                  <a:srgbClr val="000000"/>
+                </a:solidFill>
+                <a:effectLst/>
+                <a:latin typeface="Helvetica" pitchFamily="2" charset="0"/>
+              </a:rPr>
+              <a:t>mixture</a:t>
+            </a:r>
+            <a:r>
+              <a:rPr lang="it-IT" dirty="0">
+                <a:solidFill>
+                  <a:srgbClr val="000000"/>
+                </a:solidFill>
+                <a:effectLst/>
+                <a:latin typeface="Helvetica" pitchFamily="2" charset="0"/>
+              </a:rPr>
+              <a:t> of </a:t>
+            </a:r>
+            <a:r>
+              <a:rPr lang="it-IT" dirty="0" err="1">
+                <a:solidFill>
+                  <a:srgbClr val="000000"/>
+                </a:solidFill>
+                <a:effectLst/>
+                <a:latin typeface="Helvetica" pitchFamily="2" charset="0"/>
+              </a:rPr>
+              <a:t>these</a:t>
+            </a:r>
+            <a:r>
+              <a:rPr lang="it-IT" dirty="0">
+                <a:solidFill>
+                  <a:srgbClr val="000000"/>
+                </a:solidFill>
+                <a:effectLst/>
+                <a:latin typeface="Helvetica" pitchFamily="2" charset="0"/>
+              </a:rPr>
+              <a:t> two </a:t>
+            </a:r>
+            <a:r>
+              <a:rPr lang="it-IT" dirty="0" err="1">
+                <a:solidFill>
+                  <a:srgbClr val="000000"/>
+                </a:solidFill>
+                <a:effectLst/>
+                <a:latin typeface="Helvetica" pitchFamily="2" charset="0"/>
+              </a:rPr>
+              <a:t>distributions</a:t>
+            </a:r>
+            <a:r>
+              <a:rPr lang="it-IT" dirty="0">
+                <a:solidFill>
+                  <a:srgbClr val="000000"/>
+                </a:solidFill>
+                <a:effectLst/>
+                <a:latin typeface="Helvetica" pitchFamily="2" charset="0"/>
+              </a:rPr>
+              <a:t> can be </a:t>
+            </a:r>
+            <a:r>
+              <a:rPr lang="it-IT" dirty="0" err="1">
+                <a:solidFill>
+                  <a:srgbClr val="000000"/>
+                </a:solidFill>
+                <a:effectLst/>
+                <a:latin typeface="Helvetica" pitchFamily="2" charset="0"/>
+              </a:rPr>
+              <a:t>expressed</a:t>
+            </a:r>
+            <a:r>
+              <a:rPr lang="it-IT" dirty="0">
+                <a:solidFill>
+                  <a:srgbClr val="000000"/>
+                </a:solidFill>
+                <a:effectLst/>
+                <a:latin typeface="Helvetica" pitchFamily="2" charset="0"/>
+              </a:rPr>
               <a:t> </a:t>
             </a:r>
             <a:r>
-              <a:rPr lang="it-IT" dirty="0" err="1"/>
-              <a:t>is</a:t>
-            </a:r>
-            <a:r>
-              <a:rPr lang="it-IT" dirty="0"/>
-              <a:t> a </a:t>
-            </a:r>
-            <a:r>
-              <a:rPr lang="it-IT" dirty="0" err="1"/>
-              <a:t>slightly</a:t>
-            </a:r>
-            <a:r>
-              <a:rPr lang="it-IT" dirty="0"/>
-              <a:t> negative </a:t>
-            </a:r>
-            <a:r>
-              <a:rPr lang="it-IT" dirty="0" err="1"/>
-              <a:t>relationship</a:t>
-            </a:r>
-            <a:r>
-              <a:rPr lang="it-IT" dirty="0"/>
+              <a:rPr lang="it-IT" dirty="0" err="1">
+                <a:solidFill>
+                  <a:srgbClr val="000000"/>
+                </a:solidFill>
+                <a:effectLst/>
+                <a:latin typeface="Helvetica" pitchFamily="2" charset="0"/>
+              </a:rPr>
+              <a:t>as</a:t>
+            </a:r>
+            <a:r>
+              <a:rPr lang="it-IT" dirty="0">
+                <a:solidFill>
+                  <a:srgbClr val="000000"/>
+                </a:solidFill>
+                <a:effectLst/>
+                <a:latin typeface="Helvetica" pitchFamily="2" charset="0"/>
+              </a:rPr>
+              <a:t> a negative </a:t>
+            </a:r>
+            <a:r>
+              <a:rPr lang="it-IT" dirty="0" err="1">
+                <a:solidFill>
+                  <a:srgbClr val="000000"/>
+                </a:solidFill>
+                <a:effectLst/>
+                <a:latin typeface="Helvetica" pitchFamily="2" charset="0"/>
+              </a:rPr>
+              <a:t>binomial</a:t>
+            </a:r>
+            <a:r>
+              <a:rPr lang="it-IT" dirty="0">
+                <a:solidFill>
+                  <a:srgbClr val="000000"/>
+                </a:solidFill>
+                <a:effectLst/>
+                <a:latin typeface="Helvetica" pitchFamily="2" charset="0"/>
+              </a:rPr>
               <a:t> </a:t>
             </a:r>
             <a:r>
-              <a:rPr lang="it-IT" dirty="0" err="1"/>
-              <a:t>between</a:t>
-            </a:r>
-            <a:r>
-              <a:rPr lang="it-IT" dirty="0"/>
-              <a:t> UVB </a:t>
-            </a:r>
-            <a:r>
-              <a:rPr lang="it-IT" dirty="0" err="1"/>
-              <a:t>exposure</a:t>
-            </a:r>
-            <a:r>
-              <a:rPr lang="it-IT" dirty="0"/>
-              <a:t> and </a:t>
-            </a:r>
-            <a:r>
-              <a:rPr lang="it-IT" dirty="0" err="1"/>
-              <a:t>deaths</a:t>
-            </a:r>
-            <a:r>
-              <a:rPr lang="it-IT" dirty="0"/>
-              <a:t>.</a:t>
-            </a:r>
-          </a:p>
-          <a:p>
-            <a:endParaRPr lang="it-IT" dirty="0"/>
-          </a:p>
-          <a:p>
-            <a:r>
-              <a:rPr lang="it-IT" dirty="0"/>
-              <a:t>A </a:t>
-            </a:r>
-            <a:r>
-              <a:rPr lang="it-IT" dirty="0" err="1"/>
-              <a:t>better</a:t>
-            </a:r>
-            <a:r>
-              <a:rPr lang="it-IT" dirty="0"/>
-              <a:t> model </a:t>
-            </a:r>
-            <a:r>
-              <a:rPr lang="it-IT" dirty="0" err="1"/>
-              <a:t>has</a:t>
-            </a:r>
-            <a:r>
-              <a:rPr lang="it-IT" dirty="0"/>
-              <a:t> AIC, BIC and </a:t>
-            </a:r>
-            <a:r>
-              <a:rPr lang="it-IT" dirty="0" err="1"/>
-              <a:t>deviance</a:t>
-            </a:r>
-            <a:r>
-              <a:rPr lang="it-IT" dirty="0"/>
-              <a:t> </a:t>
-            </a:r>
-            <a:r>
-              <a:rPr lang="it-IT" dirty="0" err="1"/>
-              <a:t>lower</a:t>
-            </a:r>
-            <a:r>
-              <a:rPr lang="it-IT" dirty="0"/>
-              <a:t>, log-</a:t>
-            </a:r>
-            <a:r>
-              <a:rPr lang="it-IT" dirty="0" err="1"/>
-              <a:t>likelihood</a:t>
-            </a:r>
-            <a:r>
-              <a:rPr lang="it-IT" dirty="0"/>
-              <a:t> </a:t>
-            </a:r>
-            <a:r>
-              <a:rPr lang="it-IT" dirty="0" err="1"/>
-              <a:t>higher</a:t>
-            </a:r>
-            <a:r>
-              <a:rPr lang="it-IT" dirty="0"/>
-              <a:t> so </a:t>
-            </a:r>
-            <a:r>
-              <a:rPr lang="it-IT" dirty="0" err="1"/>
-              <a:t>less</a:t>
-            </a:r>
-            <a:r>
-              <a:rPr lang="it-IT" dirty="0"/>
-              <a:t> negative, a </a:t>
-            </a:r>
-            <a:r>
-              <a:rPr lang="it-IT" dirty="0" err="1"/>
-              <a:t>higher</a:t>
-            </a:r>
-            <a:r>
-              <a:rPr lang="it-IT" dirty="0"/>
-              <a:t> </a:t>
-            </a:r>
-            <a:r>
-              <a:rPr lang="it-IT" dirty="0" err="1"/>
-              <a:t>number</a:t>
-            </a:r>
-            <a:r>
-              <a:rPr lang="it-IT" dirty="0"/>
-              <a:t> of degrees of </a:t>
-            </a:r>
-            <a:r>
-              <a:rPr lang="it-IT" dirty="0" err="1"/>
-              <a:t>freedom</a:t>
-            </a:r>
-            <a:r>
-              <a:rPr lang="it-IT" dirty="0"/>
-              <a:t> </a:t>
-            </a:r>
-            <a:r>
-              <a:rPr lang="it-IT" dirty="0" err="1"/>
-              <a:t>indicates</a:t>
-            </a:r>
-            <a:r>
-              <a:rPr lang="it-IT" dirty="0"/>
-              <a:t> </a:t>
-            </a:r>
-            <a:r>
-              <a:rPr lang="it-IT" dirty="0" err="1"/>
-              <a:t>that</a:t>
-            </a:r>
-            <a:r>
-              <a:rPr lang="it-IT" dirty="0"/>
-              <a:t> the model </a:t>
-            </a:r>
-            <a:r>
-              <a:rPr lang="it-IT" dirty="0" err="1"/>
-              <a:t>does</a:t>
-            </a:r>
-            <a:r>
-              <a:rPr lang="it-IT" dirty="0"/>
-              <a:t> </a:t>
-            </a:r>
-            <a:r>
-              <a:rPr lang="it-IT" dirty="0" err="1"/>
-              <a:t>not</a:t>
-            </a:r>
-            <a:r>
-              <a:rPr lang="it-IT" dirty="0"/>
-              <a:t> </a:t>
-            </a:r>
-            <a:r>
-              <a:rPr lang="it-IT" dirty="0" err="1"/>
-              <a:t>overfit</a:t>
-            </a:r>
-            <a:r>
-              <a:rPr lang="it-IT" dirty="0"/>
-              <a:t> the data.</a:t>
+              <a:rPr lang="it-IT" dirty="0" err="1">
+                <a:solidFill>
+                  <a:srgbClr val="000000"/>
+                </a:solidFill>
+                <a:effectLst/>
+                <a:latin typeface="Helvetica" pitchFamily="2" charset="0"/>
+              </a:rPr>
+              <a:t>distribution</a:t>
+            </a:r>
+            <a:r>
+              <a:rPr lang="it-IT" dirty="0">
+                <a:solidFill>
+                  <a:srgbClr val="000000"/>
+                </a:solidFill>
+                <a:effectLst/>
+                <a:latin typeface="Helvetica" pitchFamily="2" charset="0"/>
+              </a:rPr>
+              <a:t> of </a:t>
+            </a:r>
+            <a:r>
+              <a:rPr lang="it-IT" dirty="0" err="1">
+                <a:solidFill>
+                  <a:srgbClr val="000000"/>
+                </a:solidFill>
+                <a:effectLst/>
+                <a:latin typeface="Helvetica" pitchFamily="2" charset="0"/>
+              </a:rPr>
+              <a:t>counts</a:t>
+            </a:r>
+            <a:r>
+              <a:rPr lang="it-IT" dirty="0">
+                <a:solidFill>
+                  <a:srgbClr val="000000"/>
+                </a:solidFill>
+                <a:effectLst/>
+                <a:latin typeface="Helvetica" pitchFamily="2" charset="0"/>
+              </a:rPr>
+              <a:t>. </a:t>
             </a:r>
           </a:p>
         </p:txBody>
@@ -4223,7 +5710,7 @@
           <a:p>
             <a:fld id="{F4A80210-7480-3B46-8A0B-E82B1838FDAC}" type="slidenum">
               <a:rPr lang="it-IT" smtClean="0"/>
-              <a:t>14</a:t>
+              <a:t>12</a:t>
             </a:fld>
             <a:endParaRPr lang="it-IT"/>
           </a:p>
@@ -4232,7 +5719,7 @@
     </p:spTree>
     <p:extLst>
       <p:ext uri="{BB962C8B-B14F-4D97-AF65-F5344CB8AC3E}">
-        <p14:creationId xmlns:p14="http://schemas.microsoft.com/office/powerpoint/2010/main" val="2107567238"/>
+        <p14:creationId xmlns:p14="http://schemas.microsoft.com/office/powerpoint/2010/main" val="4008976954"/>
       </p:ext>
     </p:extLst>
   </p:cSld>
@@ -4307,7 +5794,7 @@
           <a:p>
             <a:fld id="{F4A80210-7480-3B46-8A0B-E82B1838FDAC}" type="slidenum">
               <a:rPr lang="it-IT" smtClean="0"/>
-              <a:t>15</a:t>
+              <a:t>13</a:t>
             </a:fld>
             <a:endParaRPr lang="it-IT"/>
           </a:p>
@@ -4316,7 +5803,7 @@
     </p:spTree>
     <p:extLst>
       <p:ext uri="{BB962C8B-B14F-4D97-AF65-F5344CB8AC3E}">
-        <p14:creationId xmlns:p14="http://schemas.microsoft.com/office/powerpoint/2010/main" val="2977270921"/>
+        <p14:creationId xmlns:p14="http://schemas.microsoft.com/office/powerpoint/2010/main" val="2162519589"/>
       </p:ext>
     </p:extLst>
   </p:cSld>
@@ -7982,572 +9469,6 @@
   <p:cSld>
     <p:spTree>
       <p:nvGrpSpPr>
-        <p:cNvPr id="1" name=""/>
-        <p:cNvGrpSpPr/>
-        <p:nvPr/>
-      </p:nvGrpSpPr>
-      <p:grpSpPr>
-        <a:xfrm>
-          <a:off x="0" y="0"/>
-          <a:ext cx="0" cy="0"/>
-          <a:chOff x="0" y="0"/>
-          <a:chExt cx="0" cy="0"/>
-        </a:xfrm>
-      </p:grpSpPr>
-      <p:sp>
-        <p:nvSpPr>
-          <p:cNvPr id="4" name="Rettangolo 3">
-            <a:extLst>
-              <a:ext uri="{FF2B5EF4-FFF2-40B4-BE49-F238E27FC236}">
-                <a16:creationId xmlns:a16="http://schemas.microsoft.com/office/drawing/2014/main" id="{93DFE297-B13C-ED91-03D2-518A9F0A4D07}"/>
-              </a:ext>
-            </a:extLst>
-          </p:cNvPr>
-          <p:cNvSpPr/>
-          <p:nvPr/>
-        </p:nvSpPr>
-        <p:spPr>
-          <a:xfrm>
-            <a:off x="0" y="0"/>
-            <a:ext cx="12192000" cy="500063"/>
-          </a:xfrm>
-          <a:prstGeom prst="rect">
-            <a:avLst/>
-          </a:prstGeom>
-        </p:spPr>
-        <p:style>
-          <a:lnRef idx="2">
-            <a:schemeClr val="accent1">
-              <a:shade val="50000"/>
-            </a:schemeClr>
-          </a:lnRef>
-          <a:fillRef idx="1">
-            <a:schemeClr val="accent1"/>
-          </a:fillRef>
-          <a:effectRef idx="0">
-            <a:schemeClr val="accent1"/>
-          </a:effectRef>
-          <a:fontRef idx="minor">
-            <a:schemeClr val="lt1"/>
-          </a:fontRef>
-        </p:style>
-        <p:txBody>
-          <a:bodyPr rtlCol="0" anchor="ctr"/>
-          <a:lstStyle/>
-          <a:p>
-            <a:pPr algn="ctr"/>
-            <a:endParaRPr lang="it-IT">
-              <a:solidFill>
-                <a:sysClr val="windowText" lastClr="000000"/>
-              </a:solidFill>
-            </a:endParaRPr>
-          </a:p>
-        </p:txBody>
-      </p:sp>
-      <p:sp>
-        <p:nvSpPr>
-          <p:cNvPr id="2" name="Titolo 1">
-            <a:extLst>
-              <a:ext uri="{FF2B5EF4-FFF2-40B4-BE49-F238E27FC236}">
-                <a16:creationId xmlns:a16="http://schemas.microsoft.com/office/drawing/2014/main" id="{385840A7-48F3-2088-7FF8-5CEB62FBA751}"/>
-              </a:ext>
-            </a:extLst>
-          </p:cNvPr>
-          <p:cNvSpPr>
-            <a:spLocks noGrp="1"/>
-          </p:cNvSpPr>
-          <p:nvPr>
-            <p:ph type="title"/>
-          </p:nvPr>
-        </p:nvSpPr>
-        <p:spPr>
-          <a:xfrm>
-            <a:off x="838200" y="92075"/>
-            <a:ext cx="4597400" cy="315912"/>
-          </a:xfrm>
-        </p:spPr>
-        <p:txBody>
-          <a:bodyPr>
-            <a:noAutofit/>
-          </a:bodyPr>
-          <a:lstStyle/>
-          <a:p>
-            <a:r>
-              <a:rPr lang="it-IT" sz="1800" b="1" dirty="0" err="1">
-                <a:solidFill>
-                  <a:schemeClr val="bg1"/>
-                </a:solidFill>
-                <a:latin typeface="Arial Black" panose="020B0604020202020204" pitchFamily="34" charset="0"/>
-                <a:cs typeface="Arial Black" panose="020B0604020202020204" pitchFamily="34" charset="0"/>
-              </a:rPr>
-              <a:t>Explorative</a:t>
-            </a:r>
-            <a:r>
-              <a:rPr lang="it-IT" sz="1800" b="1" dirty="0">
-                <a:solidFill>
-                  <a:schemeClr val="bg1"/>
-                </a:solidFill>
-                <a:latin typeface="Arial Black" panose="020B0604020202020204" pitchFamily="34" charset="0"/>
-                <a:cs typeface="Arial Black" panose="020B0604020202020204" pitchFamily="34" charset="0"/>
-              </a:rPr>
-              <a:t> </a:t>
-            </a:r>
-            <a:r>
-              <a:rPr lang="it-IT" sz="1800" b="1" dirty="0" err="1">
-                <a:solidFill>
-                  <a:schemeClr val="bg1"/>
-                </a:solidFill>
-                <a:latin typeface="Arial Black" panose="020B0604020202020204" pitchFamily="34" charset="0"/>
-                <a:cs typeface="Arial Black" panose="020B0604020202020204" pitchFamily="34" charset="0"/>
-              </a:rPr>
-              <a:t>analysis</a:t>
-            </a:r>
-            <a:endParaRPr lang="it-IT" sz="1800" b="1" dirty="0">
-              <a:solidFill>
-                <a:schemeClr val="bg1"/>
-              </a:solidFill>
-              <a:latin typeface="Arial Black" panose="020B0604020202020204" pitchFamily="34" charset="0"/>
-              <a:cs typeface="Arial Black" panose="020B0604020202020204" pitchFamily="34" charset="0"/>
-            </a:endParaRPr>
-          </a:p>
-        </p:txBody>
-      </p:sp>
-      <p:pic>
-        <p:nvPicPr>
-          <p:cNvPr id="9" name="Immagine 8">
-            <a:extLst>
-              <a:ext uri="{FF2B5EF4-FFF2-40B4-BE49-F238E27FC236}">
-                <a16:creationId xmlns:a16="http://schemas.microsoft.com/office/drawing/2014/main" id="{C1C8E792-C338-DBB4-80BC-D7F8DE327CDB}"/>
-              </a:ext>
-            </a:extLst>
-          </p:cNvPr>
-          <p:cNvPicPr>
-            <a:picLocks noChangeAspect="1"/>
-          </p:cNvPicPr>
-          <p:nvPr/>
-        </p:nvPicPr>
-        <p:blipFill>
-          <a:blip r:embed="rId3"/>
-          <a:stretch>
-            <a:fillRect/>
-          </a:stretch>
-        </p:blipFill>
-        <p:spPr>
-          <a:xfrm>
-            <a:off x="4914378" y="500062"/>
-            <a:ext cx="7315200" cy="6400800"/>
-          </a:xfrm>
-          <a:prstGeom prst="rect">
-            <a:avLst/>
-          </a:prstGeom>
-        </p:spPr>
-      </p:pic>
-      <p:sp>
-        <p:nvSpPr>
-          <p:cNvPr id="5" name="Segnaposto contenuto 2">
-            <a:extLst>
-              <a:ext uri="{FF2B5EF4-FFF2-40B4-BE49-F238E27FC236}">
-                <a16:creationId xmlns:a16="http://schemas.microsoft.com/office/drawing/2014/main" id="{A93F5D7C-9A2C-8915-0E43-1FBA25C24059}"/>
-              </a:ext>
-            </a:extLst>
-          </p:cNvPr>
-          <p:cNvSpPr>
-            <a:spLocks noGrp="1"/>
-          </p:cNvSpPr>
-          <p:nvPr>
-            <p:ph idx="1"/>
-          </p:nvPr>
-        </p:nvSpPr>
-        <p:spPr>
-          <a:xfrm>
-            <a:off x="195946" y="859395"/>
-            <a:ext cx="5239654" cy="5906530"/>
-          </a:xfrm>
-        </p:spPr>
-        <p:txBody>
-          <a:bodyPr>
-            <a:normAutofit fontScale="92500" lnSpcReduction="20000"/>
-          </a:bodyPr>
-          <a:lstStyle/>
-          <a:p>
-            <a:pPr marL="0" indent="0">
-              <a:buNone/>
-            </a:pPr>
-            <a:r>
-              <a:rPr lang="it-IT" sz="2500" dirty="0">
-                <a:latin typeface="Arial" panose="020B0604020202020204" pitchFamily="34" charset="0"/>
-                <a:cs typeface="Arial" panose="020B0604020202020204" pitchFamily="34" charset="0"/>
-              </a:rPr>
-              <a:t>UK, </a:t>
-            </a:r>
-            <a:r>
-              <a:rPr lang="it-IT" sz="2500" dirty="0" err="1">
-                <a:latin typeface="Arial" panose="020B0604020202020204" pitchFamily="34" charset="0"/>
-                <a:cs typeface="Arial" panose="020B0604020202020204" pitchFamily="34" charset="0"/>
-              </a:rPr>
-              <a:t>Ireland</a:t>
-            </a:r>
-            <a:r>
-              <a:rPr lang="it-IT" sz="2500" dirty="0">
-                <a:latin typeface="Arial" panose="020B0604020202020204" pitchFamily="34" charset="0"/>
-                <a:cs typeface="Arial" panose="020B0604020202020204" pitchFamily="34" charset="0"/>
-              </a:rPr>
-              <a:t>, Netherlands, Luxembourg:</a:t>
-            </a:r>
-          </a:p>
-          <a:p>
-            <a:pPr marL="0" indent="0" algn="just">
-              <a:buNone/>
-            </a:pPr>
-            <a:r>
-              <a:rPr lang="it-IT" sz="2500" dirty="0">
-                <a:latin typeface="Arial" panose="020B0604020202020204" pitchFamily="34" charset="0"/>
-                <a:cs typeface="Arial" panose="020B0604020202020204" pitchFamily="34" charset="0"/>
-              </a:rPr>
-              <a:t>🌥️ Low </a:t>
-            </a:r>
-            <a:r>
-              <a:rPr lang="it-IT" sz="2500" dirty="0" err="1">
-                <a:latin typeface="Arial" panose="020B0604020202020204" pitchFamily="34" charset="0"/>
-                <a:cs typeface="Arial" panose="020B0604020202020204" pitchFamily="34" charset="0"/>
-              </a:rPr>
-              <a:t>exposure</a:t>
-            </a:r>
-            <a:r>
-              <a:rPr lang="it-IT" sz="2500" dirty="0">
-                <a:latin typeface="Arial" panose="020B0604020202020204" pitchFamily="34" charset="0"/>
-                <a:cs typeface="Arial" panose="020B0604020202020204" pitchFamily="34" charset="0"/>
-              </a:rPr>
-              <a:t> to UVB</a:t>
-            </a:r>
-          </a:p>
-          <a:p>
-            <a:pPr marL="0" indent="0" algn="just">
-              <a:buNone/>
-            </a:pPr>
-            <a:r>
-              <a:rPr lang="it-IT" sz="2500" dirty="0">
-                <a:latin typeface="Arial" panose="020B0604020202020204" pitchFamily="34" charset="0"/>
-                <a:cs typeface="Arial" panose="020B0604020202020204" pitchFamily="34" charset="0"/>
-              </a:rPr>
-              <a:t>📈 Positive </a:t>
-            </a:r>
-            <a:r>
-              <a:rPr lang="it-IT" sz="2500" dirty="0" err="1">
-                <a:latin typeface="Arial" panose="020B0604020202020204" pitchFamily="34" charset="0"/>
-                <a:cs typeface="Arial" panose="020B0604020202020204" pitchFamily="34" charset="0"/>
-              </a:rPr>
-              <a:t>relationship</a:t>
-            </a:r>
-            <a:endParaRPr lang="it-IT" sz="2500" dirty="0">
-              <a:latin typeface="Arial" panose="020B0604020202020204" pitchFamily="34" charset="0"/>
-              <a:cs typeface="Arial" panose="020B0604020202020204" pitchFamily="34" charset="0"/>
-            </a:endParaRPr>
-          </a:p>
-          <a:p>
-            <a:pPr marL="0" indent="0" algn="just">
-              <a:buNone/>
-            </a:pPr>
-            <a:endParaRPr lang="it-IT" sz="2500" dirty="0">
-              <a:latin typeface="Arial" panose="020B0604020202020204" pitchFamily="34" charset="0"/>
-              <a:cs typeface="Arial" panose="020B0604020202020204" pitchFamily="34" charset="0"/>
-            </a:endParaRPr>
-          </a:p>
-          <a:p>
-            <a:pPr marL="0" indent="0" algn="just">
-              <a:buNone/>
-            </a:pPr>
-            <a:r>
-              <a:rPr lang="it-IT" sz="2500" dirty="0" err="1">
-                <a:latin typeface="Arial" panose="020B0604020202020204" pitchFamily="34" charset="0"/>
-                <a:cs typeface="Arial" panose="020B0604020202020204" pitchFamily="34" charset="0"/>
-              </a:rPr>
-              <a:t>Belgium</a:t>
-            </a:r>
-            <a:r>
-              <a:rPr lang="it-IT" sz="2500" dirty="0">
-                <a:latin typeface="Arial" panose="020B0604020202020204" pitchFamily="34" charset="0"/>
-                <a:cs typeface="Arial" panose="020B0604020202020204" pitchFamily="34" charset="0"/>
-              </a:rPr>
-              <a:t>, WG, </a:t>
-            </a:r>
-            <a:r>
-              <a:rPr lang="it-IT" sz="2500" dirty="0" err="1">
-                <a:latin typeface="Arial" panose="020B0604020202020204" pitchFamily="34" charset="0"/>
-                <a:cs typeface="Arial" panose="020B0604020202020204" pitchFamily="34" charset="0"/>
-              </a:rPr>
-              <a:t>Denmark</a:t>
-            </a:r>
-            <a:r>
-              <a:rPr lang="it-IT" sz="2500" dirty="0">
-                <a:latin typeface="Arial" panose="020B0604020202020204" pitchFamily="34" charset="0"/>
-                <a:cs typeface="Arial" panose="020B0604020202020204" pitchFamily="34" charset="0"/>
-              </a:rPr>
-              <a:t>:</a:t>
-            </a:r>
-          </a:p>
-          <a:p>
-            <a:pPr marL="0" indent="0" algn="just">
-              <a:buNone/>
-            </a:pPr>
-            <a:r>
-              <a:rPr lang="it-IT" sz="2500" dirty="0">
-                <a:latin typeface="Arial" panose="020B0604020202020204" pitchFamily="34" charset="0"/>
-                <a:cs typeface="Arial" panose="020B0604020202020204" pitchFamily="34" charset="0"/>
-              </a:rPr>
-              <a:t>🌥️ Low </a:t>
-            </a:r>
-            <a:r>
-              <a:rPr lang="it-IT" sz="2500" dirty="0" err="1">
-                <a:latin typeface="Arial" panose="020B0604020202020204" pitchFamily="34" charset="0"/>
-                <a:cs typeface="Arial" panose="020B0604020202020204" pitchFamily="34" charset="0"/>
-              </a:rPr>
-              <a:t>exposure</a:t>
-            </a:r>
-            <a:r>
-              <a:rPr lang="it-IT" sz="2500" dirty="0">
-                <a:latin typeface="Arial" panose="020B0604020202020204" pitchFamily="34" charset="0"/>
-                <a:cs typeface="Arial" panose="020B0604020202020204" pitchFamily="34" charset="0"/>
-              </a:rPr>
-              <a:t> to UVB</a:t>
-            </a:r>
-          </a:p>
-          <a:p>
-            <a:pPr marL="0" indent="0" algn="just">
-              <a:buNone/>
-            </a:pPr>
-            <a:r>
-              <a:rPr lang="it-IT" sz="2500" dirty="0">
-                <a:latin typeface="Arial" panose="020B0604020202020204" pitchFamily="34" charset="0"/>
-                <a:cs typeface="Arial" panose="020B0604020202020204" pitchFamily="34" charset="0"/>
-              </a:rPr>
-              <a:t>📉 Negative </a:t>
-            </a:r>
-            <a:r>
-              <a:rPr lang="it-IT" sz="2500" dirty="0" err="1">
-                <a:latin typeface="Arial" panose="020B0604020202020204" pitchFamily="34" charset="0"/>
-                <a:cs typeface="Arial" panose="020B0604020202020204" pitchFamily="34" charset="0"/>
-              </a:rPr>
-              <a:t>relationship</a:t>
-            </a:r>
-            <a:endParaRPr lang="it-IT" sz="2500" dirty="0">
-              <a:latin typeface="Arial" panose="020B0604020202020204" pitchFamily="34" charset="0"/>
-              <a:cs typeface="Arial" panose="020B0604020202020204" pitchFamily="34" charset="0"/>
-            </a:endParaRPr>
-          </a:p>
-          <a:p>
-            <a:pPr marL="0" indent="0" algn="just">
-              <a:buNone/>
-            </a:pPr>
-            <a:endParaRPr lang="it-IT" sz="2500" dirty="0">
-              <a:latin typeface="Arial" panose="020B0604020202020204" pitchFamily="34" charset="0"/>
-              <a:cs typeface="Arial" panose="020B0604020202020204" pitchFamily="34" charset="0"/>
-            </a:endParaRPr>
-          </a:p>
-          <a:p>
-            <a:pPr marL="0" indent="0" algn="just">
-              <a:buNone/>
-            </a:pPr>
-            <a:r>
-              <a:rPr lang="it-IT" sz="2500" dirty="0" err="1">
-                <a:latin typeface="Arial" panose="020B0604020202020204" pitchFamily="34" charset="0"/>
-                <a:cs typeface="Arial" panose="020B0604020202020204" pitchFamily="34" charset="0"/>
-              </a:rPr>
-              <a:t>Italy</a:t>
-            </a:r>
-            <a:r>
-              <a:rPr lang="it-IT" sz="2500" dirty="0">
-                <a:latin typeface="Arial" panose="020B0604020202020204" pitchFamily="34" charset="0"/>
-                <a:cs typeface="Arial" panose="020B0604020202020204" pitchFamily="34" charset="0"/>
-              </a:rPr>
-              <a:t>:</a:t>
-            </a:r>
-          </a:p>
-          <a:p>
-            <a:pPr marL="0" indent="0" algn="just">
-              <a:buNone/>
-            </a:pPr>
-            <a:r>
-              <a:rPr lang="it-IT" sz="2500" dirty="0">
-                <a:latin typeface="Arial" panose="020B0604020202020204" pitchFamily="34" charset="0"/>
-                <a:cs typeface="Arial" panose="020B0604020202020204" pitchFamily="34" charset="0"/>
-              </a:rPr>
-              <a:t>☀️ High(est) </a:t>
-            </a:r>
-            <a:r>
-              <a:rPr lang="it-IT" sz="2500" dirty="0" err="1">
-                <a:latin typeface="Arial" panose="020B0604020202020204" pitchFamily="34" charset="0"/>
-                <a:cs typeface="Arial" panose="020B0604020202020204" pitchFamily="34" charset="0"/>
-              </a:rPr>
-              <a:t>exposure</a:t>
-            </a:r>
-            <a:r>
-              <a:rPr lang="it-IT" sz="2500" dirty="0">
-                <a:latin typeface="Arial" panose="020B0604020202020204" pitchFamily="34" charset="0"/>
-                <a:cs typeface="Arial" panose="020B0604020202020204" pitchFamily="34" charset="0"/>
-              </a:rPr>
-              <a:t> to UVB</a:t>
-            </a:r>
-          </a:p>
-          <a:p>
-            <a:pPr marL="0" indent="0" algn="just">
-              <a:buNone/>
-            </a:pPr>
-            <a:r>
-              <a:rPr lang="it-IT" sz="2500" dirty="0">
-                <a:latin typeface="Arial" panose="020B0604020202020204" pitchFamily="34" charset="0"/>
-                <a:cs typeface="Arial" panose="020B0604020202020204" pitchFamily="34" charset="0"/>
-              </a:rPr>
-              <a:t>📉 Negative </a:t>
-            </a:r>
-            <a:r>
-              <a:rPr lang="it-IT" sz="2500" dirty="0" err="1">
-                <a:latin typeface="Arial" panose="020B0604020202020204" pitchFamily="34" charset="0"/>
-                <a:cs typeface="Arial" panose="020B0604020202020204" pitchFamily="34" charset="0"/>
-              </a:rPr>
-              <a:t>relationship</a:t>
-            </a:r>
-            <a:endParaRPr lang="it-IT" sz="2500" dirty="0">
-              <a:latin typeface="Arial" panose="020B0604020202020204" pitchFamily="34" charset="0"/>
-              <a:cs typeface="Arial" panose="020B0604020202020204" pitchFamily="34" charset="0"/>
-            </a:endParaRPr>
-          </a:p>
-          <a:p>
-            <a:pPr marL="0" indent="0" algn="just">
-              <a:buNone/>
-            </a:pPr>
-            <a:endParaRPr lang="it-IT" sz="2500" dirty="0">
-              <a:latin typeface="Arial" panose="020B0604020202020204" pitchFamily="34" charset="0"/>
-              <a:cs typeface="Arial" panose="020B0604020202020204" pitchFamily="34" charset="0"/>
-            </a:endParaRPr>
-          </a:p>
-          <a:p>
-            <a:pPr marL="0" indent="0" algn="just">
-              <a:buNone/>
-            </a:pPr>
-            <a:r>
-              <a:rPr lang="it-IT" sz="2500" dirty="0">
-                <a:latin typeface="Arial" panose="020B0604020202020204" pitchFamily="34" charset="0"/>
-                <a:cs typeface="Arial" panose="020B0604020202020204" pitchFamily="34" charset="0"/>
-              </a:rPr>
-              <a:t>France:</a:t>
-            </a:r>
-          </a:p>
-          <a:p>
-            <a:pPr marL="0" indent="0" algn="just">
-              <a:buNone/>
-            </a:pPr>
-            <a:r>
-              <a:rPr lang="it-IT" sz="2500" dirty="0">
-                <a:latin typeface="Arial" panose="020B0604020202020204" pitchFamily="34" charset="0"/>
-                <a:cs typeface="Arial" panose="020B0604020202020204" pitchFamily="34" charset="0"/>
-              </a:rPr>
-              <a:t>🌤️ </a:t>
-            </a:r>
-            <a:r>
-              <a:rPr lang="it-IT" sz="2500" dirty="0" err="1">
-                <a:latin typeface="Arial" panose="020B0604020202020204" pitchFamily="34" charset="0"/>
-                <a:cs typeface="Arial" panose="020B0604020202020204" pitchFamily="34" charset="0"/>
-              </a:rPr>
-              <a:t>Mid</a:t>
-            </a:r>
-            <a:r>
-              <a:rPr lang="it-IT" sz="2500" dirty="0">
-                <a:latin typeface="Arial" panose="020B0604020202020204" pitchFamily="34" charset="0"/>
-                <a:cs typeface="Arial" panose="020B0604020202020204" pitchFamily="34" charset="0"/>
-              </a:rPr>
-              <a:t> </a:t>
-            </a:r>
-            <a:r>
-              <a:rPr lang="it-IT" sz="2500" dirty="0" err="1">
-                <a:latin typeface="Arial" panose="020B0604020202020204" pitchFamily="34" charset="0"/>
-                <a:cs typeface="Arial" panose="020B0604020202020204" pitchFamily="34" charset="0"/>
-              </a:rPr>
-              <a:t>exposure</a:t>
-            </a:r>
-            <a:r>
-              <a:rPr lang="it-IT" sz="2500" dirty="0">
-                <a:latin typeface="Arial" panose="020B0604020202020204" pitchFamily="34" charset="0"/>
-                <a:cs typeface="Arial" panose="020B0604020202020204" pitchFamily="34" charset="0"/>
-              </a:rPr>
-              <a:t> to UVB</a:t>
-            </a:r>
-          </a:p>
-          <a:p>
-            <a:pPr marL="0" indent="0" algn="just">
-              <a:buNone/>
-            </a:pPr>
-            <a:r>
-              <a:rPr lang="it-IT" sz="2500" dirty="0">
-                <a:latin typeface="Arial" panose="020B0604020202020204" pitchFamily="34" charset="0"/>
-                <a:cs typeface="Arial" panose="020B0604020202020204" pitchFamily="34" charset="0"/>
-              </a:rPr>
-              <a:t>📉 (</a:t>
-            </a:r>
-            <a:r>
-              <a:rPr lang="it-IT" sz="2500" dirty="0" err="1">
-                <a:latin typeface="Arial" panose="020B0604020202020204" pitchFamily="34" charset="0"/>
-                <a:cs typeface="Arial" panose="020B0604020202020204" pitchFamily="34" charset="0"/>
-              </a:rPr>
-              <a:t>slightly</a:t>
-            </a:r>
-            <a:r>
-              <a:rPr lang="it-IT" sz="2500" dirty="0">
-                <a:latin typeface="Arial" panose="020B0604020202020204" pitchFamily="34" charset="0"/>
-                <a:cs typeface="Arial" panose="020B0604020202020204" pitchFamily="34" charset="0"/>
-              </a:rPr>
-              <a:t>) Negative </a:t>
-            </a:r>
-            <a:r>
-              <a:rPr lang="it-IT" sz="2500" dirty="0" err="1">
-                <a:latin typeface="Arial" panose="020B0604020202020204" pitchFamily="34" charset="0"/>
-                <a:cs typeface="Arial" panose="020B0604020202020204" pitchFamily="34" charset="0"/>
-              </a:rPr>
-              <a:t>relationship</a:t>
-            </a:r>
-            <a:endParaRPr lang="it-IT" sz="2500" dirty="0">
-              <a:latin typeface="Arial" panose="020B0604020202020204" pitchFamily="34" charset="0"/>
-              <a:cs typeface="Arial" panose="020B0604020202020204" pitchFamily="34" charset="0"/>
-            </a:endParaRPr>
-          </a:p>
-          <a:p>
-            <a:pPr marL="0" indent="0" algn="just">
-              <a:buNone/>
-            </a:pPr>
-            <a:endParaRPr lang="it-IT" sz="2500" dirty="0">
-              <a:latin typeface="Arial" panose="020B0604020202020204" pitchFamily="34" charset="0"/>
-              <a:cs typeface="Arial" panose="020B0604020202020204" pitchFamily="34" charset="0"/>
-            </a:endParaRPr>
-          </a:p>
-          <a:p>
-            <a:pPr marL="0" indent="0" algn="just">
-              <a:buNone/>
-            </a:pPr>
-            <a:endParaRPr lang="it-IT" sz="2500" dirty="0">
-              <a:latin typeface="Arial" panose="020B0604020202020204" pitchFamily="34" charset="0"/>
-              <a:cs typeface="Arial" panose="020B0604020202020204" pitchFamily="34" charset="0"/>
-            </a:endParaRPr>
-          </a:p>
-        </p:txBody>
-      </p:sp>
-    </p:spTree>
-    <p:extLst>
-      <p:ext uri="{BB962C8B-B14F-4D97-AF65-F5344CB8AC3E}">
-        <p14:creationId xmlns:p14="http://schemas.microsoft.com/office/powerpoint/2010/main" val="2167095892"/>
-      </p:ext>
-    </p:extLst>
-  </p:cSld>
-  <p:clrMapOvr>
-    <a:masterClrMapping/>
-  </p:clrMapOvr>
-</p:sld>
-</file>
-
-<file path=ppt/slides/slide11.xml><?xml version="1.0" encoding="utf-8"?>
-<p:sld xmlns:a="http://schemas.openxmlformats.org/drawingml/2006/main" xmlns:r="http://schemas.openxmlformats.org/officeDocument/2006/relationships" xmlns:p="http://schemas.openxmlformats.org/presentationml/2006/main">
-  <p:cSld>
-    <p:spTree>
-      <p:nvGrpSpPr>
         <p:cNvPr id="1" name="">
           <a:extLst>
             <a:ext uri="{FF2B5EF4-FFF2-40B4-BE49-F238E27FC236}">
@@ -10003,7 +10924,7 @@
 </p:sld>
 </file>
 
-<file path=ppt/slides/slide12.xml><?xml version="1.0" encoding="utf-8"?>
+<file path=ppt/slides/slide11.xml><?xml version="1.0" encoding="utf-8"?>
 <p:sld xmlns:a="http://schemas.openxmlformats.org/drawingml/2006/main" xmlns:r="http://schemas.openxmlformats.org/officeDocument/2006/relationships" xmlns:p="http://schemas.openxmlformats.org/presentationml/2006/main">
   <p:cSld>
     <p:spTree>
@@ -10288,6 +11209,1077 @@
     <p:extLst>
       <p:ext uri="{BB962C8B-B14F-4D97-AF65-F5344CB8AC3E}">
         <p14:creationId xmlns:p14="http://schemas.microsoft.com/office/powerpoint/2010/main" val="3890248502"/>
+      </p:ext>
+    </p:extLst>
+  </p:cSld>
+  <p:clrMapOvr>
+    <a:masterClrMapping/>
+  </p:clrMapOvr>
+</p:sld>
+</file>
+
+<file path=ppt/slides/slide12.xml><?xml version="1.0" encoding="utf-8"?>
+<p:sld xmlns:a="http://schemas.openxmlformats.org/drawingml/2006/main" xmlns:r="http://schemas.openxmlformats.org/officeDocument/2006/relationships" xmlns:p="http://schemas.openxmlformats.org/presentationml/2006/main">
+  <p:cSld>
+    <p:spTree>
+      <p:nvGrpSpPr>
+        <p:cNvPr id="1" name=""/>
+        <p:cNvGrpSpPr/>
+        <p:nvPr/>
+      </p:nvGrpSpPr>
+      <p:grpSpPr>
+        <a:xfrm>
+          <a:off x="0" y="0"/>
+          <a:ext cx="0" cy="0"/>
+          <a:chOff x="0" y="0"/>
+          <a:chExt cx="0" cy="0"/>
+        </a:xfrm>
+      </p:grpSpPr>
+      <mc:AlternateContent xmlns:mc="http://schemas.openxmlformats.org/markup-compatibility/2006" xmlns:a14="http://schemas.microsoft.com/office/drawing/2010/main">
+        <mc:Choice Requires="a14">
+          <p:sp>
+            <p:nvSpPr>
+              <p:cNvPr id="10" name="Segnaposto contenuto 2">
+                <a:extLst>
+                  <a:ext uri="{FF2B5EF4-FFF2-40B4-BE49-F238E27FC236}">
+                    <a16:creationId xmlns:a16="http://schemas.microsoft.com/office/drawing/2014/main" id="{30E0BD5B-749D-C756-80B6-7AE31ADA4901}"/>
+                  </a:ext>
+                </a:extLst>
+              </p:cNvPr>
+              <p:cNvSpPr>
+                <a:spLocks noGrp="1"/>
+              </p:cNvSpPr>
+              <p:nvPr>
+                <p:ph idx="1"/>
+              </p:nvPr>
+            </p:nvSpPr>
+            <p:spPr>
+              <a:xfrm>
+                <a:off x="838200" y="1508125"/>
+                <a:ext cx="10515600" cy="5851191"/>
+              </a:xfrm>
+            </p:spPr>
+            <p:txBody>
+              <a:bodyPr>
+                <a:normAutofit lnSpcReduction="10000"/>
+              </a:bodyPr>
+              <a:lstStyle/>
+              <a:p>
+                <a:pPr marL="0" indent="0">
+                  <a:buNone/>
+                </a:pPr>
+                <a:r>
+                  <a:rPr lang="it-IT" sz="2500" dirty="0">
+                    <a:effectLst/>
+                    <a:latin typeface="Arial" panose="020B0604020202020204" pitchFamily="34" charset="0"/>
+                    <a:cs typeface="Arial" panose="020B0604020202020204" pitchFamily="34" charset="0"/>
+                  </a:rPr>
+                  <a:t>Multi-</a:t>
+                </a:r>
+                <a:r>
+                  <a:rPr lang="it-IT" sz="2500" dirty="0" err="1">
+                    <a:effectLst/>
+                    <a:latin typeface="Arial" panose="020B0604020202020204" pitchFamily="34" charset="0"/>
+                    <a:cs typeface="Arial" panose="020B0604020202020204" pitchFamily="34" charset="0"/>
+                  </a:rPr>
+                  <a:t>level</a:t>
+                </a:r>
+                <a:r>
+                  <a:rPr lang="it-IT" sz="2500" dirty="0">
+                    <a:effectLst/>
+                    <a:latin typeface="Arial" panose="020B0604020202020204" pitchFamily="34" charset="0"/>
+                    <a:cs typeface="Arial" panose="020B0604020202020204" pitchFamily="34" charset="0"/>
+                  </a:rPr>
+                  <a:t> model </a:t>
+                </a:r>
+                <a:r>
+                  <a:rPr lang="it-IT" sz="2500" dirty="0" err="1">
+                    <a:effectLst/>
+                    <a:latin typeface="Arial" panose="020B0604020202020204" pitchFamily="34" charset="0"/>
+                    <a:cs typeface="Arial" panose="020B0604020202020204" pitchFamily="34" charset="0"/>
+                  </a:rPr>
+                  <a:t>based</a:t>
+                </a:r>
+                <a:r>
+                  <a:rPr lang="it-IT" sz="2500" dirty="0">
+                    <a:effectLst/>
+                    <a:latin typeface="Arial" panose="020B0604020202020204" pitchFamily="34" charset="0"/>
+                    <a:cs typeface="Arial" panose="020B0604020202020204" pitchFamily="34" charset="0"/>
+                  </a:rPr>
+                  <a:t> on </a:t>
+                </a:r>
+                <a:r>
+                  <a:rPr lang="it-IT" sz="2500" dirty="0" err="1">
+                    <a:effectLst/>
+                    <a:latin typeface="Arial" panose="020B0604020202020204" pitchFamily="34" charset="0"/>
+                    <a:cs typeface="Arial" panose="020B0604020202020204" pitchFamily="34" charset="0"/>
+                  </a:rPr>
+                  <a:t>generalized</a:t>
+                </a:r>
+                <a:r>
+                  <a:rPr lang="it-IT" sz="2500" dirty="0">
+                    <a:effectLst/>
+                    <a:latin typeface="Arial" panose="020B0604020202020204" pitchFamily="34" charset="0"/>
+                    <a:cs typeface="Arial" panose="020B0604020202020204" pitchFamily="34" charset="0"/>
+                  </a:rPr>
+                  <a:t> </a:t>
+                </a:r>
+                <a:r>
+                  <a:rPr lang="it-IT" sz="2500" dirty="0" err="1">
+                    <a:effectLst/>
+                    <a:latin typeface="Arial" panose="020B0604020202020204" pitchFamily="34" charset="0"/>
+                    <a:cs typeface="Arial" panose="020B0604020202020204" pitchFamily="34" charset="0"/>
+                  </a:rPr>
+                  <a:t>least</a:t>
+                </a:r>
+                <a:r>
+                  <a:rPr lang="it-IT" sz="2500" dirty="0">
+                    <a:effectLst/>
+                    <a:latin typeface="Arial" panose="020B0604020202020204" pitchFamily="34" charset="0"/>
+                    <a:cs typeface="Arial" panose="020B0604020202020204" pitchFamily="34" charset="0"/>
+                  </a:rPr>
+                  <a:t> </a:t>
+                </a:r>
+                <a:r>
+                  <a:rPr lang="it-IT" sz="2500" dirty="0" err="1">
+                    <a:effectLst/>
+                    <a:latin typeface="Arial" panose="020B0604020202020204" pitchFamily="34" charset="0"/>
+                    <a:cs typeface="Arial" panose="020B0604020202020204" pitchFamily="34" charset="0"/>
+                  </a:rPr>
+                  <a:t>squares</a:t>
+                </a:r>
+                <a:r>
+                  <a:rPr lang="it-IT" sz="2500" dirty="0">
+                    <a:effectLst/>
+                    <a:latin typeface="Arial" panose="020B0604020202020204" pitchFamily="34" charset="0"/>
+                    <a:cs typeface="Arial" panose="020B0604020202020204" pitchFamily="34" charset="0"/>
+                  </a:rPr>
+                  <a:t> </a:t>
+                </a:r>
+                <a:r>
+                  <a:rPr lang="it-IT" sz="2500" dirty="0" err="1">
+                    <a:effectLst/>
+                    <a:latin typeface="Arial" panose="020B0604020202020204" pitchFamily="34" charset="0"/>
+                    <a:cs typeface="Arial" panose="020B0604020202020204" pitchFamily="34" charset="0"/>
+                  </a:rPr>
+                  <a:t>estimation</a:t>
+                </a:r>
+                <a:r>
+                  <a:rPr lang="it-IT" sz="2500" dirty="0">
+                    <a:effectLst/>
+                    <a:latin typeface="Arial" panose="020B0604020202020204" pitchFamily="34" charset="0"/>
+                    <a:cs typeface="Arial" panose="020B0604020202020204" pitchFamily="34" charset="0"/>
+                  </a:rPr>
+                  <a:t>:</a:t>
+                </a:r>
+              </a:p>
+              <a:p>
+                <a:pPr marL="0" indent="0">
+                  <a:buNone/>
+                </a:pPr>
+                <a:endParaRPr lang="it-IT" sz="2500" dirty="0">
+                  <a:effectLst/>
+                  <a:latin typeface="Arial" panose="020B0604020202020204" pitchFamily="34" charset="0"/>
+                  <a:cs typeface="Arial" panose="020B0604020202020204" pitchFamily="34" charset="0"/>
+                </a:endParaRPr>
+              </a:p>
+              <a:p>
+                <a:pPr marL="0" indent="0">
+                  <a:buNone/>
+                </a:pPr>
+                <a14:m>
+                  <m:oMathPara xmlns:m="http://schemas.openxmlformats.org/officeDocument/2006/math">
+                    <m:oMathParaPr>
+                      <m:jc m:val="centerGroup"/>
+                    </m:oMathParaPr>
+                    <m:oMath xmlns:m="http://schemas.openxmlformats.org/officeDocument/2006/math">
+                      <m:r>
+                        <a:rPr lang="it-IT" sz="2500" b="0" i="1" smtClean="0">
+                          <a:latin typeface="Cambria Math" panose="02040503050406030204" pitchFamily="18" charset="0"/>
+                          <a:cs typeface="Arial" panose="020B0604020202020204" pitchFamily="34" charset="0"/>
+                        </a:rPr>
+                        <m:t>𝑌</m:t>
+                      </m:r>
+                      <m:r>
+                        <a:rPr lang="it-IT" sz="2500" b="0" i="1" smtClean="0">
+                          <a:latin typeface="Cambria Math" panose="02040503050406030204" pitchFamily="18" charset="0"/>
+                          <a:cs typeface="Arial" panose="020B0604020202020204" pitchFamily="34" charset="0"/>
+                        </a:rPr>
+                        <m:t>=</m:t>
+                      </m:r>
+                      <m:r>
+                        <a:rPr lang="it-IT" sz="2500" b="0" i="1" smtClean="0">
+                          <a:latin typeface="Cambria Math" panose="02040503050406030204" pitchFamily="18" charset="0"/>
+                          <a:cs typeface="Arial" panose="020B0604020202020204" pitchFamily="34" charset="0"/>
+                        </a:rPr>
+                        <m:t>𝑋</m:t>
+                      </m:r>
+                      <m:r>
+                        <a:rPr lang="it-IT" sz="2500" b="0" i="1" smtClean="0">
+                          <a:latin typeface="Cambria Math" panose="02040503050406030204" pitchFamily="18" charset="0"/>
+                          <a:ea typeface="Cambria Math" panose="02040503050406030204" pitchFamily="18" charset="0"/>
+                          <a:cs typeface="Arial" panose="020B0604020202020204" pitchFamily="34" charset="0"/>
+                        </a:rPr>
+                        <m:t>𝛽</m:t>
+                      </m:r>
+                      <m:r>
+                        <a:rPr lang="it-IT" sz="2500" b="0" i="1" smtClean="0">
+                          <a:latin typeface="Cambria Math" panose="02040503050406030204" pitchFamily="18" charset="0"/>
+                          <a:ea typeface="Cambria Math" panose="02040503050406030204" pitchFamily="18" charset="0"/>
+                          <a:cs typeface="Arial" panose="020B0604020202020204" pitchFamily="34" charset="0"/>
+                        </a:rPr>
+                        <m:t>+</m:t>
+                      </m:r>
+                      <m:r>
+                        <a:rPr lang="it-IT" sz="2500" b="0" i="1" smtClean="0">
+                          <a:latin typeface="Cambria Math" panose="02040503050406030204" pitchFamily="18" charset="0"/>
+                          <a:ea typeface="Cambria Math" panose="02040503050406030204" pitchFamily="18" charset="0"/>
+                          <a:cs typeface="Arial" panose="020B0604020202020204" pitchFamily="34" charset="0"/>
+                        </a:rPr>
+                        <m:t>𝑍</m:t>
+                      </m:r>
+                      <m:r>
+                        <a:rPr lang="it-IT" sz="2500" b="0" i="1" smtClean="0">
+                          <a:latin typeface="Cambria Math" panose="02040503050406030204" pitchFamily="18" charset="0"/>
+                          <a:ea typeface="Cambria Math" panose="02040503050406030204" pitchFamily="18" charset="0"/>
+                          <a:cs typeface="Arial" panose="020B0604020202020204" pitchFamily="34" charset="0"/>
+                        </a:rPr>
+                        <m:t>𝜃</m:t>
+                      </m:r>
+                    </m:oMath>
+                  </m:oMathPara>
+                </a14:m>
+                <a:endParaRPr lang="it-IT" sz="2500" dirty="0">
+                  <a:latin typeface="Arial" panose="020B0604020202020204" pitchFamily="34" charset="0"/>
+                  <a:cs typeface="Arial" panose="020B0604020202020204" pitchFamily="34" charset="0"/>
+                </a:endParaRPr>
+              </a:p>
+              <a:p>
+                <a:pPr marL="0" indent="0">
+                  <a:buNone/>
+                </a:pPr>
+                <a:endParaRPr lang="it-IT" sz="2500" dirty="0">
+                  <a:latin typeface="Arial" panose="020B0604020202020204" pitchFamily="34" charset="0"/>
+                  <a:cs typeface="Arial" panose="020B0604020202020204" pitchFamily="34" charset="0"/>
+                </a:endParaRPr>
+              </a:p>
+              <a:p>
+                <a:r>
+                  <a:rPr lang="it-IT" sz="2500" dirty="0">
+                    <a:latin typeface="Arial" panose="020B0604020202020204" pitchFamily="34" charset="0"/>
+                    <a:cs typeface="Arial" panose="020B0604020202020204" pitchFamily="34" charset="0"/>
+                  </a:rPr>
+                  <a:t>X design </a:t>
+                </a:r>
+                <a:r>
+                  <a:rPr lang="it-IT" sz="2500" dirty="0" err="1">
+                    <a:latin typeface="Arial" panose="020B0604020202020204" pitchFamily="34" charset="0"/>
+                    <a:cs typeface="Arial" panose="020B0604020202020204" pitchFamily="34" charset="0"/>
+                  </a:rPr>
+                  <a:t>matrix</a:t>
+                </a:r>
+                <a:r>
+                  <a:rPr lang="it-IT" sz="2500" dirty="0">
+                    <a:latin typeface="Arial" panose="020B0604020202020204" pitchFamily="34" charset="0"/>
+                    <a:cs typeface="Arial" panose="020B0604020202020204" pitchFamily="34" charset="0"/>
+                  </a:rPr>
+                  <a:t> </a:t>
+                </a:r>
+                <a:r>
+                  <a:rPr lang="it-IT" sz="2500" dirty="0" err="1">
+                    <a:latin typeface="Arial" panose="020B0604020202020204" pitchFamily="34" charset="0"/>
+                    <a:cs typeface="Arial" panose="020B0604020202020204" pitchFamily="34" charset="0"/>
+                  </a:rPr>
+                  <a:t>associated</a:t>
+                </a:r>
+                <a:r>
+                  <a:rPr lang="it-IT" sz="2500" dirty="0">
+                    <a:latin typeface="Arial" panose="020B0604020202020204" pitchFamily="34" charset="0"/>
+                    <a:cs typeface="Arial" panose="020B0604020202020204" pitchFamily="34" charset="0"/>
+                  </a:rPr>
+                  <a:t> with a </a:t>
+                </a:r>
+                <a:r>
+                  <a:rPr lang="it-IT" sz="2500" dirty="0" err="1">
+                    <a:latin typeface="Arial" panose="020B0604020202020204" pitchFamily="34" charset="0"/>
+                    <a:cs typeface="Arial" panose="020B0604020202020204" pitchFamily="34" charset="0"/>
+                  </a:rPr>
+                  <a:t>vector</a:t>
+                </a:r>
+                <a:r>
+                  <a:rPr lang="it-IT" sz="2500" dirty="0">
+                    <a:latin typeface="Arial" panose="020B0604020202020204" pitchFamily="34" charset="0"/>
+                    <a:cs typeface="Arial" panose="020B0604020202020204" pitchFamily="34" charset="0"/>
+                  </a:rPr>
+                  <a:t> of </a:t>
+                </a:r>
+                <a:r>
+                  <a:rPr lang="it-IT" sz="2500" dirty="0" err="1">
+                    <a:latin typeface="Arial" panose="020B0604020202020204" pitchFamily="34" charset="0"/>
+                    <a:cs typeface="Arial" panose="020B0604020202020204" pitchFamily="34" charset="0"/>
+                  </a:rPr>
+                  <a:t>fixed</a:t>
+                </a:r>
+                <a:r>
+                  <a:rPr lang="it-IT" sz="2500" dirty="0">
+                    <a:latin typeface="Arial" panose="020B0604020202020204" pitchFamily="34" charset="0"/>
+                    <a:cs typeface="Arial" panose="020B0604020202020204" pitchFamily="34" charset="0"/>
+                  </a:rPr>
+                  <a:t> parameters </a:t>
+                </a:r>
+                <a14:m>
+                  <m:oMath xmlns:m="http://schemas.openxmlformats.org/officeDocument/2006/math">
+                    <m:r>
+                      <a:rPr lang="it-IT" sz="2500" b="0" i="1" smtClean="0">
+                        <a:latin typeface="Cambria Math" panose="02040503050406030204" pitchFamily="18" charset="0"/>
+                        <a:ea typeface="Cambria Math" panose="02040503050406030204" pitchFamily="18" charset="0"/>
+                        <a:cs typeface="Arial" panose="020B0604020202020204" pitchFamily="34" charset="0"/>
+                      </a:rPr>
+                      <m:t>𝛽</m:t>
+                    </m:r>
+                  </m:oMath>
+                </a14:m>
+                <a:endParaRPr lang="it-IT" sz="2500" dirty="0">
+                  <a:latin typeface="Arial" panose="020B0604020202020204" pitchFamily="34" charset="0"/>
+                  <a:cs typeface="Arial" panose="020B0604020202020204" pitchFamily="34" charset="0"/>
+                </a:endParaRPr>
+              </a:p>
+              <a:p>
+                <a:r>
+                  <a:rPr lang="it-IT" sz="2500" dirty="0" err="1">
+                    <a:latin typeface="Arial" panose="020B0604020202020204" pitchFamily="34" charset="0"/>
+                    <a:cs typeface="Arial" panose="020B0604020202020204" pitchFamily="34" charset="0"/>
+                  </a:rPr>
+                  <a:t>Z</a:t>
+                </a:r>
+                <a:r>
+                  <a:rPr lang="it-IT" sz="2500" dirty="0">
+                    <a:latin typeface="Arial" panose="020B0604020202020204" pitchFamily="34" charset="0"/>
+                    <a:cs typeface="Arial" panose="020B0604020202020204" pitchFamily="34" charset="0"/>
+                  </a:rPr>
+                  <a:t> design </a:t>
+                </a:r>
+                <a:r>
+                  <a:rPr lang="it-IT" sz="2500" dirty="0" err="1">
+                    <a:latin typeface="Arial" panose="020B0604020202020204" pitchFamily="34" charset="0"/>
+                    <a:cs typeface="Arial" panose="020B0604020202020204" pitchFamily="34" charset="0"/>
+                  </a:rPr>
+                  <a:t>matrix</a:t>
+                </a:r>
+                <a:r>
+                  <a:rPr lang="it-IT" sz="2500" dirty="0">
+                    <a:latin typeface="Arial" panose="020B0604020202020204" pitchFamily="34" charset="0"/>
+                    <a:cs typeface="Arial" panose="020B0604020202020204" pitchFamily="34" charset="0"/>
+                  </a:rPr>
+                  <a:t> </a:t>
+                </a:r>
+                <a:r>
+                  <a:rPr lang="it-IT" sz="2500" dirty="0" err="1">
+                    <a:latin typeface="Arial" panose="020B0604020202020204" pitchFamily="34" charset="0"/>
+                    <a:cs typeface="Arial" panose="020B0604020202020204" pitchFamily="34" charset="0"/>
+                  </a:rPr>
+                  <a:t>associated</a:t>
+                </a:r>
+                <a:r>
+                  <a:rPr lang="it-IT" sz="2500" dirty="0">
+                    <a:latin typeface="Arial" panose="020B0604020202020204" pitchFamily="34" charset="0"/>
+                    <a:cs typeface="Arial" panose="020B0604020202020204" pitchFamily="34" charset="0"/>
+                  </a:rPr>
+                  <a:t> with a </a:t>
+                </a:r>
+                <a:r>
+                  <a:rPr lang="it-IT" sz="2500" dirty="0" err="1">
+                    <a:latin typeface="Arial" panose="020B0604020202020204" pitchFamily="34" charset="0"/>
+                    <a:cs typeface="Arial" panose="020B0604020202020204" pitchFamily="34" charset="0"/>
+                  </a:rPr>
+                  <a:t>vector</a:t>
+                </a:r>
+                <a:r>
+                  <a:rPr lang="it-IT" sz="2500" dirty="0">
+                    <a:latin typeface="Arial" panose="020B0604020202020204" pitchFamily="34" charset="0"/>
+                    <a:cs typeface="Arial" panose="020B0604020202020204" pitchFamily="34" charset="0"/>
+                  </a:rPr>
+                  <a:t> of random parameters </a:t>
+                </a:r>
+                <a14:m>
+                  <m:oMath xmlns:m="http://schemas.openxmlformats.org/officeDocument/2006/math">
+                    <m:r>
+                      <a:rPr lang="it-IT" sz="2500" b="0" i="1" smtClean="0">
+                        <a:latin typeface="Cambria Math" panose="02040503050406030204" pitchFamily="18" charset="0"/>
+                        <a:ea typeface="Cambria Math" panose="02040503050406030204" pitchFamily="18" charset="0"/>
+                        <a:cs typeface="Arial" panose="020B0604020202020204" pitchFamily="34" charset="0"/>
+                      </a:rPr>
+                      <m:t>𝜃</m:t>
+                    </m:r>
+                  </m:oMath>
+                </a14:m>
+                <a:endParaRPr lang="it-IT" sz="2500" dirty="0">
+                  <a:latin typeface="Arial" panose="020B0604020202020204" pitchFamily="34" charset="0"/>
+                  <a:cs typeface="Arial" panose="020B0604020202020204" pitchFamily="34" charset="0"/>
+                </a:endParaRPr>
+              </a:p>
+              <a:p>
+                <a:r>
+                  <a:rPr lang="it-IT" sz="2500" dirty="0">
+                    <a:latin typeface="Arial" panose="020B0604020202020204" pitchFamily="34" charset="0"/>
+                    <a:cs typeface="Arial" panose="020B0604020202020204" pitchFamily="34" charset="0"/>
+                  </a:rPr>
+                  <a:t>Y </a:t>
+                </a:r>
+                <a:r>
+                  <a:rPr lang="it-IT" sz="2500" dirty="0" err="1">
+                    <a:latin typeface="Arial" panose="020B0604020202020204" pitchFamily="34" charset="0"/>
+                    <a:cs typeface="Arial" panose="020B0604020202020204" pitchFamily="34" charset="0"/>
+                  </a:rPr>
+                  <a:t>vector</a:t>
+                </a:r>
+                <a:r>
+                  <a:rPr lang="it-IT" sz="2500" dirty="0">
+                    <a:latin typeface="Arial" panose="020B0604020202020204" pitchFamily="34" charset="0"/>
+                    <a:cs typeface="Arial" panose="020B0604020202020204" pitchFamily="34" charset="0"/>
+                  </a:rPr>
+                  <a:t> of </a:t>
+                </a:r>
+                <a:r>
+                  <a:rPr lang="it-IT" sz="2500" dirty="0" err="1">
+                    <a:latin typeface="Arial" panose="020B0604020202020204" pitchFamily="34" charset="0"/>
+                    <a:cs typeface="Arial" panose="020B0604020202020204" pitchFamily="34" charset="0"/>
+                  </a:rPr>
+                  <a:t>responses</a:t>
+                </a:r>
+                <a:endParaRPr lang="it-IT" sz="2500" dirty="0">
+                  <a:latin typeface="Arial" panose="020B0604020202020204" pitchFamily="34" charset="0"/>
+                  <a:cs typeface="Arial" panose="020B0604020202020204" pitchFamily="34" charset="0"/>
+                </a:endParaRPr>
+              </a:p>
+              <a:p>
+                <a:r>
+                  <a:rPr lang="it-IT" sz="2200" b="1" dirty="0">
+                    <a:solidFill>
+                      <a:srgbClr val="000000"/>
+                    </a:solidFill>
+                    <a:effectLst/>
+                    <a:latin typeface="Helvetica" pitchFamily="2" charset="0"/>
+                  </a:rPr>
+                  <a:t>Questo è solo un modo per scrivere il modello che vedrò fra poco quindi potrei anche tagliare e mettere </a:t>
+                </a:r>
+                <a:r>
+                  <a:rPr lang="it-IT" sz="2200" b="1" dirty="0" err="1">
+                    <a:solidFill>
+                      <a:srgbClr val="000000"/>
+                    </a:solidFill>
+                    <a:effectLst/>
+                    <a:latin typeface="Helvetica" pitchFamily="2" charset="0"/>
+                  </a:rPr>
+                  <a:t>direttametne</a:t>
+                </a:r>
+                <a:r>
+                  <a:rPr lang="it-IT" sz="2200" b="1" dirty="0">
+                    <a:solidFill>
+                      <a:srgbClr val="000000"/>
+                    </a:solidFill>
+                    <a:effectLst/>
+                    <a:latin typeface="Helvetica" pitchFamily="2" charset="0"/>
+                  </a:rPr>
+                  <a:t> il modello</a:t>
+                </a:r>
+                <a:endParaRPr lang="it-IT" sz="2500" dirty="0">
+                  <a:latin typeface="Arial" panose="020B0604020202020204" pitchFamily="34" charset="0"/>
+                  <a:cs typeface="Arial" panose="020B0604020202020204" pitchFamily="34" charset="0"/>
+                </a:endParaRPr>
+              </a:p>
+              <a:p>
+                <a:pPr marL="0" indent="0">
+                  <a:buNone/>
+                </a:pPr>
+                <a:r>
+                  <a:rPr lang="it-IT" sz="2500" dirty="0">
+                    <a:effectLst/>
+                    <a:latin typeface="Arial" panose="020B0604020202020204" pitchFamily="34" charset="0"/>
+                    <a:cs typeface="Arial" panose="020B0604020202020204" pitchFamily="34" charset="0"/>
+                  </a:rPr>
+                  <a:t>Here Y </a:t>
+                </a:r>
+                <a:r>
+                  <a:rPr lang="it-IT" sz="2500" dirty="0" err="1">
+                    <a:effectLst/>
+                    <a:latin typeface="Arial" panose="020B0604020202020204" pitchFamily="34" charset="0"/>
+                    <a:cs typeface="Arial" panose="020B0604020202020204" pitchFamily="34" charset="0"/>
+                  </a:rPr>
+                  <a:t>is</a:t>
+                </a:r>
+                <a:r>
+                  <a:rPr lang="it-IT" sz="2500" dirty="0">
+                    <a:effectLst/>
+                    <a:latin typeface="Arial" panose="020B0604020202020204" pitchFamily="34" charset="0"/>
+                    <a:cs typeface="Arial" panose="020B0604020202020204" pitchFamily="34" charset="0"/>
+                  </a:rPr>
+                  <a:t> a Poisson </a:t>
+                </a:r>
+                <a:r>
+                  <a:rPr lang="it-IT" sz="2500" dirty="0" err="1">
+                    <a:effectLst/>
+                    <a:latin typeface="Arial" panose="020B0604020202020204" pitchFamily="34" charset="0"/>
+                    <a:cs typeface="Arial" panose="020B0604020202020204" pitchFamily="34" charset="0"/>
+                  </a:rPr>
+                  <a:t>distributed</a:t>
+                </a:r>
+                <a:r>
+                  <a:rPr lang="it-IT" sz="2500" dirty="0">
+                    <a:effectLst/>
+                    <a:latin typeface="Arial" panose="020B0604020202020204" pitchFamily="34" charset="0"/>
+                    <a:cs typeface="Arial" panose="020B0604020202020204" pitchFamily="34" charset="0"/>
+                  </a:rPr>
+                  <a:t> </a:t>
+                </a:r>
+                <a:r>
+                  <a:rPr lang="it-IT" sz="2500" dirty="0" err="1">
+                    <a:effectLst/>
+                    <a:latin typeface="Arial" panose="020B0604020202020204" pitchFamily="34" charset="0"/>
+                    <a:cs typeface="Arial" panose="020B0604020202020204" pitchFamily="34" charset="0"/>
+                  </a:rPr>
+                  <a:t>response</a:t>
+                </a:r>
+                <a:r>
+                  <a:rPr lang="it-IT" sz="2500" dirty="0">
+                    <a:effectLst/>
+                    <a:latin typeface="Arial" panose="020B0604020202020204" pitchFamily="34" charset="0"/>
+                    <a:cs typeface="Arial" panose="020B0604020202020204" pitchFamily="34" charset="0"/>
+                  </a:rPr>
+                  <a:t> </a:t>
+                </a:r>
+                <a:r>
+                  <a:rPr lang="it-IT" sz="2500" dirty="0" err="1">
+                    <a:effectLst/>
+                    <a:latin typeface="Arial" panose="020B0604020202020204" pitchFamily="34" charset="0"/>
+                    <a:cs typeface="Arial" panose="020B0604020202020204" pitchFamily="34" charset="0"/>
+                  </a:rPr>
+                  <a:t>vector</a:t>
+                </a:r>
+                <a:r>
+                  <a:rPr lang="it-IT" sz="2500" dirty="0">
+                    <a:effectLst/>
+                    <a:latin typeface="Arial" panose="020B0604020202020204" pitchFamily="34" charset="0"/>
+                    <a:cs typeface="Arial" panose="020B0604020202020204" pitchFamily="34" charset="0"/>
+                  </a:rPr>
+                  <a:t> of </a:t>
+                </a:r>
+                <a:r>
+                  <a:rPr lang="it-IT" sz="2500" dirty="0" err="1">
+                    <a:effectLst/>
+                    <a:latin typeface="Arial" panose="020B0604020202020204" pitchFamily="34" charset="0"/>
+                    <a:cs typeface="Arial" panose="020B0604020202020204" pitchFamily="34" charset="0"/>
+                  </a:rPr>
+                  <a:t>observed</a:t>
+                </a:r>
+                <a:r>
+                  <a:rPr lang="it-IT" sz="2500" dirty="0">
+                    <a:effectLst/>
+                    <a:latin typeface="Arial" panose="020B0604020202020204" pitchFamily="34" charset="0"/>
+                    <a:cs typeface="Arial" panose="020B0604020202020204" pitchFamily="34" charset="0"/>
+                  </a:rPr>
+                  <a:t> cases (</a:t>
+                </a:r>
+                <a:r>
+                  <a:rPr lang="it-IT" sz="2500" dirty="0" err="1">
+                    <a:effectLst/>
+                    <a:latin typeface="Arial" panose="020B0604020202020204" pitchFamily="34" charset="0"/>
+                    <a:cs typeface="Arial" panose="020B0604020202020204" pitchFamily="34" charset="0"/>
+                  </a:rPr>
+                  <a:t>deaths</a:t>
+                </a:r>
+                <a:r>
+                  <a:rPr lang="it-IT" sz="2500" dirty="0">
+                    <a:effectLst/>
+                    <a:latin typeface="Arial" panose="020B0604020202020204" pitchFamily="34" charset="0"/>
+                    <a:cs typeface="Arial" panose="020B0604020202020204" pitchFamily="34" charset="0"/>
+                  </a:rPr>
+                  <a:t>), </a:t>
+                </a:r>
+                <a:r>
+                  <a:rPr lang="it-IT" sz="2500" dirty="0" err="1">
+                    <a:effectLst/>
+                    <a:latin typeface="Arial" panose="020B0604020202020204" pitchFamily="34" charset="0"/>
+                    <a:cs typeface="Arial" panose="020B0604020202020204" pitchFamily="34" charset="0"/>
+                  </a:rPr>
+                  <a:t>hence</a:t>
+                </a:r>
+                <a:r>
+                  <a:rPr lang="it-IT" sz="2500" dirty="0">
+                    <a:effectLst/>
+                    <a:latin typeface="Arial" panose="020B0604020202020204" pitchFamily="34" charset="0"/>
+                    <a:cs typeface="Arial" panose="020B0604020202020204" pitchFamily="34" charset="0"/>
+                  </a:rPr>
+                  <a:t> </a:t>
+                </a:r>
+                <a:r>
+                  <a:rPr lang="it-IT" sz="2500" dirty="0" err="1">
+                    <a:effectLst/>
+                    <a:latin typeface="Arial" panose="020B0604020202020204" pitchFamily="34" charset="0"/>
+                    <a:cs typeface="Arial" panose="020B0604020202020204" pitchFamily="34" charset="0"/>
+                  </a:rPr>
+                  <a:t>we</a:t>
+                </a:r>
+                <a:r>
+                  <a:rPr lang="it-IT" sz="2500" dirty="0">
+                    <a:effectLst/>
+                    <a:latin typeface="Arial" panose="020B0604020202020204" pitchFamily="34" charset="0"/>
+                    <a:cs typeface="Arial" panose="020B0604020202020204" pitchFamily="34" charset="0"/>
+                  </a:rPr>
+                  <a:t> </a:t>
+                </a:r>
+                <a:r>
+                  <a:rPr lang="it-IT" sz="2500" dirty="0" err="1">
+                    <a:effectLst/>
+                    <a:latin typeface="Arial" panose="020B0604020202020204" pitchFamily="34" charset="0"/>
+                    <a:cs typeface="Arial" panose="020B0604020202020204" pitchFamily="34" charset="0"/>
+                  </a:rPr>
+                  <a:t>need</a:t>
+                </a:r>
+                <a:r>
+                  <a:rPr lang="it-IT" sz="2500" dirty="0">
+                    <a:effectLst/>
+                    <a:latin typeface="Arial" panose="020B0604020202020204" pitchFamily="34" charset="0"/>
+                    <a:cs typeface="Arial" panose="020B0604020202020204" pitchFamily="34" charset="0"/>
+                  </a:rPr>
+                  <a:t> to include an offset of </a:t>
+                </a:r>
+                <a:r>
+                  <a:rPr lang="it-IT" sz="2500" dirty="0" err="1">
+                    <a:effectLst/>
+                    <a:latin typeface="Arial" panose="020B0604020202020204" pitchFamily="34" charset="0"/>
+                    <a:cs typeface="Arial" panose="020B0604020202020204" pitchFamily="34" charset="0"/>
+                  </a:rPr>
+                  <a:t>expected</a:t>
+                </a:r>
+                <a:r>
+                  <a:rPr lang="it-IT" sz="2500" dirty="0">
+                    <a:effectLst/>
+                    <a:latin typeface="Arial" panose="020B0604020202020204" pitchFamily="34" charset="0"/>
+                    <a:cs typeface="Arial" panose="020B0604020202020204" pitchFamily="34" charset="0"/>
+                  </a:rPr>
+                  <a:t> </a:t>
+                </a:r>
+                <a:r>
+                  <a:rPr lang="it-IT" sz="2500" dirty="0" err="1">
+                    <a:effectLst/>
+                    <a:latin typeface="Arial" panose="020B0604020202020204" pitchFamily="34" charset="0"/>
+                    <a:cs typeface="Arial" panose="020B0604020202020204" pitchFamily="34" charset="0"/>
+                  </a:rPr>
+                  <a:t>numbers</a:t>
+                </a:r>
+                <a:r>
+                  <a:rPr lang="it-IT" sz="2500" dirty="0">
+                    <a:effectLst/>
+                    <a:latin typeface="Arial" panose="020B0604020202020204" pitchFamily="34" charset="0"/>
+                    <a:cs typeface="Arial" panose="020B0604020202020204" pitchFamily="34" charset="0"/>
+                  </a:rPr>
+                  <a:t> of cases in the model (E) so </a:t>
+                </a:r>
+                <a:r>
+                  <a:rPr lang="it-IT" sz="2500" dirty="0" err="1">
+                    <a:effectLst/>
+                    <a:latin typeface="Arial" panose="020B0604020202020204" pitchFamily="34" charset="0"/>
+                    <a:cs typeface="Arial" panose="020B0604020202020204" pitchFamily="34" charset="0"/>
+                  </a:rPr>
+                  <a:t>that</a:t>
+                </a:r>
+                <a:r>
+                  <a:rPr lang="it-IT" sz="2500" dirty="0">
+                    <a:effectLst/>
+                    <a:latin typeface="Arial" panose="020B0604020202020204" pitchFamily="34" charset="0"/>
+                    <a:cs typeface="Arial" panose="020B0604020202020204" pitchFamily="34" charset="0"/>
+                  </a:rPr>
+                  <a:t>:</a:t>
+                </a:r>
+              </a:p>
+              <a:p>
+                <a:pPr marL="0" indent="0">
+                  <a:buNone/>
+                </a:pPr>
+                <a:endParaRPr lang="it-IT" sz="2500" dirty="0">
+                  <a:effectLst/>
+                  <a:latin typeface="Arial" panose="020B0604020202020204" pitchFamily="34" charset="0"/>
+                  <a:cs typeface="Arial" panose="020B0604020202020204" pitchFamily="34" charset="0"/>
+                </a:endParaRPr>
+              </a:p>
+              <a:p>
+                <a:pPr marL="0" indent="0">
+                  <a:buNone/>
+                </a:pPr>
+                <a14:m>
+                  <m:oMathPara xmlns:m="http://schemas.openxmlformats.org/officeDocument/2006/math">
+                    <m:oMathParaPr>
+                      <m:jc m:val="centerGroup"/>
+                    </m:oMathParaPr>
+                    <m:oMath xmlns:m="http://schemas.openxmlformats.org/officeDocument/2006/math">
+                      <m:r>
+                        <a:rPr lang="it-IT" sz="2500" b="0" i="1" smtClean="0">
+                          <a:latin typeface="Cambria Math" panose="02040503050406030204" pitchFamily="18" charset="0"/>
+                          <a:cs typeface="Arial" panose="020B0604020202020204" pitchFamily="34" charset="0"/>
+                        </a:rPr>
+                        <m:t>𝑂</m:t>
+                      </m:r>
+                      <m:r>
+                        <a:rPr lang="it-IT" sz="2500" b="0" i="1" smtClean="0">
+                          <a:latin typeface="Cambria Math" panose="02040503050406030204" pitchFamily="18" charset="0"/>
+                          <a:ea typeface="Cambria Math" panose="02040503050406030204" pitchFamily="18" charset="0"/>
+                          <a:cs typeface="Arial" panose="020B0604020202020204" pitchFamily="34" charset="0"/>
+                        </a:rPr>
+                        <m:t>~</m:t>
+                      </m:r>
+                      <m:r>
+                        <a:rPr lang="it-IT" sz="2500" b="0" i="1" smtClean="0">
+                          <a:latin typeface="Cambria Math" panose="02040503050406030204" pitchFamily="18" charset="0"/>
+                          <a:ea typeface="Cambria Math" panose="02040503050406030204" pitchFamily="18" charset="0"/>
+                          <a:cs typeface="Arial" panose="020B0604020202020204" pitchFamily="34" charset="0"/>
+                        </a:rPr>
+                        <m:t>𝑃𝑜𝑖𝑠𝑠𝑜𝑛</m:t>
+                      </m:r>
+                      <m:r>
+                        <a:rPr lang="it-IT" sz="2500" b="0" i="1" smtClean="0">
+                          <a:latin typeface="Cambria Math" panose="02040503050406030204" pitchFamily="18" charset="0"/>
+                          <a:ea typeface="Cambria Math" panose="02040503050406030204" pitchFamily="18" charset="0"/>
+                          <a:cs typeface="Arial" panose="020B0604020202020204" pitchFamily="34" charset="0"/>
+                        </a:rPr>
+                        <m:t>(</m:t>
+                      </m:r>
+                      <m:r>
+                        <a:rPr lang="it-IT" sz="2500" b="0" i="1" smtClean="0">
+                          <a:latin typeface="Cambria Math" panose="02040503050406030204" pitchFamily="18" charset="0"/>
+                          <a:ea typeface="Cambria Math" panose="02040503050406030204" pitchFamily="18" charset="0"/>
+                          <a:cs typeface="Arial" panose="020B0604020202020204" pitchFamily="34" charset="0"/>
+                        </a:rPr>
+                        <m:t>𝜇</m:t>
+                      </m:r>
+                      <m:r>
+                        <a:rPr lang="it-IT" sz="2500" b="0" i="1" smtClean="0">
+                          <a:latin typeface="Cambria Math" panose="02040503050406030204" pitchFamily="18" charset="0"/>
+                          <a:ea typeface="Cambria Math" panose="02040503050406030204" pitchFamily="18" charset="0"/>
+                          <a:cs typeface="Arial" panose="020B0604020202020204" pitchFamily="34" charset="0"/>
+                        </a:rPr>
+                        <m:t>)</m:t>
+                      </m:r>
+                    </m:oMath>
+                  </m:oMathPara>
+                </a14:m>
+                <a:endParaRPr lang="it-IT" sz="2500" dirty="0">
+                  <a:latin typeface="Arial" panose="020B0604020202020204" pitchFamily="34" charset="0"/>
+                  <a:cs typeface="Arial" panose="020B0604020202020204" pitchFamily="34" charset="0"/>
+                </a:endParaRPr>
+              </a:p>
+              <a:p>
+                <a:pPr marL="0" indent="0">
+                  <a:buNone/>
+                </a:pPr>
+                <a14:m>
+                  <m:oMathPara xmlns:m="http://schemas.openxmlformats.org/officeDocument/2006/math">
+                    <m:oMathParaPr>
+                      <m:jc m:val="centerGroup"/>
+                    </m:oMathParaPr>
+                    <m:oMath xmlns:m="http://schemas.openxmlformats.org/officeDocument/2006/math">
+                      <m:func>
+                        <m:funcPr>
+                          <m:ctrlPr>
+                            <a:rPr lang="it-IT" sz="2500" b="0" i="1" smtClean="0">
+                              <a:latin typeface="Cambria Math" panose="02040503050406030204" pitchFamily="18" charset="0"/>
+                              <a:cs typeface="Arial" panose="020B0604020202020204" pitchFamily="34" charset="0"/>
+                            </a:rPr>
+                          </m:ctrlPr>
+                        </m:funcPr>
+                        <m:fName>
+                          <m:r>
+                            <m:rPr>
+                              <m:sty m:val="p"/>
+                            </m:rPr>
+                            <a:rPr lang="it-IT" sz="2500" b="0" i="0" smtClean="0">
+                              <a:latin typeface="Cambria Math" panose="02040503050406030204" pitchFamily="18" charset="0"/>
+                              <a:cs typeface="Arial" panose="020B0604020202020204" pitchFamily="34" charset="0"/>
+                            </a:rPr>
+                            <m:t>ln</m:t>
+                          </m:r>
+                        </m:fName>
+                        <m:e>
+                          <m:d>
+                            <m:dPr>
+                              <m:ctrlPr>
+                                <a:rPr lang="it-IT" sz="2500" b="0" i="1" smtClean="0">
+                                  <a:latin typeface="Cambria Math" panose="02040503050406030204" pitchFamily="18" charset="0"/>
+                                  <a:cs typeface="Arial" panose="020B0604020202020204" pitchFamily="34" charset="0"/>
+                                </a:rPr>
+                              </m:ctrlPr>
+                            </m:dPr>
+                            <m:e>
+                              <m:r>
+                                <a:rPr lang="it-IT" sz="2500" b="0" i="1" smtClean="0">
+                                  <a:latin typeface="Cambria Math" panose="02040503050406030204" pitchFamily="18" charset="0"/>
+                                  <a:ea typeface="Cambria Math" panose="02040503050406030204" pitchFamily="18" charset="0"/>
+                                  <a:cs typeface="Arial" panose="020B0604020202020204" pitchFamily="34" charset="0"/>
+                                </a:rPr>
+                                <m:t>𝜇</m:t>
+                              </m:r>
+                            </m:e>
+                          </m:d>
+                        </m:e>
+                      </m:func>
+                      <m:r>
+                        <a:rPr lang="it-IT" sz="2500" b="0" i="1" smtClean="0">
+                          <a:latin typeface="Cambria Math" panose="02040503050406030204" pitchFamily="18" charset="0"/>
+                          <a:ea typeface="Cambria Math" panose="02040503050406030204" pitchFamily="18" charset="0"/>
+                          <a:cs typeface="Arial" panose="020B0604020202020204" pitchFamily="34" charset="0"/>
+                        </a:rPr>
+                        <m:t>=</m:t>
+                      </m:r>
+                      <m:func>
+                        <m:funcPr>
+                          <m:ctrlPr>
+                            <a:rPr lang="it-IT" sz="2500" b="0" i="1" smtClean="0">
+                              <a:latin typeface="Cambria Math" panose="02040503050406030204" pitchFamily="18" charset="0"/>
+                              <a:ea typeface="Cambria Math" panose="02040503050406030204" pitchFamily="18" charset="0"/>
+                              <a:cs typeface="Arial" panose="020B0604020202020204" pitchFamily="34" charset="0"/>
+                            </a:rPr>
+                          </m:ctrlPr>
+                        </m:funcPr>
+                        <m:fName>
+                          <m:r>
+                            <m:rPr>
+                              <m:sty m:val="p"/>
+                            </m:rPr>
+                            <a:rPr lang="it-IT" sz="2500" b="0" i="0" smtClean="0">
+                              <a:latin typeface="Cambria Math" panose="02040503050406030204" pitchFamily="18" charset="0"/>
+                              <a:ea typeface="Cambria Math" panose="02040503050406030204" pitchFamily="18" charset="0"/>
+                              <a:cs typeface="Arial" panose="020B0604020202020204" pitchFamily="34" charset="0"/>
+                            </a:rPr>
+                            <m:t>ln</m:t>
+                          </m:r>
+                        </m:fName>
+                        <m:e>
+                          <m:d>
+                            <m:dPr>
+                              <m:ctrlPr>
+                                <a:rPr lang="it-IT" sz="2500" b="0" i="1" smtClean="0">
+                                  <a:latin typeface="Cambria Math" panose="02040503050406030204" pitchFamily="18" charset="0"/>
+                                  <a:ea typeface="Cambria Math" panose="02040503050406030204" pitchFamily="18" charset="0"/>
+                                  <a:cs typeface="Arial" panose="020B0604020202020204" pitchFamily="34" charset="0"/>
+                                </a:rPr>
+                              </m:ctrlPr>
+                            </m:dPr>
+                            <m:e>
+                              <m:r>
+                                <a:rPr lang="it-IT" sz="2500" b="0" i="1" smtClean="0">
+                                  <a:latin typeface="Cambria Math" panose="02040503050406030204" pitchFamily="18" charset="0"/>
+                                  <a:ea typeface="Cambria Math" panose="02040503050406030204" pitchFamily="18" charset="0"/>
+                                  <a:cs typeface="Arial" panose="020B0604020202020204" pitchFamily="34" charset="0"/>
+                                </a:rPr>
+                                <m:t>𝐸</m:t>
+                              </m:r>
+                            </m:e>
+                          </m:d>
+                        </m:e>
+                      </m:func>
+                      <m:r>
+                        <a:rPr lang="it-IT" sz="2500" b="0" i="1" smtClean="0">
+                          <a:latin typeface="Cambria Math" panose="02040503050406030204" pitchFamily="18" charset="0"/>
+                          <a:ea typeface="Cambria Math" panose="02040503050406030204" pitchFamily="18" charset="0"/>
+                          <a:cs typeface="Arial" panose="020B0604020202020204" pitchFamily="34" charset="0"/>
+                        </a:rPr>
+                        <m:t>+</m:t>
+                      </m:r>
+                      <m:r>
+                        <a:rPr lang="it-IT" sz="2500" b="0" i="1" smtClean="0">
+                          <a:latin typeface="Cambria Math" panose="02040503050406030204" pitchFamily="18" charset="0"/>
+                          <a:ea typeface="Cambria Math" panose="02040503050406030204" pitchFamily="18" charset="0"/>
+                          <a:cs typeface="Arial" panose="020B0604020202020204" pitchFamily="34" charset="0"/>
+                        </a:rPr>
+                        <m:t>𝑋</m:t>
+                      </m:r>
+                      <m:r>
+                        <a:rPr lang="it-IT" sz="2500" b="0" i="1" smtClean="0">
+                          <a:latin typeface="Cambria Math" panose="02040503050406030204" pitchFamily="18" charset="0"/>
+                          <a:ea typeface="Cambria Math" panose="02040503050406030204" pitchFamily="18" charset="0"/>
+                          <a:cs typeface="Arial" panose="020B0604020202020204" pitchFamily="34" charset="0"/>
+                        </a:rPr>
+                        <m:t>𝛽</m:t>
+                      </m:r>
+                      <m:r>
+                        <a:rPr lang="it-IT" sz="2500" b="0" i="1" smtClean="0">
+                          <a:latin typeface="Cambria Math" panose="02040503050406030204" pitchFamily="18" charset="0"/>
+                          <a:ea typeface="Cambria Math" panose="02040503050406030204" pitchFamily="18" charset="0"/>
+                          <a:cs typeface="Arial" panose="020B0604020202020204" pitchFamily="34" charset="0"/>
+                        </a:rPr>
+                        <m:t>+</m:t>
+                      </m:r>
+                      <m:r>
+                        <a:rPr lang="it-IT" sz="2500" b="0" i="1" smtClean="0">
+                          <a:latin typeface="Cambria Math" panose="02040503050406030204" pitchFamily="18" charset="0"/>
+                          <a:ea typeface="Cambria Math" panose="02040503050406030204" pitchFamily="18" charset="0"/>
+                          <a:cs typeface="Arial" panose="020B0604020202020204" pitchFamily="34" charset="0"/>
+                        </a:rPr>
+                        <m:t>𝑍</m:t>
+                      </m:r>
+                      <m:r>
+                        <a:rPr lang="it-IT" sz="2500" b="0" i="1" smtClean="0">
+                          <a:latin typeface="Cambria Math" panose="02040503050406030204" pitchFamily="18" charset="0"/>
+                          <a:ea typeface="Cambria Math" panose="02040503050406030204" pitchFamily="18" charset="0"/>
+                          <a:cs typeface="Arial" panose="020B0604020202020204" pitchFamily="34" charset="0"/>
+                        </a:rPr>
+                        <m:t>𝜃</m:t>
+                      </m:r>
+                    </m:oMath>
+                  </m:oMathPara>
+                </a14:m>
+                <a:endParaRPr lang="it-IT" sz="2500" dirty="0">
+                  <a:latin typeface="Arial" panose="020B0604020202020204" pitchFamily="34" charset="0"/>
+                  <a:cs typeface="Arial" panose="020B0604020202020204" pitchFamily="34" charset="0"/>
+                </a:endParaRPr>
+              </a:p>
+            </p:txBody>
+          </p:sp>
+        </mc:Choice>
+        <mc:Fallback xmlns="">
+          <p:sp>
+            <p:nvSpPr>
+              <p:cNvPr id="10" name="Segnaposto contenuto 2">
+                <a:extLst>
+                  <a:ext uri="{FF2B5EF4-FFF2-40B4-BE49-F238E27FC236}">
+                    <a16:creationId xmlns:a16="http://schemas.microsoft.com/office/drawing/2014/main" id="{30E0BD5B-749D-C756-80B6-7AE31ADA4901}"/>
+                  </a:ext>
+                </a:extLst>
+              </p:cNvPr>
+              <p:cNvSpPr>
+                <a:spLocks noGrp="1" noRot="1" noChangeAspect="1" noMove="1" noResize="1" noEditPoints="1" noAdjustHandles="1" noChangeArrowheads="1" noChangeShapeType="1" noTextEdit="1"/>
+              </p:cNvSpPr>
+              <p:nvPr>
+                <p:ph idx="1"/>
+              </p:nvPr>
+            </p:nvSpPr>
+            <p:spPr>
+              <a:xfrm>
+                <a:off x="838200" y="1508125"/>
+                <a:ext cx="10515600" cy="5851191"/>
+              </a:xfrm>
+              <a:blipFill>
+                <a:blip r:embed="rId3"/>
+                <a:stretch>
+                  <a:fillRect l="-965" t="-2165"/>
+                </a:stretch>
+              </a:blipFill>
+            </p:spPr>
+            <p:txBody>
+              <a:bodyPr/>
+              <a:lstStyle/>
+              <a:p>
+                <a:r>
+                  <a:rPr lang="it-IT">
+                    <a:noFill/>
+                  </a:rPr>
+                  <a:t> </a:t>
+                </a:r>
+              </a:p>
+            </p:txBody>
+          </p:sp>
+        </mc:Fallback>
+      </mc:AlternateContent>
+      <p:sp>
+        <p:nvSpPr>
+          <p:cNvPr id="4" name="Rettangolo 3">
+            <a:extLst>
+              <a:ext uri="{FF2B5EF4-FFF2-40B4-BE49-F238E27FC236}">
+                <a16:creationId xmlns:a16="http://schemas.microsoft.com/office/drawing/2014/main" id="{8F263CF2-2CAD-D3B0-DD76-17CFFDBA401C}"/>
+              </a:ext>
+            </a:extLst>
+          </p:cNvPr>
+          <p:cNvSpPr/>
+          <p:nvPr/>
+        </p:nvSpPr>
+        <p:spPr>
+          <a:xfrm>
+            <a:off x="0" y="0"/>
+            <a:ext cx="12192000" cy="1508125"/>
+          </a:xfrm>
+          <a:prstGeom prst="rect">
+            <a:avLst/>
+          </a:prstGeom>
+        </p:spPr>
+        <p:style>
+          <a:lnRef idx="2">
+            <a:schemeClr val="accent1">
+              <a:shade val="50000"/>
+            </a:schemeClr>
+          </a:lnRef>
+          <a:fillRef idx="1">
+            <a:schemeClr val="accent1"/>
+          </a:fillRef>
+          <a:effectRef idx="0">
+            <a:schemeClr val="accent1"/>
+          </a:effectRef>
+          <a:fontRef idx="minor">
+            <a:schemeClr val="lt1"/>
+          </a:fontRef>
+        </p:style>
+        <p:txBody>
+          <a:bodyPr rtlCol="0" anchor="ctr"/>
+          <a:lstStyle/>
+          <a:p>
+            <a:pPr algn="ctr"/>
+            <a:endParaRPr lang="it-IT">
+              <a:solidFill>
+                <a:sysClr val="windowText" lastClr="000000"/>
+              </a:solidFill>
+            </a:endParaRPr>
+          </a:p>
+        </p:txBody>
+      </p:sp>
+      <p:sp>
+        <p:nvSpPr>
+          <p:cNvPr id="5" name="Titolo 1">
+            <a:extLst>
+              <a:ext uri="{FF2B5EF4-FFF2-40B4-BE49-F238E27FC236}">
+                <a16:creationId xmlns:a16="http://schemas.microsoft.com/office/drawing/2014/main" id="{A1DE61A9-5002-2250-895A-DD53E749A7FD}"/>
+              </a:ext>
+            </a:extLst>
+          </p:cNvPr>
+          <p:cNvSpPr>
+            <a:spLocks noGrp="1"/>
+          </p:cNvSpPr>
+          <p:nvPr>
+            <p:ph type="title"/>
+          </p:nvPr>
+        </p:nvSpPr>
+        <p:spPr>
+          <a:xfrm>
+            <a:off x="838200" y="182562"/>
+            <a:ext cx="10515600" cy="1325563"/>
+          </a:xfrm>
+        </p:spPr>
+        <p:txBody>
+          <a:bodyPr/>
+          <a:lstStyle/>
+          <a:p>
+            <a:r>
+              <a:rPr lang="it-IT" b="1">
+                <a:solidFill>
+                  <a:schemeClr val="bg1"/>
+                </a:solidFill>
+                <a:latin typeface="Arial Black" panose="020B0604020202020204" pitchFamily="34" charset="0"/>
+                <a:cs typeface="Arial Black" panose="020B0604020202020204" pitchFamily="34" charset="0"/>
+              </a:rPr>
+              <a:t>Methods</a:t>
+            </a:r>
+            <a:endParaRPr lang="it-IT" b="1" dirty="0">
+              <a:solidFill>
+                <a:schemeClr val="bg1"/>
+              </a:solidFill>
+              <a:latin typeface="Arial Black" panose="020B0604020202020204" pitchFamily="34" charset="0"/>
+              <a:cs typeface="Arial Black" panose="020B0604020202020204" pitchFamily="34" charset="0"/>
+            </a:endParaRPr>
+          </a:p>
+        </p:txBody>
+      </p:sp>
+    </p:spTree>
+    <p:extLst>
+      <p:ext uri="{BB962C8B-B14F-4D97-AF65-F5344CB8AC3E}">
+        <p14:creationId xmlns:p14="http://schemas.microsoft.com/office/powerpoint/2010/main" val="1691512438"/>
       </p:ext>
     </p:extLst>
   </p:cSld>
@@ -14302,7 +16294,7 @@
         </p:nvSpPr>
         <p:spPr>
           <a:xfrm>
-            <a:off x="6457507" y="893134"/>
+            <a:off x="6457507" y="805452"/>
             <a:ext cx="5257799" cy="5592725"/>
           </a:xfrm>
         </p:spPr>
@@ -14563,10 +16555,10 @@
       </p:sp>
       <p:pic>
         <p:nvPicPr>
-          <p:cNvPr id="7" name="Immagine 6">
+          <p:cNvPr id="5" name="Immagine 4">
             <a:extLst>
               <a:ext uri="{FF2B5EF4-FFF2-40B4-BE49-F238E27FC236}">
-                <a16:creationId xmlns:a16="http://schemas.microsoft.com/office/drawing/2014/main" id="{38217AF2-8B65-D134-7917-2E8AD874428F}"/>
+                <a16:creationId xmlns:a16="http://schemas.microsoft.com/office/drawing/2014/main" id="{B0C1B136-D878-108D-31F8-B110CBF28C58}"/>
               </a:ext>
             </a:extLst>
           </p:cNvPr>
@@ -14577,14 +16569,71 @@
         </p:nvPicPr>
         <p:blipFill>
           <a:blip r:embed="rId2"/>
-          <a:stretch>
-            <a:fillRect/>
-          </a:stretch>
+          <a:srcRect t="48923"/>
+          <a:stretch/>
         </p:blipFill>
         <p:spPr>
           <a:xfrm>
-            <a:off x="1" y="581014"/>
-            <a:ext cx="5734494" cy="6307944"/>
+            <a:off x="-1" y="526504"/>
+            <a:ext cx="2785609" cy="6331496"/>
+          </a:xfrm>
+          <a:prstGeom prst="rect">
+            <a:avLst/>
+          </a:prstGeom>
+        </p:spPr>
+      </p:pic>
+      <p:pic>
+        <p:nvPicPr>
+          <p:cNvPr id="9" name="Immagine 8">
+            <a:extLst>
+              <a:ext uri="{FF2B5EF4-FFF2-40B4-BE49-F238E27FC236}">
+                <a16:creationId xmlns:a16="http://schemas.microsoft.com/office/drawing/2014/main" id="{711E8359-F7A2-FF29-3DAC-F3FC22EF1089}"/>
+              </a:ext>
+            </a:extLst>
+          </p:cNvPr>
+          <p:cNvPicPr>
+            <a:picLocks noChangeAspect="1"/>
+          </p:cNvPicPr>
+          <p:nvPr/>
+        </p:nvPicPr>
+        <p:blipFill>
+          <a:blip r:embed="rId2"/>
+          <a:srcRect b="51226"/>
+          <a:stretch/>
+        </p:blipFill>
+        <p:spPr>
+          <a:xfrm>
+            <a:off x="2785608" y="434428"/>
+            <a:ext cx="2860458" cy="6208666"/>
+          </a:xfrm>
+          <a:prstGeom prst="rect">
+            <a:avLst/>
+          </a:prstGeom>
+        </p:spPr>
+      </p:pic>
+      <p:pic>
+        <p:nvPicPr>
+          <p:cNvPr id="14" name="Immagine 13">
+            <a:extLst>
+              <a:ext uri="{FF2B5EF4-FFF2-40B4-BE49-F238E27FC236}">
+                <a16:creationId xmlns:a16="http://schemas.microsoft.com/office/drawing/2014/main" id="{CCBE75C1-2DC9-83D0-8EE4-AC803CF79E33}"/>
+              </a:ext>
+            </a:extLst>
+          </p:cNvPr>
+          <p:cNvPicPr>
+            <a:picLocks noChangeAspect="1"/>
+          </p:cNvPicPr>
+          <p:nvPr/>
+        </p:nvPicPr>
+        <p:blipFill>
+          <a:blip r:embed="rId2"/>
+          <a:srcRect t="98118"/>
+          <a:stretch/>
+        </p:blipFill>
+        <p:spPr>
+          <a:xfrm>
+            <a:off x="2785608" y="6646119"/>
+            <a:ext cx="2860458" cy="239612"/>
           </a:xfrm>
           <a:prstGeom prst="rect">
             <a:avLst/>
@@ -19343,25 +21392,8 @@
                 <a:latin typeface="Arial Black" panose="020B0604020202020204" pitchFamily="34" charset="0"/>
                 <a:cs typeface="Arial Black" panose="020B0604020202020204" pitchFamily="34" charset="0"/>
               </a:rPr>
-              <a:t>Data and </a:t>
-            </a:r>
-            <a:r>
-              <a:rPr lang="it-IT" b="1" dirty="0" err="1">
-                <a:solidFill>
-                  <a:schemeClr val="bg1"/>
-                </a:solidFill>
-                <a:latin typeface="Arial Black" panose="020B0604020202020204" pitchFamily="34" charset="0"/>
-                <a:cs typeface="Arial Black" panose="020B0604020202020204" pitchFamily="34" charset="0"/>
-              </a:rPr>
-              <a:t>methods</a:t>
-            </a:r>
-            <a:endParaRPr lang="it-IT" b="1" dirty="0">
-              <a:solidFill>
-                <a:schemeClr val="bg1"/>
-              </a:solidFill>
-              <a:latin typeface="Arial Black" panose="020B0604020202020204" pitchFamily="34" charset="0"/>
-              <a:cs typeface="Arial Black" panose="020B0604020202020204" pitchFamily="34" charset="0"/>
-            </a:endParaRPr>
+              <a:t>Data</a:t>
+            </a:r>
           </a:p>
         </p:txBody>
       </p:sp>
@@ -20143,25 +22175,8 @@
                 <a:latin typeface="Arial Black" panose="020B0604020202020204" pitchFamily="34" charset="0"/>
                 <a:cs typeface="Arial Black" panose="020B0604020202020204" pitchFamily="34" charset="0"/>
               </a:rPr>
-              <a:t>Data and </a:t>
-            </a:r>
-            <a:r>
-              <a:rPr lang="it-IT" sz="1800" b="1" dirty="0" err="1">
-                <a:solidFill>
-                  <a:schemeClr val="bg1"/>
-                </a:solidFill>
-                <a:latin typeface="Arial Black" panose="020B0604020202020204" pitchFamily="34" charset="0"/>
-                <a:cs typeface="Arial Black" panose="020B0604020202020204" pitchFamily="34" charset="0"/>
-              </a:rPr>
-              <a:t>methods</a:t>
-            </a:r>
-            <a:endParaRPr lang="it-IT" sz="1800" b="1" dirty="0">
-              <a:solidFill>
-                <a:schemeClr val="bg1"/>
-              </a:solidFill>
-              <a:latin typeface="Arial Black" panose="020B0604020202020204" pitchFamily="34" charset="0"/>
-              <a:cs typeface="Arial Black" panose="020B0604020202020204" pitchFamily="34" charset="0"/>
-            </a:endParaRPr>
+              <a:t>Data</a:t>
+            </a:r>
           </a:p>
         </p:txBody>
       </p:sp>
@@ -20311,25 +22326,8 @@
                 <a:latin typeface="Arial Black" panose="020B0604020202020204" pitchFamily="34" charset="0"/>
                 <a:cs typeface="Arial Black" panose="020B0604020202020204" pitchFamily="34" charset="0"/>
               </a:rPr>
-              <a:t>Data and </a:t>
-            </a:r>
-            <a:r>
-              <a:rPr lang="it-IT" sz="1800" b="1" dirty="0" err="1">
-                <a:solidFill>
-                  <a:schemeClr val="bg1"/>
-                </a:solidFill>
-                <a:latin typeface="Arial Black" panose="020B0604020202020204" pitchFamily="34" charset="0"/>
-                <a:cs typeface="Arial Black" panose="020B0604020202020204" pitchFamily="34" charset="0"/>
-              </a:rPr>
-              <a:t>methods</a:t>
-            </a:r>
-            <a:endParaRPr lang="it-IT" sz="1800" b="1" dirty="0">
-              <a:solidFill>
-                <a:schemeClr val="bg1"/>
-              </a:solidFill>
-              <a:latin typeface="Arial Black" panose="020B0604020202020204" pitchFamily="34" charset="0"/>
-              <a:cs typeface="Arial Black" panose="020B0604020202020204" pitchFamily="34" charset="0"/>
-            </a:endParaRPr>
+              <a:t>Data</a:t>
+            </a:r>
           </a:p>
         </p:txBody>
       </p:sp>
@@ -20747,1059 +22745,6 @@
           <a:chExt cx="0" cy="0"/>
         </a:xfrm>
       </p:grpSpPr>
-      <mc:AlternateContent xmlns:mc="http://schemas.openxmlformats.org/markup-compatibility/2006" xmlns:a14="http://schemas.microsoft.com/office/drawing/2010/main">
-        <mc:Choice Requires="a14">
-          <p:sp>
-            <p:nvSpPr>
-              <p:cNvPr id="10" name="Segnaposto contenuto 2">
-                <a:extLst>
-                  <a:ext uri="{FF2B5EF4-FFF2-40B4-BE49-F238E27FC236}">
-                    <a16:creationId xmlns:a16="http://schemas.microsoft.com/office/drawing/2014/main" id="{30E0BD5B-749D-C756-80B6-7AE31ADA4901}"/>
-                  </a:ext>
-                </a:extLst>
-              </p:cNvPr>
-              <p:cNvSpPr>
-                <a:spLocks noGrp="1"/>
-              </p:cNvSpPr>
-              <p:nvPr>
-                <p:ph idx="1"/>
-              </p:nvPr>
-            </p:nvSpPr>
-            <p:spPr>
-              <a:xfrm>
-                <a:off x="838200" y="911449"/>
-                <a:ext cx="10515600" cy="5851191"/>
-              </a:xfrm>
-            </p:spPr>
-            <p:txBody>
-              <a:bodyPr>
-                <a:normAutofit lnSpcReduction="10000"/>
-              </a:bodyPr>
-              <a:lstStyle/>
-              <a:p>
-                <a:pPr marL="0" indent="0">
-                  <a:buNone/>
-                </a:pPr>
-                <a:r>
-                  <a:rPr lang="it-IT" sz="2500" dirty="0">
-                    <a:effectLst/>
-                    <a:latin typeface="Arial" panose="020B0604020202020204" pitchFamily="34" charset="0"/>
-                    <a:cs typeface="Arial" panose="020B0604020202020204" pitchFamily="34" charset="0"/>
-                  </a:rPr>
-                  <a:t>Multi-</a:t>
-                </a:r>
-                <a:r>
-                  <a:rPr lang="it-IT" sz="2500" dirty="0" err="1">
-                    <a:effectLst/>
-                    <a:latin typeface="Arial" panose="020B0604020202020204" pitchFamily="34" charset="0"/>
-                    <a:cs typeface="Arial" panose="020B0604020202020204" pitchFamily="34" charset="0"/>
-                  </a:rPr>
-                  <a:t>level</a:t>
-                </a:r>
-                <a:r>
-                  <a:rPr lang="it-IT" sz="2500" dirty="0">
-                    <a:effectLst/>
-                    <a:latin typeface="Arial" panose="020B0604020202020204" pitchFamily="34" charset="0"/>
-                    <a:cs typeface="Arial" panose="020B0604020202020204" pitchFamily="34" charset="0"/>
-                  </a:rPr>
-                  <a:t> model </a:t>
-                </a:r>
-                <a:r>
-                  <a:rPr lang="it-IT" sz="2500" dirty="0" err="1">
-                    <a:effectLst/>
-                    <a:latin typeface="Arial" panose="020B0604020202020204" pitchFamily="34" charset="0"/>
-                    <a:cs typeface="Arial" panose="020B0604020202020204" pitchFamily="34" charset="0"/>
-                  </a:rPr>
-                  <a:t>based</a:t>
-                </a:r>
-                <a:r>
-                  <a:rPr lang="it-IT" sz="2500" dirty="0">
-                    <a:effectLst/>
-                    <a:latin typeface="Arial" panose="020B0604020202020204" pitchFamily="34" charset="0"/>
-                    <a:cs typeface="Arial" panose="020B0604020202020204" pitchFamily="34" charset="0"/>
-                  </a:rPr>
-                  <a:t> on </a:t>
-                </a:r>
-                <a:r>
-                  <a:rPr lang="it-IT" sz="2500" dirty="0" err="1">
-                    <a:effectLst/>
-                    <a:latin typeface="Arial" panose="020B0604020202020204" pitchFamily="34" charset="0"/>
-                    <a:cs typeface="Arial" panose="020B0604020202020204" pitchFamily="34" charset="0"/>
-                  </a:rPr>
-                  <a:t>generalized</a:t>
-                </a:r>
-                <a:r>
-                  <a:rPr lang="it-IT" sz="2500" dirty="0">
-                    <a:effectLst/>
-                    <a:latin typeface="Arial" panose="020B0604020202020204" pitchFamily="34" charset="0"/>
-                    <a:cs typeface="Arial" panose="020B0604020202020204" pitchFamily="34" charset="0"/>
-                  </a:rPr>
-                  <a:t> </a:t>
-                </a:r>
-                <a:r>
-                  <a:rPr lang="it-IT" sz="2500" dirty="0" err="1">
-                    <a:effectLst/>
-                    <a:latin typeface="Arial" panose="020B0604020202020204" pitchFamily="34" charset="0"/>
-                    <a:cs typeface="Arial" panose="020B0604020202020204" pitchFamily="34" charset="0"/>
-                  </a:rPr>
-                  <a:t>least</a:t>
-                </a:r>
-                <a:r>
-                  <a:rPr lang="it-IT" sz="2500" dirty="0">
-                    <a:effectLst/>
-                    <a:latin typeface="Arial" panose="020B0604020202020204" pitchFamily="34" charset="0"/>
-                    <a:cs typeface="Arial" panose="020B0604020202020204" pitchFamily="34" charset="0"/>
-                  </a:rPr>
-                  <a:t> </a:t>
-                </a:r>
-                <a:r>
-                  <a:rPr lang="it-IT" sz="2500" dirty="0" err="1">
-                    <a:effectLst/>
-                    <a:latin typeface="Arial" panose="020B0604020202020204" pitchFamily="34" charset="0"/>
-                    <a:cs typeface="Arial" panose="020B0604020202020204" pitchFamily="34" charset="0"/>
-                  </a:rPr>
-                  <a:t>squares</a:t>
-                </a:r>
-                <a:r>
-                  <a:rPr lang="it-IT" sz="2500" dirty="0">
-                    <a:effectLst/>
-                    <a:latin typeface="Arial" panose="020B0604020202020204" pitchFamily="34" charset="0"/>
-                    <a:cs typeface="Arial" panose="020B0604020202020204" pitchFamily="34" charset="0"/>
-                  </a:rPr>
-                  <a:t> </a:t>
-                </a:r>
-                <a:r>
-                  <a:rPr lang="it-IT" sz="2500" dirty="0" err="1">
-                    <a:effectLst/>
-                    <a:latin typeface="Arial" panose="020B0604020202020204" pitchFamily="34" charset="0"/>
-                    <a:cs typeface="Arial" panose="020B0604020202020204" pitchFamily="34" charset="0"/>
-                  </a:rPr>
-                  <a:t>estimation</a:t>
-                </a:r>
-                <a:r>
-                  <a:rPr lang="it-IT" sz="2500" dirty="0">
-                    <a:effectLst/>
-                    <a:latin typeface="Arial" panose="020B0604020202020204" pitchFamily="34" charset="0"/>
-                    <a:cs typeface="Arial" panose="020B0604020202020204" pitchFamily="34" charset="0"/>
-                  </a:rPr>
-                  <a:t>:</a:t>
-                </a:r>
-              </a:p>
-              <a:p>
-                <a:pPr marL="0" indent="0">
-                  <a:buNone/>
-                </a:pPr>
-                <a:endParaRPr lang="it-IT" sz="2500" dirty="0">
-                  <a:effectLst/>
-                  <a:latin typeface="Arial" panose="020B0604020202020204" pitchFamily="34" charset="0"/>
-                  <a:cs typeface="Arial" panose="020B0604020202020204" pitchFamily="34" charset="0"/>
-                </a:endParaRPr>
-              </a:p>
-              <a:p>
-                <a:pPr marL="0" indent="0">
-                  <a:buNone/>
-                </a:pPr>
-                <a14:m>
-                  <m:oMathPara xmlns:m="http://schemas.openxmlformats.org/officeDocument/2006/math">
-                    <m:oMathParaPr>
-                      <m:jc m:val="centerGroup"/>
-                    </m:oMathParaPr>
-                    <m:oMath xmlns:m="http://schemas.openxmlformats.org/officeDocument/2006/math">
-                      <m:r>
-                        <a:rPr lang="it-IT" sz="2500" b="0" i="1" smtClean="0">
-                          <a:latin typeface="Cambria Math" panose="02040503050406030204" pitchFamily="18" charset="0"/>
-                          <a:cs typeface="Arial" panose="020B0604020202020204" pitchFamily="34" charset="0"/>
-                        </a:rPr>
-                        <m:t>𝑌</m:t>
-                      </m:r>
-                      <m:r>
-                        <a:rPr lang="it-IT" sz="2500" b="0" i="1" smtClean="0">
-                          <a:latin typeface="Cambria Math" panose="02040503050406030204" pitchFamily="18" charset="0"/>
-                          <a:cs typeface="Arial" panose="020B0604020202020204" pitchFamily="34" charset="0"/>
-                        </a:rPr>
-                        <m:t>=</m:t>
-                      </m:r>
-                      <m:r>
-                        <a:rPr lang="it-IT" sz="2500" b="0" i="1" smtClean="0">
-                          <a:latin typeface="Cambria Math" panose="02040503050406030204" pitchFamily="18" charset="0"/>
-                          <a:cs typeface="Arial" panose="020B0604020202020204" pitchFamily="34" charset="0"/>
-                        </a:rPr>
-                        <m:t>𝑋</m:t>
-                      </m:r>
-                      <m:r>
-                        <a:rPr lang="it-IT" sz="2500" b="0" i="1" smtClean="0">
-                          <a:latin typeface="Cambria Math" panose="02040503050406030204" pitchFamily="18" charset="0"/>
-                          <a:ea typeface="Cambria Math" panose="02040503050406030204" pitchFamily="18" charset="0"/>
-                          <a:cs typeface="Arial" panose="020B0604020202020204" pitchFamily="34" charset="0"/>
-                        </a:rPr>
-                        <m:t>𝛽</m:t>
-                      </m:r>
-                      <m:r>
-                        <a:rPr lang="it-IT" sz="2500" b="0" i="1" smtClean="0">
-                          <a:latin typeface="Cambria Math" panose="02040503050406030204" pitchFamily="18" charset="0"/>
-                          <a:ea typeface="Cambria Math" panose="02040503050406030204" pitchFamily="18" charset="0"/>
-                          <a:cs typeface="Arial" panose="020B0604020202020204" pitchFamily="34" charset="0"/>
-                        </a:rPr>
-                        <m:t>+</m:t>
-                      </m:r>
-                      <m:r>
-                        <a:rPr lang="it-IT" sz="2500" b="0" i="1" smtClean="0">
-                          <a:latin typeface="Cambria Math" panose="02040503050406030204" pitchFamily="18" charset="0"/>
-                          <a:ea typeface="Cambria Math" panose="02040503050406030204" pitchFamily="18" charset="0"/>
-                          <a:cs typeface="Arial" panose="020B0604020202020204" pitchFamily="34" charset="0"/>
-                        </a:rPr>
-                        <m:t>𝑍</m:t>
-                      </m:r>
-                      <m:r>
-                        <a:rPr lang="it-IT" sz="2500" b="0" i="1" smtClean="0">
-                          <a:latin typeface="Cambria Math" panose="02040503050406030204" pitchFamily="18" charset="0"/>
-                          <a:ea typeface="Cambria Math" panose="02040503050406030204" pitchFamily="18" charset="0"/>
-                          <a:cs typeface="Arial" panose="020B0604020202020204" pitchFamily="34" charset="0"/>
-                        </a:rPr>
-                        <m:t>𝜃</m:t>
-                      </m:r>
-                    </m:oMath>
-                  </m:oMathPara>
-                </a14:m>
-                <a:endParaRPr lang="it-IT" sz="2500" dirty="0">
-                  <a:latin typeface="Arial" panose="020B0604020202020204" pitchFamily="34" charset="0"/>
-                  <a:cs typeface="Arial" panose="020B0604020202020204" pitchFamily="34" charset="0"/>
-                </a:endParaRPr>
-              </a:p>
-              <a:p>
-                <a:pPr marL="0" indent="0">
-                  <a:buNone/>
-                </a:pPr>
-                <a:endParaRPr lang="it-IT" sz="2500" dirty="0">
-                  <a:latin typeface="Arial" panose="020B0604020202020204" pitchFamily="34" charset="0"/>
-                  <a:cs typeface="Arial" panose="020B0604020202020204" pitchFamily="34" charset="0"/>
-                </a:endParaRPr>
-              </a:p>
-              <a:p>
-                <a:r>
-                  <a:rPr lang="it-IT" sz="2500" dirty="0">
-                    <a:latin typeface="Arial" panose="020B0604020202020204" pitchFamily="34" charset="0"/>
-                    <a:cs typeface="Arial" panose="020B0604020202020204" pitchFamily="34" charset="0"/>
-                  </a:rPr>
-                  <a:t>X design </a:t>
-                </a:r>
-                <a:r>
-                  <a:rPr lang="it-IT" sz="2500" dirty="0" err="1">
-                    <a:latin typeface="Arial" panose="020B0604020202020204" pitchFamily="34" charset="0"/>
-                    <a:cs typeface="Arial" panose="020B0604020202020204" pitchFamily="34" charset="0"/>
-                  </a:rPr>
-                  <a:t>matrix</a:t>
-                </a:r>
-                <a:r>
-                  <a:rPr lang="it-IT" sz="2500" dirty="0">
-                    <a:latin typeface="Arial" panose="020B0604020202020204" pitchFamily="34" charset="0"/>
-                    <a:cs typeface="Arial" panose="020B0604020202020204" pitchFamily="34" charset="0"/>
-                  </a:rPr>
-                  <a:t> </a:t>
-                </a:r>
-                <a:r>
-                  <a:rPr lang="it-IT" sz="2500" dirty="0" err="1">
-                    <a:latin typeface="Arial" panose="020B0604020202020204" pitchFamily="34" charset="0"/>
-                    <a:cs typeface="Arial" panose="020B0604020202020204" pitchFamily="34" charset="0"/>
-                  </a:rPr>
-                  <a:t>associated</a:t>
-                </a:r>
-                <a:r>
-                  <a:rPr lang="it-IT" sz="2500" dirty="0">
-                    <a:latin typeface="Arial" panose="020B0604020202020204" pitchFamily="34" charset="0"/>
-                    <a:cs typeface="Arial" panose="020B0604020202020204" pitchFamily="34" charset="0"/>
-                  </a:rPr>
-                  <a:t> with a </a:t>
-                </a:r>
-                <a:r>
-                  <a:rPr lang="it-IT" sz="2500" dirty="0" err="1">
-                    <a:latin typeface="Arial" panose="020B0604020202020204" pitchFamily="34" charset="0"/>
-                    <a:cs typeface="Arial" panose="020B0604020202020204" pitchFamily="34" charset="0"/>
-                  </a:rPr>
-                  <a:t>vector</a:t>
-                </a:r>
-                <a:r>
-                  <a:rPr lang="it-IT" sz="2500" dirty="0">
-                    <a:latin typeface="Arial" panose="020B0604020202020204" pitchFamily="34" charset="0"/>
-                    <a:cs typeface="Arial" panose="020B0604020202020204" pitchFamily="34" charset="0"/>
-                  </a:rPr>
-                  <a:t> of </a:t>
-                </a:r>
-                <a:r>
-                  <a:rPr lang="it-IT" sz="2500" dirty="0" err="1">
-                    <a:latin typeface="Arial" panose="020B0604020202020204" pitchFamily="34" charset="0"/>
-                    <a:cs typeface="Arial" panose="020B0604020202020204" pitchFamily="34" charset="0"/>
-                  </a:rPr>
-                  <a:t>fixed</a:t>
-                </a:r>
-                <a:r>
-                  <a:rPr lang="it-IT" sz="2500" dirty="0">
-                    <a:latin typeface="Arial" panose="020B0604020202020204" pitchFamily="34" charset="0"/>
-                    <a:cs typeface="Arial" panose="020B0604020202020204" pitchFamily="34" charset="0"/>
-                  </a:rPr>
-                  <a:t> parameters </a:t>
-                </a:r>
-                <a14:m>
-                  <m:oMath xmlns:m="http://schemas.openxmlformats.org/officeDocument/2006/math">
-                    <m:r>
-                      <a:rPr lang="it-IT" sz="2500" b="0" i="1" smtClean="0">
-                        <a:latin typeface="Cambria Math" panose="02040503050406030204" pitchFamily="18" charset="0"/>
-                        <a:ea typeface="Cambria Math" panose="02040503050406030204" pitchFamily="18" charset="0"/>
-                        <a:cs typeface="Arial" panose="020B0604020202020204" pitchFamily="34" charset="0"/>
-                      </a:rPr>
-                      <m:t>𝛽</m:t>
-                    </m:r>
-                  </m:oMath>
-                </a14:m>
-                <a:endParaRPr lang="it-IT" sz="2500" dirty="0">
-                  <a:latin typeface="Arial" panose="020B0604020202020204" pitchFamily="34" charset="0"/>
-                  <a:cs typeface="Arial" panose="020B0604020202020204" pitchFamily="34" charset="0"/>
-                </a:endParaRPr>
-              </a:p>
-              <a:p>
-                <a:r>
-                  <a:rPr lang="it-IT" sz="2500" dirty="0" err="1">
-                    <a:latin typeface="Arial" panose="020B0604020202020204" pitchFamily="34" charset="0"/>
-                    <a:cs typeface="Arial" panose="020B0604020202020204" pitchFamily="34" charset="0"/>
-                  </a:rPr>
-                  <a:t>Z</a:t>
-                </a:r>
-                <a:r>
-                  <a:rPr lang="it-IT" sz="2500" dirty="0">
-                    <a:latin typeface="Arial" panose="020B0604020202020204" pitchFamily="34" charset="0"/>
-                    <a:cs typeface="Arial" panose="020B0604020202020204" pitchFamily="34" charset="0"/>
-                  </a:rPr>
-                  <a:t> design </a:t>
-                </a:r>
-                <a:r>
-                  <a:rPr lang="it-IT" sz="2500" dirty="0" err="1">
-                    <a:latin typeface="Arial" panose="020B0604020202020204" pitchFamily="34" charset="0"/>
-                    <a:cs typeface="Arial" panose="020B0604020202020204" pitchFamily="34" charset="0"/>
-                  </a:rPr>
-                  <a:t>matrix</a:t>
-                </a:r>
-                <a:r>
-                  <a:rPr lang="it-IT" sz="2500" dirty="0">
-                    <a:latin typeface="Arial" panose="020B0604020202020204" pitchFamily="34" charset="0"/>
-                    <a:cs typeface="Arial" panose="020B0604020202020204" pitchFamily="34" charset="0"/>
-                  </a:rPr>
-                  <a:t> </a:t>
-                </a:r>
-                <a:r>
-                  <a:rPr lang="it-IT" sz="2500" dirty="0" err="1">
-                    <a:latin typeface="Arial" panose="020B0604020202020204" pitchFamily="34" charset="0"/>
-                    <a:cs typeface="Arial" panose="020B0604020202020204" pitchFamily="34" charset="0"/>
-                  </a:rPr>
-                  <a:t>associated</a:t>
-                </a:r>
-                <a:r>
-                  <a:rPr lang="it-IT" sz="2500" dirty="0">
-                    <a:latin typeface="Arial" panose="020B0604020202020204" pitchFamily="34" charset="0"/>
-                    <a:cs typeface="Arial" panose="020B0604020202020204" pitchFamily="34" charset="0"/>
-                  </a:rPr>
-                  <a:t> with a </a:t>
-                </a:r>
-                <a:r>
-                  <a:rPr lang="it-IT" sz="2500" dirty="0" err="1">
-                    <a:latin typeface="Arial" panose="020B0604020202020204" pitchFamily="34" charset="0"/>
-                    <a:cs typeface="Arial" panose="020B0604020202020204" pitchFamily="34" charset="0"/>
-                  </a:rPr>
-                  <a:t>vector</a:t>
-                </a:r>
-                <a:r>
-                  <a:rPr lang="it-IT" sz="2500" dirty="0">
-                    <a:latin typeface="Arial" panose="020B0604020202020204" pitchFamily="34" charset="0"/>
-                    <a:cs typeface="Arial" panose="020B0604020202020204" pitchFamily="34" charset="0"/>
-                  </a:rPr>
-                  <a:t> of random parameters </a:t>
-                </a:r>
-                <a14:m>
-                  <m:oMath xmlns:m="http://schemas.openxmlformats.org/officeDocument/2006/math">
-                    <m:r>
-                      <a:rPr lang="it-IT" sz="2500" b="0" i="1" smtClean="0">
-                        <a:latin typeface="Cambria Math" panose="02040503050406030204" pitchFamily="18" charset="0"/>
-                        <a:ea typeface="Cambria Math" panose="02040503050406030204" pitchFamily="18" charset="0"/>
-                        <a:cs typeface="Arial" panose="020B0604020202020204" pitchFamily="34" charset="0"/>
-                      </a:rPr>
-                      <m:t>𝜃</m:t>
-                    </m:r>
-                  </m:oMath>
-                </a14:m>
-                <a:endParaRPr lang="it-IT" sz="2500" dirty="0">
-                  <a:latin typeface="Arial" panose="020B0604020202020204" pitchFamily="34" charset="0"/>
-                  <a:cs typeface="Arial" panose="020B0604020202020204" pitchFamily="34" charset="0"/>
-                </a:endParaRPr>
-              </a:p>
-              <a:p>
-                <a:r>
-                  <a:rPr lang="it-IT" sz="2500" dirty="0">
-                    <a:latin typeface="Arial" panose="020B0604020202020204" pitchFamily="34" charset="0"/>
-                    <a:cs typeface="Arial" panose="020B0604020202020204" pitchFamily="34" charset="0"/>
-                  </a:rPr>
-                  <a:t>Y </a:t>
-                </a:r>
-                <a:r>
-                  <a:rPr lang="it-IT" sz="2500" dirty="0" err="1">
-                    <a:latin typeface="Arial" panose="020B0604020202020204" pitchFamily="34" charset="0"/>
-                    <a:cs typeface="Arial" panose="020B0604020202020204" pitchFamily="34" charset="0"/>
-                  </a:rPr>
-                  <a:t>vector</a:t>
-                </a:r>
-                <a:r>
-                  <a:rPr lang="it-IT" sz="2500" dirty="0">
-                    <a:latin typeface="Arial" panose="020B0604020202020204" pitchFamily="34" charset="0"/>
-                    <a:cs typeface="Arial" panose="020B0604020202020204" pitchFamily="34" charset="0"/>
-                  </a:rPr>
-                  <a:t> of </a:t>
-                </a:r>
-                <a:r>
-                  <a:rPr lang="it-IT" sz="2500" dirty="0" err="1">
-                    <a:latin typeface="Arial" panose="020B0604020202020204" pitchFamily="34" charset="0"/>
-                    <a:cs typeface="Arial" panose="020B0604020202020204" pitchFamily="34" charset="0"/>
-                  </a:rPr>
-                  <a:t>responses</a:t>
-                </a:r>
-                <a:endParaRPr lang="it-IT" sz="2500" dirty="0">
-                  <a:latin typeface="Arial" panose="020B0604020202020204" pitchFamily="34" charset="0"/>
-                  <a:cs typeface="Arial" panose="020B0604020202020204" pitchFamily="34" charset="0"/>
-                </a:endParaRPr>
-              </a:p>
-              <a:p>
-                <a:endParaRPr lang="it-IT" sz="2500" dirty="0">
-                  <a:latin typeface="Arial" panose="020B0604020202020204" pitchFamily="34" charset="0"/>
-                  <a:cs typeface="Arial" panose="020B0604020202020204" pitchFamily="34" charset="0"/>
-                </a:endParaRPr>
-              </a:p>
-              <a:p>
-                <a:pPr marL="0" indent="0">
-                  <a:buNone/>
-                </a:pPr>
-                <a:r>
-                  <a:rPr lang="it-IT" sz="2500" dirty="0">
-                    <a:effectLst/>
-                    <a:latin typeface="Arial" panose="020B0604020202020204" pitchFamily="34" charset="0"/>
-                    <a:cs typeface="Arial" panose="020B0604020202020204" pitchFamily="34" charset="0"/>
-                  </a:rPr>
-                  <a:t>Here Y </a:t>
-                </a:r>
-                <a:r>
-                  <a:rPr lang="it-IT" sz="2500" dirty="0" err="1">
-                    <a:effectLst/>
-                    <a:latin typeface="Arial" panose="020B0604020202020204" pitchFamily="34" charset="0"/>
-                    <a:cs typeface="Arial" panose="020B0604020202020204" pitchFamily="34" charset="0"/>
-                  </a:rPr>
-                  <a:t>is</a:t>
-                </a:r>
-                <a:r>
-                  <a:rPr lang="it-IT" sz="2500" dirty="0">
-                    <a:effectLst/>
-                    <a:latin typeface="Arial" panose="020B0604020202020204" pitchFamily="34" charset="0"/>
-                    <a:cs typeface="Arial" panose="020B0604020202020204" pitchFamily="34" charset="0"/>
-                  </a:rPr>
-                  <a:t> a Poisson </a:t>
-                </a:r>
-                <a:r>
-                  <a:rPr lang="it-IT" sz="2500" dirty="0" err="1">
-                    <a:effectLst/>
-                    <a:latin typeface="Arial" panose="020B0604020202020204" pitchFamily="34" charset="0"/>
-                    <a:cs typeface="Arial" panose="020B0604020202020204" pitchFamily="34" charset="0"/>
-                  </a:rPr>
-                  <a:t>distributed</a:t>
-                </a:r>
-                <a:r>
-                  <a:rPr lang="it-IT" sz="2500" dirty="0">
-                    <a:effectLst/>
-                    <a:latin typeface="Arial" panose="020B0604020202020204" pitchFamily="34" charset="0"/>
-                    <a:cs typeface="Arial" panose="020B0604020202020204" pitchFamily="34" charset="0"/>
-                  </a:rPr>
-                  <a:t> </a:t>
-                </a:r>
-                <a:r>
-                  <a:rPr lang="it-IT" sz="2500" dirty="0" err="1">
-                    <a:effectLst/>
-                    <a:latin typeface="Arial" panose="020B0604020202020204" pitchFamily="34" charset="0"/>
-                    <a:cs typeface="Arial" panose="020B0604020202020204" pitchFamily="34" charset="0"/>
-                  </a:rPr>
-                  <a:t>response</a:t>
-                </a:r>
-                <a:r>
-                  <a:rPr lang="it-IT" sz="2500" dirty="0">
-                    <a:effectLst/>
-                    <a:latin typeface="Arial" panose="020B0604020202020204" pitchFamily="34" charset="0"/>
-                    <a:cs typeface="Arial" panose="020B0604020202020204" pitchFamily="34" charset="0"/>
-                  </a:rPr>
-                  <a:t> </a:t>
-                </a:r>
-                <a:r>
-                  <a:rPr lang="it-IT" sz="2500" dirty="0" err="1">
-                    <a:effectLst/>
-                    <a:latin typeface="Arial" panose="020B0604020202020204" pitchFamily="34" charset="0"/>
-                    <a:cs typeface="Arial" panose="020B0604020202020204" pitchFamily="34" charset="0"/>
-                  </a:rPr>
-                  <a:t>vector</a:t>
-                </a:r>
-                <a:r>
-                  <a:rPr lang="it-IT" sz="2500" dirty="0">
-                    <a:effectLst/>
-                    <a:latin typeface="Arial" panose="020B0604020202020204" pitchFamily="34" charset="0"/>
-                    <a:cs typeface="Arial" panose="020B0604020202020204" pitchFamily="34" charset="0"/>
-                  </a:rPr>
-                  <a:t> of </a:t>
-                </a:r>
-                <a:r>
-                  <a:rPr lang="it-IT" sz="2500" dirty="0" err="1">
-                    <a:effectLst/>
-                    <a:latin typeface="Arial" panose="020B0604020202020204" pitchFamily="34" charset="0"/>
-                    <a:cs typeface="Arial" panose="020B0604020202020204" pitchFamily="34" charset="0"/>
-                  </a:rPr>
-                  <a:t>observed</a:t>
-                </a:r>
-                <a:r>
-                  <a:rPr lang="it-IT" sz="2500" dirty="0">
-                    <a:effectLst/>
-                    <a:latin typeface="Arial" panose="020B0604020202020204" pitchFamily="34" charset="0"/>
-                    <a:cs typeface="Arial" panose="020B0604020202020204" pitchFamily="34" charset="0"/>
-                  </a:rPr>
-                  <a:t> cases (</a:t>
-                </a:r>
-                <a:r>
-                  <a:rPr lang="it-IT" sz="2500" dirty="0" err="1">
-                    <a:effectLst/>
-                    <a:latin typeface="Arial" panose="020B0604020202020204" pitchFamily="34" charset="0"/>
-                    <a:cs typeface="Arial" panose="020B0604020202020204" pitchFamily="34" charset="0"/>
-                  </a:rPr>
-                  <a:t>deaths</a:t>
-                </a:r>
-                <a:r>
-                  <a:rPr lang="it-IT" sz="2500" dirty="0">
-                    <a:effectLst/>
-                    <a:latin typeface="Arial" panose="020B0604020202020204" pitchFamily="34" charset="0"/>
-                    <a:cs typeface="Arial" panose="020B0604020202020204" pitchFamily="34" charset="0"/>
-                  </a:rPr>
-                  <a:t>), </a:t>
-                </a:r>
-                <a:r>
-                  <a:rPr lang="it-IT" sz="2500" dirty="0" err="1">
-                    <a:effectLst/>
-                    <a:latin typeface="Arial" panose="020B0604020202020204" pitchFamily="34" charset="0"/>
-                    <a:cs typeface="Arial" panose="020B0604020202020204" pitchFamily="34" charset="0"/>
-                  </a:rPr>
-                  <a:t>hence</a:t>
-                </a:r>
-                <a:r>
-                  <a:rPr lang="it-IT" sz="2500" dirty="0">
-                    <a:effectLst/>
-                    <a:latin typeface="Arial" panose="020B0604020202020204" pitchFamily="34" charset="0"/>
-                    <a:cs typeface="Arial" panose="020B0604020202020204" pitchFamily="34" charset="0"/>
-                  </a:rPr>
-                  <a:t> </a:t>
-                </a:r>
-                <a:r>
-                  <a:rPr lang="it-IT" sz="2500" dirty="0" err="1">
-                    <a:effectLst/>
-                    <a:latin typeface="Arial" panose="020B0604020202020204" pitchFamily="34" charset="0"/>
-                    <a:cs typeface="Arial" panose="020B0604020202020204" pitchFamily="34" charset="0"/>
-                  </a:rPr>
-                  <a:t>we</a:t>
-                </a:r>
-                <a:r>
-                  <a:rPr lang="it-IT" sz="2500" dirty="0">
-                    <a:effectLst/>
-                    <a:latin typeface="Arial" panose="020B0604020202020204" pitchFamily="34" charset="0"/>
-                    <a:cs typeface="Arial" panose="020B0604020202020204" pitchFamily="34" charset="0"/>
-                  </a:rPr>
-                  <a:t> </a:t>
-                </a:r>
-                <a:r>
-                  <a:rPr lang="it-IT" sz="2500" dirty="0" err="1">
-                    <a:effectLst/>
-                    <a:latin typeface="Arial" panose="020B0604020202020204" pitchFamily="34" charset="0"/>
-                    <a:cs typeface="Arial" panose="020B0604020202020204" pitchFamily="34" charset="0"/>
-                  </a:rPr>
-                  <a:t>need</a:t>
-                </a:r>
-                <a:r>
-                  <a:rPr lang="it-IT" sz="2500" dirty="0">
-                    <a:effectLst/>
-                    <a:latin typeface="Arial" panose="020B0604020202020204" pitchFamily="34" charset="0"/>
-                    <a:cs typeface="Arial" panose="020B0604020202020204" pitchFamily="34" charset="0"/>
-                  </a:rPr>
-                  <a:t> to include an offset of </a:t>
-                </a:r>
-                <a:r>
-                  <a:rPr lang="it-IT" sz="2500" dirty="0" err="1">
-                    <a:effectLst/>
-                    <a:latin typeface="Arial" panose="020B0604020202020204" pitchFamily="34" charset="0"/>
-                    <a:cs typeface="Arial" panose="020B0604020202020204" pitchFamily="34" charset="0"/>
-                  </a:rPr>
-                  <a:t>expected</a:t>
-                </a:r>
-                <a:r>
-                  <a:rPr lang="it-IT" sz="2500" dirty="0">
-                    <a:effectLst/>
-                    <a:latin typeface="Arial" panose="020B0604020202020204" pitchFamily="34" charset="0"/>
-                    <a:cs typeface="Arial" panose="020B0604020202020204" pitchFamily="34" charset="0"/>
-                  </a:rPr>
-                  <a:t> </a:t>
-                </a:r>
-                <a:r>
-                  <a:rPr lang="it-IT" sz="2500" dirty="0" err="1">
-                    <a:effectLst/>
-                    <a:latin typeface="Arial" panose="020B0604020202020204" pitchFamily="34" charset="0"/>
-                    <a:cs typeface="Arial" panose="020B0604020202020204" pitchFamily="34" charset="0"/>
-                  </a:rPr>
-                  <a:t>numbers</a:t>
-                </a:r>
-                <a:r>
-                  <a:rPr lang="it-IT" sz="2500" dirty="0">
-                    <a:effectLst/>
-                    <a:latin typeface="Arial" panose="020B0604020202020204" pitchFamily="34" charset="0"/>
-                    <a:cs typeface="Arial" panose="020B0604020202020204" pitchFamily="34" charset="0"/>
-                  </a:rPr>
-                  <a:t> of cases in the model (E) so </a:t>
-                </a:r>
-                <a:r>
-                  <a:rPr lang="it-IT" sz="2500" dirty="0" err="1">
-                    <a:effectLst/>
-                    <a:latin typeface="Arial" panose="020B0604020202020204" pitchFamily="34" charset="0"/>
-                    <a:cs typeface="Arial" panose="020B0604020202020204" pitchFamily="34" charset="0"/>
-                  </a:rPr>
-                  <a:t>that</a:t>
-                </a:r>
-                <a:r>
-                  <a:rPr lang="it-IT" sz="2500" dirty="0">
-                    <a:effectLst/>
-                    <a:latin typeface="Arial" panose="020B0604020202020204" pitchFamily="34" charset="0"/>
-                    <a:cs typeface="Arial" panose="020B0604020202020204" pitchFamily="34" charset="0"/>
-                  </a:rPr>
-                  <a:t>:</a:t>
-                </a:r>
-              </a:p>
-              <a:p>
-                <a:pPr marL="0" indent="0">
-                  <a:buNone/>
-                </a:pPr>
-                <a:endParaRPr lang="it-IT" sz="2500" dirty="0">
-                  <a:effectLst/>
-                  <a:latin typeface="Arial" panose="020B0604020202020204" pitchFamily="34" charset="0"/>
-                  <a:cs typeface="Arial" panose="020B0604020202020204" pitchFamily="34" charset="0"/>
-                </a:endParaRPr>
-              </a:p>
-              <a:p>
-                <a:pPr marL="0" indent="0">
-                  <a:buNone/>
-                </a:pPr>
-                <a14:m>
-                  <m:oMathPara xmlns:m="http://schemas.openxmlformats.org/officeDocument/2006/math">
-                    <m:oMathParaPr>
-                      <m:jc m:val="centerGroup"/>
-                    </m:oMathParaPr>
-                    <m:oMath xmlns:m="http://schemas.openxmlformats.org/officeDocument/2006/math">
-                      <m:r>
-                        <a:rPr lang="it-IT" sz="2500" b="0" i="1" smtClean="0">
-                          <a:latin typeface="Cambria Math" panose="02040503050406030204" pitchFamily="18" charset="0"/>
-                          <a:cs typeface="Arial" panose="020B0604020202020204" pitchFamily="34" charset="0"/>
-                        </a:rPr>
-                        <m:t>𝑂</m:t>
-                      </m:r>
-                      <m:r>
-                        <a:rPr lang="it-IT" sz="2500" b="0" i="1" smtClean="0">
-                          <a:latin typeface="Cambria Math" panose="02040503050406030204" pitchFamily="18" charset="0"/>
-                          <a:ea typeface="Cambria Math" panose="02040503050406030204" pitchFamily="18" charset="0"/>
-                          <a:cs typeface="Arial" panose="020B0604020202020204" pitchFamily="34" charset="0"/>
-                        </a:rPr>
-                        <m:t>~</m:t>
-                      </m:r>
-                      <m:r>
-                        <a:rPr lang="it-IT" sz="2500" b="0" i="1" smtClean="0">
-                          <a:latin typeface="Cambria Math" panose="02040503050406030204" pitchFamily="18" charset="0"/>
-                          <a:ea typeface="Cambria Math" panose="02040503050406030204" pitchFamily="18" charset="0"/>
-                          <a:cs typeface="Arial" panose="020B0604020202020204" pitchFamily="34" charset="0"/>
-                        </a:rPr>
-                        <m:t>𝑃𝑜𝑖𝑠𝑠𝑜𝑛</m:t>
-                      </m:r>
-                      <m:r>
-                        <a:rPr lang="it-IT" sz="2500" b="0" i="1" smtClean="0">
-                          <a:latin typeface="Cambria Math" panose="02040503050406030204" pitchFamily="18" charset="0"/>
-                          <a:ea typeface="Cambria Math" panose="02040503050406030204" pitchFamily="18" charset="0"/>
-                          <a:cs typeface="Arial" panose="020B0604020202020204" pitchFamily="34" charset="0"/>
-                        </a:rPr>
-                        <m:t>(</m:t>
-                      </m:r>
-                      <m:r>
-                        <a:rPr lang="it-IT" sz="2500" b="0" i="1" smtClean="0">
-                          <a:latin typeface="Cambria Math" panose="02040503050406030204" pitchFamily="18" charset="0"/>
-                          <a:ea typeface="Cambria Math" panose="02040503050406030204" pitchFamily="18" charset="0"/>
-                          <a:cs typeface="Arial" panose="020B0604020202020204" pitchFamily="34" charset="0"/>
-                        </a:rPr>
-                        <m:t>𝜇</m:t>
-                      </m:r>
-                      <m:r>
-                        <a:rPr lang="it-IT" sz="2500" b="0" i="1" smtClean="0">
-                          <a:latin typeface="Cambria Math" panose="02040503050406030204" pitchFamily="18" charset="0"/>
-                          <a:ea typeface="Cambria Math" panose="02040503050406030204" pitchFamily="18" charset="0"/>
-                          <a:cs typeface="Arial" panose="020B0604020202020204" pitchFamily="34" charset="0"/>
-                        </a:rPr>
-                        <m:t>)</m:t>
-                      </m:r>
-                    </m:oMath>
-                  </m:oMathPara>
-                </a14:m>
-                <a:endParaRPr lang="it-IT" sz="2500" dirty="0">
-                  <a:latin typeface="Arial" panose="020B0604020202020204" pitchFamily="34" charset="0"/>
-                  <a:cs typeface="Arial" panose="020B0604020202020204" pitchFamily="34" charset="0"/>
-                </a:endParaRPr>
-              </a:p>
-              <a:p>
-                <a:pPr marL="0" indent="0">
-                  <a:buNone/>
-                </a:pPr>
-                <a14:m>
-                  <m:oMathPara xmlns:m="http://schemas.openxmlformats.org/officeDocument/2006/math">
-                    <m:oMathParaPr>
-                      <m:jc m:val="centerGroup"/>
-                    </m:oMathParaPr>
-                    <m:oMath xmlns:m="http://schemas.openxmlformats.org/officeDocument/2006/math">
-                      <m:func>
-                        <m:funcPr>
-                          <m:ctrlPr>
-                            <a:rPr lang="it-IT" sz="2500" b="0" i="1" smtClean="0">
-                              <a:latin typeface="Cambria Math" panose="02040503050406030204" pitchFamily="18" charset="0"/>
-                              <a:cs typeface="Arial" panose="020B0604020202020204" pitchFamily="34" charset="0"/>
-                            </a:rPr>
-                          </m:ctrlPr>
-                        </m:funcPr>
-                        <m:fName>
-                          <m:r>
-                            <m:rPr>
-                              <m:sty m:val="p"/>
-                            </m:rPr>
-                            <a:rPr lang="it-IT" sz="2500" b="0" i="0" smtClean="0">
-                              <a:latin typeface="Cambria Math" panose="02040503050406030204" pitchFamily="18" charset="0"/>
-                              <a:cs typeface="Arial" panose="020B0604020202020204" pitchFamily="34" charset="0"/>
-                            </a:rPr>
-                            <m:t>ln</m:t>
-                          </m:r>
-                        </m:fName>
-                        <m:e>
-                          <m:d>
-                            <m:dPr>
-                              <m:ctrlPr>
-                                <a:rPr lang="it-IT" sz="2500" b="0" i="1" smtClean="0">
-                                  <a:latin typeface="Cambria Math" panose="02040503050406030204" pitchFamily="18" charset="0"/>
-                                  <a:cs typeface="Arial" panose="020B0604020202020204" pitchFamily="34" charset="0"/>
-                                </a:rPr>
-                              </m:ctrlPr>
-                            </m:dPr>
-                            <m:e>
-                              <m:r>
-                                <a:rPr lang="it-IT" sz="2500" b="0" i="1" smtClean="0">
-                                  <a:latin typeface="Cambria Math" panose="02040503050406030204" pitchFamily="18" charset="0"/>
-                                  <a:ea typeface="Cambria Math" panose="02040503050406030204" pitchFamily="18" charset="0"/>
-                                  <a:cs typeface="Arial" panose="020B0604020202020204" pitchFamily="34" charset="0"/>
-                                </a:rPr>
-                                <m:t>𝜇</m:t>
-                              </m:r>
-                            </m:e>
-                          </m:d>
-                        </m:e>
-                      </m:func>
-                      <m:r>
-                        <a:rPr lang="it-IT" sz="2500" b="0" i="1" smtClean="0">
-                          <a:latin typeface="Cambria Math" panose="02040503050406030204" pitchFamily="18" charset="0"/>
-                          <a:ea typeface="Cambria Math" panose="02040503050406030204" pitchFamily="18" charset="0"/>
-                          <a:cs typeface="Arial" panose="020B0604020202020204" pitchFamily="34" charset="0"/>
-                        </a:rPr>
-                        <m:t>=</m:t>
-                      </m:r>
-                      <m:func>
-                        <m:funcPr>
-                          <m:ctrlPr>
-                            <a:rPr lang="it-IT" sz="2500" b="0" i="1" smtClean="0">
-                              <a:latin typeface="Cambria Math" panose="02040503050406030204" pitchFamily="18" charset="0"/>
-                              <a:ea typeface="Cambria Math" panose="02040503050406030204" pitchFamily="18" charset="0"/>
-                              <a:cs typeface="Arial" panose="020B0604020202020204" pitchFamily="34" charset="0"/>
-                            </a:rPr>
-                          </m:ctrlPr>
-                        </m:funcPr>
-                        <m:fName>
-                          <m:r>
-                            <m:rPr>
-                              <m:sty m:val="p"/>
-                            </m:rPr>
-                            <a:rPr lang="it-IT" sz="2500" b="0" i="0" smtClean="0">
-                              <a:latin typeface="Cambria Math" panose="02040503050406030204" pitchFamily="18" charset="0"/>
-                              <a:ea typeface="Cambria Math" panose="02040503050406030204" pitchFamily="18" charset="0"/>
-                              <a:cs typeface="Arial" panose="020B0604020202020204" pitchFamily="34" charset="0"/>
-                            </a:rPr>
-                            <m:t>ln</m:t>
-                          </m:r>
-                        </m:fName>
-                        <m:e>
-                          <m:d>
-                            <m:dPr>
-                              <m:ctrlPr>
-                                <a:rPr lang="it-IT" sz="2500" b="0" i="1" smtClean="0">
-                                  <a:latin typeface="Cambria Math" panose="02040503050406030204" pitchFamily="18" charset="0"/>
-                                  <a:ea typeface="Cambria Math" panose="02040503050406030204" pitchFamily="18" charset="0"/>
-                                  <a:cs typeface="Arial" panose="020B0604020202020204" pitchFamily="34" charset="0"/>
-                                </a:rPr>
-                              </m:ctrlPr>
-                            </m:dPr>
-                            <m:e>
-                              <m:r>
-                                <a:rPr lang="it-IT" sz="2500" b="0" i="1" smtClean="0">
-                                  <a:latin typeface="Cambria Math" panose="02040503050406030204" pitchFamily="18" charset="0"/>
-                                  <a:ea typeface="Cambria Math" panose="02040503050406030204" pitchFamily="18" charset="0"/>
-                                  <a:cs typeface="Arial" panose="020B0604020202020204" pitchFamily="34" charset="0"/>
-                                </a:rPr>
-                                <m:t>𝐸</m:t>
-                              </m:r>
-                            </m:e>
-                          </m:d>
-                        </m:e>
-                      </m:func>
-                      <m:r>
-                        <a:rPr lang="it-IT" sz="2500" b="0" i="1" smtClean="0">
-                          <a:latin typeface="Cambria Math" panose="02040503050406030204" pitchFamily="18" charset="0"/>
-                          <a:ea typeface="Cambria Math" panose="02040503050406030204" pitchFamily="18" charset="0"/>
-                          <a:cs typeface="Arial" panose="020B0604020202020204" pitchFamily="34" charset="0"/>
-                        </a:rPr>
-                        <m:t>+</m:t>
-                      </m:r>
-                      <m:r>
-                        <a:rPr lang="it-IT" sz="2500" b="0" i="1" smtClean="0">
-                          <a:latin typeface="Cambria Math" panose="02040503050406030204" pitchFamily="18" charset="0"/>
-                          <a:ea typeface="Cambria Math" panose="02040503050406030204" pitchFamily="18" charset="0"/>
-                          <a:cs typeface="Arial" panose="020B0604020202020204" pitchFamily="34" charset="0"/>
-                        </a:rPr>
-                        <m:t>𝑋</m:t>
-                      </m:r>
-                      <m:r>
-                        <a:rPr lang="it-IT" sz="2500" b="0" i="1" smtClean="0">
-                          <a:latin typeface="Cambria Math" panose="02040503050406030204" pitchFamily="18" charset="0"/>
-                          <a:ea typeface="Cambria Math" panose="02040503050406030204" pitchFamily="18" charset="0"/>
-                          <a:cs typeface="Arial" panose="020B0604020202020204" pitchFamily="34" charset="0"/>
-                        </a:rPr>
-                        <m:t>𝛽</m:t>
-                      </m:r>
-                      <m:r>
-                        <a:rPr lang="it-IT" sz="2500" b="0" i="1" smtClean="0">
-                          <a:latin typeface="Cambria Math" panose="02040503050406030204" pitchFamily="18" charset="0"/>
-                          <a:ea typeface="Cambria Math" panose="02040503050406030204" pitchFamily="18" charset="0"/>
-                          <a:cs typeface="Arial" panose="020B0604020202020204" pitchFamily="34" charset="0"/>
-                        </a:rPr>
-                        <m:t>+</m:t>
-                      </m:r>
-                      <m:r>
-                        <a:rPr lang="it-IT" sz="2500" b="0" i="1" smtClean="0">
-                          <a:latin typeface="Cambria Math" panose="02040503050406030204" pitchFamily="18" charset="0"/>
-                          <a:ea typeface="Cambria Math" panose="02040503050406030204" pitchFamily="18" charset="0"/>
-                          <a:cs typeface="Arial" panose="020B0604020202020204" pitchFamily="34" charset="0"/>
-                        </a:rPr>
-                        <m:t>𝑍</m:t>
-                      </m:r>
-                      <m:r>
-                        <a:rPr lang="it-IT" sz="2500" b="0" i="1" smtClean="0">
-                          <a:latin typeface="Cambria Math" panose="02040503050406030204" pitchFamily="18" charset="0"/>
-                          <a:ea typeface="Cambria Math" panose="02040503050406030204" pitchFamily="18" charset="0"/>
-                          <a:cs typeface="Arial" panose="020B0604020202020204" pitchFamily="34" charset="0"/>
-                        </a:rPr>
-                        <m:t>𝜃</m:t>
-                      </m:r>
-                    </m:oMath>
-                  </m:oMathPara>
-                </a14:m>
-                <a:endParaRPr lang="it-IT" sz="2500" dirty="0">
-                  <a:latin typeface="Arial" panose="020B0604020202020204" pitchFamily="34" charset="0"/>
-                  <a:cs typeface="Arial" panose="020B0604020202020204" pitchFamily="34" charset="0"/>
-                </a:endParaRPr>
-              </a:p>
-            </p:txBody>
-          </p:sp>
-        </mc:Choice>
-        <mc:Fallback xmlns="">
-          <p:sp>
-            <p:nvSpPr>
-              <p:cNvPr id="10" name="Segnaposto contenuto 2">
-                <a:extLst>
-                  <a:ext uri="{FF2B5EF4-FFF2-40B4-BE49-F238E27FC236}">
-                    <a16:creationId xmlns:a16="http://schemas.microsoft.com/office/drawing/2014/main" id="{30E0BD5B-749D-C756-80B6-7AE31ADA4901}"/>
-                  </a:ext>
-                </a:extLst>
-              </p:cNvPr>
-              <p:cNvSpPr>
-                <a:spLocks noGrp="1" noRot="1" noChangeAspect="1" noMove="1" noResize="1" noEditPoints="1" noAdjustHandles="1" noChangeArrowheads="1" noChangeShapeType="1" noTextEdit="1"/>
-              </p:cNvSpPr>
-              <p:nvPr>
-                <p:ph idx="1"/>
-              </p:nvPr>
-            </p:nvSpPr>
-            <p:spPr>
-              <a:xfrm>
-                <a:off x="838200" y="911449"/>
-                <a:ext cx="10515600" cy="5851191"/>
-              </a:xfrm>
-              <a:blipFill>
-                <a:blip r:embed="rId2"/>
-                <a:stretch>
-                  <a:fillRect l="-965" t="-2386"/>
-                </a:stretch>
-              </a:blipFill>
-            </p:spPr>
-            <p:txBody>
-              <a:bodyPr/>
-              <a:lstStyle/>
-              <a:p>
-                <a:r>
-                  <a:rPr lang="it-IT">
-                    <a:noFill/>
-                  </a:rPr>
-                  <a:t> </a:t>
-                </a:r>
-              </a:p>
-            </p:txBody>
-          </p:sp>
-        </mc:Fallback>
-      </mc:AlternateContent>
-      <p:sp>
-        <p:nvSpPr>
-          <p:cNvPr id="15" name="Rettangolo 14">
-            <a:extLst>
-              <a:ext uri="{FF2B5EF4-FFF2-40B4-BE49-F238E27FC236}">
-                <a16:creationId xmlns:a16="http://schemas.microsoft.com/office/drawing/2014/main" id="{1C544320-7145-A0CF-D8EC-4968FCE57289}"/>
-              </a:ext>
-            </a:extLst>
-          </p:cNvPr>
-          <p:cNvSpPr/>
-          <p:nvPr/>
-        </p:nvSpPr>
-        <p:spPr>
-          <a:xfrm>
-            <a:off x="0" y="0"/>
-            <a:ext cx="12192000" cy="500063"/>
-          </a:xfrm>
-          <a:prstGeom prst="rect">
-            <a:avLst/>
-          </a:prstGeom>
-        </p:spPr>
-        <p:style>
-          <a:lnRef idx="2">
-            <a:schemeClr val="accent1">
-              <a:shade val="50000"/>
-            </a:schemeClr>
-          </a:lnRef>
-          <a:fillRef idx="1">
-            <a:schemeClr val="accent1"/>
-          </a:fillRef>
-          <a:effectRef idx="0">
-            <a:schemeClr val="accent1"/>
-          </a:effectRef>
-          <a:fontRef idx="minor">
-            <a:schemeClr val="lt1"/>
-          </a:fontRef>
-        </p:style>
-        <p:txBody>
-          <a:bodyPr rtlCol="0" anchor="ctr"/>
-          <a:lstStyle/>
-          <a:p>
-            <a:pPr algn="ctr"/>
-            <a:endParaRPr lang="it-IT">
-              <a:solidFill>
-                <a:sysClr val="windowText" lastClr="000000"/>
-              </a:solidFill>
-            </a:endParaRPr>
-          </a:p>
-        </p:txBody>
-      </p:sp>
-      <p:sp>
-        <p:nvSpPr>
-          <p:cNvPr id="16" name="Titolo 1">
-            <a:extLst>
-              <a:ext uri="{FF2B5EF4-FFF2-40B4-BE49-F238E27FC236}">
-                <a16:creationId xmlns:a16="http://schemas.microsoft.com/office/drawing/2014/main" id="{C605E7EB-D8FB-F8C0-8CD3-B4D71476613C}"/>
-              </a:ext>
-            </a:extLst>
-          </p:cNvPr>
-          <p:cNvSpPr>
-            <a:spLocks noGrp="1"/>
-          </p:cNvSpPr>
-          <p:nvPr>
-            <p:ph type="title"/>
-          </p:nvPr>
-        </p:nvSpPr>
-        <p:spPr>
-          <a:xfrm>
-            <a:off x="838200" y="92075"/>
-            <a:ext cx="4597400" cy="315912"/>
-          </a:xfrm>
-        </p:spPr>
-        <p:txBody>
-          <a:bodyPr>
-            <a:noAutofit/>
-          </a:bodyPr>
-          <a:lstStyle/>
-          <a:p>
-            <a:r>
-              <a:rPr lang="it-IT" sz="1800" b="1" dirty="0">
-                <a:solidFill>
-                  <a:schemeClr val="bg1"/>
-                </a:solidFill>
-                <a:latin typeface="Arial Black" panose="020B0604020202020204" pitchFamily="34" charset="0"/>
-                <a:cs typeface="Arial Black" panose="020B0604020202020204" pitchFamily="34" charset="0"/>
-              </a:rPr>
-              <a:t>Data and </a:t>
-            </a:r>
-            <a:r>
-              <a:rPr lang="it-IT" sz="1800" b="1" dirty="0" err="1">
-                <a:solidFill>
-                  <a:schemeClr val="bg1"/>
-                </a:solidFill>
-                <a:latin typeface="Arial Black" panose="020B0604020202020204" pitchFamily="34" charset="0"/>
-                <a:cs typeface="Arial Black" panose="020B0604020202020204" pitchFamily="34" charset="0"/>
-              </a:rPr>
-              <a:t>methods</a:t>
-            </a:r>
-            <a:endParaRPr lang="it-IT" sz="1800" b="1" dirty="0">
-              <a:solidFill>
-                <a:schemeClr val="bg1"/>
-              </a:solidFill>
-              <a:latin typeface="Arial Black" panose="020B0604020202020204" pitchFamily="34" charset="0"/>
-              <a:cs typeface="Arial Black" panose="020B0604020202020204" pitchFamily="34" charset="0"/>
-            </a:endParaRPr>
-          </a:p>
-        </p:txBody>
-      </p:sp>
-    </p:spTree>
-    <p:extLst>
-      <p:ext uri="{BB962C8B-B14F-4D97-AF65-F5344CB8AC3E}">
-        <p14:creationId xmlns:p14="http://schemas.microsoft.com/office/powerpoint/2010/main" val="1691512438"/>
-      </p:ext>
-    </p:extLst>
-  </p:cSld>
-  <p:clrMapOvr>
-    <a:masterClrMapping/>
-  </p:clrMapOvr>
-</p:sld>
-</file>
-
-<file path=ppt/slides/slide7.xml><?xml version="1.0" encoding="utf-8"?>
-<p:sld xmlns:a="http://schemas.openxmlformats.org/drawingml/2006/main" xmlns:r="http://schemas.openxmlformats.org/officeDocument/2006/relationships" xmlns:p="http://schemas.openxmlformats.org/presentationml/2006/main">
-  <p:cSld>
-    <p:spTree>
-      <p:nvGrpSpPr>
-        <p:cNvPr id="1" name=""/>
-        <p:cNvGrpSpPr/>
-        <p:nvPr/>
-      </p:nvGrpSpPr>
-      <p:grpSpPr>
-        <a:xfrm>
-          <a:off x="0" y="0"/>
-          <a:ext cx="0" cy="0"/>
-          <a:chOff x="0" y="0"/>
-          <a:chExt cx="0" cy="0"/>
-        </a:xfrm>
-      </p:grpSpPr>
       <p:sp>
         <p:nvSpPr>
           <p:cNvPr id="8" name="Rettangolo 7">
@@ -22170,7 +23115,7 @@
 </p:sld>
 </file>
 
-<file path=ppt/slides/slide8.xml><?xml version="1.0" encoding="utf-8"?>
+<file path=ppt/slides/slide7.xml><?xml version="1.0" encoding="utf-8"?>
 <p:sld xmlns:a="http://schemas.openxmlformats.org/drawingml/2006/main" xmlns:r="http://schemas.openxmlformats.org/officeDocument/2006/relationships" xmlns:p="http://schemas.openxmlformats.org/presentationml/2006/main">
   <p:cSld>
     <p:spTree>
@@ -22401,7 +23346,7 @@
 </p:sld>
 </file>
 
-<file path=ppt/slides/slide9.xml><?xml version="1.0" encoding="utf-8"?>
+<file path=ppt/slides/slide8.xml><?xml version="1.0" encoding="utf-8"?>
 <p:sld xmlns:a="http://schemas.openxmlformats.org/drawingml/2006/main" xmlns:r="http://schemas.openxmlformats.org/officeDocument/2006/relationships" xmlns:p="http://schemas.openxmlformats.org/presentationml/2006/main">
   <p:cSld>
     <p:spTree>
@@ -23304,6 +24249,572 @@
 </p:sld>
 </file>
 
+<file path=ppt/slides/slide9.xml><?xml version="1.0" encoding="utf-8"?>
+<p:sld xmlns:a="http://schemas.openxmlformats.org/drawingml/2006/main" xmlns:r="http://schemas.openxmlformats.org/officeDocument/2006/relationships" xmlns:p="http://schemas.openxmlformats.org/presentationml/2006/main">
+  <p:cSld>
+    <p:spTree>
+      <p:nvGrpSpPr>
+        <p:cNvPr id="1" name=""/>
+        <p:cNvGrpSpPr/>
+        <p:nvPr/>
+      </p:nvGrpSpPr>
+      <p:grpSpPr>
+        <a:xfrm>
+          <a:off x="0" y="0"/>
+          <a:ext cx="0" cy="0"/>
+          <a:chOff x="0" y="0"/>
+          <a:chExt cx="0" cy="0"/>
+        </a:xfrm>
+      </p:grpSpPr>
+      <p:sp>
+        <p:nvSpPr>
+          <p:cNvPr id="4" name="Rettangolo 3">
+            <a:extLst>
+              <a:ext uri="{FF2B5EF4-FFF2-40B4-BE49-F238E27FC236}">
+                <a16:creationId xmlns:a16="http://schemas.microsoft.com/office/drawing/2014/main" id="{93DFE297-B13C-ED91-03D2-518A9F0A4D07}"/>
+              </a:ext>
+            </a:extLst>
+          </p:cNvPr>
+          <p:cNvSpPr/>
+          <p:nvPr/>
+        </p:nvSpPr>
+        <p:spPr>
+          <a:xfrm>
+            <a:off x="0" y="0"/>
+            <a:ext cx="12192000" cy="500063"/>
+          </a:xfrm>
+          <a:prstGeom prst="rect">
+            <a:avLst/>
+          </a:prstGeom>
+        </p:spPr>
+        <p:style>
+          <a:lnRef idx="2">
+            <a:schemeClr val="accent1">
+              <a:shade val="50000"/>
+            </a:schemeClr>
+          </a:lnRef>
+          <a:fillRef idx="1">
+            <a:schemeClr val="accent1"/>
+          </a:fillRef>
+          <a:effectRef idx="0">
+            <a:schemeClr val="accent1"/>
+          </a:effectRef>
+          <a:fontRef idx="minor">
+            <a:schemeClr val="lt1"/>
+          </a:fontRef>
+        </p:style>
+        <p:txBody>
+          <a:bodyPr rtlCol="0" anchor="ctr"/>
+          <a:lstStyle/>
+          <a:p>
+            <a:pPr algn="ctr"/>
+            <a:endParaRPr lang="it-IT">
+              <a:solidFill>
+                <a:sysClr val="windowText" lastClr="000000"/>
+              </a:solidFill>
+            </a:endParaRPr>
+          </a:p>
+        </p:txBody>
+      </p:sp>
+      <p:sp>
+        <p:nvSpPr>
+          <p:cNvPr id="2" name="Titolo 1">
+            <a:extLst>
+              <a:ext uri="{FF2B5EF4-FFF2-40B4-BE49-F238E27FC236}">
+                <a16:creationId xmlns:a16="http://schemas.microsoft.com/office/drawing/2014/main" id="{385840A7-48F3-2088-7FF8-5CEB62FBA751}"/>
+              </a:ext>
+            </a:extLst>
+          </p:cNvPr>
+          <p:cNvSpPr>
+            <a:spLocks noGrp="1"/>
+          </p:cNvSpPr>
+          <p:nvPr>
+            <p:ph type="title"/>
+          </p:nvPr>
+        </p:nvSpPr>
+        <p:spPr>
+          <a:xfrm>
+            <a:off x="838200" y="92075"/>
+            <a:ext cx="4597400" cy="315912"/>
+          </a:xfrm>
+        </p:spPr>
+        <p:txBody>
+          <a:bodyPr>
+            <a:noAutofit/>
+          </a:bodyPr>
+          <a:lstStyle/>
+          <a:p>
+            <a:r>
+              <a:rPr lang="it-IT" sz="1800" b="1" dirty="0" err="1">
+                <a:solidFill>
+                  <a:schemeClr val="bg1"/>
+                </a:solidFill>
+                <a:latin typeface="Arial Black" panose="020B0604020202020204" pitchFamily="34" charset="0"/>
+                <a:cs typeface="Arial Black" panose="020B0604020202020204" pitchFamily="34" charset="0"/>
+              </a:rPr>
+              <a:t>Explorative</a:t>
+            </a:r>
+            <a:r>
+              <a:rPr lang="it-IT" sz="1800" b="1" dirty="0">
+                <a:solidFill>
+                  <a:schemeClr val="bg1"/>
+                </a:solidFill>
+                <a:latin typeface="Arial Black" panose="020B0604020202020204" pitchFamily="34" charset="0"/>
+                <a:cs typeface="Arial Black" panose="020B0604020202020204" pitchFamily="34" charset="0"/>
+              </a:rPr>
+              <a:t> </a:t>
+            </a:r>
+            <a:r>
+              <a:rPr lang="it-IT" sz="1800" b="1" dirty="0" err="1">
+                <a:solidFill>
+                  <a:schemeClr val="bg1"/>
+                </a:solidFill>
+                <a:latin typeface="Arial Black" panose="020B0604020202020204" pitchFamily="34" charset="0"/>
+                <a:cs typeface="Arial Black" panose="020B0604020202020204" pitchFamily="34" charset="0"/>
+              </a:rPr>
+              <a:t>analysis</a:t>
+            </a:r>
+            <a:endParaRPr lang="it-IT" sz="1800" b="1" dirty="0">
+              <a:solidFill>
+                <a:schemeClr val="bg1"/>
+              </a:solidFill>
+              <a:latin typeface="Arial Black" panose="020B0604020202020204" pitchFamily="34" charset="0"/>
+              <a:cs typeface="Arial Black" panose="020B0604020202020204" pitchFamily="34" charset="0"/>
+            </a:endParaRPr>
+          </a:p>
+        </p:txBody>
+      </p:sp>
+      <p:pic>
+        <p:nvPicPr>
+          <p:cNvPr id="9" name="Immagine 8">
+            <a:extLst>
+              <a:ext uri="{FF2B5EF4-FFF2-40B4-BE49-F238E27FC236}">
+                <a16:creationId xmlns:a16="http://schemas.microsoft.com/office/drawing/2014/main" id="{C1C8E792-C338-DBB4-80BC-D7F8DE327CDB}"/>
+              </a:ext>
+            </a:extLst>
+          </p:cNvPr>
+          <p:cNvPicPr>
+            <a:picLocks noChangeAspect="1"/>
+          </p:cNvPicPr>
+          <p:nvPr/>
+        </p:nvPicPr>
+        <p:blipFill>
+          <a:blip r:embed="rId3"/>
+          <a:stretch>
+            <a:fillRect/>
+          </a:stretch>
+        </p:blipFill>
+        <p:spPr>
+          <a:xfrm>
+            <a:off x="4914378" y="500062"/>
+            <a:ext cx="7315200" cy="6400800"/>
+          </a:xfrm>
+          <a:prstGeom prst="rect">
+            <a:avLst/>
+          </a:prstGeom>
+        </p:spPr>
+      </p:pic>
+      <p:sp>
+        <p:nvSpPr>
+          <p:cNvPr id="5" name="Segnaposto contenuto 2">
+            <a:extLst>
+              <a:ext uri="{FF2B5EF4-FFF2-40B4-BE49-F238E27FC236}">
+                <a16:creationId xmlns:a16="http://schemas.microsoft.com/office/drawing/2014/main" id="{A93F5D7C-9A2C-8915-0E43-1FBA25C24059}"/>
+              </a:ext>
+            </a:extLst>
+          </p:cNvPr>
+          <p:cNvSpPr>
+            <a:spLocks noGrp="1"/>
+          </p:cNvSpPr>
+          <p:nvPr>
+            <p:ph idx="1"/>
+          </p:nvPr>
+        </p:nvSpPr>
+        <p:spPr>
+          <a:xfrm>
+            <a:off x="195946" y="859395"/>
+            <a:ext cx="5239654" cy="5906530"/>
+          </a:xfrm>
+        </p:spPr>
+        <p:txBody>
+          <a:bodyPr>
+            <a:normAutofit fontScale="92500" lnSpcReduction="20000"/>
+          </a:bodyPr>
+          <a:lstStyle/>
+          <a:p>
+            <a:pPr marL="0" indent="0">
+              <a:buNone/>
+            </a:pPr>
+            <a:r>
+              <a:rPr lang="it-IT" sz="2500" dirty="0">
+                <a:latin typeface="Arial" panose="020B0604020202020204" pitchFamily="34" charset="0"/>
+                <a:cs typeface="Arial" panose="020B0604020202020204" pitchFamily="34" charset="0"/>
+              </a:rPr>
+              <a:t>UK, </a:t>
+            </a:r>
+            <a:r>
+              <a:rPr lang="it-IT" sz="2500" dirty="0" err="1">
+                <a:latin typeface="Arial" panose="020B0604020202020204" pitchFamily="34" charset="0"/>
+                <a:cs typeface="Arial" panose="020B0604020202020204" pitchFamily="34" charset="0"/>
+              </a:rPr>
+              <a:t>Ireland</a:t>
+            </a:r>
+            <a:r>
+              <a:rPr lang="it-IT" sz="2500" dirty="0">
+                <a:latin typeface="Arial" panose="020B0604020202020204" pitchFamily="34" charset="0"/>
+                <a:cs typeface="Arial" panose="020B0604020202020204" pitchFamily="34" charset="0"/>
+              </a:rPr>
+              <a:t>, Netherlands, Luxembourg:</a:t>
+            </a:r>
+          </a:p>
+          <a:p>
+            <a:pPr marL="0" indent="0" algn="just">
+              <a:buNone/>
+            </a:pPr>
+            <a:r>
+              <a:rPr lang="it-IT" sz="2500" dirty="0">
+                <a:latin typeface="Arial" panose="020B0604020202020204" pitchFamily="34" charset="0"/>
+                <a:cs typeface="Arial" panose="020B0604020202020204" pitchFamily="34" charset="0"/>
+              </a:rPr>
+              <a:t>🌥️ Low </a:t>
+            </a:r>
+            <a:r>
+              <a:rPr lang="it-IT" sz="2500" dirty="0" err="1">
+                <a:latin typeface="Arial" panose="020B0604020202020204" pitchFamily="34" charset="0"/>
+                <a:cs typeface="Arial" panose="020B0604020202020204" pitchFamily="34" charset="0"/>
+              </a:rPr>
+              <a:t>exposure</a:t>
+            </a:r>
+            <a:r>
+              <a:rPr lang="it-IT" sz="2500" dirty="0">
+                <a:latin typeface="Arial" panose="020B0604020202020204" pitchFamily="34" charset="0"/>
+                <a:cs typeface="Arial" panose="020B0604020202020204" pitchFamily="34" charset="0"/>
+              </a:rPr>
+              <a:t> to UVB</a:t>
+            </a:r>
+          </a:p>
+          <a:p>
+            <a:pPr marL="0" indent="0" algn="just">
+              <a:buNone/>
+            </a:pPr>
+            <a:r>
+              <a:rPr lang="it-IT" sz="2500" dirty="0">
+                <a:latin typeface="Arial" panose="020B0604020202020204" pitchFamily="34" charset="0"/>
+                <a:cs typeface="Arial" panose="020B0604020202020204" pitchFamily="34" charset="0"/>
+              </a:rPr>
+              <a:t>📈 Positive </a:t>
+            </a:r>
+            <a:r>
+              <a:rPr lang="it-IT" sz="2500" dirty="0" err="1">
+                <a:latin typeface="Arial" panose="020B0604020202020204" pitchFamily="34" charset="0"/>
+                <a:cs typeface="Arial" panose="020B0604020202020204" pitchFamily="34" charset="0"/>
+              </a:rPr>
+              <a:t>relationship</a:t>
+            </a:r>
+            <a:endParaRPr lang="it-IT" sz="2500" dirty="0">
+              <a:latin typeface="Arial" panose="020B0604020202020204" pitchFamily="34" charset="0"/>
+              <a:cs typeface="Arial" panose="020B0604020202020204" pitchFamily="34" charset="0"/>
+            </a:endParaRPr>
+          </a:p>
+          <a:p>
+            <a:pPr marL="0" indent="0" algn="just">
+              <a:buNone/>
+            </a:pPr>
+            <a:endParaRPr lang="it-IT" sz="2500" dirty="0">
+              <a:latin typeface="Arial" panose="020B0604020202020204" pitchFamily="34" charset="0"/>
+              <a:cs typeface="Arial" panose="020B0604020202020204" pitchFamily="34" charset="0"/>
+            </a:endParaRPr>
+          </a:p>
+          <a:p>
+            <a:pPr marL="0" indent="0" algn="just">
+              <a:buNone/>
+            </a:pPr>
+            <a:r>
+              <a:rPr lang="it-IT" sz="2500" dirty="0" err="1">
+                <a:latin typeface="Arial" panose="020B0604020202020204" pitchFamily="34" charset="0"/>
+                <a:cs typeface="Arial" panose="020B0604020202020204" pitchFamily="34" charset="0"/>
+              </a:rPr>
+              <a:t>Belgium</a:t>
+            </a:r>
+            <a:r>
+              <a:rPr lang="it-IT" sz="2500" dirty="0">
+                <a:latin typeface="Arial" panose="020B0604020202020204" pitchFamily="34" charset="0"/>
+                <a:cs typeface="Arial" panose="020B0604020202020204" pitchFamily="34" charset="0"/>
+              </a:rPr>
+              <a:t>, WG, </a:t>
+            </a:r>
+            <a:r>
+              <a:rPr lang="it-IT" sz="2500" dirty="0" err="1">
+                <a:latin typeface="Arial" panose="020B0604020202020204" pitchFamily="34" charset="0"/>
+                <a:cs typeface="Arial" panose="020B0604020202020204" pitchFamily="34" charset="0"/>
+              </a:rPr>
+              <a:t>Denmark</a:t>
+            </a:r>
+            <a:r>
+              <a:rPr lang="it-IT" sz="2500" dirty="0">
+                <a:latin typeface="Arial" panose="020B0604020202020204" pitchFamily="34" charset="0"/>
+                <a:cs typeface="Arial" panose="020B0604020202020204" pitchFamily="34" charset="0"/>
+              </a:rPr>
+              <a:t>:</a:t>
+            </a:r>
+          </a:p>
+          <a:p>
+            <a:pPr marL="0" indent="0" algn="just">
+              <a:buNone/>
+            </a:pPr>
+            <a:r>
+              <a:rPr lang="it-IT" sz="2500" dirty="0">
+                <a:latin typeface="Arial" panose="020B0604020202020204" pitchFamily="34" charset="0"/>
+                <a:cs typeface="Arial" panose="020B0604020202020204" pitchFamily="34" charset="0"/>
+              </a:rPr>
+              <a:t>🌥️ Low </a:t>
+            </a:r>
+            <a:r>
+              <a:rPr lang="it-IT" sz="2500" dirty="0" err="1">
+                <a:latin typeface="Arial" panose="020B0604020202020204" pitchFamily="34" charset="0"/>
+                <a:cs typeface="Arial" panose="020B0604020202020204" pitchFamily="34" charset="0"/>
+              </a:rPr>
+              <a:t>exposure</a:t>
+            </a:r>
+            <a:r>
+              <a:rPr lang="it-IT" sz="2500" dirty="0">
+                <a:latin typeface="Arial" panose="020B0604020202020204" pitchFamily="34" charset="0"/>
+                <a:cs typeface="Arial" panose="020B0604020202020204" pitchFamily="34" charset="0"/>
+              </a:rPr>
+              <a:t> to UVB</a:t>
+            </a:r>
+          </a:p>
+          <a:p>
+            <a:pPr marL="0" indent="0" algn="just">
+              <a:buNone/>
+            </a:pPr>
+            <a:r>
+              <a:rPr lang="it-IT" sz="2500" dirty="0">
+                <a:latin typeface="Arial" panose="020B0604020202020204" pitchFamily="34" charset="0"/>
+                <a:cs typeface="Arial" panose="020B0604020202020204" pitchFamily="34" charset="0"/>
+              </a:rPr>
+              <a:t>📉 Negative </a:t>
+            </a:r>
+            <a:r>
+              <a:rPr lang="it-IT" sz="2500" dirty="0" err="1">
+                <a:latin typeface="Arial" panose="020B0604020202020204" pitchFamily="34" charset="0"/>
+                <a:cs typeface="Arial" panose="020B0604020202020204" pitchFamily="34" charset="0"/>
+              </a:rPr>
+              <a:t>relationship</a:t>
+            </a:r>
+            <a:endParaRPr lang="it-IT" sz="2500" dirty="0">
+              <a:latin typeface="Arial" panose="020B0604020202020204" pitchFamily="34" charset="0"/>
+              <a:cs typeface="Arial" panose="020B0604020202020204" pitchFamily="34" charset="0"/>
+            </a:endParaRPr>
+          </a:p>
+          <a:p>
+            <a:pPr marL="0" indent="0" algn="just">
+              <a:buNone/>
+            </a:pPr>
+            <a:endParaRPr lang="it-IT" sz="2500" dirty="0">
+              <a:latin typeface="Arial" panose="020B0604020202020204" pitchFamily="34" charset="0"/>
+              <a:cs typeface="Arial" panose="020B0604020202020204" pitchFamily="34" charset="0"/>
+            </a:endParaRPr>
+          </a:p>
+          <a:p>
+            <a:pPr marL="0" indent="0" algn="just">
+              <a:buNone/>
+            </a:pPr>
+            <a:r>
+              <a:rPr lang="it-IT" sz="2500" dirty="0" err="1">
+                <a:latin typeface="Arial" panose="020B0604020202020204" pitchFamily="34" charset="0"/>
+                <a:cs typeface="Arial" panose="020B0604020202020204" pitchFamily="34" charset="0"/>
+              </a:rPr>
+              <a:t>Italy</a:t>
+            </a:r>
+            <a:r>
+              <a:rPr lang="it-IT" sz="2500" dirty="0">
+                <a:latin typeface="Arial" panose="020B0604020202020204" pitchFamily="34" charset="0"/>
+                <a:cs typeface="Arial" panose="020B0604020202020204" pitchFamily="34" charset="0"/>
+              </a:rPr>
+              <a:t>:</a:t>
+            </a:r>
+          </a:p>
+          <a:p>
+            <a:pPr marL="0" indent="0" algn="just">
+              <a:buNone/>
+            </a:pPr>
+            <a:r>
+              <a:rPr lang="it-IT" sz="2500" dirty="0">
+                <a:latin typeface="Arial" panose="020B0604020202020204" pitchFamily="34" charset="0"/>
+                <a:cs typeface="Arial" panose="020B0604020202020204" pitchFamily="34" charset="0"/>
+              </a:rPr>
+              <a:t>☀️ High(est) </a:t>
+            </a:r>
+            <a:r>
+              <a:rPr lang="it-IT" sz="2500" dirty="0" err="1">
+                <a:latin typeface="Arial" panose="020B0604020202020204" pitchFamily="34" charset="0"/>
+                <a:cs typeface="Arial" panose="020B0604020202020204" pitchFamily="34" charset="0"/>
+              </a:rPr>
+              <a:t>exposure</a:t>
+            </a:r>
+            <a:r>
+              <a:rPr lang="it-IT" sz="2500" dirty="0">
+                <a:latin typeface="Arial" panose="020B0604020202020204" pitchFamily="34" charset="0"/>
+                <a:cs typeface="Arial" panose="020B0604020202020204" pitchFamily="34" charset="0"/>
+              </a:rPr>
+              <a:t> to UVB</a:t>
+            </a:r>
+          </a:p>
+          <a:p>
+            <a:pPr marL="0" indent="0" algn="just">
+              <a:buNone/>
+            </a:pPr>
+            <a:r>
+              <a:rPr lang="it-IT" sz="2500" dirty="0">
+                <a:latin typeface="Arial" panose="020B0604020202020204" pitchFamily="34" charset="0"/>
+                <a:cs typeface="Arial" panose="020B0604020202020204" pitchFamily="34" charset="0"/>
+              </a:rPr>
+              <a:t>📉 Negative </a:t>
+            </a:r>
+            <a:r>
+              <a:rPr lang="it-IT" sz="2500" dirty="0" err="1">
+                <a:latin typeface="Arial" panose="020B0604020202020204" pitchFamily="34" charset="0"/>
+                <a:cs typeface="Arial" panose="020B0604020202020204" pitchFamily="34" charset="0"/>
+              </a:rPr>
+              <a:t>relationship</a:t>
+            </a:r>
+            <a:endParaRPr lang="it-IT" sz="2500" dirty="0">
+              <a:latin typeface="Arial" panose="020B0604020202020204" pitchFamily="34" charset="0"/>
+              <a:cs typeface="Arial" panose="020B0604020202020204" pitchFamily="34" charset="0"/>
+            </a:endParaRPr>
+          </a:p>
+          <a:p>
+            <a:pPr marL="0" indent="0" algn="just">
+              <a:buNone/>
+            </a:pPr>
+            <a:endParaRPr lang="it-IT" sz="2500" dirty="0">
+              <a:latin typeface="Arial" panose="020B0604020202020204" pitchFamily="34" charset="0"/>
+              <a:cs typeface="Arial" panose="020B0604020202020204" pitchFamily="34" charset="0"/>
+            </a:endParaRPr>
+          </a:p>
+          <a:p>
+            <a:pPr marL="0" indent="0" algn="just">
+              <a:buNone/>
+            </a:pPr>
+            <a:r>
+              <a:rPr lang="it-IT" sz="2500" dirty="0">
+                <a:latin typeface="Arial" panose="020B0604020202020204" pitchFamily="34" charset="0"/>
+                <a:cs typeface="Arial" panose="020B0604020202020204" pitchFamily="34" charset="0"/>
+              </a:rPr>
+              <a:t>France:</a:t>
+            </a:r>
+          </a:p>
+          <a:p>
+            <a:pPr marL="0" indent="0" algn="just">
+              <a:buNone/>
+            </a:pPr>
+            <a:r>
+              <a:rPr lang="it-IT" sz="2500" dirty="0">
+                <a:latin typeface="Arial" panose="020B0604020202020204" pitchFamily="34" charset="0"/>
+                <a:cs typeface="Arial" panose="020B0604020202020204" pitchFamily="34" charset="0"/>
+              </a:rPr>
+              <a:t>🌤️ </a:t>
+            </a:r>
+            <a:r>
+              <a:rPr lang="it-IT" sz="2500" dirty="0" err="1">
+                <a:latin typeface="Arial" panose="020B0604020202020204" pitchFamily="34" charset="0"/>
+                <a:cs typeface="Arial" panose="020B0604020202020204" pitchFamily="34" charset="0"/>
+              </a:rPr>
+              <a:t>Mid</a:t>
+            </a:r>
+            <a:r>
+              <a:rPr lang="it-IT" sz="2500" dirty="0">
+                <a:latin typeface="Arial" panose="020B0604020202020204" pitchFamily="34" charset="0"/>
+                <a:cs typeface="Arial" panose="020B0604020202020204" pitchFamily="34" charset="0"/>
+              </a:rPr>
+              <a:t> </a:t>
+            </a:r>
+            <a:r>
+              <a:rPr lang="it-IT" sz="2500" dirty="0" err="1">
+                <a:latin typeface="Arial" panose="020B0604020202020204" pitchFamily="34" charset="0"/>
+                <a:cs typeface="Arial" panose="020B0604020202020204" pitchFamily="34" charset="0"/>
+              </a:rPr>
+              <a:t>exposure</a:t>
+            </a:r>
+            <a:r>
+              <a:rPr lang="it-IT" sz="2500" dirty="0">
+                <a:latin typeface="Arial" panose="020B0604020202020204" pitchFamily="34" charset="0"/>
+                <a:cs typeface="Arial" panose="020B0604020202020204" pitchFamily="34" charset="0"/>
+              </a:rPr>
+              <a:t> to UVB</a:t>
+            </a:r>
+          </a:p>
+          <a:p>
+            <a:pPr marL="0" indent="0" algn="just">
+              <a:buNone/>
+            </a:pPr>
+            <a:r>
+              <a:rPr lang="it-IT" sz="2500" dirty="0">
+                <a:latin typeface="Arial" panose="020B0604020202020204" pitchFamily="34" charset="0"/>
+                <a:cs typeface="Arial" panose="020B0604020202020204" pitchFamily="34" charset="0"/>
+              </a:rPr>
+              <a:t>📉 (</a:t>
+            </a:r>
+            <a:r>
+              <a:rPr lang="it-IT" sz="2500" dirty="0" err="1">
+                <a:latin typeface="Arial" panose="020B0604020202020204" pitchFamily="34" charset="0"/>
+                <a:cs typeface="Arial" panose="020B0604020202020204" pitchFamily="34" charset="0"/>
+              </a:rPr>
+              <a:t>slightly</a:t>
+            </a:r>
+            <a:r>
+              <a:rPr lang="it-IT" sz="2500" dirty="0">
+                <a:latin typeface="Arial" panose="020B0604020202020204" pitchFamily="34" charset="0"/>
+                <a:cs typeface="Arial" panose="020B0604020202020204" pitchFamily="34" charset="0"/>
+              </a:rPr>
+              <a:t>) Negative </a:t>
+            </a:r>
+            <a:r>
+              <a:rPr lang="it-IT" sz="2500" dirty="0" err="1">
+                <a:latin typeface="Arial" panose="020B0604020202020204" pitchFamily="34" charset="0"/>
+                <a:cs typeface="Arial" panose="020B0604020202020204" pitchFamily="34" charset="0"/>
+              </a:rPr>
+              <a:t>relationship</a:t>
+            </a:r>
+            <a:endParaRPr lang="it-IT" sz="2500" dirty="0">
+              <a:latin typeface="Arial" panose="020B0604020202020204" pitchFamily="34" charset="0"/>
+              <a:cs typeface="Arial" panose="020B0604020202020204" pitchFamily="34" charset="0"/>
+            </a:endParaRPr>
+          </a:p>
+          <a:p>
+            <a:pPr marL="0" indent="0" algn="just">
+              <a:buNone/>
+            </a:pPr>
+            <a:endParaRPr lang="it-IT" sz="2500" dirty="0">
+              <a:latin typeface="Arial" panose="020B0604020202020204" pitchFamily="34" charset="0"/>
+              <a:cs typeface="Arial" panose="020B0604020202020204" pitchFamily="34" charset="0"/>
+            </a:endParaRPr>
+          </a:p>
+          <a:p>
+            <a:pPr marL="0" indent="0" algn="just">
+              <a:buNone/>
+            </a:pPr>
+            <a:endParaRPr lang="it-IT" sz="2500" dirty="0">
+              <a:latin typeface="Arial" panose="020B0604020202020204" pitchFamily="34" charset="0"/>
+              <a:cs typeface="Arial" panose="020B0604020202020204" pitchFamily="34" charset="0"/>
+            </a:endParaRPr>
+          </a:p>
+        </p:txBody>
+      </p:sp>
+    </p:spTree>
+    <p:extLst>
+      <p:ext uri="{BB962C8B-B14F-4D97-AF65-F5344CB8AC3E}">
+        <p14:creationId xmlns:p14="http://schemas.microsoft.com/office/powerpoint/2010/main" val="2167095892"/>
+      </p:ext>
+    </p:extLst>
+  </p:cSld>
+  <p:clrMapOvr>
+    <a:masterClrMapping/>
+  </p:clrMapOvr>
+</p:sld>
+</file>
+
 <file path=ppt/theme/theme1.xml><?xml version="1.0" encoding="utf-8"?>
 <a:theme xmlns:a="http://schemas.openxmlformats.org/drawingml/2006/main" name="Tema di Office">
   <a:themeElements>
